--- a/Tetris.pptx
+++ b/Tetris.pptx
@@ -6,8 +6,8 @@
   </p:sldMasterIdLst>
   <p:sldIdLst>
     <p:sldId id="256" r:id="rId2"/>
-    <p:sldId id="257" r:id="rId3"/>
-    <p:sldId id="261" r:id="rId4"/>
+    <p:sldId id="262" r:id="rId3"/>
+    <p:sldId id="257" r:id="rId4"/>
     <p:sldId id="258" r:id="rId5"/>
     <p:sldId id="259" r:id="rId6"/>
     <p:sldId id="260" r:id="rId7"/>
@@ -109,6 +109,11 @@
       </a:defRPr>
     </a:lvl9pPr>
   </p:defaultTextStyle>
+  <p:extLst>
+    <p:ext uri="{EFAFB233-063F-42B5-8137-9DF3F51BA10A}">
+      <p15:sldGuideLst xmlns:p15="http://schemas.microsoft.com/office/powerpoint/2012/main"/>
+    </p:ext>
+  </p:extLst>
 </p:presentation>
 </file>
 
@@ -243,7 +248,7 @@
           <a:p>
             <a:fld id="{CCD74C96-3BD0-408D-9878-32E1E1448232}" type="datetimeFigureOut">
               <a:rPr lang="ko-KR" altLang="en-US" smtClean="0"/>
-              <a:t>2021-02-01</a:t>
+              <a:t>2021-02-02</a:t>
             </a:fld>
             <a:endParaRPr lang="ko-KR" altLang="en-US"/>
           </a:p>
@@ -413,7 +418,7 @@
           <a:p>
             <a:fld id="{CCD74C96-3BD0-408D-9878-32E1E1448232}" type="datetimeFigureOut">
               <a:rPr lang="ko-KR" altLang="en-US" smtClean="0"/>
-              <a:t>2021-02-01</a:t>
+              <a:t>2021-02-02</a:t>
             </a:fld>
             <a:endParaRPr lang="ko-KR" altLang="en-US"/>
           </a:p>
@@ -593,7 +598,7 @@
           <a:p>
             <a:fld id="{CCD74C96-3BD0-408D-9878-32E1E1448232}" type="datetimeFigureOut">
               <a:rPr lang="ko-KR" altLang="en-US" smtClean="0"/>
-              <a:t>2021-02-01</a:t>
+              <a:t>2021-02-02</a:t>
             </a:fld>
             <a:endParaRPr lang="ko-KR" altLang="en-US"/>
           </a:p>
@@ -763,7 +768,7 @@
           <a:p>
             <a:fld id="{CCD74C96-3BD0-408D-9878-32E1E1448232}" type="datetimeFigureOut">
               <a:rPr lang="ko-KR" altLang="en-US" smtClean="0"/>
-              <a:t>2021-02-01</a:t>
+              <a:t>2021-02-02</a:t>
             </a:fld>
             <a:endParaRPr lang="ko-KR" altLang="en-US"/>
           </a:p>
@@ -1009,7 +1014,7 @@
           <a:p>
             <a:fld id="{CCD74C96-3BD0-408D-9878-32E1E1448232}" type="datetimeFigureOut">
               <a:rPr lang="ko-KR" altLang="en-US" smtClean="0"/>
-              <a:t>2021-02-01</a:t>
+              <a:t>2021-02-02</a:t>
             </a:fld>
             <a:endParaRPr lang="ko-KR" altLang="en-US"/>
           </a:p>
@@ -1241,7 +1246,7 @@
           <a:p>
             <a:fld id="{CCD74C96-3BD0-408D-9878-32E1E1448232}" type="datetimeFigureOut">
               <a:rPr lang="ko-KR" altLang="en-US" smtClean="0"/>
-              <a:t>2021-02-01</a:t>
+              <a:t>2021-02-02</a:t>
             </a:fld>
             <a:endParaRPr lang="ko-KR" altLang="en-US"/>
           </a:p>
@@ -1608,7 +1613,7 @@
           <a:p>
             <a:fld id="{CCD74C96-3BD0-408D-9878-32E1E1448232}" type="datetimeFigureOut">
               <a:rPr lang="ko-KR" altLang="en-US" smtClean="0"/>
-              <a:t>2021-02-01</a:t>
+              <a:t>2021-02-02</a:t>
             </a:fld>
             <a:endParaRPr lang="ko-KR" altLang="en-US"/>
           </a:p>
@@ -1726,7 +1731,7 @@
           <a:p>
             <a:fld id="{CCD74C96-3BD0-408D-9878-32E1E1448232}" type="datetimeFigureOut">
               <a:rPr lang="ko-KR" altLang="en-US" smtClean="0"/>
-              <a:t>2021-02-01</a:t>
+              <a:t>2021-02-02</a:t>
             </a:fld>
             <a:endParaRPr lang="ko-KR" altLang="en-US"/>
           </a:p>
@@ -1821,7 +1826,7 @@
           <a:p>
             <a:fld id="{CCD74C96-3BD0-408D-9878-32E1E1448232}" type="datetimeFigureOut">
               <a:rPr lang="ko-KR" altLang="en-US" smtClean="0"/>
-              <a:t>2021-02-01</a:t>
+              <a:t>2021-02-02</a:t>
             </a:fld>
             <a:endParaRPr lang="ko-KR" altLang="en-US"/>
           </a:p>
@@ -2098,7 +2103,7 @@
           <a:p>
             <a:fld id="{CCD74C96-3BD0-408D-9878-32E1E1448232}" type="datetimeFigureOut">
               <a:rPr lang="ko-KR" altLang="en-US" smtClean="0"/>
-              <a:t>2021-02-01</a:t>
+              <a:t>2021-02-02</a:t>
             </a:fld>
             <a:endParaRPr lang="ko-KR" altLang="en-US"/>
           </a:p>
@@ -2351,7 +2356,7 @@
           <a:p>
             <a:fld id="{CCD74C96-3BD0-408D-9878-32E1E1448232}" type="datetimeFigureOut">
               <a:rPr lang="ko-KR" altLang="en-US" smtClean="0"/>
-              <a:t>2021-02-01</a:t>
+              <a:t>2021-02-02</a:t>
             </a:fld>
             <a:endParaRPr lang="ko-KR" altLang="en-US"/>
           </a:p>
@@ -2564,7 +2569,7 @@
           <a:p>
             <a:fld id="{CCD74C96-3BD0-408D-9878-32E1E1448232}" type="datetimeFigureOut">
               <a:rPr lang="ko-KR" altLang="en-US" smtClean="0"/>
-              <a:t>2021-02-01</a:t>
+              <a:t>2021-02-02</a:t>
             </a:fld>
             <a:endParaRPr lang="ko-KR" altLang="en-US"/>
           </a:p>
@@ -3022,6 +3027,10 @@
               <a:t>  </a:t>
             </a:r>
             <a:r>
+              <a:rPr lang="en-US" altLang="ko-KR" sz="1000" dirty="0" smtClean="0"/>
+              <a:t>   </a:t>
+            </a:r>
+            <a:r>
               <a:rPr lang="en-US" altLang="ko-KR" sz="1000" dirty="0" err="1" smtClean="0"/>
               <a:t>int</a:t>
             </a:r>
@@ -3071,7 +3080,6 @@
               <a:rPr lang="en-US" altLang="ko-KR" sz="1000" dirty="0" smtClean="0"/>
               <a:t>	   {0,0,0,0}</a:t>
             </a:r>
-            <a:endParaRPr lang="en-US" altLang="ko-KR" sz="1000" dirty="0" smtClean="0"/>
           </a:p>
           <a:p>
             <a:r>
@@ -3285,7 +3293,7 @@
         <p:spPr>
           <a:xfrm>
             <a:off x="2251892" y="411480"/>
-            <a:ext cx="6293708" cy="2862322"/>
+            <a:ext cx="6293708" cy="4708981"/>
           </a:xfrm>
           <a:prstGeom prst="rect">
             <a:avLst/>
@@ -3344,18 +3352,26 @@
           </a:p>
           <a:p>
             <a:r>
+              <a:rPr lang="en-US" altLang="ko-KR" sz="1000" dirty="0" smtClean="0"/>
+              <a:t>   </a:t>
+            </a:r>
+            <a:r>
               <a:rPr lang="en-US" altLang="ko-KR" sz="1000" dirty="0" err="1" smtClean="0"/>
               <a:t>Int</a:t>
             </a:r>
             <a:r>
               <a:rPr lang="en-US" altLang="ko-KR" sz="1000" dirty="0" smtClean="0"/>
-              <a:t> Member[4][4];</a:t>
-            </a:r>
-          </a:p>
-          <a:p>
-            <a:r>
-              <a:rPr lang="en-US" altLang="ko-KR" sz="1000" dirty="0" smtClean="0"/>
-              <a:t>Bool </a:t>
+              <a:t> </a:t>
+            </a:r>
+            <a:r>
+              <a:rPr lang="en-US" altLang="ko-KR" sz="1000" dirty="0" smtClean="0"/>
+              <a:t>Member[4][4];</a:t>
+            </a:r>
+          </a:p>
+          <a:p>
+            <a:r>
+              <a:rPr lang="en-US" altLang="ko-KR" sz="1000" dirty="0" smtClean="0"/>
+              <a:t>   Bool </a:t>
             </a:r>
             <a:r>
               <a:rPr lang="en-US" altLang="ko-KR" sz="1000" dirty="0" err="1" smtClean="0"/>
@@ -3368,6 +3384,10 @@
           </a:p>
           <a:p>
             <a:r>
+              <a:rPr lang="en-US" altLang="ko-KR" sz="1000" dirty="0" smtClean="0"/>
+              <a:t>   </a:t>
+            </a:r>
+            <a:r>
               <a:rPr lang="en-US" altLang="ko-KR" sz="1000" dirty="0" err="1" smtClean="0"/>
               <a:t>Int</a:t>
             </a:r>
@@ -3386,6 +3406,10 @@
           </a:p>
           <a:p>
             <a:r>
+              <a:rPr lang="en-US" altLang="ko-KR" sz="1000" dirty="0" smtClean="0"/>
+              <a:t>   </a:t>
+            </a:r>
+            <a:r>
               <a:rPr lang="en-US" altLang="ko-KR" sz="1000" dirty="0" err="1" smtClean="0"/>
               <a:t>Int</a:t>
             </a:r>
@@ -3399,23 +3423,269 @@
             </a:r>
             <a:r>
               <a:rPr lang="en-US" altLang="ko-KR" sz="1000" dirty="0" smtClean="0"/>
-              <a:t> = -5;</a:t>
+              <a:t> = -5</a:t>
+            </a:r>
+            <a:r>
+              <a:rPr lang="en-US" altLang="ko-KR" sz="1000" dirty="0" smtClean="0"/>
+              <a:t>;</a:t>
+            </a:r>
+          </a:p>
+          <a:p>
+            <a:r>
+              <a:rPr lang="en-US" altLang="ko-KR" sz="1000" dirty="0" smtClean="0"/>
+              <a:t>   </a:t>
+            </a:r>
+            <a:r>
+              <a:rPr lang="en-US" altLang="ko-KR" sz="1000" dirty="0" err="1" smtClean="0"/>
+              <a:t>int</a:t>
+            </a:r>
+            <a:r>
+              <a:rPr lang="en-US" altLang="ko-KR" sz="1000" dirty="0" smtClean="0"/>
+              <a:t> </a:t>
+            </a:r>
+            <a:r>
+              <a:rPr lang="en-US" altLang="ko-KR" sz="1000" dirty="0" err="1" smtClean="0"/>
+              <a:t>posTetrisY</a:t>
+            </a:r>
+            <a:r>
+              <a:rPr lang="en-US" altLang="ko-KR" sz="1000" dirty="0" smtClean="0"/>
+              <a:t>[4] = { 0 };</a:t>
             </a:r>
             <a:endParaRPr lang="en-US" altLang="ko-KR" sz="1000" dirty="0"/>
           </a:p>
           <a:p>
+            <a:r>
+              <a:rPr lang="en-US" altLang="ko-KR" sz="1000" dirty="0"/>
+              <a:t>   </a:t>
+            </a:r>
+            <a:r>
+              <a:rPr lang="en-US" altLang="ko-KR" sz="1000" dirty="0" err="1" smtClean="0"/>
+              <a:t>int</a:t>
+            </a:r>
+            <a:r>
+              <a:rPr lang="en-US" altLang="ko-KR" sz="1000" dirty="0" smtClean="0"/>
+              <a:t> </a:t>
+            </a:r>
+            <a:r>
+              <a:rPr lang="en-US" altLang="ko-KR" sz="1000" dirty="0" err="1" smtClean="0"/>
+              <a:t>posTetrisX</a:t>
+            </a:r>
+            <a:r>
+              <a:rPr lang="en-US" altLang="ko-KR" sz="1000" dirty="0" smtClean="0"/>
+              <a:t>[4] </a:t>
+            </a:r>
+            <a:r>
+              <a:rPr lang="en-US" altLang="ko-KR" sz="1000" dirty="0"/>
+              <a:t>= { 0 </a:t>
+            </a:r>
+            <a:r>
+              <a:rPr lang="en-US" altLang="ko-KR" sz="1000" dirty="0" smtClean="0"/>
+              <a:t>};</a:t>
+            </a:r>
+          </a:p>
+          <a:p>
+            <a:r>
+              <a:rPr lang="en-US" altLang="ko-KR" sz="1000" dirty="0"/>
+              <a:t> </a:t>
+            </a:r>
+            <a:r>
+              <a:rPr lang="en-US" altLang="ko-KR" sz="1000" dirty="0" smtClean="0"/>
+              <a:t>  </a:t>
+            </a:r>
+            <a:r>
+              <a:rPr lang="en-US" altLang="ko-KR" sz="1000" dirty="0" err="1" smtClean="0"/>
+              <a:t>int</a:t>
+            </a:r>
+            <a:r>
+              <a:rPr lang="en-US" altLang="ko-KR" sz="1000" dirty="0" smtClean="0"/>
+              <a:t> (*</a:t>
+            </a:r>
+            <a:r>
+              <a:rPr lang="en-US" altLang="ko-KR" sz="1000" dirty="0" err="1" smtClean="0"/>
+              <a:t>iMap</a:t>
+            </a:r>
+            <a:r>
+              <a:rPr lang="en-US" altLang="ko-KR" sz="1000" dirty="0" smtClean="0"/>
+              <a:t>)[40][20];</a:t>
+            </a:r>
             <a:endParaRPr lang="en-US" altLang="ko-KR" sz="1000" dirty="0"/>
           </a:p>
           <a:p>
-            <a:r>
-              <a:rPr lang="en-US" altLang="ko-KR" sz="1000" dirty="0" smtClean="0"/>
-              <a:t>Public:</a:t>
-            </a:r>
-          </a:p>
-          <a:p>
-            <a:r>
-              <a:rPr lang="en-US" altLang="ko-KR" sz="1000" dirty="0" smtClean="0"/>
-              <a:t>Tetris();</a:t>
+            <a:endParaRPr lang="en-US" altLang="ko-KR" sz="1000" dirty="0"/>
+          </a:p>
+          <a:p>
+            <a:r>
+              <a:rPr lang="en-US" altLang="ko-KR" sz="1000" dirty="0" smtClean="0"/>
+              <a:t>Public</a:t>
+            </a:r>
+            <a:r>
+              <a:rPr lang="en-US" altLang="ko-KR" sz="1000" dirty="0" smtClean="0"/>
+              <a:t>:</a:t>
+            </a:r>
+          </a:p>
+          <a:p>
+            <a:r>
+              <a:rPr lang="en-US" altLang="ko-KR" sz="1000" dirty="0"/>
+              <a:t> </a:t>
+            </a:r>
+            <a:r>
+              <a:rPr lang="en-US" altLang="ko-KR" sz="1000" dirty="0" smtClean="0"/>
+              <a:t>  Tetris();</a:t>
+            </a:r>
+            <a:endParaRPr lang="en-US" altLang="ko-KR" sz="1000" dirty="0" smtClean="0"/>
+          </a:p>
+          <a:p>
+            <a:r>
+              <a:rPr lang="en-US" altLang="ko-KR" sz="1000" dirty="0" smtClean="0"/>
+              <a:t>   Tetris(</a:t>
+            </a:r>
+            <a:r>
+              <a:rPr lang="en-US" altLang="ko-KR" sz="1000" dirty="0" err="1" smtClean="0"/>
+              <a:t>int</a:t>
+            </a:r>
+            <a:r>
+              <a:rPr lang="en-US" altLang="ko-KR" sz="1000" dirty="0" smtClean="0"/>
+              <a:t> (*map)[40][20]);</a:t>
+            </a:r>
+          </a:p>
+          <a:p>
+            <a:r>
+              <a:rPr lang="en-US" altLang="ko-KR" sz="1000" dirty="0" smtClean="0"/>
+              <a:t>   void </a:t>
+            </a:r>
+            <a:r>
+              <a:rPr lang="en-US" altLang="ko-KR" sz="1000" dirty="0" err="1"/>
+              <a:t>DrawTetris</a:t>
+            </a:r>
+            <a:r>
+              <a:rPr lang="en-US" altLang="ko-KR" sz="1000" dirty="0"/>
+              <a:t>();</a:t>
+            </a:r>
+          </a:p>
+          <a:p>
+            <a:r>
+              <a:rPr lang="en-US" altLang="ko-KR" sz="1000" dirty="0"/>
+              <a:t>   </a:t>
+            </a:r>
+            <a:r>
+              <a:rPr lang="en-US" altLang="ko-KR" sz="1000" dirty="0" smtClean="0"/>
+              <a:t>void </a:t>
+            </a:r>
+            <a:r>
+              <a:rPr lang="en-US" altLang="ko-KR" sz="1000" dirty="0" err="1"/>
+              <a:t>MoveTetris</a:t>
+            </a:r>
+            <a:r>
+              <a:rPr lang="en-US" altLang="ko-KR" sz="1000" dirty="0"/>
+              <a:t>();</a:t>
+            </a:r>
+          </a:p>
+          <a:p>
+            <a:r>
+              <a:rPr lang="en-US" altLang="ko-KR" sz="1000" dirty="0"/>
+              <a:t>   </a:t>
+            </a:r>
+            <a:r>
+              <a:rPr lang="en-US" altLang="ko-KR" sz="1000" dirty="0" smtClean="0"/>
+              <a:t>void </a:t>
+            </a:r>
+            <a:r>
+              <a:rPr lang="en-US" altLang="ko-KR" sz="1000" dirty="0" err="1"/>
+              <a:t>MoveDeleteTetris</a:t>
+            </a:r>
+            <a:r>
+              <a:rPr lang="en-US" altLang="ko-KR" sz="1000" dirty="0"/>
+              <a:t>();</a:t>
+            </a:r>
+          </a:p>
+          <a:p>
+            <a:r>
+              <a:rPr lang="en-US" altLang="ko-KR" sz="1000" dirty="0"/>
+              <a:t>   </a:t>
+            </a:r>
+            <a:r>
+              <a:rPr lang="en-US" altLang="ko-KR" sz="1000" dirty="0" smtClean="0"/>
+              <a:t>void </a:t>
+            </a:r>
+            <a:r>
+              <a:rPr lang="en-US" altLang="ko-KR" sz="1000" dirty="0" err="1"/>
+              <a:t>CheckTetris</a:t>
+            </a:r>
+            <a:r>
+              <a:rPr lang="en-US" altLang="ko-KR" sz="1000" dirty="0"/>
+              <a:t>();</a:t>
+            </a:r>
+          </a:p>
+          <a:p>
+            <a:r>
+              <a:rPr lang="en-US" altLang="ko-KR" sz="1000" dirty="0"/>
+              <a:t>   </a:t>
+            </a:r>
+            <a:r>
+              <a:rPr lang="en-US" altLang="ko-KR" sz="1000" dirty="0" smtClean="0"/>
+              <a:t>void </a:t>
+            </a:r>
+            <a:r>
+              <a:rPr lang="en-US" altLang="ko-KR" sz="1000" dirty="0" err="1"/>
+              <a:t>RotateTetris</a:t>
+            </a:r>
+            <a:r>
+              <a:rPr lang="en-US" altLang="ko-KR" sz="1000" dirty="0"/>
+              <a:t>();</a:t>
+            </a:r>
+          </a:p>
+          <a:p>
+            <a:r>
+              <a:rPr lang="en-US" altLang="ko-KR" sz="1000" dirty="0"/>
+              <a:t>   </a:t>
+            </a:r>
+            <a:r>
+              <a:rPr lang="en-US" altLang="ko-KR" sz="1000" dirty="0" smtClean="0"/>
+              <a:t>void </a:t>
+            </a:r>
+            <a:r>
+              <a:rPr lang="en-US" altLang="ko-KR" sz="1000" dirty="0" err="1"/>
+              <a:t>MoveLeftTetris</a:t>
+            </a:r>
+            <a:r>
+              <a:rPr lang="en-US" altLang="ko-KR" sz="1000" dirty="0"/>
+              <a:t>();</a:t>
+            </a:r>
+          </a:p>
+          <a:p>
+            <a:r>
+              <a:rPr lang="en-US" altLang="ko-KR" sz="1000" dirty="0"/>
+              <a:t>   </a:t>
+            </a:r>
+            <a:r>
+              <a:rPr lang="en-US" altLang="ko-KR" sz="1000" dirty="0" smtClean="0"/>
+              <a:t>void </a:t>
+            </a:r>
+            <a:r>
+              <a:rPr lang="en-US" altLang="ko-KR" sz="1000" dirty="0" err="1"/>
+              <a:t>MoveRightTetris</a:t>
+            </a:r>
+            <a:r>
+              <a:rPr lang="en-US" altLang="ko-KR" sz="1000" dirty="0" smtClean="0"/>
+              <a:t>();</a:t>
+            </a:r>
+          </a:p>
+          <a:p>
+            <a:r>
+              <a:rPr lang="en-US" altLang="ko-KR" sz="1000" dirty="0"/>
+              <a:t> </a:t>
+            </a:r>
+            <a:r>
+              <a:rPr lang="en-US" altLang="ko-KR" sz="1000" dirty="0" smtClean="0"/>
+              <a:t>  bool </a:t>
+            </a:r>
+            <a:r>
+              <a:rPr lang="en-US" altLang="ko-KR" sz="1000" dirty="0" err="1" smtClean="0"/>
+              <a:t>GetisChecked</a:t>
+            </a:r>
+            <a:r>
+              <a:rPr lang="en-US" altLang="ko-KR" sz="1000" dirty="0" smtClean="0"/>
+              <a:t>();</a:t>
             </a:r>
             <a:endParaRPr lang="en-US" altLang="ko-KR" sz="1000" dirty="0" smtClean="0"/>
           </a:p>
@@ -3442,8 +3712,8 @@
         </p:nvSpPr>
         <p:spPr>
           <a:xfrm>
-            <a:off x="6293708" y="411480"/>
-            <a:ext cx="6293708" cy="2092881"/>
+            <a:off x="4272800" y="205534"/>
+            <a:ext cx="6293708" cy="6247864"/>
           </a:xfrm>
           <a:prstGeom prst="rect">
             <a:avLst/>
@@ -3458,7 +3728,23 @@
           <a:p>
             <a:r>
               <a:rPr lang="en-US" altLang="ko-KR" sz="1000" dirty="0" smtClean="0"/>
-              <a:t>Tetris::Tetris()</a:t>
+              <a:t>Tetris</a:t>
+            </a:r>
+            <a:r>
+              <a:rPr lang="en-US" altLang="ko-KR" sz="1000" dirty="0"/>
+              <a:t>:: Tetris(</a:t>
+            </a:r>
+            <a:r>
+              <a:rPr lang="en-US" altLang="ko-KR" sz="1000" dirty="0" err="1"/>
+              <a:t>int</a:t>
+            </a:r>
+            <a:r>
+              <a:rPr lang="en-US" altLang="ko-KR" sz="1000" dirty="0"/>
+              <a:t> (*map)[40][20</a:t>
+            </a:r>
+            <a:r>
+              <a:rPr lang="en-US" altLang="ko-KR" sz="1000" dirty="0" smtClean="0"/>
+              <a:t>])</a:t>
             </a:r>
           </a:p>
           <a:p>
@@ -3466,6 +3752,25 @@
               <a:rPr lang="en-US" altLang="ko-KR" sz="1000" dirty="0" smtClean="0"/>
               <a:t>{</a:t>
             </a:r>
+          </a:p>
+          <a:p>
+            <a:r>
+              <a:rPr lang="en-US" altLang="ko-KR" sz="1000" dirty="0"/>
+              <a:t> </a:t>
+            </a:r>
+            <a:r>
+              <a:rPr lang="en-US" altLang="ko-KR" sz="1000" dirty="0" smtClean="0"/>
+              <a:t>  </a:t>
+            </a:r>
+            <a:r>
+              <a:rPr lang="en-US" altLang="ko-KR" sz="1000" dirty="0" err="1" smtClean="0"/>
+              <a:t>iMap</a:t>
+            </a:r>
+            <a:r>
+              <a:rPr lang="en-US" altLang="ko-KR" sz="1000" dirty="0" smtClean="0"/>
+              <a:t> = map;</a:t>
+            </a:r>
+            <a:endParaRPr lang="en-US" altLang="ko-KR" sz="1000" dirty="0" smtClean="0"/>
           </a:p>
           <a:p>
             <a:r>
@@ -3529,7 +3834,6 @@
               <a:rPr lang="en-US" altLang="ko-KR" sz="1000" dirty="0" smtClean="0"/>
               <a:t>   {</a:t>
             </a:r>
-            <a:endParaRPr lang="en-US" altLang="ko-KR" sz="1000" dirty="0" smtClean="0"/>
           </a:p>
           <a:p>
             <a:r>
@@ -3559,11 +3863,7 @@
             </a:r>
             <a:r>
               <a:rPr lang="en-US" altLang="ko-KR" sz="1000" dirty="0" smtClean="0"/>
-              <a:t>        </a:t>
-            </a:r>
-            <a:r>
-              <a:rPr lang="en-US" altLang="ko-KR" sz="1000" dirty="0" smtClean="0"/>
-              <a:t>Member[y][x] = </a:t>
+              <a:t>        Member[y][x] = </a:t>
             </a:r>
             <a:r>
               <a:rPr lang="en-US" altLang="ko-KR" sz="1000" dirty="0" err="1" smtClean="0"/>
@@ -3600,7 +3900,753 @@
               <a:rPr lang="en-US" altLang="ko-KR" sz="1000" dirty="0" smtClean="0"/>
               <a:t>}</a:t>
             </a:r>
+          </a:p>
+          <a:p>
+            <a:endParaRPr lang="en-US" altLang="ko-KR" sz="1000" dirty="0"/>
+          </a:p>
+          <a:p>
+            <a:r>
+              <a:rPr lang="en-US" altLang="ko-KR" sz="1000" dirty="0"/>
+              <a:t>Void </a:t>
+            </a:r>
+            <a:r>
+              <a:rPr lang="en-US" altLang="ko-KR" sz="1000" dirty="0" err="1"/>
+              <a:t>DrawTetris</a:t>
+            </a:r>
+            <a:r>
+              <a:rPr lang="en-US" altLang="ko-KR" sz="1000" dirty="0"/>
+              <a:t>()</a:t>
+            </a:r>
+          </a:p>
+          <a:p>
+            <a:r>
+              <a:rPr lang="en-US" altLang="ko-KR" sz="1000" dirty="0"/>
+              <a:t>{</a:t>
+            </a:r>
+          </a:p>
+          <a:p>
+            <a:r>
+              <a:rPr lang="en-US" altLang="ko-KR" sz="1000" dirty="0"/>
+              <a:t>   </a:t>
+            </a:r>
+            <a:r>
+              <a:rPr lang="en-US" altLang="ko-KR" sz="1000" dirty="0" err="1"/>
+              <a:t>int</a:t>
+            </a:r>
+            <a:r>
+              <a:rPr lang="en-US" altLang="ko-KR" sz="1000" dirty="0"/>
+              <a:t> </a:t>
+            </a:r>
+            <a:r>
+              <a:rPr lang="en-US" altLang="ko-KR" sz="1000" dirty="0" err="1"/>
+              <a:t>saveY</a:t>
+            </a:r>
+            <a:r>
+              <a:rPr lang="en-US" altLang="ko-KR" sz="1000" dirty="0"/>
+              <a:t> = </a:t>
+            </a:r>
+            <a:r>
+              <a:rPr lang="en-US" altLang="ko-KR" sz="1000" dirty="0" err="1"/>
+              <a:t>tesY</a:t>
+            </a:r>
+            <a:r>
+              <a:rPr lang="en-US" altLang="ko-KR" sz="1000" dirty="0"/>
+              <a:t>;</a:t>
+            </a:r>
+          </a:p>
+          <a:p>
+            <a:r>
+              <a:rPr lang="en-US" altLang="ko-KR" sz="1000" dirty="0"/>
+              <a:t>   </a:t>
+            </a:r>
+            <a:r>
+              <a:rPr lang="en-US" altLang="ko-KR" sz="1000" dirty="0" err="1"/>
+              <a:t>int</a:t>
+            </a:r>
+            <a:r>
+              <a:rPr lang="en-US" altLang="ko-KR" sz="1000" dirty="0"/>
+              <a:t> </a:t>
+            </a:r>
+            <a:r>
+              <a:rPr lang="en-US" altLang="ko-KR" sz="1000" dirty="0" err="1"/>
+              <a:t>saveX</a:t>
+            </a:r>
+            <a:r>
+              <a:rPr lang="en-US" altLang="ko-KR" sz="1000" dirty="0"/>
+              <a:t> = </a:t>
+            </a:r>
+            <a:r>
+              <a:rPr lang="en-US" altLang="ko-KR" sz="1000" dirty="0" err="1"/>
+              <a:t>tesX</a:t>
+            </a:r>
+            <a:r>
+              <a:rPr lang="en-US" altLang="ko-KR" sz="1000" dirty="0"/>
+              <a:t>;</a:t>
+            </a:r>
+          </a:p>
+          <a:p>
+            <a:endParaRPr lang="en-US" altLang="ko-KR" sz="1000" dirty="0"/>
+          </a:p>
+          <a:p>
+            <a:r>
+              <a:rPr lang="en-US" altLang="ko-KR" sz="1000" dirty="0"/>
+              <a:t>   for(</a:t>
+            </a:r>
+            <a:r>
+              <a:rPr lang="en-US" altLang="ko-KR" sz="1000" dirty="0" err="1"/>
+              <a:t>int</a:t>
+            </a:r>
+            <a:r>
+              <a:rPr lang="en-US" altLang="ko-KR" sz="1000" dirty="0"/>
+              <a:t> y=0; y&lt;4; y++)</a:t>
+            </a:r>
+          </a:p>
+          <a:p>
+            <a:r>
+              <a:rPr lang="en-US" altLang="ko-KR" sz="1000" dirty="0"/>
+              <a:t>   {</a:t>
+            </a:r>
+          </a:p>
+          <a:p>
+            <a:r>
+              <a:rPr lang="en-US" altLang="ko-KR" sz="1000" dirty="0"/>
+              <a:t>       if(</a:t>
+            </a:r>
+            <a:r>
+              <a:rPr lang="en-US" altLang="ko-KR" sz="1000" dirty="0" err="1"/>
+              <a:t>tesY+y</a:t>
+            </a:r>
+            <a:r>
+              <a:rPr lang="en-US" altLang="ko-KR" sz="1000" dirty="0"/>
+              <a:t> &lt; 0)</a:t>
+            </a:r>
+          </a:p>
+          <a:p>
+            <a:r>
+              <a:rPr lang="en-US" altLang="ko-KR" sz="1000" dirty="0"/>
+              <a:t>       {</a:t>
+            </a:r>
+          </a:p>
+          <a:p>
+            <a:r>
+              <a:rPr lang="en-US" altLang="ko-KR" sz="1000" dirty="0"/>
+              <a:t>           continue;</a:t>
+            </a:r>
+          </a:p>
+          <a:p>
+            <a:r>
+              <a:rPr lang="en-US" altLang="ko-KR" sz="1000" dirty="0"/>
+              <a:t>       }</a:t>
+            </a:r>
+          </a:p>
+          <a:p>
+            <a:r>
+              <a:rPr lang="en-US" altLang="ko-KR" sz="1000" dirty="0"/>
+              <a:t>       for(</a:t>
+            </a:r>
+            <a:r>
+              <a:rPr lang="en-US" altLang="ko-KR" sz="1000" dirty="0" err="1"/>
+              <a:t>int</a:t>
+            </a:r>
+            <a:r>
+              <a:rPr lang="en-US" altLang="ko-KR" sz="1000" dirty="0"/>
+              <a:t> x = 0; x&lt;4; x++)</a:t>
+            </a:r>
+          </a:p>
+          <a:p>
+            <a:r>
+              <a:rPr lang="en-US" altLang="ko-KR" sz="1000" dirty="0"/>
+              <a:t>       {</a:t>
+            </a:r>
+          </a:p>
+          <a:p>
+            <a:r>
+              <a:rPr lang="en-US" altLang="ko-KR" sz="1000" dirty="0"/>
+              <a:t>           if(Member[y][x] == 1)</a:t>
+            </a:r>
+          </a:p>
+          <a:p>
+            <a:r>
+              <a:rPr lang="en-US" altLang="ko-KR" sz="1000" dirty="0"/>
+              <a:t>           {</a:t>
+            </a:r>
+          </a:p>
+          <a:p>
+            <a:r>
+              <a:rPr lang="en-US" altLang="ko-KR" sz="1000" dirty="0"/>
+              <a:t>               (*</a:t>
+            </a:r>
+            <a:r>
+              <a:rPr lang="en-US" altLang="ko-KR" sz="1000" dirty="0" err="1"/>
+              <a:t>iMap</a:t>
+            </a:r>
+            <a:r>
+              <a:rPr lang="en-US" altLang="ko-KR" sz="1000" dirty="0"/>
+              <a:t>)[</a:t>
+            </a:r>
+            <a:r>
+              <a:rPr lang="en-US" altLang="ko-KR" sz="1000" dirty="0" err="1"/>
+              <a:t>saveY</a:t>
+            </a:r>
+            <a:r>
+              <a:rPr lang="en-US" altLang="ko-KR" sz="1000" dirty="0"/>
+              <a:t>][</a:t>
+            </a:r>
+            <a:r>
+              <a:rPr lang="en-US" altLang="ko-KR" sz="1000" dirty="0" err="1"/>
+              <a:t>saveX</a:t>
+            </a:r>
+            <a:r>
+              <a:rPr lang="en-US" altLang="ko-KR" sz="1000" dirty="0"/>
+              <a:t>] += Member[y][x];</a:t>
+            </a:r>
+          </a:p>
+          <a:p>
+            <a:r>
+              <a:rPr lang="en-US" altLang="ko-KR" sz="1000" dirty="0"/>
+              <a:t>           }</a:t>
+            </a:r>
+          </a:p>
+          <a:p>
+            <a:r>
+              <a:rPr lang="en-US" altLang="ko-KR" sz="1000" dirty="0"/>
+              <a:t>           </a:t>
+            </a:r>
+            <a:r>
+              <a:rPr lang="en-US" altLang="ko-KR" sz="1000" dirty="0" err="1"/>
+              <a:t>saveX</a:t>
+            </a:r>
+            <a:r>
+              <a:rPr lang="en-US" altLang="ko-KR" sz="1000" dirty="0"/>
+              <a:t>++;</a:t>
+            </a:r>
+          </a:p>
+          <a:p>
+            <a:r>
+              <a:rPr lang="en-US" altLang="ko-KR" sz="1000" dirty="0"/>
+              <a:t>       }</a:t>
+            </a:r>
+          </a:p>
+          <a:p>
+            <a:r>
+              <a:rPr lang="en-US" altLang="ko-KR" sz="1000" dirty="0"/>
+              <a:t>       </a:t>
+            </a:r>
+            <a:r>
+              <a:rPr lang="en-US" altLang="ko-KR" sz="1000" dirty="0" err="1"/>
+              <a:t>saveX</a:t>
+            </a:r>
+            <a:r>
+              <a:rPr lang="en-US" altLang="ko-KR" sz="1000" dirty="0"/>
+              <a:t> = </a:t>
+            </a:r>
+            <a:r>
+              <a:rPr lang="en-US" altLang="ko-KR" sz="1000" dirty="0" err="1"/>
+              <a:t>tesX</a:t>
+            </a:r>
+            <a:r>
+              <a:rPr lang="en-US" altLang="ko-KR" sz="1000" dirty="0"/>
+              <a:t>;</a:t>
+            </a:r>
+          </a:p>
+          <a:p>
+            <a:r>
+              <a:rPr lang="en-US" altLang="ko-KR" sz="1000" dirty="0"/>
+              <a:t>       </a:t>
+            </a:r>
+            <a:r>
+              <a:rPr lang="en-US" altLang="ko-KR" sz="1000" dirty="0" err="1"/>
+              <a:t>saveY</a:t>
+            </a:r>
+            <a:r>
+              <a:rPr lang="en-US" altLang="ko-KR" sz="1000" dirty="0"/>
+              <a:t>++;</a:t>
+            </a:r>
+          </a:p>
+          <a:p>
+            <a:r>
+              <a:rPr lang="en-US" altLang="ko-KR" sz="1000" dirty="0"/>
+              <a:t>   }</a:t>
+            </a:r>
+          </a:p>
+          <a:p>
+            <a:r>
+              <a:rPr lang="en-US" altLang="ko-KR" sz="1000" dirty="0"/>
+              <a:t>}</a:t>
+            </a:r>
+          </a:p>
+          <a:p>
             <a:endParaRPr lang="en-US" altLang="ko-KR" sz="1000" dirty="0" smtClean="0"/>
+          </a:p>
+        </p:txBody>
+      </p:sp>
+      <p:sp>
+        <p:nvSpPr>
+          <p:cNvPr id="8" name="TextBox 7"/>
+          <p:cNvSpPr txBox="1"/>
+          <p:nvPr/>
+        </p:nvSpPr>
+        <p:spPr>
+          <a:xfrm>
+            <a:off x="7604760" y="205534"/>
+            <a:ext cx="4587240" cy="5940088"/>
+          </a:xfrm>
+          <a:prstGeom prst="rect">
+            <a:avLst/>
+          </a:prstGeom>
+          <a:noFill/>
+        </p:spPr>
+        <p:txBody>
+          <a:bodyPr wrap="square" rtlCol="0">
+            <a:spAutoFit/>
+          </a:bodyPr>
+          <a:lstStyle/>
+          <a:p>
+            <a:r>
+              <a:rPr lang="en-US" altLang="ko-KR" sz="1000" dirty="0" smtClean="0"/>
+              <a:t>Void </a:t>
+            </a:r>
+            <a:r>
+              <a:rPr lang="en-US" altLang="ko-KR" sz="1000" dirty="0" err="1" smtClean="0"/>
+              <a:t>MoveTetris</a:t>
+            </a:r>
+            <a:r>
+              <a:rPr lang="en-US" altLang="ko-KR" sz="1000" dirty="0" smtClean="0"/>
+              <a:t>()</a:t>
+            </a:r>
+          </a:p>
+          <a:p>
+            <a:r>
+              <a:rPr lang="en-US" altLang="ko-KR" sz="1000" dirty="0" smtClean="0"/>
+              <a:t>{</a:t>
+            </a:r>
+          </a:p>
+          <a:p>
+            <a:r>
+              <a:rPr lang="en-US" altLang="ko-KR" sz="1000" dirty="0"/>
+              <a:t> </a:t>
+            </a:r>
+            <a:r>
+              <a:rPr lang="en-US" altLang="ko-KR" sz="1000" dirty="0" smtClean="0"/>
+              <a:t>  if(</a:t>
+            </a:r>
+            <a:r>
+              <a:rPr lang="en-US" altLang="ko-KR" sz="1000" dirty="0" err="1" smtClean="0"/>
+              <a:t>isChecked</a:t>
+            </a:r>
+            <a:r>
+              <a:rPr lang="en-US" altLang="ko-KR" sz="1000" dirty="0" smtClean="0"/>
+              <a:t> == false)</a:t>
+            </a:r>
+          </a:p>
+          <a:p>
+            <a:r>
+              <a:rPr lang="en-US" altLang="ko-KR" sz="1000" dirty="0" smtClean="0"/>
+              <a:t>   {</a:t>
+            </a:r>
+          </a:p>
+          <a:p>
+            <a:r>
+              <a:rPr lang="en-US" altLang="ko-KR" sz="1000" dirty="0" smtClean="0"/>
+              <a:t>      </a:t>
+            </a:r>
+            <a:r>
+              <a:rPr lang="en-US" altLang="ko-KR" sz="1000" dirty="0" err="1" smtClean="0"/>
+              <a:t>MoveDeleteTetris</a:t>
+            </a:r>
+            <a:r>
+              <a:rPr lang="en-US" altLang="ko-KR" sz="1000" dirty="0" smtClean="0"/>
+              <a:t>();</a:t>
+            </a:r>
+          </a:p>
+          <a:p>
+            <a:r>
+              <a:rPr lang="en-US" altLang="ko-KR" sz="1000" dirty="0" smtClean="0"/>
+              <a:t>      </a:t>
+            </a:r>
+            <a:r>
+              <a:rPr lang="en-US" altLang="ko-KR" sz="1000" dirty="0" err="1" smtClean="0"/>
+              <a:t>tesY</a:t>
+            </a:r>
+            <a:r>
+              <a:rPr lang="en-US" altLang="ko-KR" sz="1000" dirty="0" smtClean="0"/>
+              <a:t>++;</a:t>
+            </a:r>
+          </a:p>
+          <a:p>
+            <a:r>
+              <a:rPr lang="en-US" altLang="ko-KR" sz="1000" dirty="0" smtClean="0"/>
+              <a:t>      </a:t>
+            </a:r>
+            <a:r>
+              <a:rPr lang="en-US" altLang="ko-KR" sz="1000" dirty="0" err="1" smtClean="0"/>
+              <a:t>ShowTetris</a:t>
+            </a:r>
+            <a:r>
+              <a:rPr lang="en-US" altLang="ko-KR" sz="1000" dirty="0" smtClean="0"/>
+              <a:t>();</a:t>
+            </a:r>
+          </a:p>
+          <a:p>
+            <a:r>
+              <a:rPr lang="en-US" altLang="ko-KR" sz="1000" dirty="0"/>
+              <a:t> </a:t>
+            </a:r>
+            <a:r>
+              <a:rPr lang="en-US" altLang="ko-KR" sz="1000" dirty="0" smtClean="0"/>
+              <a:t>  }</a:t>
+            </a:r>
+            <a:endParaRPr lang="en-US" altLang="ko-KR" sz="1000" dirty="0" smtClean="0"/>
+          </a:p>
+          <a:p>
+            <a:r>
+              <a:rPr lang="en-US" altLang="ko-KR" sz="1000" dirty="0" smtClean="0"/>
+              <a:t>}</a:t>
+            </a:r>
+          </a:p>
+          <a:p>
+            <a:endParaRPr lang="en-US" altLang="ko-KR" sz="1000" dirty="0" smtClean="0"/>
+          </a:p>
+          <a:p>
+            <a:r>
+              <a:rPr lang="en-US" altLang="ko-KR" sz="1000" dirty="0" smtClean="0"/>
+              <a:t>Void </a:t>
+            </a:r>
+            <a:r>
+              <a:rPr lang="en-US" altLang="ko-KR" sz="1000" dirty="0" err="1" smtClean="0"/>
+              <a:t>MoveDeleteTetris</a:t>
+            </a:r>
+            <a:r>
+              <a:rPr lang="en-US" altLang="ko-KR" sz="1000" dirty="0" smtClean="0"/>
+              <a:t>()</a:t>
+            </a:r>
+          </a:p>
+          <a:p>
+            <a:r>
+              <a:rPr lang="en-US" altLang="ko-KR" sz="1000" dirty="0" smtClean="0"/>
+              <a:t>{</a:t>
+            </a:r>
+          </a:p>
+          <a:p>
+            <a:r>
+              <a:rPr lang="en-US" altLang="ko-KR" sz="1000" dirty="0" smtClean="0"/>
+              <a:t>   </a:t>
+            </a:r>
+            <a:r>
+              <a:rPr lang="en-US" altLang="ko-KR" sz="1000" dirty="0" err="1" smtClean="0"/>
+              <a:t>int</a:t>
+            </a:r>
+            <a:r>
+              <a:rPr lang="en-US" altLang="ko-KR" sz="1000" dirty="0" smtClean="0"/>
+              <a:t> </a:t>
+            </a:r>
+            <a:r>
+              <a:rPr lang="en-US" altLang="ko-KR" sz="1000" dirty="0" err="1" smtClean="0"/>
+              <a:t>saveY</a:t>
+            </a:r>
+            <a:r>
+              <a:rPr lang="en-US" altLang="ko-KR" sz="1000" dirty="0" smtClean="0"/>
+              <a:t> = </a:t>
+            </a:r>
+            <a:r>
+              <a:rPr lang="en-US" altLang="ko-KR" sz="1000" dirty="0" err="1" smtClean="0"/>
+              <a:t>tesY</a:t>
+            </a:r>
+            <a:r>
+              <a:rPr lang="en-US" altLang="ko-KR" sz="1000" dirty="0" smtClean="0"/>
+              <a:t>;</a:t>
+            </a:r>
+          </a:p>
+          <a:p>
+            <a:r>
+              <a:rPr lang="en-US" altLang="ko-KR" sz="1000" dirty="0" smtClean="0"/>
+              <a:t>   </a:t>
+            </a:r>
+            <a:r>
+              <a:rPr lang="en-US" altLang="ko-KR" sz="1000" dirty="0" err="1" smtClean="0"/>
+              <a:t>int</a:t>
+            </a:r>
+            <a:r>
+              <a:rPr lang="en-US" altLang="ko-KR" sz="1000" dirty="0" smtClean="0"/>
+              <a:t> </a:t>
+            </a:r>
+            <a:r>
+              <a:rPr lang="en-US" altLang="ko-KR" sz="1000" dirty="0" err="1" smtClean="0"/>
+              <a:t>saveX</a:t>
+            </a:r>
+            <a:r>
+              <a:rPr lang="en-US" altLang="ko-KR" sz="1000" dirty="0" smtClean="0"/>
+              <a:t> = </a:t>
+            </a:r>
+            <a:r>
+              <a:rPr lang="en-US" altLang="ko-KR" sz="1000" dirty="0" err="1" smtClean="0"/>
+              <a:t>tesX</a:t>
+            </a:r>
+            <a:r>
+              <a:rPr lang="en-US" altLang="ko-KR" sz="1000" dirty="0" smtClean="0"/>
+              <a:t>;</a:t>
+            </a:r>
+          </a:p>
+          <a:p>
+            <a:endParaRPr lang="en-US" altLang="ko-KR" sz="1000" dirty="0" smtClean="0"/>
+          </a:p>
+          <a:p>
+            <a:r>
+              <a:rPr lang="en-US" altLang="ko-KR" sz="1000" dirty="0" smtClean="0"/>
+              <a:t>   for(</a:t>
+            </a:r>
+            <a:r>
+              <a:rPr lang="en-US" altLang="ko-KR" sz="1000" dirty="0" err="1" smtClean="0"/>
+              <a:t>int</a:t>
+            </a:r>
+            <a:r>
+              <a:rPr lang="en-US" altLang="ko-KR" sz="1000" dirty="0" smtClean="0"/>
+              <a:t> y=0; y&lt;4; y++)</a:t>
+            </a:r>
+          </a:p>
+          <a:p>
+            <a:r>
+              <a:rPr lang="en-US" altLang="ko-KR" sz="1000" dirty="0" smtClean="0"/>
+              <a:t>   {</a:t>
+            </a:r>
+          </a:p>
+          <a:p>
+            <a:r>
+              <a:rPr lang="en-US" altLang="ko-KR" sz="1000" dirty="0" smtClean="0"/>
+              <a:t>       if(</a:t>
+            </a:r>
+            <a:r>
+              <a:rPr lang="en-US" altLang="ko-KR" sz="1000" dirty="0" err="1" smtClean="0"/>
+              <a:t>tesY+y</a:t>
+            </a:r>
+            <a:r>
+              <a:rPr lang="en-US" altLang="ko-KR" sz="1000" dirty="0" smtClean="0"/>
+              <a:t> &lt; 0)</a:t>
+            </a:r>
+          </a:p>
+          <a:p>
+            <a:r>
+              <a:rPr lang="en-US" altLang="ko-KR" sz="1000" dirty="0" smtClean="0"/>
+              <a:t>       {</a:t>
+            </a:r>
+          </a:p>
+          <a:p>
+            <a:r>
+              <a:rPr lang="en-US" altLang="ko-KR" sz="1000" dirty="0" smtClean="0"/>
+              <a:t>           continue;</a:t>
+            </a:r>
+          </a:p>
+          <a:p>
+            <a:r>
+              <a:rPr lang="en-US" altLang="ko-KR" sz="1000" dirty="0" smtClean="0"/>
+              <a:t>       }</a:t>
+            </a:r>
+          </a:p>
+          <a:p>
+            <a:r>
+              <a:rPr lang="en-US" altLang="ko-KR" sz="1000" dirty="0" smtClean="0"/>
+              <a:t>       for(</a:t>
+            </a:r>
+            <a:r>
+              <a:rPr lang="en-US" altLang="ko-KR" sz="1000" dirty="0" err="1" smtClean="0"/>
+              <a:t>int</a:t>
+            </a:r>
+            <a:r>
+              <a:rPr lang="en-US" altLang="ko-KR" sz="1000" dirty="0" smtClean="0"/>
+              <a:t> x = 0; x&lt;4; x++)</a:t>
+            </a:r>
+          </a:p>
+          <a:p>
+            <a:r>
+              <a:rPr lang="en-US" altLang="ko-KR" sz="1000" dirty="0" smtClean="0"/>
+              <a:t>       {</a:t>
+            </a:r>
+          </a:p>
+          <a:p>
+            <a:r>
+              <a:rPr lang="en-US" altLang="ko-KR" sz="1000" dirty="0" smtClean="0"/>
+              <a:t>           if((*</a:t>
+            </a:r>
+            <a:r>
+              <a:rPr lang="en-US" altLang="ko-KR" sz="1000" dirty="0" err="1" smtClean="0"/>
+              <a:t>iMap</a:t>
+            </a:r>
+            <a:r>
+              <a:rPr lang="en-US" altLang="ko-KR" sz="1000" dirty="0" smtClean="0"/>
+              <a:t>)[</a:t>
+            </a:r>
+            <a:r>
+              <a:rPr lang="en-US" altLang="ko-KR" sz="1000" dirty="0" err="1" smtClean="0"/>
+              <a:t>saveY</a:t>
+            </a:r>
+            <a:r>
+              <a:rPr lang="en-US" altLang="ko-KR" sz="1000" dirty="0" smtClean="0"/>
+              <a:t>][</a:t>
+            </a:r>
+            <a:r>
+              <a:rPr lang="en-US" altLang="ko-KR" sz="1000" dirty="0" err="1" smtClean="0"/>
+              <a:t>saveX</a:t>
+            </a:r>
+            <a:r>
+              <a:rPr lang="en-US" altLang="ko-KR" sz="1000" dirty="0" smtClean="0"/>
+              <a:t>] == 1 &amp;&amp; Member[y][x] == 1)</a:t>
+            </a:r>
+          </a:p>
+          <a:p>
+            <a:r>
+              <a:rPr lang="en-US" altLang="ko-KR" sz="1000" dirty="0" smtClean="0"/>
+              <a:t>           {</a:t>
+            </a:r>
+          </a:p>
+          <a:p>
+            <a:r>
+              <a:rPr lang="en-US" altLang="ko-KR" sz="1000" dirty="0" smtClean="0"/>
+              <a:t>               (*</a:t>
+            </a:r>
+            <a:r>
+              <a:rPr lang="en-US" altLang="ko-KR" sz="1000" dirty="0" err="1" smtClean="0"/>
+              <a:t>iMap</a:t>
+            </a:r>
+            <a:r>
+              <a:rPr lang="en-US" altLang="ko-KR" sz="1000" dirty="0" smtClean="0"/>
+              <a:t>)[</a:t>
+            </a:r>
+            <a:r>
+              <a:rPr lang="en-US" altLang="ko-KR" sz="1000" dirty="0" err="1" smtClean="0"/>
+              <a:t>saveY</a:t>
+            </a:r>
+            <a:r>
+              <a:rPr lang="en-US" altLang="ko-KR" sz="1000" dirty="0" smtClean="0"/>
+              <a:t>][</a:t>
+            </a:r>
+            <a:r>
+              <a:rPr lang="en-US" altLang="ko-KR" sz="1000" dirty="0" err="1" smtClean="0"/>
+              <a:t>saveX</a:t>
+            </a:r>
+            <a:r>
+              <a:rPr lang="en-US" altLang="ko-KR" sz="1000" dirty="0" smtClean="0"/>
+              <a:t>] = 0;</a:t>
+            </a:r>
+          </a:p>
+          <a:p>
+            <a:r>
+              <a:rPr lang="en-US" altLang="ko-KR" sz="1000" dirty="0" smtClean="0"/>
+              <a:t>           }</a:t>
+            </a:r>
+          </a:p>
+          <a:p>
+            <a:r>
+              <a:rPr lang="en-US" altLang="ko-KR" sz="1000" dirty="0" smtClean="0"/>
+              <a:t>           </a:t>
+            </a:r>
+            <a:r>
+              <a:rPr lang="en-US" altLang="ko-KR" sz="1000" dirty="0" err="1" smtClean="0"/>
+              <a:t>saveX</a:t>
+            </a:r>
+            <a:r>
+              <a:rPr lang="en-US" altLang="ko-KR" sz="1000" dirty="0" smtClean="0"/>
+              <a:t>++;</a:t>
+            </a:r>
+          </a:p>
+          <a:p>
+            <a:r>
+              <a:rPr lang="en-US" altLang="ko-KR" sz="1000" dirty="0" smtClean="0"/>
+              <a:t>       }</a:t>
+            </a:r>
+          </a:p>
+          <a:p>
+            <a:r>
+              <a:rPr lang="en-US" altLang="ko-KR" sz="1000" dirty="0" smtClean="0"/>
+              <a:t>       </a:t>
+            </a:r>
+            <a:r>
+              <a:rPr lang="en-US" altLang="ko-KR" sz="1000" dirty="0" err="1" smtClean="0"/>
+              <a:t>saveX</a:t>
+            </a:r>
+            <a:r>
+              <a:rPr lang="en-US" altLang="ko-KR" sz="1000" dirty="0" smtClean="0"/>
+              <a:t> = </a:t>
+            </a:r>
+            <a:r>
+              <a:rPr lang="en-US" altLang="ko-KR" sz="1000" dirty="0" err="1" smtClean="0"/>
+              <a:t>tesX</a:t>
+            </a:r>
+            <a:r>
+              <a:rPr lang="en-US" altLang="ko-KR" sz="1000" dirty="0" smtClean="0"/>
+              <a:t>;</a:t>
+            </a:r>
+          </a:p>
+          <a:p>
+            <a:r>
+              <a:rPr lang="en-US" altLang="ko-KR" sz="1000" dirty="0" smtClean="0"/>
+              <a:t>       </a:t>
+            </a:r>
+            <a:r>
+              <a:rPr lang="en-US" altLang="ko-KR" sz="1000" dirty="0" err="1" smtClean="0"/>
+              <a:t>saveY</a:t>
+            </a:r>
+            <a:r>
+              <a:rPr lang="en-US" altLang="ko-KR" sz="1000" dirty="0" smtClean="0"/>
+              <a:t>++;</a:t>
+            </a:r>
+          </a:p>
+          <a:p>
+            <a:r>
+              <a:rPr lang="en-US" altLang="ko-KR" sz="1000" dirty="0" smtClean="0"/>
+              <a:t>   }</a:t>
+            </a:r>
+          </a:p>
+          <a:p>
+            <a:r>
+              <a:rPr lang="en-US" altLang="ko-KR" sz="1000" dirty="0" smtClean="0"/>
+              <a:t>}</a:t>
+            </a:r>
+            <a:endParaRPr lang="ko-KR" altLang="en-US" sz="1000" dirty="0" smtClean="0"/>
+          </a:p>
+          <a:p>
+            <a:endParaRPr lang="en-US" altLang="ko-KR" sz="1000" dirty="0" smtClean="0"/>
+          </a:p>
+          <a:p>
+            <a:r>
+              <a:rPr lang="en-US" altLang="ko-KR" sz="1000" dirty="0" smtClean="0"/>
+              <a:t>Bool </a:t>
+            </a:r>
+            <a:r>
+              <a:rPr lang="en-US" altLang="ko-KR" sz="1000" dirty="0" err="1" smtClean="0"/>
+              <a:t>GetisChecked</a:t>
+            </a:r>
+            <a:r>
+              <a:rPr lang="en-US" altLang="ko-KR" sz="1000" dirty="0" smtClean="0"/>
+              <a:t>()</a:t>
+            </a:r>
+          </a:p>
+          <a:p>
+            <a:r>
+              <a:rPr lang="en-US" altLang="ko-KR" sz="1000" dirty="0" smtClean="0"/>
+              <a:t>{</a:t>
+            </a:r>
+          </a:p>
+          <a:p>
+            <a:r>
+              <a:rPr lang="en-US" altLang="ko-KR" sz="1000" dirty="0" smtClean="0"/>
+              <a:t>   return </a:t>
+            </a:r>
+            <a:r>
+              <a:rPr lang="en-US" altLang="ko-KR" sz="1000" dirty="0" err="1" smtClean="0"/>
+              <a:t>isChecked</a:t>
+            </a:r>
+            <a:r>
+              <a:rPr lang="en-US" altLang="ko-KR" sz="1000" dirty="0" smtClean="0"/>
+              <a:t>;</a:t>
+            </a:r>
+            <a:endParaRPr lang="en-US" altLang="ko-KR" sz="1000" dirty="0"/>
+          </a:p>
+          <a:p>
+            <a:r>
+              <a:rPr lang="en-US" altLang="ko-KR" sz="1000" dirty="0" smtClean="0"/>
+              <a:t>}</a:t>
+            </a:r>
+            <a:endParaRPr lang="ko-KR" altLang="en-US" sz="1000" dirty="0"/>
           </a:p>
         </p:txBody>
       </p:sp>
@@ -3643,14 +4689,14 @@
       </p:grpSpPr>
       <p:sp>
         <p:nvSpPr>
-          <p:cNvPr id="4" name="TextBox 3"/>
+          <p:cNvPr id="7" name="TextBox 6"/>
           <p:cNvSpPr txBox="1"/>
           <p:nvPr/>
         </p:nvSpPr>
         <p:spPr>
           <a:xfrm>
-            <a:off x="0" y="55398"/>
-            <a:ext cx="6293708" cy="3785652"/>
+            <a:off x="68580" y="55398"/>
+            <a:ext cx="6293708" cy="6555641"/>
           </a:xfrm>
           <a:prstGeom prst="rect">
             <a:avLst/>
@@ -3665,15 +4711,15 @@
           <a:p>
             <a:r>
               <a:rPr lang="en-US" altLang="ko-KR" sz="1000" dirty="0" smtClean="0"/>
-              <a:t>Class </a:t>
-            </a:r>
-            <a:r>
-              <a:rPr lang="en-US" altLang="ko-KR" sz="1000" dirty="0" err="1" smtClean="0"/>
-              <a:t>TetrisChief</a:t>
-            </a:r>
-            <a:r>
-              <a:rPr lang="en-US" altLang="ko-KR" sz="1000" dirty="0" smtClean="0"/>
-              <a:t> : Tetris</a:t>
+              <a:t>Void </a:t>
+            </a:r>
+            <a:r>
+              <a:rPr lang="en-US" altLang="ko-KR" sz="1000" dirty="0" err="1" smtClean="0"/>
+              <a:t>CheckTetris</a:t>
+            </a:r>
+            <a:r>
+              <a:rPr lang="en-US" altLang="ko-KR" sz="1000" dirty="0" smtClean="0"/>
+              <a:t>()</a:t>
             </a:r>
           </a:p>
           <a:p>
@@ -3684,12 +4730,571 @@
           </a:p>
           <a:p>
             <a:r>
-              <a:rPr lang="en-US" altLang="ko-KR" sz="1000" dirty="0"/>
-              <a:t> </a:t>
-            </a:r>
-            <a:r>
-              <a:rPr lang="en-US" altLang="ko-KR" sz="1000" dirty="0" smtClean="0"/>
-              <a:t>  private:</a:t>
+              <a:rPr lang="en-US" altLang="ko-KR" sz="1000" dirty="0" smtClean="0"/>
+              <a:t>   </a:t>
+            </a:r>
+            <a:r>
+              <a:rPr lang="en-US" altLang="ko-KR" sz="1000" dirty="0" err="1" smtClean="0"/>
+              <a:t>int</a:t>
+            </a:r>
+            <a:r>
+              <a:rPr lang="en-US" altLang="ko-KR" sz="1000" dirty="0" smtClean="0"/>
+              <a:t> </a:t>
+            </a:r>
+            <a:r>
+              <a:rPr lang="en-US" altLang="ko-KR" sz="1000" dirty="0" err="1" smtClean="0"/>
+              <a:t>num</a:t>
+            </a:r>
+            <a:r>
+              <a:rPr lang="en-US" altLang="ko-KR" sz="1000" dirty="0" smtClean="0"/>
+              <a:t>= 0;</a:t>
+            </a:r>
+          </a:p>
+          <a:p>
+            <a:r>
+              <a:rPr lang="en-US" altLang="ko-KR" sz="1000" dirty="0" smtClean="0"/>
+              <a:t>   </a:t>
+            </a:r>
+            <a:r>
+              <a:rPr lang="en-US" altLang="ko-KR" sz="1000" dirty="0" err="1" smtClean="0"/>
+              <a:t>int</a:t>
+            </a:r>
+            <a:r>
+              <a:rPr lang="en-US" altLang="ko-KR" sz="1000" dirty="0" smtClean="0"/>
+              <a:t> </a:t>
+            </a:r>
+            <a:r>
+              <a:rPr lang="en-US" altLang="ko-KR" sz="1000" dirty="0" err="1" smtClean="0"/>
+              <a:t>chkTetrisY</a:t>
+            </a:r>
+            <a:r>
+              <a:rPr lang="en-US" altLang="ko-KR" sz="1000" dirty="0" smtClean="0"/>
+              <a:t>[4] = { 0 };</a:t>
+            </a:r>
+          </a:p>
+          <a:p>
+            <a:r>
+              <a:rPr lang="en-US" altLang="ko-KR" sz="1000" dirty="0"/>
+              <a:t> </a:t>
+            </a:r>
+            <a:r>
+              <a:rPr lang="en-US" altLang="ko-KR" sz="1000" dirty="0"/>
+              <a:t>  </a:t>
+            </a:r>
+            <a:r>
+              <a:rPr lang="en-US" altLang="ko-KR" sz="1000" dirty="0" err="1"/>
+              <a:t>int</a:t>
+            </a:r>
+            <a:r>
+              <a:rPr lang="en-US" altLang="ko-KR" sz="1000" dirty="0"/>
+              <a:t> </a:t>
+            </a:r>
+            <a:r>
+              <a:rPr lang="en-US" altLang="ko-KR" sz="1000" dirty="0" err="1" smtClean="0"/>
+              <a:t>chkTetrisX</a:t>
+            </a:r>
+            <a:r>
+              <a:rPr lang="en-US" altLang="ko-KR" sz="1000" dirty="0" smtClean="0"/>
+              <a:t>[4</a:t>
+            </a:r>
+            <a:r>
+              <a:rPr lang="en-US" altLang="ko-KR" sz="1000" dirty="0"/>
+              <a:t>] = { 0 </a:t>
+            </a:r>
+            <a:r>
+              <a:rPr lang="en-US" altLang="ko-KR" sz="1000" dirty="0" smtClean="0"/>
+              <a:t>};</a:t>
+            </a:r>
+            <a:endParaRPr lang="en-US" altLang="ko-KR" sz="1000" dirty="0" smtClean="0"/>
+          </a:p>
+          <a:p>
+            <a:r>
+              <a:rPr lang="en-US" altLang="ko-KR" sz="1000" dirty="0" smtClean="0"/>
+              <a:t>   </a:t>
+            </a:r>
+            <a:r>
+              <a:rPr lang="en-US" altLang="ko-KR" sz="1000" dirty="0" err="1" smtClean="0"/>
+              <a:t>int</a:t>
+            </a:r>
+            <a:r>
+              <a:rPr lang="en-US" altLang="ko-KR" sz="1000" dirty="0" smtClean="0"/>
+              <a:t> </a:t>
+            </a:r>
+            <a:r>
+              <a:rPr lang="en-US" altLang="ko-KR" sz="1000" dirty="0" err="1" smtClean="0"/>
+              <a:t>saveY</a:t>
+            </a:r>
+            <a:r>
+              <a:rPr lang="en-US" altLang="ko-KR" sz="1000" dirty="0" smtClean="0"/>
+              <a:t> = </a:t>
+            </a:r>
+            <a:r>
+              <a:rPr lang="en-US" altLang="ko-KR" sz="1000" dirty="0" err="1" smtClean="0"/>
+              <a:t>tesY</a:t>
+            </a:r>
+            <a:r>
+              <a:rPr lang="en-US" altLang="ko-KR" sz="1000" dirty="0" smtClean="0"/>
+              <a:t>;</a:t>
+            </a:r>
+          </a:p>
+          <a:p>
+            <a:r>
+              <a:rPr lang="en-US" altLang="ko-KR" sz="1000" dirty="0" smtClean="0"/>
+              <a:t>   </a:t>
+            </a:r>
+            <a:r>
+              <a:rPr lang="en-US" altLang="ko-KR" sz="1000" dirty="0" err="1" smtClean="0"/>
+              <a:t>int</a:t>
+            </a:r>
+            <a:r>
+              <a:rPr lang="en-US" altLang="ko-KR" sz="1000" dirty="0" smtClean="0"/>
+              <a:t> </a:t>
+            </a:r>
+            <a:r>
+              <a:rPr lang="en-US" altLang="ko-KR" sz="1000" dirty="0" err="1" smtClean="0"/>
+              <a:t>saveX</a:t>
+            </a:r>
+            <a:r>
+              <a:rPr lang="en-US" altLang="ko-KR" sz="1000" dirty="0" smtClean="0"/>
+              <a:t> = </a:t>
+            </a:r>
+            <a:r>
+              <a:rPr lang="en-US" altLang="ko-KR" sz="1000" dirty="0" err="1" smtClean="0"/>
+              <a:t>tesX</a:t>
+            </a:r>
+            <a:r>
+              <a:rPr lang="en-US" altLang="ko-KR" sz="1000" dirty="0" smtClean="0"/>
+              <a:t>;</a:t>
+            </a:r>
+          </a:p>
+          <a:p>
+            <a:endParaRPr lang="en-US" altLang="ko-KR" sz="1000" dirty="0" smtClean="0"/>
+          </a:p>
+          <a:p>
+            <a:r>
+              <a:rPr lang="en-US" altLang="ko-KR" sz="1000" dirty="0" smtClean="0"/>
+              <a:t>   for(</a:t>
+            </a:r>
+            <a:r>
+              <a:rPr lang="en-US" altLang="ko-KR" sz="1000" dirty="0" err="1" smtClean="0"/>
+              <a:t>int</a:t>
+            </a:r>
+            <a:r>
+              <a:rPr lang="en-US" altLang="ko-KR" sz="1000" dirty="0" smtClean="0"/>
+              <a:t> y=0; y&lt;4; y++)</a:t>
+            </a:r>
+          </a:p>
+          <a:p>
+            <a:r>
+              <a:rPr lang="en-US" altLang="ko-KR" sz="1000" dirty="0" smtClean="0"/>
+              <a:t>   {</a:t>
+            </a:r>
+          </a:p>
+          <a:p>
+            <a:r>
+              <a:rPr lang="en-US" altLang="ko-KR" sz="1000" dirty="0"/>
+              <a:t> </a:t>
+            </a:r>
+            <a:r>
+              <a:rPr lang="en-US" altLang="ko-KR" sz="1000" dirty="0" smtClean="0"/>
+              <a:t>      for(</a:t>
+            </a:r>
+            <a:r>
+              <a:rPr lang="en-US" altLang="ko-KR" sz="1000" dirty="0" err="1" smtClean="0"/>
+              <a:t>int</a:t>
+            </a:r>
+            <a:r>
+              <a:rPr lang="en-US" altLang="ko-KR" sz="1000" dirty="0" smtClean="0"/>
+              <a:t> x = 0; x&lt;4; x++)</a:t>
+            </a:r>
+          </a:p>
+          <a:p>
+            <a:r>
+              <a:rPr lang="en-US" altLang="ko-KR" sz="1000" dirty="0" smtClean="0"/>
+              <a:t>       {</a:t>
+            </a:r>
+          </a:p>
+          <a:p>
+            <a:r>
+              <a:rPr lang="en-US" altLang="ko-KR" sz="1000" dirty="0" smtClean="0"/>
+              <a:t>           if((*</a:t>
+            </a:r>
+            <a:r>
+              <a:rPr lang="en-US" altLang="ko-KR" sz="1000" dirty="0" err="1" smtClean="0"/>
+              <a:t>iMap</a:t>
+            </a:r>
+            <a:r>
+              <a:rPr lang="en-US" altLang="ko-KR" sz="1000" dirty="0" smtClean="0"/>
+              <a:t>)[</a:t>
+            </a:r>
+            <a:r>
+              <a:rPr lang="en-US" altLang="ko-KR" sz="1000" dirty="0" err="1" smtClean="0"/>
+              <a:t>saveY</a:t>
+            </a:r>
+            <a:r>
+              <a:rPr lang="en-US" altLang="ko-KR" sz="1000" dirty="0" smtClean="0"/>
+              <a:t>][</a:t>
+            </a:r>
+            <a:r>
+              <a:rPr lang="en-US" altLang="ko-KR" sz="1000" dirty="0" err="1" smtClean="0"/>
+              <a:t>saveX</a:t>
+            </a:r>
+            <a:r>
+              <a:rPr lang="en-US" altLang="ko-KR" sz="1000" dirty="0" smtClean="0"/>
+              <a:t>] == 1 &amp;&amp; Member[y][x] == 1)</a:t>
+            </a:r>
+          </a:p>
+          <a:p>
+            <a:r>
+              <a:rPr lang="en-US" altLang="ko-KR" sz="1000" dirty="0" smtClean="0"/>
+              <a:t>           {</a:t>
+            </a:r>
+          </a:p>
+          <a:p>
+            <a:r>
+              <a:rPr lang="en-US" altLang="ko-KR" sz="1000" dirty="0" smtClean="0"/>
+              <a:t>               </a:t>
+            </a:r>
+            <a:r>
+              <a:rPr lang="en-US" altLang="ko-KR" sz="1000" dirty="0" err="1" smtClean="0"/>
+              <a:t>pos</a:t>
+            </a:r>
+            <a:r>
+              <a:rPr lang="en-US" altLang="ko-KR" sz="1000" dirty="0" err="1" smtClean="0"/>
+              <a:t>TetrisY</a:t>
+            </a:r>
+            <a:r>
+              <a:rPr lang="en-US" altLang="ko-KR" sz="1000" dirty="0" smtClean="0"/>
+              <a:t>[</a:t>
+            </a:r>
+            <a:r>
+              <a:rPr lang="en-US" altLang="ko-KR" sz="1000" dirty="0" err="1" smtClean="0"/>
+              <a:t>num</a:t>
+            </a:r>
+            <a:r>
+              <a:rPr lang="en-US" altLang="ko-KR" sz="1000" dirty="0" smtClean="0"/>
+              <a:t>] = </a:t>
+            </a:r>
+            <a:r>
+              <a:rPr lang="en-US" altLang="ko-KR" sz="1000" dirty="0" err="1" smtClean="0"/>
+              <a:t>saveY</a:t>
+            </a:r>
+            <a:r>
+              <a:rPr lang="en-US" altLang="ko-KR" sz="1000" dirty="0" smtClean="0"/>
+              <a:t>;</a:t>
+            </a:r>
+          </a:p>
+          <a:p>
+            <a:r>
+              <a:rPr lang="en-US" altLang="ko-KR" sz="1000" dirty="0"/>
+              <a:t> </a:t>
+            </a:r>
+            <a:r>
+              <a:rPr lang="en-US" altLang="ko-KR" sz="1000" dirty="0" smtClean="0"/>
+              <a:t>              </a:t>
+            </a:r>
+            <a:r>
+              <a:rPr lang="en-US" altLang="ko-KR" sz="1000" dirty="0" err="1" smtClean="0"/>
+              <a:t>posTetrisX</a:t>
+            </a:r>
+            <a:r>
+              <a:rPr lang="en-US" altLang="ko-KR" sz="1000" dirty="0" smtClean="0"/>
+              <a:t>[</a:t>
+            </a:r>
+            <a:r>
+              <a:rPr lang="en-US" altLang="ko-KR" sz="1000" dirty="0" err="1" smtClean="0"/>
+              <a:t>num</a:t>
+            </a:r>
+            <a:r>
+              <a:rPr lang="en-US" altLang="ko-KR" sz="1000" dirty="0" smtClean="0"/>
+              <a:t>] = </a:t>
+            </a:r>
+            <a:r>
+              <a:rPr lang="en-US" altLang="ko-KR" sz="1000" dirty="0" err="1" smtClean="0"/>
+              <a:t>saveX</a:t>
+            </a:r>
+            <a:r>
+              <a:rPr lang="en-US" altLang="ko-KR" sz="1000" dirty="0" smtClean="0"/>
+              <a:t>;</a:t>
+            </a:r>
+          </a:p>
+          <a:p>
+            <a:r>
+              <a:rPr lang="en-US" altLang="ko-KR" sz="1000" dirty="0" smtClean="0"/>
+              <a:t>               </a:t>
+            </a:r>
+            <a:r>
+              <a:rPr lang="en-US" altLang="ko-KR" sz="1000" dirty="0" err="1" smtClean="0"/>
+              <a:t>num</a:t>
+            </a:r>
+            <a:r>
+              <a:rPr lang="en-US" altLang="ko-KR" sz="1000" dirty="0" smtClean="0"/>
+              <a:t>++;</a:t>
+            </a:r>
+          </a:p>
+          <a:p>
+            <a:r>
+              <a:rPr lang="en-US" altLang="ko-KR" sz="1000" dirty="0" smtClean="0"/>
+              <a:t>           }</a:t>
+            </a:r>
+          </a:p>
+          <a:p>
+            <a:r>
+              <a:rPr lang="en-US" altLang="ko-KR" sz="1000" dirty="0" smtClean="0"/>
+              <a:t>           </a:t>
+            </a:r>
+            <a:r>
+              <a:rPr lang="en-US" altLang="ko-KR" sz="1000" dirty="0" err="1" smtClean="0"/>
+              <a:t>saveX</a:t>
+            </a:r>
+            <a:r>
+              <a:rPr lang="en-US" altLang="ko-KR" sz="1000" dirty="0" smtClean="0"/>
+              <a:t>++;</a:t>
+            </a:r>
+          </a:p>
+          <a:p>
+            <a:r>
+              <a:rPr lang="en-US" altLang="ko-KR" sz="1000" dirty="0" smtClean="0"/>
+              <a:t>       }</a:t>
+            </a:r>
+          </a:p>
+          <a:p>
+            <a:r>
+              <a:rPr lang="en-US" altLang="ko-KR" sz="1000" dirty="0" smtClean="0"/>
+              <a:t>       </a:t>
+            </a:r>
+            <a:r>
+              <a:rPr lang="en-US" altLang="ko-KR" sz="1000" dirty="0" err="1" smtClean="0"/>
+              <a:t>saveX</a:t>
+            </a:r>
+            <a:r>
+              <a:rPr lang="en-US" altLang="ko-KR" sz="1000" dirty="0" smtClean="0"/>
+              <a:t> = </a:t>
+            </a:r>
+            <a:r>
+              <a:rPr lang="en-US" altLang="ko-KR" sz="1000" dirty="0" err="1" smtClean="0"/>
+              <a:t>tesX</a:t>
+            </a:r>
+            <a:r>
+              <a:rPr lang="en-US" altLang="ko-KR" sz="1000" dirty="0" smtClean="0"/>
+              <a:t>;</a:t>
+            </a:r>
+          </a:p>
+          <a:p>
+            <a:r>
+              <a:rPr lang="en-US" altLang="ko-KR" sz="1000" dirty="0" smtClean="0"/>
+              <a:t>       </a:t>
+            </a:r>
+            <a:r>
+              <a:rPr lang="en-US" altLang="ko-KR" sz="1000" dirty="0" err="1" smtClean="0"/>
+              <a:t>saveY</a:t>
+            </a:r>
+            <a:r>
+              <a:rPr lang="en-US" altLang="ko-KR" sz="1000" dirty="0" smtClean="0"/>
+              <a:t>++;</a:t>
+            </a:r>
+          </a:p>
+          <a:p>
+            <a:r>
+              <a:rPr lang="en-US" altLang="ko-KR" sz="1000" dirty="0" smtClean="0"/>
+              <a:t>   </a:t>
+            </a:r>
+            <a:r>
+              <a:rPr lang="en-US" altLang="ko-KR" sz="1000" dirty="0" smtClean="0"/>
+              <a:t>}</a:t>
+            </a:r>
+          </a:p>
+          <a:p>
+            <a:endParaRPr lang="en-US" altLang="ko-KR" sz="1000" dirty="0"/>
+          </a:p>
+          <a:p>
+            <a:r>
+              <a:rPr lang="en-US" altLang="ko-KR" sz="1000" dirty="0" smtClean="0"/>
+              <a:t>   for(</a:t>
+            </a:r>
+            <a:r>
+              <a:rPr lang="en-US" altLang="ko-KR" sz="1000" dirty="0" err="1" smtClean="0"/>
+              <a:t>int</a:t>
+            </a:r>
+            <a:r>
+              <a:rPr lang="en-US" altLang="ko-KR" sz="1000" dirty="0" smtClean="0"/>
+              <a:t> </a:t>
+            </a:r>
+            <a:r>
+              <a:rPr lang="en-US" altLang="ko-KR" sz="1000" dirty="0" err="1" smtClean="0"/>
+              <a:t>i</a:t>
+            </a:r>
+            <a:r>
+              <a:rPr lang="en-US" altLang="ko-KR" sz="1000" dirty="0" smtClean="0"/>
+              <a:t>=0; </a:t>
+            </a:r>
+            <a:r>
+              <a:rPr lang="en-US" altLang="ko-KR" sz="1000" dirty="0" err="1" smtClean="0"/>
+              <a:t>i</a:t>
+            </a:r>
+            <a:r>
+              <a:rPr lang="en-US" altLang="ko-KR" sz="1000" dirty="0" smtClean="0"/>
+              <a:t>&lt;3; </a:t>
+            </a:r>
+            <a:r>
+              <a:rPr lang="en-US" altLang="ko-KR" sz="1000" dirty="0" err="1" smtClean="0"/>
+              <a:t>i</a:t>
+            </a:r>
+            <a:r>
+              <a:rPr lang="en-US" altLang="ko-KR" sz="1000" dirty="0" smtClean="0"/>
+              <a:t>++)</a:t>
+            </a:r>
+          </a:p>
+          <a:p>
+            <a:r>
+              <a:rPr lang="en-US" altLang="ko-KR" sz="1000" dirty="0"/>
+              <a:t> </a:t>
+            </a:r>
+            <a:r>
+              <a:rPr lang="en-US" altLang="ko-KR" sz="1000" dirty="0" smtClean="0"/>
+              <a:t>  {</a:t>
+            </a:r>
+          </a:p>
+          <a:p>
+            <a:r>
+              <a:rPr lang="en-US" altLang="ko-KR" sz="1000" dirty="0"/>
+              <a:t> </a:t>
+            </a:r>
+            <a:r>
+              <a:rPr lang="en-US" altLang="ko-KR" sz="1000" dirty="0" smtClean="0"/>
+              <a:t>     if(</a:t>
+            </a:r>
+            <a:r>
+              <a:rPr lang="en-US" altLang="ko-KR" sz="1000" dirty="0" err="1" smtClean="0"/>
+              <a:t>posTetris</a:t>
+            </a:r>
+            <a:r>
+              <a:rPr lang="en-US" altLang="ko-KR" sz="1000" dirty="0" err="1" smtClean="0"/>
+              <a:t>Y</a:t>
+            </a:r>
+            <a:r>
+              <a:rPr lang="en-US" altLang="ko-KR" sz="1000" dirty="0" smtClean="0"/>
+              <a:t>[</a:t>
+            </a:r>
+            <a:r>
+              <a:rPr lang="en-US" altLang="ko-KR" sz="1000" dirty="0" err="1" smtClean="0"/>
+              <a:t>i</a:t>
+            </a:r>
+            <a:r>
+              <a:rPr lang="en-US" altLang="ko-KR" sz="1000" dirty="0" smtClean="0"/>
+              <a:t>] &gt; </a:t>
+            </a:r>
+            <a:r>
+              <a:rPr lang="en-US" altLang="ko-KR" sz="1000" dirty="0" err="1" smtClean="0"/>
+              <a:t>posTetrisY</a:t>
+            </a:r>
+            <a:r>
+              <a:rPr lang="en-US" altLang="ko-KR" sz="1000" dirty="0" smtClean="0"/>
+              <a:t>[i+1]</a:t>
+            </a:r>
+          </a:p>
+          <a:p>
+            <a:r>
+              <a:rPr lang="en-US" altLang="ko-KR" sz="1000" dirty="0"/>
+              <a:t> </a:t>
+            </a:r>
+            <a:r>
+              <a:rPr lang="en-US" altLang="ko-KR" sz="1000" dirty="0" smtClean="0"/>
+              <a:t>     {</a:t>
+            </a:r>
+          </a:p>
+          <a:p>
+            <a:r>
+              <a:rPr lang="en-US" altLang="ko-KR" sz="1000" dirty="0"/>
+              <a:t> </a:t>
+            </a:r>
+            <a:r>
+              <a:rPr lang="en-US" altLang="ko-KR" sz="1000" dirty="0" smtClean="0"/>
+              <a:t>        </a:t>
+            </a:r>
+            <a:r>
+              <a:rPr lang="en-US" altLang="ko-KR" sz="1000" dirty="0" err="1" smtClean="0"/>
+              <a:t>chkTetrisY</a:t>
+            </a:r>
+            <a:r>
+              <a:rPr lang="en-US" altLang="ko-KR" sz="1000" dirty="0" smtClean="0"/>
+              <a:t>[</a:t>
+            </a:r>
+            <a:r>
+              <a:rPr lang="en-US" altLang="ko-KR" sz="1000" dirty="0" err="1" smtClean="0"/>
+              <a:t>i</a:t>
+            </a:r>
+            <a:r>
+              <a:rPr lang="en-US" altLang="ko-KR" sz="1000" dirty="0" smtClean="0"/>
+              <a:t>] = </a:t>
+            </a:r>
+            <a:r>
+              <a:rPr lang="en-US" altLang="ko-KR" sz="1000" dirty="0" err="1"/>
+              <a:t>posTetrisY</a:t>
+            </a:r>
+            <a:r>
+              <a:rPr lang="en-US" altLang="ko-KR" sz="1000" dirty="0"/>
+              <a:t>[</a:t>
+            </a:r>
+            <a:r>
+              <a:rPr lang="en-US" altLang="ko-KR" sz="1000" dirty="0" err="1"/>
+              <a:t>i</a:t>
+            </a:r>
+            <a:r>
+              <a:rPr lang="en-US" altLang="ko-KR" sz="1000" dirty="0"/>
+              <a:t>]</a:t>
+            </a:r>
+            <a:r>
+              <a:rPr lang="en-US" altLang="ko-KR" sz="1000" dirty="0" smtClean="0"/>
+              <a:t>;</a:t>
+            </a:r>
+          </a:p>
+          <a:p>
+            <a:r>
+              <a:rPr lang="en-US" altLang="ko-KR" sz="1000" dirty="0"/>
+              <a:t> </a:t>
+            </a:r>
+            <a:r>
+              <a:rPr lang="en-US" altLang="ko-KR" sz="1000" dirty="0"/>
+              <a:t>        </a:t>
+            </a:r>
+            <a:r>
+              <a:rPr lang="en-US" altLang="ko-KR" sz="1000" dirty="0" err="1"/>
+              <a:t>chkTetrisX</a:t>
+            </a:r>
+            <a:r>
+              <a:rPr lang="en-US" altLang="ko-KR" sz="1000" dirty="0"/>
+              <a:t>[</a:t>
+            </a:r>
+            <a:r>
+              <a:rPr lang="en-US" altLang="ko-KR" sz="1000" dirty="0" err="1"/>
+              <a:t>i</a:t>
+            </a:r>
+            <a:r>
+              <a:rPr lang="en-US" altLang="ko-KR" sz="1000" dirty="0" smtClean="0"/>
+              <a:t>] = </a:t>
+            </a:r>
+            <a:r>
+              <a:rPr lang="en-US" altLang="ko-KR" sz="1000" dirty="0" err="1" smtClean="0"/>
+              <a:t>posTetrisX</a:t>
+            </a:r>
+            <a:r>
+              <a:rPr lang="en-US" altLang="ko-KR" sz="1000" dirty="0" smtClean="0"/>
+              <a:t>[</a:t>
+            </a:r>
+            <a:r>
+              <a:rPr lang="en-US" altLang="ko-KR" sz="1000" dirty="0" err="1" smtClean="0"/>
+              <a:t>i</a:t>
+            </a:r>
+            <a:r>
+              <a:rPr lang="en-US" altLang="ko-KR" sz="1000" dirty="0" smtClean="0"/>
+              <a:t>];</a:t>
+            </a:r>
+          </a:p>
+          <a:p>
+            <a:r>
+              <a:rPr lang="en-US" altLang="ko-KR" sz="1000" dirty="0" smtClean="0"/>
+              <a:t>      }</a:t>
             </a:r>
           </a:p>
           <a:p>
@@ -3702,38 +5307,160 @@
               <a:t>     </a:t>
             </a:r>
             <a:r>
+              <a:rPr lang="en-US" altLang="ko-KR" sz="1000" dirty="0"/>
+              <a:t>else </a:t>
+            </a:r>
+            <a:r>
+              <a:rPr lang="en-US" altLang="ko-KR" sz="1000" dirty="0" smtClean="0"/>
+              <a:t>if(</a:t>
+            </a:r>
+            <a:r>
+              <a:rPr lang="en-US" altLang="ko-KR" sz="1000" dirty="0" err="1"/>
+              <a:t>pos</a:t>
+            </a:r>
+            <a:r>
+              <a:rPr lang="en-US" altLang="ko-KR" sz="1000" dirty="0" err="1" smtClean="0"/>
+              <a:t>TetrisY</a:t>
+            </a:r>
+            <a:r>
+              <a:rPr lang="en-US" altLang="ko-KR" sz="1000" dirty="0" smtClean="0"/>
+              <a:t>[</a:t>
+            </a:r>
+            <a:r>
+              <a:rPr lang="en-US" altLang="ko-KR" sz="1000" dirty="0" err="1" smtClean="0"/>
+              <a:t>i</a:t>
+            </a:r>
+            <a:r>
+              <a:rPr lang="en-US" altLang="ko-KR" sz="1000" dirty="0"/>
+              <a:t>] </a:t>
+            </a:r>
+            <a:r>
+              <a:rPr lang="en-US" altLang="ko-KR" sz="1000" dirty="0" smtClean="0"/>
+              <a:t>&lt; </a:t>
+            </a:r>
+            <a:r>
+              <a:rPr lang="en-US" altLang="ko-KR" sz="1000" dirty="0" err="1"/>
+              <a:t>pos</a:t>
+            </a:r>
+            <a:r>
+              <a:rPr lang="en-US" altLang="ko-KR" sz="1000" dirty="0" err="1" smtClean="0"/>
+              <a:t>TetrisY</a:t>
+            </a:r>
+            <a:r>
+              <a:rPr lang="en-US" altLang="ko-KR" sz="1000" dirty="0" smtClean="0"/>
+              <a:t>[i+1])</a:t>
+            </a:r>
+          </a:p>
+          <a:p>
+            <a:r>
+              <a:rPr lang="en-US" altLang="ko-KR" sz="1000" dirty="0" smtClean="0"/>
+              <a:t>      {</a:t>
+            </a:r>
+          </a:p>
+          <a:p>
+            <a:r>
+              <a:rPr lang="en-US" altLang="ko-KR" sz="1000" dirty="0" smtClean="0"/>
+              <a:t>         </a:t>
+            </a:r>
+            <a:r>
+              <a:rPr lang="en-US" altLang="ko-KR" sz="1000" dirty="0" err="1" smtClean="0"/>
+              <a:t>chkTetrisY</a:t>
+            </a:r>
+            <a:r>
+              <a:rPr lang="en-US" altLang="ko-KR" sz="1000" dirty="0" smtClean="0"/>
+              <a:t>[</a:t>
+            </a:r>
+            <a:r>
+              <a:rPr lang="en-US" altLang="ko-KR" sz="1000" dirty="0" err="1" smtClean="0"/>
+              <a:t>i</a:t>
+            </a:r>
+            <a:r>
+              <a:rPr lang="en-US" altLang="ko-KR" sz="1000" dirty="0" smtClean="0"/>
+              <a:t>] = </a:t>
+            </a:r>
+            <a:r>
+              <a:rPr lang="en-US" altLang="ko-KR" sz="1000" dirty="0" err="1" smtClean="0"/>
+              <a:t>posTetrisY</a:t>
+            </a:r>
+            <a:r>
+              <a:rPr lang="en-US" altLang="ko-KR" sz="1000" dirty="0" smtClean="0"/>
+              <a:t>[i+1];</a:t>
+            </a:r>
+          </a:p>
+          <a:p>
+            <a:r>
+              <a:rPr lang="en-US" altLang="ko-KR" sz="1000" dirty="0" smtClean="0"/>
+              <a:t>         </a:t>
+            </a:r>
+            <a:r>
+              <a:rPr lang="en-US" altLang="ko-KR" sz="1000" dirty="0" err="1" smtClean="0"/>
+              <a:t>chkTetrisX</a:t>
+            </a:r>
+            <a:r>
+              <a:rPr lang="en-US" altLang="ko-KR" sz="1000" dirty="0" smtClean="0"/>
+              <a:t>[</a:t>
+            </a:r>
+            <a:r>
+              <a:rPr lang="en-US" altLang="ko-KR" sz="1000" dirty="0" err="1" smtClean="0"/>
+              <a:t>i</a:t>
+            </a:r>
+            <a:r>
+              <a:rPr lang="en-US" altLang="ko-KR" sz="1000" dirty="0" smtClean="0"/>
+              <a:t>] = </a:t>
+            </a:r>
+            <a:r>
+              <a:rPr lang="en-US" altLang="ko-KR" sz="1000" dirty="0" err="1" smtClean="0"/>
+              <a:t>posTetrisX</a:t>
+            </a:r>
+            <a:r>
+              <a:rPr lang="en-US" altLang="ko-KR" sz="1000" dirty="0" smtClean="0"/>
+              <a:t>[i+1];</a:t>
+            </a:r>
+          </a:p>
+          <a:p>
+            <a:r>
+              <a:rPr lang="en-US" altLang="ko-KR" sz="1000" dirty="0"/>
+              <a:t> </a:t>
+            </a:r>
+            <a:r>
+              <a:rPr lang="en-US" altLang="ko-KR" sz="1000" dirty="0" smtClean="0"/>
+              <a:t>        for(</a:t>
+            </a:r>
+            <a:r>
               <a:rPr lang="en-US" altLang="ko-KR" sz="1000" dirty="0" err="1" smtClean="0"/>
               <a:t>int</a:t>
             </a:r>
             <a:r>
               <a:rPr lang="en-US" altLang="ko-KR" sz="1000" dirty="0" smtClean="0"/>
-              <a:t> (*</a:t>
-            </a:r>
-            <a:r>
-              <a:rPr lang="en-US" altLang="ko-KR" sz="1000" dirty="0" err="1" smtClean="0"/>
-              <a:t>iMap</a:t>
-            </a:r>
-            <a:r>
-              <a:rPr lang="en-US" altLang="ko-KR" sz="1000" dirty="0" smtClean="0"/>
-              <a:t>)[40][20];</a:t>
-            </a:r>
-          </a:p>
-          <a:p>
-            <a:r>
-              <a:rPr lang="en-US" altLang="ko-KR" sz="1000" dirty="0"/>
-              <a:t> </a:t>
-            </a:r>
-            <a:r>
-              <a:rPr lang="en-US" altLang="ko-KR" sz="1000" dirty="0" smtClean="0"/>
-              <a:t>     </a:t>
-            </a:r>
-            <a:r>
-              <a:rPr lang="en-US" altLang="ko-KR" sz="1000" dirty="0" err="1" smtClean="0"/>
-              <a:t>int</a:t>
-            </a:r>
-            <a:r>
-              <a:rPr lang="en-US" altLang="ko-KR" sz="1000" dirty="0" smtClean="0"/>
-              <a:t> </a:t>
+              <a:t> k = 0; k&lt;</a:t>
+            </a:r>
+            <a:r>
+              <a:rPr lang="en-US" altLang="ko-KR" sz="1000" dirty="0" err="1" smtClean="0"/>
+              <a:t>i</a:t>
+            </a:r>
+            <a:r>
+              <a:rPr lang="en-US" altLang="ko-KR" sz="1000" dirty="0" smtClean="0"/>
+              <a:t>; k++)</a:t>
+            </a:r>
+          </a:p>
+          <a:p>
+            <a:r>
+              <a:rPr lang="en-US" altLang="ko-KR" sz="1000" dirty="0"/>
+              <a:t> </a:t>
+            </a:r>
+            <a:r>
+              <a:rPr lang="en-US" altLang="ko-KR" sz="1000" dirty="0" smtClean="0"/>
+              <a:t>        {</a:t>
+            </a:r>
+          </a:p>
+          <a:p>
+            <a:r>
+              <a:rPr lang="en-US" altLang="ko-KR" sz="1000" dirty="0"/>
+              <a:t> </a:t>
+            </a:r>
+            <a:r>
+              <a:rPr lang="en-US" altLang="ko-KR" sz="1000" dirty="0" smtClean="0"/>
+              <a:t>            </a:t>
             </a:r>
             <a:r>
               <a:rPr lang="en-US" altLang="ko-KR" sz="1000" dirty="0" err="1" smtClean="0"/>
@@ -3741,21 +5468,17 @@
             </a:r>
             <a:r>
               <a:rPr lang="en-US" altLang="ko-KR" sz="1000" dirty="0" smtClean="0"/>
-              <a:t>[4];</a:t>
-            </a:r>
-          </a:p>
-          <a:p>
-            <a:r>
-              <a:rPr lang="en-US" altLang="ko-KR" sz="1000" dirty="0" smtClean="0"/>
-              <a:t>      </a:t>
-            </a:r>
-            <a:r>
-              <a:rPr lang="en-US" altLang="ko-KR" sz="1000" dirty="0" err="1" smtClean="0"/>
-              <a:t>int</a:t>
-            </a:r>
-            <a:r>
-              <a:rPr lang="en-US" altLang="ko-KR" sz="1000" dirty="0" smtClean="0"/>
-              <a:t> </a:t>
+              <a:t>[k] = 0;</a:t>
+            </a:r>
+          </a:p>
+          <a:p>
+            <a:r>
+              <a:rPr lang="en-US" altLang="ko-KR" sz="1000" dirty="0"/>
+              <a:t> </a:t>
+            </a:r>
+            <a:r>
+              <a:rPr lang="en-US" altLang="ko-KR" sz="1000" dirty="0" smtClean="0"/>
+              <a:t>            </a:t>
             </a:r>
             <a:r>
               <a:rPr lang="en-US" altLang="ko-KR" sz="1000" dirty="0" err="1" smtClean="0"/>
@@ -3763,300 +5486,49 @@
             </a:r>
             <a:r>
               <a:rPr lang="en-US" altLang="ko-KR" sz="1000" dirty="0" smtClean="0"/>
-              <a:t>[4];</a:t>
-            </a:r>
-          </a:p>
-          <a:p>
-            <a:endParaRPr lang="en-US" altLang="ko-KR" sz="1000" dirty="0" smtClean="0"/>
-          </a:p>
-          <a:p>
-            <a:r>
-              <a:rPr lang="en-US" altLang="ko-KR" sz="1000" dirty="0"/>
-              <a:t> </a:t>
-            </a:r>
-            <a:r>
-              <a:rPr lang="en-US" altLang="ko-KR" sz="1000" dirty="0" smtClean="0"/>
-              <a:t>  public:</a:t>
-            </a:r>
-          </a:p>
-          <a:p>
-            <a:r>
-              <a:rPr lang="en-US" altLang="ko-KR" sz="1000" dirty="0"/>
-              <a:t> </a:t>
-            </a:r>
-            <a:r>
-              <a:rPr lang="en-US" altLang="ko-KR" sz="1000" dirty="0" smtClean="0"/>
-              <a:t>     </a:t>
-            </a:r>
-            <a:r>
-              <a:rPr lang="en-US" altLang="ko-KR" sz="1000" dirty="0" err="1" smtClean="0"/>
-              <a:t>TetrisChief</a:t>
-            </a:r>
-            <a:r>
-              <a:rPr lang="en-US" altLang="ko-KR" sz="1000" dirty="0" smtClean="0"/>
-              <a:t>();</a:t>
-            </a:r>
-          </a:p>
-          <a:p>
-            <a:r>
-              <a:rPr lang="en-US" altLang="ko-KR" sz="1000" dirty="0"/>
-              <a:t> </a:t>
-            </a:r>
-            <a:r>
-              <a:rPr lang="en-US" altLang="ko-KR" sz="1000" dirty="0" smtClean="0"/>
-              <a:t>     </a:t>
-            </a:r>
-            <a:r>
-              <a:rPr lang="en-US" altLang="ko-KR" sz="1000" dirty="0" err="1" smtClean="0"/>
-              <a:t>TetrisChief</a:t>
-            </a:r>
-            <a:r>
-              <a:rPr lang="en-US" altLang="ko-KR" sz="1000" dirty="0" smtClean="0"/>
-              <a:t>(</a:t>
-            </a:r>
-            <a:r>
-              <a:rPr lang="en-US" altLang="ko-KR" sz="1000" dirty="0" err="1" smtClean="0"/>
-              <a:t>int</a:t>
-            </a:r>
-            <a:r>
-              <a:rPr lang="en-US" altLang="ko-KR" sz="1000" dirty="0" smtClean="0"/>
-              <a:t> (*map)[40][20]);</a:t>
-            </a:r>
-          </a:p>
-          <a:p>
-            <a:r>
-              <a:rPr lang="en-US" altLang="ko-KR" sz="1000" dirty="0"/>
-              <a:t> </a:t>
-            </a:r>
-            <a:r>
-              <a:rPr lang="en-US" altLang="ko-KR" sz="1000" dirty="0" smtClean="0"/>
-              <a:t>     void </a:t>
-            </a:r>
-            <a:r>
-              <a:rPr lang="en-US" altLang="ko-KR" sz="1000" dirty="0" err="1" smtClean="0"/>
-              <a:t>InitTetris</a:t>
-            </a:r>
-            <a:r>
-              <a:rPr lang="en-US" altLang="ko-KR" sz="1000" dirty="0" smtClean="0"/>
-              <a:t>();</a:t>
-            </a:r>
-          </a:p>
-          <a:p>
-            <a:r>
-              <a:rPr lang="en-US" altLang="ko-KR" sz="1000" dirty="0"/>
-              <a:t> </a:t>
-            </a:r>
-            <a:r>
-              <a:rPr lang="en-US" altLang="ko-KR" sz="1000" dirty="0" smtClean="0"/>
-              <a:t>     void </a:t>
-            </a:r>
-            <a:r>
-              <a:rPr lang="en-US" altLang="ko-KR" sz="1000" dirty="0" err="1" smtClean="0"/>
-              <a:t>ShowTetris</a:t>
-            </a:r>
-            <a:r>
-              <a:rPr lang="en-US" altLang="ko-KR" sz="1000" dirty="0" smtClean="0"/>
-              <a:t>();</a:t>
-            </a:r>
-          </a:p>
-          <a:p>
-            <a:r>
-              <a:rPr lang="en-US" altLang="ko-KR" sz="1000" dirty="0"/>
-              <a:t> </a:t>
-            </a:r>
-            <a:r>
-              <a:rPr lang="en-US" altLang="ko-KR" sz="1000" dirty="0" smtClean="0"/>
-              <a:t>     void </a:t>
-            </a:r>
-            <a:r>
-              <a:rPr lang="en-US" altLang="ko-KR" sz="1000" dirty="0" err="1" smtClean="0"/>
-              <a:t>MoveTetris</a:t>
-            </a:r>
-            <a:r>
-              <a:rPr lang="en-US" altLang="ko-KR" sz="1000" dirty="0" smtClean="0"/>
-              <a:t>();</a:t>
-            </a:r>
-          </a:p>
-          <a:p>
-            <a:r>
-              <a:rPr lang="en-US" altLang="ko-KR" sz="1000" dirty="0"/>
-              <a:t> </a:t>
-            </a:r>
-            <a:r>
-              <a:rPr lang="en-US" altLang="ko-KR" sz="1000" dirty="0" smtClean="0"/>
-              <a:t>     void </a:t>
-            </a:r>
-            <a:r>
-              <a:rPr lang="en-US" altLang="ko-KR" sz="1000" dirty="0" err="1" smtClean="0"/>
-              <a:t>MoveDeleteTetris</a:t>
-            </a:r>
-            <a:r>
-              <a:rPr lang="en-US" altLang="ko-KR" sz="1000" dirty="0" smtClean="0"/>
-              <a:t>();</a:t>
-            </a:r>
-          </a:p>
-          <a:p>
-            <a:r>
-              <a:rPr lang="en-US" altLang="ko-KR" sz="1000" dirty="0"/>
-              <a:t> </a:t>
-            </a:r>
-            <a:r>
-              <a:rPr lang="en-US" altLang="ko-KR" sz="1000" dirty="0" smtClean="0"/>
-              <a:t>     void </a:t>
-            </a:r>
-            <a:r>
-              <a:rPr lang="en-US" altLang="ko-KR" sz="1000" dirty="0" err="1" smtClean="0"/>
-              <a:t>CheckTetris</a:t>
-            </a:r>
-            <a:r>
-              <a:rPr lang="en-US" altLang="ko-KR" sz="1000" dirty="0" smtClean="0"/>
-              <a:t>();</a:t>
-            </a:r>
-          </a:p>
-          <a:p>
-            <a:r>
-              <a:rPr lang="en-US" altLang="ko-KR" sz="1000" dirty="0"/>
-              <a:t> </a:t>
-            </a:r>
-            <a:r>
-              <a:rPr lang="en-US" altLang="ko-KR" sz="1000" dirty="0" smtClean="0"/>
-              <a:t>     void </a:t>
-            </a:r>
-            <a:r>
-              <a:rPr lang="en-US" altLang="ko-KR" sz="1000" dirty="0" err="1" smtClean="0"/>
-              <a:t>RotateTetris</a:t>
-            </a:r>
-            <a:r>
-              <a:rPr lang="en-US" altLang="ko-KR" sz="1000" dirty="0" smtClean="0"/>
-              <a:t>();</a:t>
-            </a:r>
-          </a:p>
-          <a:p>
-            <a:r>
-              <a:rPr lang="en-US" altLang="ko-KR" sz="1000" dirty="0"/>
-              <a:t> </a:t>
-            </a:r>
-            <a:r>
-              <a:rPr lang="en-US" altLang="ko-KR" sz="1000" dirty="0" smtClean="0"/>
-              <a:t>     void </a:t>
-            </a:r>
-            <a:r>
-              <a:rPr lang="en-US" altLang="ko-KR" sz="1000" dirty="0" err="1" smtClean="0"/>
-              <a:t>MoveLeftTetris</a:t>
-            </a:r>
-            <a:r>
-              <a:rPr lang="en-US" altLang="ko-KR" sz="1000" dirty="0" smtClean="0"/>
-              <a:t>();</a:t>
-            </a:r>
-          </a:p>
-          <a:p>
-            <a:r>
-              <a:rPr lang="en-US" altLang="ko-KR" sz="1000" dirty="0" smtClean="0"/>
-              <a:t>      void </a:t>
-            </a:r>
-            <a:r>
-              <a:rPr lang="en-US" altLang="ko-KR" sz="1000" dirty="0" err="1" smtClean="0"/>
-              <a:t>MoveRightTetris</a:t>
-            </a:r>
-            <a:r>
-              <a:rPr lang="en-US" altLang="ko-KR" sz="1000" dirty="0" smtClean="0"/>
-              <a:t>();</a:t>
-            </a:r>
-          </a:p>
-          <a:p>
-            <a:r>
-              <a:rPr lang="en-US" altLang="ko-KR" sz="1000" dirty="0"/>
-              <a:t> </a:t>
-            </a:r>
-            <a:r>
-              <a:rPr lang="en-US" altLang="ko-KR" sz="1000" dirty="0" smtClean="0"/>
-              <a:t>     void </a:t>
-            </a:r>
-            <a:r>
-              <a:rPr lang="en-US" altLang="ko-KR" sz="1000" dirty="0" err="1" smtClean="0"/>
-              <a:t>CheckLine</a:t>
-            </a:r>
-            <a:r>
-              <a:rPr lang="en-US" altLang="ko-KR" sz="1000" dirty="0" smtClean="0"/>
-              <a:t>();</a:t>
-            </a:r>
-          </a:p>
-          <a:p>
-            <a:r>
-              <a:rPr lang="en-US" altLang="ko-KR" sz="1000" dirty="0"/>
-              <a:t> </a:t>
-            </a:r>
-            <a:r>
-              <a:rPr lang="en-US" altLang="ko-KR" sz="1000" dirty="0" smtClean="0"/>
-              <a:t>     void </a:t>
-            </a:r>
-            <a:r>
-              <a:rPr lang="en-US" altLang="ko-KR" sz="1000" dirty="0" err="1" smtClean="0"/>
-              <a:t>MoveLine</a:t>
-            </a:r>
-            <a:r>
-              <a:rPr lang="en-US" altLang="ko-KR" sz="1000" dirty="0" smtClean="0"/>
-              <a:t>();</a:t>
-            </a:r>
-          </a:p>
-          <a:p>
-            <a:r>
-              <a:rPr lang="en-US" altLang="ko-KR" sz="1000" dirty="0"/>
-              <a:t> </a:t>
-            </a:r>
-            <a:r>
-              <a:rPr lang="en-US" altLang="ko-KR" sz="1000" dirty="0" smtClean="0"/>
-              <a:t>     void </a:t>
-            </a:r>
-            <a:r>
-              <a:rPr lang="en-US" altLang="ko-KR" sz="1000" dirty="0" err="1" smtClean="0"/>
-              <a:t>DeleteLine</a:t>
-            </a:r>
-            <a:r>
-              <a:rPr lang="en-US" altLang="ko-KR" sz="1000" dirty="0" smtClean="0"/>
-              <a:t>();</a:t>
-            </a:r>
-          </a:p>
-          <a:p>
-            <a:r>
-              <a:rPr lang="en-US" altLang="ko-KR" sz="1000" dirty="0"/>
-              <a:t> </a:t>
-            </a:r>
-            <a:r>
-              <a:rPr lang="en-US" altLang="ko-KR" sz="1000" dirty="0" smtClean="0"/>
-              <a:t>     void </a:t>
-            </a:r>
-            <a:r>
-              <a:rPr lang="en-US" altLang="ko-KR" sz="1000" dirty="0" err="1" smtClean="0"/>
-              <a:t>CreateLine</a:t>
-            </a:r>
-            <a:r>
-              <a:rPr lang="en-US" altLang="ko-KR" sz="1000" dirty="0" smtClean="0"/>
-              <a:t>();</a:t>
-            </a:r>
-          </a:p>
-          <a:p>
-            <a:endParaRPr lang="en-US" altLang="ko-KR" sz="1000" dirty="0"/>
-          </a:p>
-          <a:p>
-            <a:r>
-              <a:rPr lang="en-US" altLang="ko-KR" sz="1000" dirty="0" smtClean="0"/>
-              <a:t>}</a:t>
-            </a:r>
-            <a:endParaRPr lang="ko-KR" altLang="en-US" sz="1000" dirty="0"/>
+              <a:t>[k</a:t>
+            </a:r>
+            <a:r>
+              <a:rPr lang="en-US" altLang="ko-KR" sz="1000" dirty="0"/>
+              <a:t>] = 0</a:t>
+            </a:r>
+            <a:r>
+              <a:rPr lang="en-US" altLang="ko-KR" sz="1000" dirty="0" smtClean="0"/>
+              <a:t>;</a:t>
+            </a:r>
+          </a:p>
+          <a:p>
+            <a:r>
+              <a:rPr lang="en-US" altLang="ko-KR" sz="1000" dirty="0"/>
+              <a:t> </a:t>
+            </a:r>
+            <a:r>
+              <a:rPr lang="en-US" altLang="ko-KR" sz="1000" dirty="0" smtClean="0"/>
+              <a:t>        } </a:t>
+            </a:r>
+          </a:p>
+          <a:p>
+            <a:r>
+              <a:rPr lang="en-US" altLang="ko-KR" sz="1000" dirty="0"/>
+              <a:t> </a:t>
+            </a:r>
+            <a:r>
+              <a:rPr lang="en-US" altLang="ko-KR" sz="1000" dirty="0" smtClean="0"/>
+              <a:t>     }</a:t>
+            </a:r>
           </a:p>
         </p:txBody>
       </p:sp>
       <p:sp>
         <p:nvSpPr>
-          <p:cNvPr id="3" name="TextBox 2"/>
+          <p:cNvPr id="9" name="TextBox 8"/>
           <p:cNvSpPr txBox="1"/>
           <p:nvPr/>
         </p:nvSpPr>
         <p:spPr>
           <a:xfrm>
-            <a:off x="2316480" y="55398"/>
-            <a:ext cx="3215640" cy="6093976"/>
+            <a:off x="3705585" y="55398"/>
+            <a:ext cx="6293708" cy="6247864"/>
           </a:xfrm>
           <a:prstGeom prst="rect">
             <a:avLst/>
@@ -4070,16 +5542,218 @@
           <a:lstStyle/>
           <a:p>
             <a:r>
-              <a:rPr lang="en-US" altLang="ko-KR" sz="1000" dirty="0" err="1" smtClean="0"/>
-              <a:t>TetrisChief</a:t>
-            </a:r>
-            <a:r>
-              <a:rPr lang="en-US" altLang="ko-KR" sz="1000" dirty="0" smtClean="0"/>
-              <a:t>::</a:t>
-            </a:r>
-            <a:r>
-              <a:rPr lang="en-US" altLang="ko-KR" sz="1000" dirty="0" err="1" smtClean="0"/>
-              <a:t>TetrisChief</a:t>
+              <a:rPr lang="en-US" altLang="ko-KR" sz="1000" dirty="0" smtClean="0"/>
+              <a:t>else</a:t>
+            </a:r>
+          </a:p>
+          <a:p>
+            <a:r>
+              <a:rPr lang="en-US" altLang="ko-KR" sz="1000" dirty="0"/>
+              <a:t> </a:t>
+            </a:r>
+            <a:r>
+              <a:rPr lang="en-US" altLang="ko-KR" sz="1000" dirty="0" smtClean="0"/>
+              <a:t>     {</a:t>
+            </a:r>
+          </a:p>
+          <a:p>
+            <a:r>
+              <a:rPr lang="en-US" altLang="ko-KR" sz="1000" dirty="0"/>
+              <a:t> </a:t>
+            </a:r>
+            <a:r>
+              <a:rPr lang="en-US" altLang="ko-KR" sz="1000" dirty="0" smtClean="0"/>
+              <a:t>        continue;</a:t>
+            </a:r>
+          </a:p>
+          <a:p>
+            <a:r>
+              <a:rPr lang="en-US" altLang="ko-KR" sz="1000" dirty="0"/>
+              <a:t> </a:t>
+            </a:r>
+            <a:r>
+              <a:rPr lang="en-US" altLang="ko-KR" sz="1000" dirty="0" smtClean="0"/>
+              <a:t>     }</a:t>
+            </a:r>
+            <a:endParaRPr lang="en-US" altLang="ko-KR" sz="1000" dirty="0"/>
+          </a:p>
+          <a:p>
+            <a:r>
+              <a:rPr lang="en-US" altLang="ko-KR" sz="1000" dirty="0" smtClean="0"/>
+              <a:t>   }</a:t>
+            </a:r>
+          </a:p>
+          <a:p>
+            <a:endParaRPr lang="en-US" altLang="ko-KR" sz="1000" dirty="0" smtClean="0"/>
+          </a:p>
+          <a:p>
+            <a:r>
+              <a:rPr lang="en-US" altLang="ko-KR" sz="1000" dirty="0"/>
+              <a:t> </a:t>
+            </a:r>
+            <a:r>
+              <a:rPr lang="en-US" altLang="ko-KR" sz="1000" dirty="0" smtClean="0"/>
+              <a:t>  for(</a:t>
+            </a:r>
+            <a:r>
+              <a:rPr lang="en-US" altLang="ko-KR" sz="1000" dirty="0" err="1" smtClean="0"/>
+              <a:t>int</a:t>
+            </a:r>
+            <a:r>
+              <a:rPr lang="en-US" altLang="ko-KR" sz="1000" dirty="0" smtClean="0"/>
+              <a:t> </a:t>
+            </a:r>
+            <a:r>
+              <a:rPr lang="en-US" altLang="ko-KR" sz="1000" dirty="0" err="1" smtClean="0"/>
+              <a:t>i</a:t>
+            </a:r>
+            <a:r>
+              <a:rPr lang="en-US" altLang="ko-KR" sz="1000" dirty="0" smtClean="0"/>
+              <a:t>=0; </a:t>
+            </a:r>
+            <a:r>
+              <a:rPr lang="en-US" altLang="ko-KR" sz="1000" dirty="0" err="1" smtClean="0"/>
+              <a:t>i</a:t>
+            </a:r>
+            <a:r>
+              <a:rPr lang="en-US" altLang="ko-KR" sz="1000" dirty="0" smtClean="0"/>
+              <a:t>&lt;4; </a:t>
+            </a:r>
+            <a:r>
+              <a:rPr lang="en-US" altLang="ko-KR" sz="1000" dirty="0" err="1" smtClean="0"/>
+              <a:t>i</a:t>
+            </a:r>
+            <a:r>
+              <a:rPr lang="en-US" altLang="ko-KR" sz="1000" dirty="0" smtClean="0"/>
+              <a:t>++)</a:t>
+            </a:r>
+          </a:p>
+          <a:p>
+            <a:r>
+              <a:rPr lang="en-US" altLang="ko-KR" sz="1000" dirty="0"/>
+              <a:t> </a:t>
+            </a:r>
+            <a:r>
+              <a:rPr lang="en-US" altLang="ko-KR" sz="1000" dirty="0" smtClean="0"/>
+              <a:t>  {</a:t>
+            </a:r>
+          </a:p>
+          <a:p>
+            <a:r>
+              <a:rPr lang="en-US" altLang="ko-KR" sz="1000" dirty="0"/>
+              <a:t> </a:t>
+            </a:r>
+            <a:r>
+              <a:rPr lang="en-US" altLang="ko-KR" sz="1000" dirty="0" smtClean="0"/>
+              <a:t>      if((*</a:t>
+            </a:r>
+            <a:r>
+              <a:rPr lang="en-US" altLang="ko-KR" sz="1000" dirty="0" err="1" smtClean="0"/>
+              <a:t>iMap</a:t>
+            </a:r>
+            <a:r>
+              <a:rPr lang="en-US" altLang="ko-KR" sz="1000" dirty="0" smtClean="0"/>
+              <a:t>)[</a:t>
+            </a:r>
+            <a:r>
+              <a:rPr lang="en-US" altLang="ko-KR" sz="1000" dirty="0" err="1" smtClean="0"/>
+              <a:t>chkTetrisY</a:t>
+            </a:r>
+            <a:r>
+              <a:rPr lang="en-US" altLang="ko-KR" sz="1000" dirty="0" smtClean="0"/>
+              <a:t>[</a:t>
+            </a:r>
+            <a:r>
+              <a:rPr lang="en-US" altLang="ko-KR" sz="1000" dirty="0" err="1" smtClean="0"/>
+              <a:t>i</a:t>
+            </a:r>
+            <a:r>
+              <a:rPr lang="en-US" altLang="ko-KR" sz="1000" dirty="0" smtClean="0"/>
+              <a:t>]+1][</a:t>
+            </a:r>
+            <a:r>
+              <a:rPr lang="en-US" altLang="ko-KR" sz="1000" dirty="0" err="1" smtClean="0"/>
+              <a:t>chkTetrisX</a:t>
+            </a:r>
+            <a:r>
+              <a:rPr lang="en-US" altLang="ko-KR" sz="1000" dirty="0" smtClean="0"/>
+              <a:t>[</a:t>
+            </a:r>
+            <a:r>
+              <a:rPr lang="en-US" altLang="ko-KR" sz="1000" dirty="0" err="1" smtClean="0"/>
+              <a:t>i</a:t>
+            </a:r>
+            <a:r>
+              <a:rPr lang="en-US" altLang="ko-KR" sz="1000" dirty="0" smtClean="0"/>
+              <a:t>]] == 1)</a:t>
+            </a:r>
+          </a:p>
+          <a:p>
+            <a:r>
+              <a:rPr lang="en-US" altLang="ko-KR" sz="1000" dirty="0"/>
+              <a:t> </a:t>
+            </a:r>
+            <a:r>
+              <a:rPr lang="en-US" altLang="ko-KR" sz="1000" dirty="0" smtClean="0"/>
+              <a:t>      {</a:t>
+            </a:r>
+          </a:p>
+          <a:p>
+            <a:r>
+              <a:rPr lang="en-US" altLang="ko-KR" sz="1000" dirty="0"/>
+              <a:t> </a:t>
+            </a:r>
+            <a:r>
+              <a:rPr lang="en-US" altLang="ko-KR" sz="1000" dirty="0" smtClean="0"/>
+              <a:t>          </a:t>
+            </a:r>
+            <a:r>
+              <a:rPr lang="en-US" altLang="ko-KR" sz="1000" dirty="0" err="1" smtClean="0"/>
+              <a:t>isChecked</a:t>
+            </a:r>
+            <a:r>
+              <a:rPr lang="en-US" altLang="ko-KR" sz="1000" dirty="0" smtClean="0"/>
+              <a:t> = true;</a:t>
+            </a:r>
+          </a:p>
+          <a:p>
+            <a:r>
+              <a:rPr lang="en-US" altLang="ko-KR" sz="1000" dirty="0"/>
+              <a:t> </a:t>
+            </a:r>
+            <a:r>
+              <a:rPr lang="en-US" altLang="ko-KR" sz="1000" dirty="0" smtClean="0"/>
+              <a:t>      }</a:t>
+            </a:r>
+          </a:p>
+          <a:p>
+            <a:r>
+              <a:rPr lang="en-US" altLang="ko-KR" sz="1000" dirty="0"/>
+              <a:t> </a:t>
+            </a:r>
+            <a:r>
+              <a:rPr lang="en-US" altLang="ko-KR" sz="1000" dirty="0" smtClean="0"/>
+              <a:t>  }</a:t>
+            </a:r>
+            <a:endParaRPr lang="en-US" altLang="ko-KR" sz="1000" dirty="0"/>
+          </a:p>
+          <a:p>
+            <a:r>
+              <a:rPr lang="en-US" altLang="ko-KR" sz="1000" dirty="0" smtClean="0"/>
+              <a:t>}</a:t>
+            </a:r>
+          </a:p>
+          <a:p>
+            <a:endParaRPr lang="en-US" altLang="ko-KR" sz="1000" dirty="0"/>
+          </a:p>
+          <a:p>
+            <a:r>
+              <a:rPr lang="en-US" altLang="ko-KR" sz="1000" dirty="0" smtClean="0"/>
+              <a:t>Void </a:t>
+            </a:r>
+            <a:r>
+              <a:rPr lang="en-US" altLang="ko-KR" sz="1000" dirty="0" err="1" smtClean="0"/>
+              <a:t>RotateTetris</a:t>
             </a:r>
             <a:r>
               <a:rPr lang="en-US" altLang="ko-KR" sz="1000" dirty="0" smtClean="0"/>
@@ -4097,10 +5771,231 @@
               <a:rPr lang="en-US" altLang="ko-KR" sz="1000" dirty="0" smtClean="0"/>
               <a:t>   </a:t>
             </a:r>
+            <a:r>
+              <a:rPr lang="en-US" altLang="ko-KR" sz="1000" dirty="0" err="1" smtClean="0"/>
+              <a:t>int</a:t>
+            </a:r>
+            <a:r>
+              <a:rPr lang="en-US" altLang="ko-KR" sz="1000" dirty="0" smtClean="0"/>
+              <a:t> </a:t>
+            </a:r>
+            <a:r>
+              <a:rPr lang="en-US" altLang="ko-KR" sz="1000" dirty="0" err="1" smtClean="0"/>
+              <a:t>saveTetris</a:t>
+            </a:r>
+            <a:r>
+              <a:rPr lang="en-US" altLang="ko-KR" sz="1000" dirty="0" smtClean="0"/>
+              <a:t>[4][4];</a:t>
+            </a:r>
+          </a:p>
+          <a:p>
+            <a:r>
+              <a:rPr lang="en-US" altLang="ko-KR" sz="1000" dirty="0"/>
+              <a:t> </a:t>
+            </a:r>
+            <a:r>
+              <a:rPr lang="en-US" altLang="ko-KR" sz="1000" dirty="0" smtClean="0"/>
+              <a:t>  </a:t>
+            </a:r>
+          </a:p>
+          <a:p>
+            <a:r>
+              <a:rPr lang="en-US" altLang="ko-KR" sz="1000" dirty="0" smtClean="0"/>
+              <a:t>   </a:t>
+            </a:r>
+            <a:r>
+              <a:rPr lang="en-US" altLang="ko-KR" sz="1000" dirty="0" err="1" smtClean="0"/>
+              <a:t>MoveDeleteTetris</a:t>
+            </a:r>
+            <a:r>
+              <a:rPr lang="en-US" altLang="ko-KR" sz="1000" dirty="0" smtClean="0"/>
+              <a:t>();</a:t>
+            </a:r>
+          </a:p>
+          <a:p>
+            <a:endParaRPr lang="en-US" altLang="ko-KR" sz="1000" dirty="0" smtClean="0"/>
+          </a:p>
+          <a:p>
+            <a:r>
+              <a:rPr lang="en-US" altLang="ko-KR" sz="1000" dirty="0"/>
+              <a:t> </a:t>
+            </a:r>
+            <a:r>
+              <a:rPr lang="en-US" altLang="ko-KR" sz="1000" dirty="0" smtClean="0"/>
+              <a:t>  for(</a:t>
+            </a:r>
+            <a:r>
+              <a:rPr lang="en-US" altLang="ko-KR" sz="1000" dirty="0" err="1" smtClean="0"/>
+              <a:t>int</a:t>
+            </a:r>
+            <a:r>
+              <a:rPr lang="en-US" altLang="ko-KR" sz="1000" dirty="0" smtClean="0"/>
+              <a:t> y=3; y&gt;=0; y--)</a:t>
+            </a:r>
+          </a:p>
+          <a:p>
+            <a:r>
+              <a:rPr lang="en-US" altLang="ko-KR" sz="1000" dirty="0" smtClean="0"/>
+              <a:t>   {</a:t>
+            </a:r>
+          </a:p>
+          <a:p>
+            <a:r>
+              <a:rPr lang="en-US" altLang="ko-KR" sz="1000" dirty="0"/>
+              <a:t> </a:t>
+            </a:r>
+            <a:r>
+              <a:rPr lang="en-US" altLang="ko-KR" sz="1000" dirty="0" smtClean="0"/>
+              <a:t>     for(</a:t>
+            </a:r>
+            <a:r>
+              <a:rPr lang="en-US" altLang="ko-KR" sz="1000" dirty="0" err="1" smtClean="0"/>
+              <a:t>int</a:t>
+            </a:r>
+            <a:r>
+              <a:rPr lang="en-US" altLang="ko-KR" sz="1000" dirty="0" smtClean="0"/>
+              <a:t> x=0; x&lt;4; x++)</a:t>
+            </a:r>
+          </a:p>
+          <a:p>
+            <a:r>
+              <a:rPr lang="en-US" altLang="ko-KR" sz="1000" dirty="0"/>
+              <a:t> </a:t>
+            </a:r>
+            <a:r>
+              <a:rPr lang="en-US" altLang="ko-KR" sz="1000" dirty="0" smtClean="0"/>
+              <a:t>     {</a:t>
+            </a:r>
+          </a:p>
+          <a:p>
+            <a:r>
+              <a:rPr lang="en-US" altLang="ko-KR" sz="1000" dirty="0"/>
+              <a:t> </a:t>
+            </a:r>
+            <a:r>
+              <a:rPr lang="en-US" altLang="ko-KR" sz="1000" dirty="0" smtClean="0"/>
+              <a:t>         </a:t>
+            </a:r>
+            <a:r>
+              <a:rPr lang="en-US" altLang="ko-KR" sz="1000" dirty="0" err="1" smtClean="0"/>
+              <a:t>saveTetris</a:t>
+            </a:r>
+            <a:r>
+              <a:rPr lang="en-US" altLang="ko-KR" sz="1000" dirty="0" smtClean="0"/>
+              <a:t>[3-y][x] = Member[y][x];</a:t>
+            </a:r>
+          </a:p>
+          <a:p>
+            <a:r>
+              <a:rPr lang="en-US" altLang="ko-KR" sz="1000" dirty="0"/>
+              <a:t> </a:t>
+            </a:r>
+            <a:r>
+              <a:rPr lang="en-US" altLang="ko-KR" sz="1000" dirty="0" smtClean="0"/>
+              <a:t>     }</a:t>
+            </a:r>
+          </a:p>
+          <a:p>
+            <a:r>
+              <a:rPr lang="en-US" altLang="ko-KR" sz="1000" dirty="0"/>
+              <a:t> </a:t>
+            </a:r>
+            <a:r>
+              <a:rPr lang="en-US" altLang="ko-KR" sz="1000" dirty="0" smtClean="0"/>
+              <a:t>  }</a:t>
+            </a:r>
+          </a:p>
+          <a:p>
             <a:endParaRPr lang="en-US" altLang="ko-KR" sz="1000" dirty="0"/>
           </a:p>
           <a:p>
             <a:r>
+              <a:rPr lang="en-US" altLang="ko-KR" sz="1000" dirty="0"/>
+              <a:t> for(</a:t>
+            </a:r>
+            <a:r>
+              <a:rPr lang="en-US" altLang="ko-KR" sz="1000" dirty="0" err="1"/>
+              <a:t>int</a:t>
+            </a:r>
+            <a:r>
+              <a:rPr lang="en-US" altLang="ko-KR" sz="1000" dirty="0"/>
+              <a:t> </a:t>
+            </a:r>
+            <a:r>
+              <a:rPr lang="en-US" altLang="ko-KR" sz="1000" dirty="0" smtClean="0"/>
+              <a:t>y=0; y&lt;4; y++)</a:t>
+            </a:r>
+            <a:endParaRPr lang="en-US" altLang="ko-KR" sz="1000" dirty="0"/>
+          </a:p>
+          <a:p>
+            <a:r>
+              <a:rPr lang="en-US" altLang="ko-KR" sz="1000" dirty="0"/>
+              <a:t>   {</a:t>
+            </a:r>
+          </a:p>
+          <a:p>
+            <a:r>
+              <a:rPr lang="en-US" altLang="ko-KR" sz="1000" dirty="0"/>
+              <a:t>      for(</a:t>
+            </a:r>
+            <a:r>
+              <a:rPr lang="en-US" altLang="ko-KR" sz="1000" dirty="0" err="1"/>
+              <a:t>int</a:t>
+            </a:r>
+            <a:r>
+              <a:rPr lang="en-US" altLang="ko-KR" sz="1000" dirty="0"/>
+              <a:t> x=0; x&lt;4; x++)</a:t>
+            </a:r>
+          </a:p>
+          <a:p>
+            <a:r>
+              <a:rPr lang="en-US" altLang="ko-KR" sz="1000" dirty="0"/>
+              <a:t>      {</a:t>
+            </a:r>
+          </a:p>
+          <a:p>
+            <a:r>
+              <a:rPr lang="en-US" altLang="ko-KR" sz="1000" dirty="0"/>
+              <a:t> </a:t>
+            </a:r>
+            <a:r>
+              <a:rPr lang="en-US" altLang="ko-KR" sz="1000" dirty="0" smtClean="0"/>
+              <a:t>         Member[y][</a:t>
+            </a:r>
+            <a:r>
+              <a:rPr lang="en-US" altLang="ko-KR" sz="1000" dirty="0"/>
+              <a:t>x] = </a:t>
+            </a:r>
+            <a:r>
+              <a:rPr lang="en-US" altLang="ko-KR" sz="1000" dirty="0" err="1" smtClean="0"/>
+              <a:t>saveTetris</a:t>
+            </a:r>
+            <a:r>
+              <a:rPr lang="en-US" altLang="ko-KR" sz="1000" dirty="0" smtClean="0"/>
+              <a:t>[y</a:t>
+            </a:r>
+            <a:r>
+              <a:rPr lang="en-US" altLang="ko-KR" sz="1000" dirty="0"/>
+              <a:t>][x</a:t>
+            </a:r>
+            <a:r>
+              <a:rPr lang="en-US" altLang="ko-KR" sz="1000" dirty="0" smtClean="0"/>
+              <a:t>];</a:t>
+            </a:r>
+            <a:endParaRPr lang="en-US" altLang="ko-KR" sz="1000" dirty="0"/>
+          </a:p>
+          <a:p>
+            <a:r>
+              <a:rPr lang="en-US" altLang="ko-KR" sz="1000" dirty="0"/>
+              <a:t>      }</a:t>
+            </a:r>
+          </a:p>
+          <a:p>
+            <a:r>
+              <a:rPr lang="en-US" altLang="ko-KR" sz="1000" dirty="0"/>
+              <a:t>   </a:t>
+            </a:r>
+            <a:r>
               <a:rPr lang="en-US" altLang="ko-KR" sz="1000" dirty="0" smtClean="0"/>
               <a:t>}</a:t>
             </a:r>
@@ -4110,387 +6005,22 @@
           </a:p>
           <a:p>
             <a:r>
-              <a:rPr lang="en-US" altLang="ko-KR" sz="1000" dirty="0" err="1" smtClean="0"/>
-              <a:t>TetrisChief</a:t>
-            </a:r>
-            <a:r>
-              <a:rPr lang="en-US" altLang="ko-KR" sz="1000" dirty="0" smtClean="0"/>
-              <a:t>:: </a:t>
-            </a:r>
-            <a:r>
-              <a:rPr lang="en-US" altLang="ko-KR" sz="1000" dirty="0" err="1" smtClean="0"/>
-              <a:t>TetrisChief</a:t>
-            </a:r>
-            <a:r>
-              <a:rPr lang="en-US" altLang="ko-KR" sz="1000" dirty="0" smtClean="0"/>
-              <a:t>(</a:t>
-            </a:r>
-            <a:r>
-              <a:rPr lang="en-US" altLang="ko-KR" sz="1000" dirty="0" err="1" smtClean="0"/>
-              <a:t>int</a:t>
-            </a:r>
-            <a:r>
-              <a:rPr lang="en-US" altLang="ko-KR" sz="1000" dirty="0" smtClean="0"/>
-              <a:t> (*map)[40][20])</a:t>
-            </a:r>
-          </a:p>
-          <a:p>
-            <a:r>
-              <a:rPr lang="en-US" altLang="ko-KR" sz="1000" dirty="0" smtClean="0"/>
-              <a:t>{</a:t>
-            </a:r>
-          </a:p>
-          <a:p>
-            <a:r>
               <a:rPr lang="en-US" altLang="ko-KR" sz="1000" dirty="0" smtClean="0"/>
               <a:t>   </a:t>
             </a:r>
             <a:r>
               <a:rPr lang="en-US" altLang="ko-KR" sz="1000" dirty="0" err="1" smtClean="0"/>
-              <a:t>iMap</a:t>
-            </a:r>
-            <a:r>
-              <a:rPr lang="en-US" altLang="ko-KR" sz="1000" dirty="0" smtClean="0"/>
-              <a:t> = map;</a:t>
-            </a:r>
-          </a:p>
-          <a:p>
-            <a:r>
-              <a:rPr lang="en-US" altLang="ko-KR" sz="1000" dirty="0" smtClean="0"/>
-              <a:t>}</a:t>
-            </a:r>
-          </a:p>
-          <a:p>
+              <a:t>DrawTetris</a:t>
+            </a:r>
+            <a:r>
+              <a:rPr lang="en-US" altLang="ko-KR" sz="1000" dirty="0" smtClean="0"/>
+              <a:t>();</a:t>
+            </a:r>
             <a:endParaRPr lang="en-US" altLang="ko-KR" sz="1000" dirty="0"/>
           </a:p>
           <a:p>
             <a:r>
               <a:rPr lang="en-US" altLang="ko-KR" sz="1000" dirty="0" smtClean="0"/>
-              <a:t>Void </a:t>
-            </a:r>
-            <a:r>
-              <a:rPr lang="en-US" altLang="ko-KR" sz="1000" dirty="0" err="1" smtClean="0"/>
-              <a:t>InitTetris</a:t>
-            </a:r>
-            <a:r>
-              <a:rPr lang="en-US" altLang="ko-KR" sz="1000" dirty="0" smtClean="0"/>
-              <a:t>()</a:t>
-            </a:r>
-          </a:p>
-          <a:p>
-            <a:r>
-              <a:rPr lang="en-US" altLang="ko-KR" sz="1000" dirty="0" smtClean="0"/>
-              <a:t>{</a:t>
-            </a:r>
-          </a:p>
-          <a:p>
-            <a:r>
-              <a:rPr lang="en-US" altLang="ko-KR" sz="1000" dirty="0" smtClean="0"/>
-              <a:t>   Tetris();</a:t>
-            </a:r>
-            <a:endParaRPr lang="en-US" altLang="ko-KR" sz="1000" dirty="0"/>
-          </a:p>
-          <a:p>
-            <a:r>
-              <a:rPr lang="en-US" altLang="ko-KR" sz="1000" dirty="0" smtClean="0"/>
-              <a:t>}</a:t>
-            </a:r>
-          </a:p>
-          <a:p>
-            <a:endParaRPr lang="en-US" altLang="ko-KR" sz="1000" dirty="0"/>
-          </a:p>
-          <a:p>
-            <a:r>
-              <a:rPr lang="en-US" altLang="ko-KR" sz="1000" dirty="0" smtClean="0"/>
-              <a:t>Void </a:t>
-            </a:r>
-            <a:r>
-              <a:rPr lang="en-US" altLang="ko-KR" sz="1000" dirty="0" err="1" smtClean="0"/>
-              <a:t>ShowTetris</a:t>
-            </a:r>
-            <a:r>
-              <a:rPr lang="en-US" altLang="ko-KR" sz="1000" dirty="0" smtClean="0"/>
-              <a:t>()</a:t>
-            </a:r>
-          </a:p>
-          <a:p>
-            <a:r>
-              <a:rPr lang="en-US" altLang="ko-KR" sz="1000" dirty="0" smtClean="0"/>
-              <a:t>{</a:t>
-            </a:r>
-          </a:p>
-          <a:p>
-            <a:r>
-              <a:rPr lang="en-US" altLang="ko-KR" sz="1000" dirty="0"/>
-              <a:t> </a:t>
-            </a:r>
-            <a:r>
-              <a:rPr lang="en-US" altLang="ko-KR" sz="1000" dirty="0" smtClean="0"/>
-              <a:t>  </a:t>
-            </a:r>
-            <a:r>
-              <a:rPr lang="en-US" altLang="ko-KR" sz="1000" dirty="0" err="1" smtClean="0"/>
-              <a:t>int</a:t>
-            </a:r>
-            <a:r>
-              <a:rPr lang="en-US" altLang="ko-KR" sz="1000" dirty="0" smtClean="0"/>
-              <a:t> </a:t>
-            </a:r>
-            <a:r>
-              <a:rPr lang="en-US" altLang="ko-KR" sz="1000" dirty="0" err="1" smtClean="0"/>
-              <a:t>saveY</a:t>
-            </a:r>
-            <a:r>
-              <a:rPr lang="en-US" altLang="ko-KR" sz="1000" dirty="0" smtClean="0"/>
-              <a:t> = </a:t>
-            </a:r>
-            <a:r>
-              <a:rPr lang="en-US" altLang="ko-KR" sz="1000" dirty="0" err="1" smtClean="0"/>
-              <a:t>tesY</a:t>
-            </a:r>
-            <a:r>
-              <a:rPr lang="en-US" altLang="ko-KR" sz="1000" dirty="0" smtClean="0"/>
-              <a:t>;</a:t>
-            </a:r>
-          </a:p>
-          <a:p>
-            <a:r>
-              <a:rPr lang="en-US" altLang="ko-KR" sz="1000" dirty="0"/>
-              <a:t> </a:t>
-            </a:r>
-            <a:r>
-              <a:rPr lang="en-US" altLang="ko-KR" sz="1000" dirty="0" smtClean="0"/>
-              <a:t> </a:t>
-            </a:r>
-            <a:r>
-              <a:rPr lang="en-US" altLang="ko-KR" sz="1000" dirty="0"/>
-              <a:t> </a:t>
-            </a:r>
-            <a:r>
-              <a:rPr lang="en-US" altLang="ko-KR" sz="1000" dirty="0" err="1" smtClean="0"/>
-              <a:t>int</a:t>
-            </a:r>
-            <a:r>
-              <a:rPr lang="en-US" altLang="ko-KR" sz="1000" dirty="0" smtClean="0"/>
-              <a:t> </a:t>
-            </a:r>
-            <a:r>
-              <a:rPr lang="en-US" altLang="ko-KR" sz="1000" dirty="0" err="1" smtClean="0"/>
-              <a:t>saveX</a:t>
-            </a:r>
-            <a:r>
-              <a:rPr lang="en-US" altLang="ko-KR" sz="1000" dirty="0" smtClean="0"/>
-              <a:t> = </a:t>
-            </a:r>
-            <a:r>
-              <a:rPr lang="en-US" altLang="ko-KR" sz="1000" dirty="0" err="1" smtClean="0"/>
-              <a:t>tesX</a:t>
-            </a:r>
-            <a:r>
-              <a:rPr lang="en-US" altLang="ko-KR" sz="1000" dirty="0" smtClean="0"/>
-              <a:t>;</a:t>
-            </a:r>
-          </a:p>
-          <a:p>
-            <a:endParaRPr lang="en-US" altLang="ko-KR" sz="1000" dirty="0" smtClean="0"/>
-          </a:p>
-          <a:p>
-            <a:r>
-              <a:rPr lang="en-US" altLang="ko-KR" sz="1000" dirty="0" smtClean="0"/>
-              <a:t>   </a:t>
-            </a:r>
-            <a:r>
-              <a:rPr lang="en-US" altLang="ko-KR" sz="1000" dirty="0" smtClean="0"/>
-              <a:t>for(</a:t>
-            </a:r>
-            <a:r>
-              <a:rPr lang="en-US" altLang="ko-KR" sz="1000" dirty="0" err="1" smtClean="0"/>
-              <a:t>int</a:t>
-            </a:r>
-            <a:r>
-              <a:rPr lang="en-US" altLang="ko-KR" sz="1000" dirty="0" smtClean="0"/>
-              <a:t> y=0; y&lt;4; y++)</a:t>
-            </a:r>
-          </a:p>
-          <a:p>
-            <a:r>
-              <a:rPr lang="en-US" altLang="ko-KR" sz="1000" dirty="0" smtClean="0"/>
-              <a:t>   {</a:t>
-            </a:r>
-          </a:p>
-          <a:p>
-            <a:r>
-              <a:rPr lang="en-US" altLang="ko-KR" sz="1000" dirty="0" smtClean="0"/>
-              <a:t>       if(</a:t>
-            </a:r>
-            <a:r>
-              <a:rPr lang="en-US" altLang="ko-KR" sz="1000" dirty="0" err="1" smtClean="0"/>
-              <a:t>tesY+y</a:t>
-            </a:r>
-            <a:r>
-              <a:rPr lang="en-US" altLang="ko-KR" sz="1000" dirty="0" smtClean="0"/>
-              <a:t> &lt; 0)</a:t>
-            </a:r>
-          </a:p>
-          <a:p>
-            <a:r>
-              <a:rPr lang="en-US" altLang="ko-KR" sz="1000" dirty="0" smtClean="0"/>
-              <a:t>       {</a:t>
-            </a:r>
-          </a:p>
-          <a:p>
-            <a:r>
-              <a:rPr lang="en-US" altLang="ko-KR" sz="1000" dirty="0" smtClean="0"/>
-              <a:t>           continue;</a:t>
-            </a:r>
-          </a:p>
-          <a:p>
-            <a:r>
-              <a:rPr lang="en-US" altLang="ko-KR" sz="1000" dirty="0" smtClean="0"/>
-              <a:t>       }</a:t>
-            </a:r>
-          </a:p>
-          <a:p>
-            <a:r>
-              <a:rPr lang="en-US" altLang="ko-KR" sz="1000" dirty="0" smtClean="0"/>
-              <a:t>       for(</a:t>
-            </a:r>
-            <a:r>
-              <a:rPr lang="en-US" altLang="ko-KR" sz="1000" dirty="0" err="1" smtClean="0"/>
-              <a:t>int</a:t>
-            </a:r>
-            <a:r>
-              <a:rPr lang="en-US" altLang="ko-KR" sz="1000" dirty="0" smtClean="0"/>
-              <a:t> x = 0; x&lt;4; x++)</a:t>
-            </a:r>
-          </a:p>
-          <a:p>
-            <a:r>
-              <a:rPr lang="en-US" altLang="ko-KR" sz="1000" dirty="0" smtClean="0"/>
-              <a:t>       {</a:t>
-            </a:r>
-          </a:p>
-          <a:p>
-            <a:r>
-              <a:rPr lang="en-US" altLang="ko-KR" sz="1000" dirty="0" smtClean="0"/>
-              <a:t>           if(Member[y][x] == 1)</a:t>
-            </a:r>
-          </a:p>
-          <a:p>
-            <a:r>
-              <a:rPr lang="en-US" altLang="ko-KR" sz="1000" dirty="0" smtClean="0"/>
-              <a:t>           {</a:t>
-            </a:r>
-          </a:p>
-          <a:p>
-            <a:r>
-              <a:rPr lang="en-US" altLang="ko-KR" sz="1000" dirty="0" smtClean="0"/>
-              <a:t>               (*</a:t>
-            </a:r>
-            <a:r>
-              <a:rPr lang="en-US" altLang="ko-KR" sz="1000" dirty="0" err="1" smtClean="0"/>
-              <a:t>iMap</a:t>
-            </a:r>
-            <a:r>
-              <a:rPr lang="en-US" altLang="ko-KR" sz="1000" dirty="0" smtClean="0"/>
-              <a:t>)[</a:t>
-            </a:r>
-            <a:r>
-              <a:rPr lang="en-US" altLang="ko-KR" sz="1000" dirty="0" err="1" smtClean="0"/>
-              <a:t>saveY</a:t>
-            </a:r>
-            <a:r>
-              <a:rPr lang="en-US" altLang="ko-KR" sz="1000" dirty="0" smtClean="0"/>
-              <a:t>][</a:t>
-            </a:r>
-            <a:r>
-              <a:rPr lang="en-US" altLang="ko-KR" sz="1000" dirty="0" err="1" smtClean="0"/>
-              <a:t>saveX</a:t>
-            </a:r>
-            <a:r>
-              <a:rPr lang="en-US" altLang="ko-KR" sz="1000" dirty="0" smtClean="0"/>
-              <a:t>] += Member[y][x];</a:t>
-            </a:r>
-          </a:p>
-          <a:p>
-            <a:r>
-              <a:rPr lang="en-US" altLang="ko-KR" sz="1000" dirty="0" smtClean="0"/>
-              <a:t>           }</a:t>
-            </a:r>
-          </a:p>
-          <a:p>
-            <a:r>
-              <a:rPr lang="en-US" altLang="ko-KR" sz="1000" dirty="0" smtClean="0"/>
-              <a:t>           </a:t>
-            </a:r>
-            <a:r>
-              <a:rPr lang="en-US" altLang="ko-KR" sz="1000" dirty="0" err="1" smtClean="0"/>
-              <a:t>saveX</a:t>
-            </a:r>
-            <a:r>
-              <a:rPr lang="en-US" altLang="ko-KR" sz="1000" dirty="0" smtClean="0"/>
-              <a:t>++;</a:t>
-            </a:r>
-          </a:p>
-          <a:p>
-            <a:r>
-              <a:rPr lang="en-US" altLang="ko-KR" sz="1000" dirty="0" smtClean="0"/>
-              <a:t>       }</a:t>
-            </a:r>
-          </a:p>
-          <a:p>
-            <a:r>
-              <a:rPr lang="en-US" altLang="ko-KR" sz="1000" dirty="0"/>
-              <a:t> </a:t>
-            </a:r>
-            <a:r>
-              <a:rPr lang="en-US" altLang="ko-KR" sz="1000" dirty="0" smtClean="0"/>
-              <a:t>      </a:t>
-            </a:r>
-            <a:r>
-              <a:rPr lang="en-US" altLang="ko-KR" sz="1000" dirty="0" err="1" smtClean="0"/>
-              <a:t>saveX</a:t>
-            </a:r>
-            <a:r>
-              <a:rPr lang="en-US" altLang="ko-KR" sz="1000" dirty="0" smtClean="0"/>
-              <a:t> = </a:t>
-            </a:r>
-            <a:r>
-              <a:rPr lang="en-US" altLang="ko-KR" sz="1000" dirty="0" err="1" smtClean="0"/>
-              <a:t>tesX</a:t>
-            </a:r>
-            <a:r>
-              <a:rPr lang="en-US" altLang="ko-KR" sz="1000" dirty="0" smtClean="0"/>
-              <a:t>;</a:t>
-            </a:r>
-          </a:p>
-          <a:p>
-            <a:r>
-              <a:rPr lang="en-US" altLang="ko-KR" sz="1000" dirty="0"/>
-              <a:t> </a:t>
-            </a:r>
-            <a:r>
-              <a:rPr lang="en-US" altLang="ko-KR" sz="1000" dirty="0" smtClean="0"/>
-              <a:t>      </a:t>
-            </a:r>
-            <a:r>
-              <a:rPr lang="en-US" altLang="ko-KR" sz="1000" dirty="0" err="1" smtClean="0"/>
-              <a:t>saveY</a:t>
-            </a:r>
-            <a:r>
-              <a:rPr lang="en-US" altLang="ko-KR" sz="1000" dirty="0" smtClean="0"/>
-              <a:t>++;</a:t>
-            </a:r>
-          </a:p>
-          <a:p>
-            <a:r>
-              <a:rPr lang="en-US" altLang="ko-KR" sz="1000" dirty="0" smtClean="0"/>
-              <a:t>   }</a:t>
-            </a:r>
-          </a:p>
-          <a:p>
-            <a:r>
-              <a:rPr lang="en-US" altLang="ko-KR" sz="1000" dirty="0"/>
               <a:t>}</a:t>
             </a:r>
             <a:endParaRPr lang="en-US" altLang="ko-KR" sz="1000" dirty="0" smtClean="0"/>
@@ -4502,14 +6032,14 @@
       </p:sp>
       <p:sp>
         <p:nvSpPr>
-          <p:cNvPr id="5" name="TextBox 4"/>
+          <p:cNvPr id="10" name="TextBox 9"/>
           <p:cNvSpPr txBox="1"/>
           <p:nvPr/>
         </p:nvSpPr>
         <p:spPr>
           <a:xfrm>
-            <a:off x="5532120" y="55398"/>
-            <a:ext cx="4587240" cy="4862870"/>
+            <a:off x="6708731" y="55398"/>
+            <a:ext cx="6293708" cy="6247864"/>
           </a:xfrm>
           <a:prstGeom prst="rect">
             <a:avLst/>
@@ -4528,7 +6058,7 @@
             </a:r>
             <a:r>
               <a:rPr lang="en-US" altLang="ko-KR" sz="1000" dirty="0" err="1" smtClean="0"/>
-              <a:t>MoveTetris</a:t>
+              <a:t>MoveLeftTetris</a:t>
             </a:r>
             <a:r>
               <a:rPr lang="en-US" altLang="ko-KR" sz="1000" dirty="0" smtClean="0"/>
@@ -4548,7 +6078,194 @@
             </a:r>
             <a:r>
               <a:rPr lang="en-US" altLang="ko-KR" sz="1000" dirty="0" smtClean="0"/>
-              <a:t>  </a:t>
+              <a:t>  bool </a:t>
+            </a:r>
+            <a:r>
+              <a:rPr lang="en-US" altLang="ko-KR" sz="1000" dirty="0" err="1" smtClean="0"/>
+              <a:t>goleft</a:t>
+            </a:r>
+            <a:r>
+              <a:rPr lang="en-US" altLang="ko-KR" sz="1000" dirty="0" smtClean="0"/>
+              <a:t> = true;</a:t>
+            </a:r>
+            <a:endParaRPr lang="en-US" altLang="ko-KR" sz="1000" dirty="0" smtClean="0"/>
+          </a:p>
+          <a:p>
+            <a:r>
+              <a:rPr lang="en-US" altLang="ko-KR" sz="1000" dirty="0"/>
+              <a:t> </a:t>
+            </a:r>
+            <a:r>
+              <a:rPr lang="en-US" altLang="ko-KR" sz="1000" dirty="0" smtClean="0"/>
+              <a:t>  for(</a:t>
+            </a:r>
+            <a:r>
+              <a:rPr lang="en-US" altLang="ko-KR" sz="1000" dirty="0" err="1" smtClean="0"/>
+              <a:t>int</a:t>
+            </a:r>
+            <a:r>
+              <a:rPr lang="en-US" altLang="ko-KR" sz="1000" dirty="0" smtClean="0"/>
+              <a:t> </a:t>
+            </a:r>
+            <a:r>
+              <a:rPr lang="en-US" altLang="ko-KR" sz="1000" dirty="0" err="1" smtClean="0"/>
+              <a:t>i</a:t>
+            </a:r>
+            <a:r>
+              <a:rPr lang="en-US" altLang="ko-KR" sz="1000" dirty="0" smtClean="0"/>
+              <a:t>=0 </a:t>
+            </a:r>
+            <a:r>
+              <a:rPr lang="en-US" altLang="ko-KR" sz="1000" dirty="0" err="1" smtClean="0"/>
+              <a:t>i</a:t>
+            </a:r>
+            <a:r>
+              <a:rPr lang="en-US" altLang="ko-KR" sz="1000" dirty="0" smtClean="0"/>
+              <a:t>&lt;4; </a:t>
+            </a:r>
+            <a:r>
+              <a:rPr lang="en-US" altLang="ko-KR" sz="1000" dirty="0" err="1" smtClean="0"/>
+              <a:t>i</a:t>
+            </a:r>
+            <a:r>
+              <a:rPr lang="en-US" altLang="ko-KR" sz="1000" dirty="0" smtClean="0"/>
+              <a:t>++)</a:t>
+            </a:r>
+          </a:p>
+          <a:p>
+            <a:r>
+              <a:rPr lang="en-US" altLang="ko-KR" sz="1000" dirty="0" smtClean="0"/>
+              <a:t>   {</a:t>
+            </a:r>
+          </a:p>
+          <a:p>
+            <a:r>
+              <a:rPr lang="en-US" altLang="ko-KR" sz="1000" dirty="0"/>
+              <a:t> </a:t>
+            </a:r>
+            <a:r>
+              <a:rPr lang="en-US" altLang="ko-KR" sz="1000" dirty="0" smtClean="0"/>
+              <a:t>     if(</a:t>
+            </a:r>
+            <a:r>
+              <a:rPr lang="en-US" altLang="ko-KR" sz="1000" dirty="0" err="1" smtClean="0"/>
+              <a:t>posTetrisX</a:t>
+            </a:r>
+            <a:r>
+              <a:rPr lang="en-US" altLang="ko-KR" sz="1000" dirty="0" smtClean="0"/>
+              <a:t>[</a:t>
+            </a:r>
+            <a:r>
+              <a:rPr lang="en-US" altLang="ko-KR" sz="1000" dirty="0" err="1" smtClean="0"/>
+              <a:t>i</a:t>
+            </a:r>
+            <a:r>
+              <a:rPr lang="en-US" altLang="ko-KR" sz="1000" dirty="0" smtClean="0"/>
+              <a:t>] != 0 &amp;&amp; </a:t>
+            </a:r>
+            <a:r>
+              <a:rPr lang="en-US" altLang="ko-KR" sz="1000" dirty="0" err="1" smtClean="0"/>
+              <a:t>posTetrisX</a:t>
+            </a:r>
+            <a:r>
+              <a:rPr lang="en-US" altLang="ko-KR" sz="1000" dirty="0" smtClean="0"/>
+              <a:t>[</a:t>
+            </a:r>
+            <a:r>
+              <a:rPr lang="en-US" altLang="ko-KR" sz="1000" dirty="0" err="1" smtClean="0"/>
+              <a:t>i</a:t>
+            </a:r>
+            <a:r>
+              <a:rPr lang="en-US" altLang="ko-KR" sz="1000" dirty="0" smtClean="0"/>
+              <a:t>]-1 &lt;= 0)</a:t>
+            </a:r>
+          </a:p>
+          <a:p>
+            <a:r>
+              <a:rPr lang="en-US" altLang="ko-KR" sz="1000" dirty="0"/>
+              <a:t> </a:t>
+            </a:r>
+            <a:r>
+              <a:rPr lang="en-US" altLang="ko-KR" sz="1000" dirty="0" smtClean="0"/>
+              <a:t>     {</a:t>
+            </a:r>
+          </a:p>
+          <a:p>
+            <a:r>
+              <a:rPr lang="en-US" altLang="ko-KR" sz="1000" dirty="0"/>
+              <a:t> </a:t>
+            </a:r>
+            <a:r>
+              <a:rPr lang="en-US" altLang="ko-KR" sz="1000" dirty="0" smtClean="0"/>
+              <a:t>         </a:t>
+            </a:r>
+            <a:r>
+              <a:rPr lang="en-US" altLang="ko-KR" sz="1000" dirty="0" err="1" smtClean="0"/>
+              <a:t>goleft</a:t>
+            </a:r>
+            <a:r>
+              <a:rPr lang="en-US" altLang="ko-KR" sz="1000" dirty="0" smtClean="0"/>
+              <a:t> = false;</a:t>
+            </a:r>
+          </a:p>
+          <a:p>
+            <a:r>
+              <a:rPr lang="en-US" altLang="ko-KR" sz="1000" dirty="0"/>
+              <a:t> </a:t>
+            </a:r>
+            <a:r>
+              <a:rPr lang="en-US" altLang="ko-KR" sz="1000" dirty="0" smtClean="0"/>
+              <a:t>         break;</a:t>
+            </a:r>
+            <a:endParaRPr lang="en-US" altLang="ko-KR" sz="1000" dirty="0" smtClean="0"/>
+          </a:p>
+          <a:p>
+            <a:r>
+              <a:rPr lang="en-US" altLang="ko-KR" sz="1000" dirty="0"/>
+              <a:t> </a:t>
+            </a:r>
+            <a:r>
+              <a:rPr lang="en-US" altLang="ko-KR" sz="1000" dirty="0" smtClean="0"/>
+              <a:t>     }</a:t>
+            </a:r>
+          </a:p>
+          <a:p>
+            <a:r>
+              <a:rPr lang="en-US" altLang="ko-KR" sz="1000" dirty="0" smtClean="0"/>
+              <a:t>}</a:t>
+            </a:r>
+          </a:p>
+          <a:p>
+            <a:endParaRPr lang="en-US" altLang="ko-KR" sz="1000" dirty="0" smtClean="0"/>
+          </a:p>
+          <a:p>
+            <a:r>
+              <a:rPr lang="en-US" altLang="ko-KR" sz="1000" dirty="0"/>
+              <a:t> </a:t>
+            </a:r>
+            <a:r>
+              <a:rPr lang="en-US" altLang="ko-KR" sz="1000" dirty="0" smtClean="0"/>
+              <a:t>  if(</a:t>
+            </a:r>
+            <a:r>
+              <a:rPr lang="en-US" altLang="ko-KR" sz="1000" dirty="0" err="1" smtClean="0"/>
+              <a:t>goleft</a:t>
+            </a:r>
+            <a:r>
+              <a:rPr lang="en-US" altLang="ko-KR" sz="1000" dirty="0" smtClean="0"/>
+              <a:t>)</a:t>
+            </a:r>
+          </a:p>
+          <a:p>
+            <a:r>
+              <a:rPr lang="en-US" altLang="ko-KR" sz="1000" dirty="0" smtClean="0"/>
+              <a:t>   {</a:t>
+            </a:r>
+          </a:p>
+          <a:p>
+            <a:r>
+              <a:rPr lang="en-US" altLang="ko-KR" sz="1000" dirty="0" smtClean="0"/>
+              <a:t>      </a:t>
             </a:r>
             <a:r>
               <a:rPr lang="en-US" altLang="ko-KR" sz="1000" dirty="0" err="1" smtClean="0"/>
@@ -4566,346 +6283,306 @@
             </a:r>
             <a:r>
               <a:rPr lang="en-US" altLang="ko-KR" sz="1000" dirty="0" smtClean="0"/>
-              <a:t>  </a:t>
-            </a:r>
-            <a:r>
-              <a:rPr lang="en-US" altLang="ko-KR" sz="1000" dirty="0" err="1" smtClean="0"/>
-              <a:t>tesY</a:t>
+              <a:t>     </a:t>
+            </a:r>
+            <a:r>
+              <a:rPr lang="en-US" altLang="ko-KR" sz="1000" dirty="0" err="1" smtClean="0"/>
+              <a:t>TesX</a:t>
+            </a:r>
+            <a:r>
+              <a:rPr lang="en-US" altLang="ko-KR" sz="1000" dirty="0" smtClean="0"/>
+              <a:t>--;</a:t>
+            </a:r>
+          </a:p>
+          <a:p>
+            <a:r>
+              <a:rPr lang="en-US" altLang="ko-KR" sz="1000" dirty="0"/>
+              <a:t> </a:t>
+            </a:r>
+            <a:r>
+              <a:rPr lang="en-US" altLang="ko-KR" sz="1000" dirty="0" smtClean="0"/>
+              <a:t>     </a:t>
+            </a:r>
+            <a:r>
+              <a:rPr lang="en-US" altLang="ko-KR" sz="1000" dirty="0" err="1" smtClean="0"/>
+              <a:t>DrawTetris</a:t>
+            </a:r>
+            <a:r>
+              <a:rPr lang="en-US" altLang="ko-KR" sz="1000" dirty="0" smtClean="0"/>
+              <a:t>();</a:t>
+            </a:r>
+          </a:p>
+          <a:p>
+            <a:r>
+              <a:rPr lang="en-US" altLang="ko-KR" sz="1000" dirty="0" smtClean="0"/>
+              <a:t>   }</a:t>
+            </a:r>
+            <a:endParaRPr lang="en-US" altLang="ko-KR" sz="1000" dirty="0"/>
+          </a:p>
+          <a:p>
+            <a:r>
+              <a:rPr lang="en-US" altLang="ko-KR" sz="1000" dirty="0" smtClean="0"/>
+              <a:t>}</a:t>
+            </a:r>
+            <a:endParaRPr lang="en-US" altLang="ko-KR" sz="1000" dirty="0" smtClean="0"/>
+          </a:p>
+          <a:p>
+            <a:endParaRPr lang="en-US" altLang="ko-KR" sz="1000" dirty="0" smtClean="0"/>
+          </a:p>
+          <a:p>
+            <a:r>
+              <a:rPr lang="en-US" altLang="ko-KR" sz="1000" dirty="0"/>
+              <a:t>Void </a:t>
+            </a:r>
+            <a:r>
+              <a:rPr lang="en-US" altLang="ko-KR" sz="1000" dirty="0" err="1" smtClean="0"/>
+              <a:t>MoveRightTetris</a:t>
+            </a:r>
+            <a:r>
+              <a:rPr lang="en-US" altLang="ko-KR" sz="1000" dirty="0"/>
+              <a:t>()</a:t>
+            </a:r>
+          </a:p>
+          <a:p>
+            <a:r>
+              <a:rPr lang="en-US" altLang="ko-KR" sz="1000" dirty="0"/>
+              <a:t>{</a:t>
+            </a:r>
+          </a:p>
+          <a:p>
+            <a:r>
+              <a:rPr lang="en-US" altLang="ko-KR" sz="1000" dirty="0"/>
+              <a:t>   bool </a:t>
+            </a:r>
+            <a:r>
+              <a:rPr lang="en-US" altLang="ko-KR" sz="1000" dirty="0" err="1" smtClean="0"/>
+              <a:t>goright</a:t>
+            </a:r>
+            <a:r>
+              <a:rPr lang="en-US" altLang="ko-KR" sz="1000" dirty="0" smtClean="0"/>
+              <a:t> = true;</a:t>
+            </a:r>
+            <a:endParaRPr lang="en-US" altLang="ko-KR" sz="1000" dirty="0"/>
+          </a:p>
+          <a:p>
+            <a:r>
+              <a:rPr lang="en-US" altLang="ko-KR" sz="1000" dirty="0"/>
+              <a:t>   for(</a:t>
+            </a:r>
+            <a:r>
+              <a:rPr lang="en-US" altLang="ko-KR" sz="1000" dirty="0" err="1"/>
+              <a:t>int</a:t>
+            </a:r>
+            <a:r>
+              <a:rPr lang="en-US" altLang="ko-KR" sz="1000" dirty="0"/>
+              <a:t> </a:t>
+            </a:r>
+            <a:r>
+              <a:rPr lang="en-US" altLang="ko-KR" sz="1000" dirty="0" err="1"/>
+              <a:t>i</a:t>
+            </a:r>
+            <a:r>
+              <a:rPr lang="en-US" altLang="ko-KR" sz="1000" dirty="0"/>
+              <a:t>=0 </a:t>
+            </a:r>
+            <a:r>
+              <a:rPr lang="en-US" altLang="ko-KR" sz="1000" dirty="0" err="1"/>
+              <a:t>i</a:t>
+            </a:r>
+            <a:r>
+              <a:rPr lang="en-US" altLang="ko-KR" sz="1000" dirty="0"/>
+              <a:t>&lt;4; </a:t>
+            </a:r>
+            <a:r>
+              <a:rPr lang="en-US" altLang="ko-KR" sz="1000" dirty="0" err="1"/>
+              <a:t>i</a:t>
+            </a:r>
+            <a:r>
+              <a:rPr lang="en-US" altLang="ko-KR" sz="1000" dirty="0"/>
+              <a:t>++)</a:t>
+            </a:r>
+          </a:p>
+          <a:p>
+            <a:r>
+              <a:rPr lang="en-US" altLang="ko-KR" sz="1000" dirty="0"/>
+              <a:t>   {</a:t>
+            </a:r>
+          </a:p>
+          <a:p>
+            <a:r>
+              <a:rPr lang="en-US" altLang="ko-KR" sz="1000" dirty="0"/>
+              <a:t>      if(</a:t>
+            </a:r>
+            <a:r>
+              <a:rPr lang="en-US" altLang="ko-KR" sz="1000" dirty="0" err="1"/>
+              <a:t>posTetrisX</a:t>
+            </a:r>
+            <a:r>
+              <a:rPr lang="en-US" altLang="ko-KR" sz="1000" dirty="0"/>
+              <a:t>[</a:t>
+            </a:r>
+            <a:r>
+              <a:rPr lang="en-US" altLang="ko-KR" sz="1000" dirty="0" err="1"/>
+              <a:t>i</a:t>
+            </a:r>
+            <a:r>
+              <a:rPr lang="en-US" altLang="ko-KR" sz="1000" dirty="0"/>
+              <a:t>] != 0 &amp;&amp; </a:t>
+            </a:r>
+            <a:r>
+              <a:rPr lang="en-US" altLang="ko-KR" sz="1000" dirty="0" err="1" smtClean="0"/>
+              <a:t>posTetrisX</a:t>
+            </a:r>
+            <a:r>
+              <a:rPr lang="en-US" altLang="ko-KR" sz="1000" dirty="0" smtClean="0"/>
+              <a:t>[</a:t>
+            </a:r>
+            <a:r>
+              <a:rPr lang="en-US" altLang="ko-KR" sz="1000" dirty="0" err="1" smtClean="0"/>
+              <a:t>i</a:t>
+            </a:r>
+            <a:r>
+              <a:rPr lang="en-US" altLang="ko-KR" sz="1000" dirty="0" smtClean="0"/>
+              <a:t>]+1 &gt;= 19)</a:t>
+            </a:r>
+            <a:endParaRPr lang="en-US" altLang="ko-KR" sz="1000" dirty="0"/>
+          </a:p>
+          <a:p>
+            <a:r>
+              <a:rPr lang="en-US" altLang="ko-KR" sz="1000" dirty="0"/>
+              <a:t>      {</a:t>
+            </a:r>
+          </a:p>
+          <a:p>
+            <a:r>
+              <a:rPr lang="en-US" altLang="ko-KR" sz="1000" dirty="0"/>
+              <a:t> </a:t>
+            </a:r>
+            <a:r>
+              <a:rPr lang="en-US" altLang="ko-KR" sz="1000" dirty="0" smtClean="0"/>
+              <a:t>         </a:t>
+            </a:r>
+            <a:r>
+              <a:rPr lang="en-US" altLang="ko-KR" sz="1000" dirty="0" err="1" smtClean="0"/>
+              <a:t>goright</a:t>
+            </a:r>
+            <a:r>
+              <a:rPr lang="en-US" altLang="ko-KR" sz="1000" dirty="0" smtClean="0"/>
+              <a:t> = false;</a:t>
+            </a:r>
+          </a:p>
+          <a:p>
+            <a:r>
+              <a:rPr lang="en-US" altLang="ko-KR" sz="1000" dirty="0" smtClean="0"/>
+              <a:t>          break;</a:t>
+            </a:r>
+            <a:endParaRPr lang="en-US" altLang="ko-KR" sz="1000" dirty="0"/>
+          </a:p>
+          <a:p>
+            <a:r>
+              <a:rPr lang="en-US" altLang="ko-KR" sz="1000" dirty="0"/>
+              <a:t>      }</a:t>
+            </a:r>
+          </a:p>
+          <a:p>
+            <a:r>
+              <a:rPr lang="en-US" altLang="ko-KR" sz="1000" dirty="0" smtClean="0"/>
+              <a:t>}</a:t>
+            </a:r>
+            <a:endParaRPr lang="en-US" altLang="ko-KR" sz="1000" dirty="0"/>
+          </a:p>
+          <a:p>
+            <a:endParaRPr lang="en-US" altLang="ko-KR" sz="1000" dirty="0"/>
+          </a:p>
+          <a:p>
+            <a:r>
+              <a:rPr lang="en-US" altLang="ko-KR" sz="1000" dirty="0"/>
+              <a:t>   </a:t>
+            </a:r>
+            <a:r>
+              <a:rPr lang="en-US" altLang="ko-KR" sz="1000" dirty="0" smtClean="0"/>
+              <a:t>if(</a:t>
+            </a:r>
+            <a:r>
+              <a:rPr lang="en-US" altLang="ko-KR" sz="1000" dirty="0" err="1"/>
+              <a:t>goright</a:t>
+            </a:r>
+            <a:r>
+              <a:rPr lang="en-US" altLang="ko-KR" sz="1000" dirty="0" smtClean="0"/>
+              <a:t>)</a:t>
+            </a:r>
+            <a:endParaRPr lang="en-US" altLang="ko-KR" sz="1000" dirty="0"/>
+          </a:p>
+          <a:p>
+            <a:r>
+              <a:rPr lang="en-US" altLang="ko-KR" sz="1000" dirty="0"/>
+              <a:t>   {</a:t>
+            </a:r>
+          </a:p>
+          <a:p>
+            <a:r>
+              <a:rPr lang="en-US" altLang="ko-KR" sz="1000" dirty="0"/>
+              <a:t>      </a:t>
+            </a:r>
+            <a:r>
+              <a:rPr lang="en-US" altLang="ko-KR" sz="1000" dirty="0" err="1"/>
+              <a:t>MoveDeleteTetris</a:t>
+            </a:r>
+            <a:r>
+              <a:rPr lang="en-US" altLang="ko-KR" sz="1000" dirty="0"/>
+              <a:t>();</a:t>
+            </a:r>
+          </a:p>
+          <a:p>
+            <a:r>
+              <a:rPr lang="en-US" altLang="ko-KR" sz="1000" dirty="0"/>
+              <a:t>      </a:t>
+            </a:r>
+            <a:r>
+              <a:rPr lang="en-US" altLang="ko-KR" sz="1000" dirty="0" err="1" smtClean="0"/>
+              <a:t>TesX</a:t>
             </a:r>
             <a:r>
               <a:rPr lang="en-US" altLang="ko-KR" sz="1000" dirty="0" smtClean="0"/>
               <a:t>++;</a:t>
             </a:r>
-          </a:p>
-          <a:p>
-            <a:r>
-              <a:rPr lang="en-US" altLang="ko-KR" sz="1000" dirty="0" smtClean="0"/>
-              <a:t>   </a:t>
-            </a:r>
-            <a:r>
-              <a:rPr lang="en-US" altLang="ko-KR" sz="1000" dirty="0" err="1" smtClean="0"/>
-              <a:t>ShowTetris</a:t>
-            </a:r>
-            <a:r>
-              <a:rPr lang="en-US" altLang="ko-KR" sz="1000" dirty="0" smtClean="0"/>
+            <a:endParaRPr lang="en-US" altLang="ko-KR" sz="1000" dirty="0"/>
+          </a:p>
+          <a:p>
+            <a:r>
+              <a:rPr lang="en-US" altLang="ko-KR" sz="1000" dirty="0"/>
+              <a:t>      </a:t>
+            </a:r>
+            <a:r>
+              <a:rPr lang="en-US" altLang="ko-KR" sz="1000" dirty="0" err="1"/>
+              <a:t>DrawTetris</a:t>
+            </a:r>
+            <a:r>
+              <a:rPr lang="en-US" altLang="ko-KR" sz="1000" dirty="0"/>
               <a:t>();</a:t>
             </a:r>
           </a:p>
           <a:p>
             <a:r>
-              <a:rPr lang="en-US" altLang="ko-KR" sz="1000" dirty="0" smtClean="0"/>
+              <a:rPr lang="en-US" altLang="ko-KR" sz="1000" dirty="0"/>
+              <a:t>   }</a:t>
+            </a:r>
+          </a:p>
+          <a:p>
+            <a:r>
+              <a:rPr lang="en-US" altLang="ko-KR" sz="1000" dirty="0"/>
               <a:t>}</a:t>
             </a:r>
           </a:p>
           <a:p>
             <a:endParaRPr lang="en-US" altLang="ko-KR" sz="1000" dirty="0"/>
-          </a:p>
-          <a:p>
-            <a:r>
-              <a:rPr lang="en-US" altLang="ko-KR" sz="1000" dirty="0" smtClean="0"/>
-              <a:t>Void </a:t>
-            </a:r>
-            <a:r>
-              <a:rPr lang="en-US" altLang="ko-KR" sz="1000" dirty="0" err="1" smtClean="0"/>
-              <a:t>MoveDeleteTetris</a:t>
-            </a:r>
-            <a:r>
-              <a:rPr lang="en-US" altLang="ko-KR" sz="1000" dirty="0" smtClean="0"/>
-              <a:t>()</a:t>
-            </a:r>
-          </a:p>
-          <a:p>
-            <a:r>
-              <a:rPr lang="en-US" altLang="ko-KR" sz="1000" dirty="0" smtClean="0"/>
-              <a:t>{</a:t>
-            </a:r>
-          </a:p>
-          <a:p>
-            <a:r>
-              <a:rPr lang="en-US" altLang="ko-KR" sz="1000" dirty="0" smtClean="0"/>
-              <a:t>   </a:t>
-            </a:r>
-            <a:r>
-              <a:rPr lang="en-US" altLang="ko-KR" sz="1000" dirty="0" err="1" smtClean="0"/>
-              <a:t>int</a:t>
-            </a:r>
-            <a:r>
-              <a:rPr lang="en-US" altLang="ko-KR" sz="1000" dirty="0" smtClean="0"/>
-              <a:t> </a:t>
-            </a:r>
-            <a:r>
-              <a:rPr lang="en-US" altLang="ko-KR" sz="1000" dirty="0" err="1" smtClean="0"/>
-              <a:t>saveY</a:t>
-            </a:r>
-            <a:r>
-              <a:rPr lang="en-US" altLang="ko-KR" sz="1000" dirty="0" smtClean="0"/>
-              <a:t> = </a:t>
-            </a:r>
-            <a:r>
-              <a:rPr lang="en-US" altLang="ko-KR" sz="1000" dirty="0" err="1" smtClean="0"/>
-              <a:t>tesY</a:t>
-            </a:r>
-            <a:r>
-              <a:rPr lang="en-US" altLang="ko-KR" sz="1000" dirty="0" smtClean="0"/>
-              <a:t>;</a:t>
-            </a:r>
-          </a:p>
-          <a:p>
-            <a:r>
-              <a:rPr lang="en-US" altLang="ko-KR" sz="1000" dirty="0" smtClean="0"/>
-              <a:t>   </a:t>
-            </a:r>
-            <a:r>
-              <a:rPr lang="en-US" altLang="ko-KR" sz="1000" dirty="0" err="1" smtClean="0"/>
-              <a:t>int</a:t>
-            </a:r>
-            <a:r>
-              <a:rPr lang="en-US" altLang="ko-KR" sz="1000" dirty="0" smtClean="0"/>
-              <a:t> </a:t>
-            </a:r>
-            <a:r>
-              <a:rPr lang="en-US" altLang="ko-KR" sz="1000" dirty="0" err="1" smtClean="0"/>
-              <a:t>saveX</a:t>
-            </a:r>
-            <a:r>
-              <a:rPr lang="en-US" altLang="ko-KR" sz="1000" dirty="0" smtClean="0"/>
-              <a:t> = </a:t>
-            </a:r>
-            <a:r>
-              <a:rPr lang="en-US" altLang="ko-KR" sz="1000" dirty="0" err="1" smtClean="0"/>
-              <a:t>tesX</a:t>
-            </a:r>
-            <a:r>
-              <a:rPr lang="en-US" altLang="ko-KR" sz="1000" dirty="0" smtClean="0"/>
-              <a:t>;</a:t>
-            </a:r>
-          </a:p>
-          <a:p>
-            <a:endParaRPr lang="en-US" altLang="ko-KR" sz="1000" dirty="0" smtClean="0"/>
-          </a:p>
-          <a:p>
-            <a:r>
-              <a:rPr lang="en-US" altLang="ko-KR" sz="1000" dirty="0" smtClean="0"/>
-              <a:t>   for(</a:t>
-            </a:r>
-            <a:r>
-              <a:rPr lang="en-US" altLang="ko-KR" sz="1000" dirty="0" err="1" smtClean="0"/>
-              <a:t>int</a:t>
-            </a:r>
-            <a:r>
-              <a:rPr lang="en-US" altLang="ko-KR" sz="1000" dirty="0" smtClean="0"/>
-              <a:t> y=0; y&lt;4; y++)</a:t>
-            </a:r>
-          </a:p>
-          <a:p>
-            <a:r>
-              <a:rPr lang="en-US" altLang="ko-KR" sz="1000" dirty="0" smtClean="0"/>
-              <a:t>   {</a:t>
-            </a:r>
-          </a:p>
-          <a:p>
-            <a:r>
-              <a:rPr lang="en-US" altLang="ko-KR" sz="1000" dirty="0" smtClean="0"/>
-              <a:t>       if(</a:t>
-            </a:r>
-            <a:r>
-              <a:rPr lang="en-US" altLang="ko-KR" sz="1000" dirty="0" err="1" smtClean="0"/>
-              <a:t>tesY+y</a:t>
-            </a:r>
-            <a:r>
-              <a:rPr lang="en-US" altLang="ko-KR" sz="1000" dirty="0" smtClean="0"/>
-              <a:t> &lt; 0)</a:t>
-            </a:r>
-          </a:p>
-          <a:p>
-            <a:r>
-              <a:rPr lang="en-US" altLang="ko-KR" sz="1000" dirty="0" smtClean="0"/>
-              <a:t>       {</a:t>
-            </a:r>
-          </a:p>
-          <a:p>
-            <a:r>
-              <a:rPr lang="en-US" altLang="ko-KR" sz="1000" dirty="0" smtClean="0"/>
-              <a:t>           continue;</a:t>
-            </a:r>
-          </a:p>
-          <a:p>
-            <a:r>
-              <a:rPr lang="en-US" altLang="ko-KR" sz="1000" dirty="0" smtClean="0"/>
-              <a:t>       }</a:t>
-            </a:r>
-          </a:p>
-          <a:p>
-            <a:r>
-              <a:rPr lang="en-US" altLang="ko-KR" sz="1000" dirty="0" smtClean="0"/>
-              <a:t>       for(</a:t>
-            </a:r>
-            <a:r>
-              <a:rPr lang="en-US" altLang="ko-KR" sz="1000" dirty="0" err="1" smtClean="0"/>
-              <a:t>int</a:t>
-            </a:r>
-            <a:r>
-              <a:rPr lang="en-US" altLang="ko-KR" sz="1000" dirty="0" smtClean="0"/>
-              <a:t> x = 0; x&lt;4; x++)</a:t>
-            </a:r>
-          </a:p>
-          <a:p>
-            <a:r>
-              <a:rPr lang="en-US" altLang="ko-KR" sz="1000" dirty="0" smtClean="0"/>
-              <a:t>       {</a:t>
-            </a:r>
-          </a:p>
-          <a:p>
-            <a:r>
-              <a:rPr lang="en-US" altLang="ko-KR" sz="1000" dirty="0" smtClean="0"/>
-              <a:t>           if((*</a:t>
-            </a:r>
-            <a:r>
-              <a:rPr lang="en-US" altLang="ko-KR" sz="1000" dirty="0" err="1" smtClean="0"/>
-              <a:t>iMap</a:t>
-            </a:r>
-            <a:r>
-              <a:rPr lang="en-US" altLang="ko-KR" sz="1000" dirty="0" smtClean="0"/>
-              <a:t>)[</a:t>
-            </a:r>
-            <a:r>
-              <a:rPr lang="en-US" altLang="ko-KR" sz="1000" dirty="0" err="1" smtClean="0"/>
-              <a:t>saveY</a:t>
-            </a:r>
-            <a:r>
-              <a:rPr lang="en-US" altLang="ko-KR" sz="1000" dirty="0" smtClean="0"/>
-              <a:t>][</a:t>
-            </a:r>
-            <a:r>
-              <a:rPr lang="en-US" altLang="ko-KR" sz="1000" dirty="0" err="1" smtClean="0"/>
-              <a:t>saveX</a:t>
-            </a:r>
-            <a:r>
-              <a:rPr lang="en-US" altLang="ko-KR" sz="1000" dirty="0" smtClean="0"/>
-              <a:t>] == 1 &amp;&amp; Member[y][x] == 1)</a:t>
-            </a:r>
-          </a:p>
-          <a:p>
-            <a:r>
-              <a:rPr lang="en-US" altLang="ko-KR" sz="1000" dirty="0" smtClean="0"/>
-              <a:t>           {</a:t>
-            </a:r>
-          </a:p>
-          <a:p>
-            <a:r>
-              <a:rPr lang="en-US" altLang="ko-KR" sz="1000" dirty="0" smtClean="0"/>
-              <a:t>               (*</a:t>
-            </a:r>
-            <a:r>
-              <a:rPr lang="en-US" altLang="ko-KR" sz="1000" dirty="0" err="1" smtClean="0"/>
-              <a:t>iMap</a:t>
-            </a:r>
-            <a:r>
-              <a:rPr lang="en-US" altLang="ko-KR" sz="1000" dirty="0" smtClean="0"/>
-              <a:t>)[</a:t>
-            </a:r>
-            <a:r>
-              <a:rPr lang="en-US" altLang="ko-KR" sz="1000" dirty="0" err="1" smtClean="0"/>
-              <a:t>saveY</a:t>
-            </a:r>
-            <a:r>
-              <a:rPr lang="en-US" altLang="ko-KR" sz="1000" dirty="0" smtClean="0"/>
-              <a:t>][</a:t>
-            </a:r>
-            <a:r>
-              <a:rPr lang="en-US" altLang="ko-KR" sz="1000" dirty="0" err="1" smtClean="0"/>
-              <a:t>saveX</a:t>
-            </a:r>
-            <a:r>
-              <a:rPr lang="en-US" altLang="ko-KR" sz="1000" dirty="0" smtClean="0"/>
-              <a:t>] = 0;</a:t>
-            </a:r>
-          </a:p>
-          <a:p>
-            <a:r>
-              <a:rPr lang="en-US" altLang="ko-KR" sz="1000" dirty="0" smtClean="0"/>
-              <a:t>           }</a:t>
-            </a:r>
-          </a:p>
-          <a:p>
-            <a:r>
-              <a:rPr lang="en-US" altLang="ko-KR" sz="1000" dirty="0" smtClean="0"/>
-              <a:t>           </a:t>
-            </a:r>
-            <a:r>
-              <a:rPr lang="en-US" altLang="ko-KR" sz="1000" dirty="0" err="1" smtClean="0"/>
-              <a:t>saveX</a:t>
-            </a:r>
-            <a:r>
-              <a:rPr lang="en-US" altLang="ko-KR" sz="1000" dirty="0" smtClean="0"/>
-              <a:t>++;</a:t>
-            </a:r>
-          </a:p>
-          <a:p>
-            <a:r>
-              <a:rPr lang="en-US" altLang="ko-KR" sz="1000" dirty="0" smtClean="0"/>
-              <a:t>       }</a:t>
-            </a:r>
-          </a:p>
-          <a:p>
-            <a:r>
-              <a:rPr lang="en-US" altLang="ko-KR" sz="1000" dirty="0" smtClean="0"/>
-              <a:t>       </a:t>
-            </a:r>
-            <a:r>
-              <a:rPr lang="en-US" altLang="ko-KR" sz="1000" dirty="0" err="1" smtClean="0"/>
-              <a:t>saveX</a:t>
-            </a:r>
-            <a:r>
-              <a:rPr lang="en-US" altLang="ko-KR" sz="1000" dirty="0" smtClean="0"/>
-              <a:t> = </a:t>
-            </a:r>
-            <a:r>
-              <a:rPr lang="en-US" altLang="ko-KR" sz="1000" dirty="0" err="1" smtClean="0"/>
-              <a:t>tesX</a:t>
-            </a:r>
-            <a:r>
-              <a:rPr lang="en-US" altLang="ko-KR" sz="1000" dirty="0" smtClean="0"/>
-              <a:t>;</a:t>
-            </a:r>
-          </a:p>
-          <a:p>
-            <a:r>
-              <a:rPr lang="en-US" altLang="ko-KR" sz="1000" dirty="0" smtClean="0"/>
-              <a:t>       </a:t>
-            </a:r>
-            <a:r>
-              <a:rPr lang="en-US" altLang="ko-KR" sz="1000" dirty="0" err="1" smtClean="0"/>
-              <a:t>saveY</a:t>
-            </a:r>
-            <a:r>
-              <a:rPr lang="en-US" altLang="ko-KR" sz="1000" dirty="0" smtClean="0"/>
-              <a:t>++;</a:t>
-            </a:r>
-          </a:p>
-          <a:p>
-            <a:r>
-              <a:rPr lang="en-US" altLang="ko-KR" sz="1000" dirty="0" smtClean="0"/>
-              <a:t>   }</a:t>
-            </a:r>
-            <a:endParaRPr lang="en-US" altLang="ko-KR" sz="1000" dirty="0"/>
-          </a:p>
-          <a:p>
-            <a:r>
-              <a:rPr lang="en-US" altLang="ko-KR" sz="1000" dirty="0" smtClean="0"/>
-              <a:t>}</a:t>
-            </a:r>
-            <a:endParaRPr lang="ko-KR" altLang="en-US" sz="1000" dirty="0" smtClean="0"/>
-          </a:p>
-          <a:p>
-            <a:endParaRPr lang="ko-KR" altLang="en-US" sz="1000" dirty="0"/>
           </a:p>
         </p:txBody>
       </p:sp>
     </p:spTree>
     <p:extLst>
       <p:ext uri="{BB962C8B-B14F-4D97-AF65-F5344CB8AC3E}">
-        <p14:creationId xmlns:p14="http://schemas.microsoft.com/office/powerpoint/2010/main" val="3993680773"/>
+        <p14:creationId xmlns:p14="http://schemas.microsoft.com/office/powerpoint/2010/main" val="3264532518"/>
       </p:ext>
     </p:extLst>
   </p:cSld>
@@ -4941,14 +6618,14 @@
       </p:grpSpPr>
       <p:sp>
         <p:nvSpPr>
-          <p:cNvPr id="3" name="TextBox 2"/>
+          <p:cNvPr id="4" name="TextBox 3"/>
           <p:cNvSpPr txBox="1"/>
           <p:nvPr/>
         </p:nvSpPr>
         <p:spPr>
           <a:xfrm>
-            <a:off x="68580" y="55398"/>
-            <a:ext cx="6293708" cy="4093428"/>
+            <a:off x="0" y="55398"/>
+            <a:ext cx="6293708" cy="2554545"/>
           </a:xfrm>
           <a:prstGeom prst="rect">
             <a:avLst/>
@@ -4963,11 +6640,365 @@
           <a:p>
             <a:r>
               <a:rPr lang="en-US" altLang="ko-KR" sz="1000" dirty="0" smtClean="0"/>
+              <a:t>Class </a:t>
+            </a:r>
+            <a:r>
+              <a:rPr lang="en-US" altLang="ko-KR" sz="1000" dirty="0" err="1" smtClean="0"/>
+              <a:t>TetrisChief</a:t>
+            </a:r>
+            <a:r>
+              <a:rPr lang="en-US" altLang="ko-KR" sz="1000" dirty="0" smtClean="0"/>
+              <a:t> : Tetris</a:t>
+            </a:r>
+          </a:p>
+          <a:p>
+            <a:r>
+              <a:rPr lang="en-US" altLang="ko-KR" sz="1000" dirty="0" smtClean="0"/>
+              <a:t>{</a:t>
+            </a:r>
+          </a:p>
+          <a:p>
+            <a:r>
+              <a:rPr lang="en-US" altLang="ko-KR" sz="1000" dirty="0"/>
+              <a:t> </a:t>
+            </a:r>
+            <a:r>
+              <a:rPr lang="en-US" altLang="ko-KR" sz="1000" dirty="0" smtClean="0"/>
+              <a:t>  private:</a:t>
+            </a:r>
+          </a:p>
+          <a:p>
+            <a:r>
+              <a:rPr lang="en-US" altLang="ko-KR" sz="1000" dirty="0"/>
+              <a:t> </a:t>
+            </a:r>
+            <a:r>
+              <a:rPr lang="en-US" altLang="ko-KR" sz="1000" dirty="0" smtClean="0"/>
+              <a:t>     </a:t>
+            </a:r>
+            <a:r>
+              <a:rPr lang="en-US" altLang="ko-KR" sz="1000" dirty="0" err="1" smtClean="0"/>
+              <a:t>int</a:t>
+            </a:r>
+            <a:r>
+              <a:rPr lang="en-US" altLang="ko-KR" sz="1000" dirty="0" smtClean="0"/>
+              <a:t> (*</a:t>
+            </a:r>
+            <a:r>
+              <a:rPr lang="en-US" altLang="ko-KR" sz="1000" dirty="0" err="1" smtClean="0"/>
+              <a:t>iMap</a:t>
+            </a:r>
+            <a:r>
+              <a:rPr lang="en-US" altLang="ko-KR" sz="1000" dirty="0" smtClean="0"/>
+              <a:t>)[40][20</a:t>
+            </a:r>
+            <a:r>
+              <a:rPr lang="en-US" altLang="ko-KR" sz="1000" dirty="0" smtClean="0"/>
+              <a:t>];</a:t>
+            </a:r>
+          </a:p>
+          <a:p>
+            <a:r>
+              <a:rPr lang="en-US" altLang="ko-KR" sz="1000" dirty="0"/>
+              <a:t> </a:t>
+            </a:r>
+            <a:r>
+              <a:rPr lang="en-US" altLang="ko-KR" sz="1000" dirty="0" smtClean="0"/>
+              <a:t>     </a:t>
+            </a:r>
+            <a:r>
+              <a:rPr lang="en-US" altLang="ko-KR" sz="1000" dirty="0" err="1" smtClean="0"/>
+              <a:t>int</a:t>
+            </a:r>
+            <a:r>
+              <a:rPr lang="en-US" altLang="ko-KR" sz="1000" dirty="0" smtClean="0"/>
+              <a:t> </a:t>
+            </a:r>
+            <a:r>
+              <a:rPr lang="en-US" altLang="ko-KR" sz="1000" dirty="0" err="1" smtClean="0"/>
+              <a:t>lineNum</a:t>
+            </a:r>
+            <a:r>
+              <a:rPr lang="en-US" altLang="ko-KR" sz="1000" dirty="0" smtClean="0"/>
+              <a:t>;</a:t>
+            </a:r>
+            <a:endParaRPr lang="en-US" altLang="ko-KR" sz="1000" dirty="0" smtClean="0"/>
+          </a:p>
+          <a:p>
+            <a:endParaRPr lang="en-US" altLang="ko-KR" sz="1000" dirty="0" smtClean="0"/>
+          </a:p>
+          <a:p>
+            <a:r>
+              <a:rPr lang="en-US" altLang="ko-KR" sz="1000" dirty="0"/>
+              <a:t> </a:t>
+            </a:r>
+            <a:r>
+              <a:rPr lang="en-US" altLang="ko-KR" sz="1000" dirty="0" smtClean="0"/>
+              <a:t>  public:</a:t>
+            </a:r>
+          </a:p>
+          <a:p>
+            <a:r>
+              <a:rPr lang="en-US" altLang="ko-KR" sz="1000" dirty="0"/>
+              <a:t> </a:t>
+            </a:r>
+            <a:r>
+              <a:rPr lang="en-US" altLang="ko-KR" sz="1000" dirty="0" smtClean="0"/>
+              <a:t>     </a:t>
+            </a:r>
+            <a:r>
+              <a:rPr lang="en-US" altLang="ko-KR" sz="1000" dirty="0" err="1" smtClean="0"/>
+              <a:t>TetrisChief</a:t>
+            </a:r>
+            <a:r>
+              <a:rPr lang="en-US" altLang="ko-KR" sz="1000" dirty="0" smtClean="0"/>
+              <a:t>();</a:t>
+            </a:r>
+          </a:p>
+          <a:p>
+            <a:r>
+              <a:rPr lang="en-US" altLang="ko-KR" sz="1000" dirty="0"/>
+              <a:t> </a:t>
+            </a:r>
+            <a:r>
+              <a:rPr lang="en-US" altLang="ko-KR" sz="1000" dirty="0" smtClean="0"/>
+              <a:t>     </a:t>
+            </a:r>
+            <a:r>
+              <a:rPr lang="en-US" altLang="ko-KR" sz="1000" dirty="0" err="1" smtClean="0"/>
+              <a:t>TetrisChief</a:t>
+            </a:r>
+            <a:r>
+              <a:rPr lang="en-US" altLang="ko-KR" sz="1000" dirty="0" smtClean="0"/>
+              <a:t>(</a:t>
+            </a:r>
+            <a:r>
+              <a:rPr lang="en-US" altLang="ko-KR" sz="1000" dirty="0" err="1" smtClean="0"/>
+              <a:t>int</a:t>
+            </a:r>
+            <a:r>
+              <a:rPr lang="en-US" altLang="ko-KR" sz="1000" dirty="0" smtClean="0"/>
+              <a:t> (*map)[40][20</a:t>
+            </a:r>
+            <a:r>
+              <a:rPr lang="en-US" altLang="ko-KR" sz="1000" dirty="0" smtClean="0"/>
+              <a:t>]);</a:t>
+            </a:r>
+          </a:p>
+          <a:p>
+            <a:endParaRPr lang="en-US" altLang="ko-KR" sz="1000" dirty="0" smtClean="0"/>
+          </a:p>
+          <a:p>
+            <a:r>
+              <a:rPr lang="en-US" altLang="ko-KR" sz="1000" dirty="0"/>
+              <a:t> </a:t>
+            </a:r>
+            <a:r>
+              <a:rPr lang="en-US" altLang="ko-KR" sz="1000" dirty="0" smtClean="0"/>
+              <a:t>     void </a:t>
+            </a:r>
+            <a:r>
+              <a:rPr lang="en-US" altLang="ko-KR" sz="1000" dirty="0" err="1" smtClean="0"/>
+              <a:t>CheckLine</a:t>
+            </a:r>
+            <a:r>
+              <a:rPr lang="en-US" altLang="ko-KR" sz="1000" dirty="0" smtClean="0"/>
+              <a:t>();</a:t>
+            </a:r>
+          </a:p>
+          <a:p>
+            <a:r>
+              <a:rPr lang="en-US" altLang="ko-KR" sz="1000" dirty="0"/>
+              <a:t> </a:t>
+            </a:r>
+            <a:r>
+              <a:rPr lang="en-US" altLang="ko-KR" sz="1000" dirty="0" smtClean="0"/>
+              <a:t>     void </a:t>
+            </a:r>
+            <a:r>
+              <a:rPr lang="en-US" altLang="ko-KR" sz="1000" dirty="0" err="1" smtClean="0"/>
+              <a:t>MoveLine</a:t>
+            </a:r>
+            <a:r>
+              <a:rPr lang="en-US" altLang="ko-KR" sz="1000" dirty="0" smtClean="0"/>
+              <a:t>();</a:t>
+            </a:r>
+          </a:p>
+          <a:p>
+            <a:r>
+              <a:rPr lang="en-US" altLang="ko-KR" sz="1000" dirty="0"/>
+              <a:t> </a:t>
+            </a:r>
+            <a:r>
+              <a:rPr lang="en-US" altLang="ko-KR" sz="1000" dirty="0" smtClean="0"/>
+              <a:t>     void </a:t>
+            </a:r>
+            <a:r>
+              <a:rPr lang="en-US" altLang="ko-KR" sz="1000" dirty="0" err="1" smtClean="0"/>
+              <a:t>DeleteLine</a:t>
+            </a:r>
+            <a:r>
+              <a:rPr lang="en-US" altLang="ko-KR" sz="1000" dirty="0" smtClean="0"/>
+              <a:t>();</a:t>
+            </a:r>
+          </a:p>
+          <a:p>
+            <a:r>
+              <a:rPr lang="en-US" altLang="ko-KR" sz="1000" dirty="0"/>
+              <a:t> </a:t>
+            </a:r>
+            <a:r>
+              <a:rPr lang="en-US" altLang="ko-KR" sz="1000" dirty="0" smtClean="0"/>
+              <a:t>     void </a:t>
+            </a:r>
+            <a:r>
+              <a:rPr lang="en-US" altLang="ko-KR" sz="1000" dirty="0" err="1" smtClean="0"/>
+              <a:t>CreateLine</a:t>
+            </a:r>
+            <a:r>
+              <a:rPr lang="en-US" altLang="ko-KR" sz="1000" dirty="0" smtClean="0"/>
+              <a:t>();</a:t>
+            </a:r>
+          </a:p>
+          <a:p>
+            <a:endParaRPr lang="en-US" altLang="ko-KR" sz="1000" dirty="0"/>
+          </a:p>
+          <a:p>
+            <a:r>
+              <a:rPr lang="en-US" altLang="ko-KR" sz="1000" dirty="0" smtClean="0"/>
+              <a:t>}</a:t>
+            </a:r>
+            <a:endParaRPr lang="ko-KR" altLang="en-US" sz="1000" dirty="0"/>
+          </a:p>
+        </p:txBody>
+      </p:sp>
+      <p:sp>
+        <p:nvSpPr>
+          <p:cNvPr id="3" name="TextBox 2"/>
+          <p:cNvSpPr txBox="1"/>
+          <p:nvPr/>
+        </p:nvSpPr>
+        <p:spPr>
+          <a:xfrm>
+            <a:off x="2316480" y="55398"/>
+            <a:ext cx="3215640" cy="5632311"/>
+          </a:xfrm>
+          <a:prstGeom prst="rect">
+            <a:avLst/>
+          </a:prstGeom>
+          <a:noFill/>
+        </p:spPr>
+        <p:txBody>
+          <a:bodyPr wrap="square" rtlCol="0">
+            <a:spAutoFit/>
+          </a:bodyPr>
+          <a:lstStyle/>
+          <a:p>
+            <a:r>
+              <a:rPr lang="en-US" altLang="ko-KR" sz="1000" dirty="0" err="1" smtClean="0"/>
+              <a:t>TetrisChief</a:t>
+            </a:r>
+            <a:r>
+              <a:rPr lang="en-US" altLang="ko-KR" sz="1000" dirty="0" smtClean="0"/>
+              <a:t>::</a:t>
+            </a:r>
+            <a:r>
+              <a:rPr lang="en-US" altLang="ko-KR" sz="1000" dirty="0" err="1" smtClean="0"/>
+              <a:t>TetrisChief</a:t>
+            </a:r>
+            <a:r>
+              <a:rPr lang="en-US" altLang="ko-KR" sz="1000" dirty="0" smtClean="0"/>
+              <a:t>()</a:t>
+            </a:r>
+          </a:p>
+          <a:p>
+            <a:r>
+              <a:rPr lang="en-US" altLang="ko-KR" sz="1000" dirty="0" smtClean="0"/>
+              <a:t>{</a:t>
+            </a:r>
+          </a:p>
+          <a:p>
+            <a:r>
+              <a:rPr lang="en-US" altLang="ko-KR" sz="1000" dirty="0" smtClean="0"/>
+              <a:t>   </a:t>
+            </a:r>
+            <a:endParaRPr lang="en-US" altLang="ko-KR" sz="1000" dirty="0"/>
+          </a:p>
+          <a:p>
+            <a:r>
+              <a:rPr lang="en-US" altLang="ko-KR" sz="1000" dirty="0" smtClean="0"/>
+              <a:t>}</a:t>
+            </a:r>
+          </a:p>
+          <a:p>
+            <a:endParaRPr lang="en-US" altLang="ko-KR" sz="1000" dirty="0"/>
+          </a:p>
+          <a:p>
+            <a:r>
+              <a:rPr lang="en-US" altLang="ko-KR" sz="1000" dirty="0" err="1" smtClean="0"/>
+              <a:t>TetrisChief</a:t>
+            </a:r>
+            <a:r>
+              <a:rPr lang="en-US" altLang="ko-KR" sz="1000" dirty="0" smtClean="0"/>
+              <a:t>:: </a:t>
+            </a:r>
+            <a:r>
+              <a:rPr lang="en-US" altLang="ko-KR" sz="1000" dirty="0" err="1" smtClean="0"/>
+              <a:t>TetrisChief</a:t>
+            </a:r>
+            <a:r>
+              <a:rPr lang="en-US" altLang="ko-KR" sz="1000" dirty="0" smtClean="0"/>
+              <a:t>(</a:t>
+            </a:r>
+            <a:r>
+              <a:rPr lang="en-US" altLang="ko-KR" sz="1000" dirty="0" err="1" smtClean="0"/>
+              <a:t>int</a:t>
+            </a:r>
+            <a:r>
+              <a:rPr lang="en-US" altLang="ko-KR" sz="1000" dirty="0" smtClean="0"/>
+              <a:t> (*map)[40][20])</a:t>
+            </a:r>
+          </a:p>
+          <a:p>
+            <a:r>
+              <a:rPr lang="en-US" altLang="ko-KR" sz="1000" dirty="0" smtClean="0"/>
+              <a:t>{</a:t>
+            </a:r>
+          </a:p>
+          <a:p>
+            <a:r>
+              <a:rPr lang="en-US" altLang="ko-KR" sz="1000" dirty="0" smtClean="0"/>
+              <a:t>   </a:t>
+            </a:r>
+            <a:r>
+              <a:rPr lang="en-US" altLang="ko-KR" sz="1000" dirty="0" err="1" smtClean="0"/>
+              <a:t>iMap</a:t>
+            </a:r>
+            <a:r>
+              <a:rPr lang="en-US" altLang="ko-KR" sz="1000" dirty="0" smtClean="0"/>
+              <a:t> = map;</a:t>
+            </a:r>
+          </a:p>
+          <a:p>
+            <a:r>
+              <a:rPr lang="en-US" altLang="ko-KR" sz="1000" dirty="0" smtClean="0"/>
+              <a:t>}</a:t>
+            </a:r>
+          </a:p>
+          <a:p>
+            <a:endParaRPr lang="en-US" altLang="ko-KR" sz="1000" dirty="0"/>
+          </a:p>
+          <a:p>
+            <a:endParaRPr lang="en-US" altLang="ko-KR" sz="1000" dirty="0" smtClean="0"/>
+          </a:p>
+          <a:p>
+            <a:r>
+              <a:rPr lang="en-US" altLang="ko-KR" sz="1000" dirty="0" smtClean="0"/>
               <a:t>Void </a:t>
             </a:r>
             <a:r>
               <a:rPr lang="en-US" altLang="ko-KR" sz="1000" dirty="0" err="1" smtClean="0"/>
-              <a:t>CheckTetris</a:t>
+              <a:t>CheckLine</a:t>
             </a:r>
             <a:r>
               <a:rPr lang="en-US" altLang="ko-KR" sz="1000" dirty="0" smtClean="0"/>
@@ -4987,7 +7018,52 @@
             </a:r>
             <a:r>
               <a:rPr lang="en-US" altLang="ko-KR" sz="1000" dirty="0" smtClean="0"/>
-              <a:t>  </a:t>
+              <a:t>  bool </a:t>
+            </a:r>
+            <a:r>
+              <a:rPr lang="en-US" altLang="ko-KR" sz="1000" dirty="0" err="1" smtClean="0"/>
+              <a:t>isFull</a:t>
+            </a:r>
+            <a:r>
+              <a:rPr lang="en-US" altLang="ko-KR" sz="1000" dirty="0" smtClean="0"/>
+              <a:t> = true;</a:t>
+            </a:r>
+          </a:p>
+          <a:p>
+            <a:endParaRPr lang="en-US" altLang="ko-KR" sz="1000" dirty="0" smtClean="0"/>
+          </a:p>
+          <a:p>
+            <a:r>
+              <a:rPr lang="en-US" altLang="ko-KR" sz="1000" dirty="0"/>
+              <a:t> </a:t>
+            </a:r>
+            <a:r>
+              <a:rPr lang="en-US" altLang="ko-KR" sz="1000" dirty="0" smtClean="0"/>
+              <a:t>  if(</a:t>
+            </a:r>
+            <a:r>
+              <a:rPr lang="en-US" altLang="ko-KR" sz="1000" dirty="0" err="1" smtClean="0"/>
+              <a:t>GetisChecked</a:t>
+            </a:r>
+            <a:r>
+              <a:rPr lang="en-US" altLang="ko-KR" sz="1000" dirty="0" smtClean="0"/>
+              <a:t>())</a:t>
+            </a:r>
+          </a:p>
+          <a:p>
+            <a:r>
+              <a:rPr lang="en-US" altLang="ko-KR" sz="1000" dirty="0"/>
+              <a:t> </a:t>
+            </a:r>
+            <a:r>
+              <a:rPr lang="en-US" altLang="ko-KR" sz="1000" dirty="0" smtClean="0"/>
+              <a:t>  {</a:t>
+            </a:r>
+          </a:p>
+          <a:p>
+            <a:r>
+              <a:rPr lang="en-US" altLang="ko-KR" sz="1000" dirty="0" smtClean="0"/>
+              <a:t>      for(</a:t>
             </a:r>
             <a:r>
               <a:rPr lang="en-US" altLang="ko-KR" sz="1000" dirty="0" err="1" smtClean="0"/>
@@ -4995,15 +7071,258 @@
             </a:r>
             <a:r>
               <a:rPr lang="en-US" altLang="ko-KR" sz="1000" dirty="0" smtClean="0"/>
-              <a:t> </a:t>
-            </a:r>
-            <a:r>
-              <a:rPr lang="en-US" altLang="ko-KR" sz="1000" dirty="0" err="1" smtClean="0"/>
-              <a:t>num</a:t>
-            </a:r>
-            <a:r>
-              <a:rPr lang="en-US" altLang="ko-KR" sz="1000" dirty="0" smtClean="0"/>
-              <a:t>= 0;</a:t>
+              <a:t> y=39; y&gt;0 y--)</a:t>
+            </a:r>
+          </a:p>
+          <a:p>
+            <a:r>
+              <a:rPr lang="en-US" altLang="ko-KR" sz="1000" dirty="0"/>
+              <a:t> </a:t>
+            </a:r>
+            <a:r>
+              <a:rPr lang="en-US" altLang="ko-KR" sz="1000" dirty="0" smtClean="0"/>
+              <a:t>     {</a:t>
+            </a:r>
+          </a:p>
+          <a:p>
+            <a:r>
+              <a:rPr lang="en-US" altLang="ko-KR" sz="1000" dirty="0"/>
+              <a:t> </a:t>
+            </a:r>
+            <a:r>
+              <a:rPr lang="en-US" altLang="ko-KR" sz="1000" dirty="0" smtClean="0"/>
+              <a:t>        for(</a:t>
+            </a:r>
+            <a:r>
+              <a:rPr lang="en-US" altLang="ko-KR" sz="1000" dirty="0" err="1" smtClean="0"/>
+              <a:t>int</a:t>
+            </a:r>
+            <a:r>
+              <a:rPr lang="en-US" altLang="ko-KR" sz="1000" dirty="0" smtClean="0"/>
+              <a:t> x = 1; x&lt;18; x++)</a:t>
+            </a:r>
+          </a:p>
+          <a:p>
+            <a:r>
+              <a:rPr lang="en-US" altLang="ko-KR" sz="1000" dirty="0"/>
+              <a:t> </a:t>
+            </a:r>
+            <a:r>
+              <a:rPr lang="en-US" altLang="ko-KR" sz="1000" dirty="0" smtClean="0"/>
+              <a:t>        {</a:t>
+            </a:r>
+          </a:p>
+          <a:p>
+            <a:r>
+              <a:rPr lang="en-US" altLang="ko-KR" sz="1000" dirty="0"/>
+              <a:t> </a:t>
+            </a:r>
+            <a:r>
+              <a:rPr lang="en-US" altLang="ko-KR" sz="1000" dirty="0" smtClean="0"/>
+              <a:t>           if((*</a:t>
+            </a:r>
+            <a:r>
+              <a:rPr lang="en-US" altLang="ko-KR" sz="1000" dirty="0" err="1" smtClean="0"/>
+              <a:t>iMap</a:t>
+            </a:r>
+            <a:r>
+              <a:rPr lang="en-US" altLang="ko-KR" sz="1000" dirty="0" smtClean="0"/>
+              <a:t>)[y][x] == </a:t>
+            </a:r>
+            <a:r>
+              <a:rPr lang="en-US" altLang="ko-KR" sz="1000" dirty="0"/>
+              <a:t>0</a:t>
+            </a:r>
+            <a:r>
+              <a:rPr lang="en-US" altLang="ko-KR" sz="1000" dirty="0" smtClean="0"/>
+              <a:t>)</a:t>
+            </a:r>
+          </a:p>
+          <a:p>
+            <a:r>
+              <a:rPr lang="en-US" altLang="ko-KR" sz="1000" dirty="0"/>
+              <a:t> </a:t>
+            </a:r>
+            <a:r>
+              <a:rPr lang="en-US" altLang="ko-KR" sz="1000" dirty="0" smtClean="0"/>
+              <a:t>           {</a:t>
+            </a:r>
+          </a:p>
+          <a:p>
+            <a:r>
+              <a:rPr lang="en-US" altLang="ko-KR" sz="1000" dirty="0"/>
+              <a:t> </a:t>
+            </a:r>
+            <a:r>
+              <a:rPr lang="en-US" altLang="ko-KR" sz="1000" dirty="0" smtClean="0"/>
+              <a:t>              </a:t>
+            </a:r>
+            <a:r>
+              <a:rPr lang="en-US" altLang="ko-KR" sz="1000" dirty="0" err="1" smtClean="0"/>
+              <a:t>isFull</a:t>
+            </a:r>
+            <a:r>
+              <a:rPr lang="en-US" altLang="ko-KR" sz="1000" dirty="0" smtClean="0"/>
+              <a:t> = false;</a:t>
+            </a:r>
+          </a:p>
+          <a:p>
+            <a:r>
+              <a:rPr lang="en-US" altLang="ko-KR" sz="1000" dirty="0"/>
+              <a:t> </a:t>
+            </a:r>
+            <a:r>
+              <a:rPr lang="en-US" altLang="ko-KR" sz="1000" dirty="0" smtClean="0"/>
+              <a:t>           }</a:t>
+            </a:r>
+          </a:p>
+          <a:p>
+            <a:r>
+              <a:rPr lang="en-US" altLang="ko-KR" sz="1000" dirty="0"/>
+              <a:t> </a:t>
+            </a:r>
+            <a:r>
+              <a:rPr lang="en-US" altLang="ko-KR" sz="1000" dirty="0" smtClean="0"/>
+              <a:t>        }</a:t>
+            </a:r>
+          </a:p>
+          <a:p>
+            <a:r>
+              <a:rPr lang="en-US" altLang="ko-KR" sz="1000" dirty="0"/>
+              <a:t> </a:t>
+            </a:r>
+            <a:r>
+              <a:rPr lang="en-US" altLang="ko-KR" sz="1000" dirty="0" smtClean="0"/>
+              <a:t>        if(</a:t>
+            </a:r>
+            <a:r>
+              <a:rPr lang="en-US" altLang="ko-KR" sz="1000" dirty="0" err="1" smtClean="0"/>
+              <a:t>isFull</a:t>
+            </a:r>
+            <a:r>
+              <a:rPr lang="en-US" altLang="ko-KR" sz="1000" dirty="0" smtClean="0"/>
+              <a:t> == true)</a:t>
+            </a:r>
+          </a:p>
+          <a:p>
+            <a:r>
+              <a:rPr lang="en-US" altLang="ko-KR" sz="1000" dirty="0"/>
+              <a:t> </a:t>
+            </a:r>
+            <a:r>
+              <a:rPr lang="en-US" altLang="ko-KR" sz="1000" dirty="0" smtClean="0"/>
+              <a:t>        {</a:t>
+            </a:r>
+          </a:p>
+          <a:p>
+            <a:r>
+              <a:rPr lang="en-US" altLang="ko-KR" sz="1000" dirty="0"/>
+              <a:t> </a:t>
+            </a:r>
+            <a:r>
+              <a:rPr lang="en-US" altLang="ko-KR" sz="1000" dirty="0" smtClean="0"/>
+              <a:t>           </a:t>
+            </a:r>
+            <a:r>
+              <a:rPr lang="en-US" altLang="ko-KR" sz="1000" dirty="0" err="1" smtClean="0"/>
+              <a:t>lineNum</a:t>
+            </a:r>
+            <a:r>
+              <a:rPr lang="en-US" altLang="ko-KR" sz="1000" dirty="0" smtClean="0"/>
+              <a:t> = y;</a:t>
+            </a:r>
+          </a:p>
+          <a:p>
+            <a:r>
+              <a:rPr lang="en-US" altLang="ko-KR" sz="1000" dirty="0"/>
+              <a:t> </a:t>
+            </a:r>
+            <a:r>
+              <a:rPr lang="en-US" altLang="ko-KR" sz="1000" dirty="0" smtClean="0"/>
+              <a:t>           break;</a:t>
+            </a:r>
+          </a:p>
+          <a:p>
+            <a:r>
+              <a:rPr lang="en-US" altLang="ko-KR" sz="1000" dirty="0"/>
+              <a:t> </a:t>
+            </a:r>
+            <a:r>
+              <a:rPr lang="en-US" altLang="ko-KR" sz="1000" dirty="0" smtClean="0"/>
+              <a:t>        }</a:t>
+            </a:r>
+          </a:p>
+          <a:p>
+            <a:r>
+              <a:rPr lang="en-US" altLang="ko-KR" sz="1000" dirty="0"/>
+              <a:t> </a:t>
+            </a:r>
+            <a:r>
+              <a:rPr lang="en-US" altLang="ko-KR" sz="1000" dirty="0" smtClean="0"/>
+              <a:t>     }</a:t>
+            </a:r>
+            <a:endParaRPr lang="en-US" altLang="ko-KR" sz="1000" dirty="0"/>
+          </a:p>
+          <a:p>
+            <a:r>
+              <a:rPr lang="en-US" altLang="ko-KR" sz="1000" dirty="0" smtClean="0"/>
+              <a:t>   }</a:t>
+            </a:r>
+          </a:p>
+          <a:p>
+            <a:r>
+              <a:rPr lang="en-US" altLang="ko-KR" sz="1000" dirty="0" smtClean="0"/>
+              <a:t>}</a:t>
+            </a:r>
+            <a:endParaRPr lang="en-US" altLang="ko-KR" sz="1000" dirty="0" smtClean="0"/>
+          </a:p>
+          <a:p>
+            <a:endParaRPr lang="en-US" altLang="ko-KR" sz="1000" dirty="0" smtClean="0"/>
+          </a:p>
+          <a:p>
+            <a:endParaRPr lang="en-US" altLang="ko-KR" sz="1000" dirty="0"/>
+          </a:p>
+        </p:txBody>
+      </p:sp>
+      <p:sp>
+        <p:nvSpPr>
+          <p:cNvPr id="6" name="TextBox 5"/>
+          <p:cNvSpPr txBox="1"/>
+          <p:nvPr/>
+        </p:nvSpPr>
+        <p:spPr>
+          <a:xfrm>
+            <a:off x="5066682" y="55397"/>
+            <a:ext cx="3215640" cy="861774"/>
+          </a:xfrm>
+          <a:prstGeom prst="rect">
+            <a:avLst/>
+          </a:prstGeom>
+          <a:noFill/>
+        </p:spPr>
+        <p:txBody>
+          <a:bodyPr wrap="square" rtlCol="0">
+            <a:spAutoFit/>
+          </a:bodyPr>
+          <a:lstStyle/>
+          <a:p>
+            <a:r>
+              <a:rPr lang="en-US" altLang="ko-KR" sz="1000" dirty="0" smtClean="0"/>
+              <a:t>Void </a:t>
+            </a:r>
+            <a:r>
+              <a:rPr lang="en-US" altLang="ko-KR" sz="1000" dirty="0" err="1" smtClean="0"/>
+              <a:t>MoveLine</a:t>
+            </a:r>
+            <a:r>
+              <a:rPr lang="en-US" altLang="ko-KR" sz="1000" dirty="0" smtClean="0"/>
+              <a:t>()</a:t>
+            </a:r>
+          </a:p>
+          <a:p>
+            <a:r>
+              <a:rPr lang="en-US" altLang="ko-KR" sz="1000" dirty="0" smtClean="0"/>
+              <a:t>{</a:t>
             </a:r>
           </a:p>
           <a:p>
@@ -5011,303 +7330,6 @@
               <a:rPr lang="en-US" altLang="ko-KR" sz="1000" dirty="0" smtClean="0"/>
               <a:t>   </a:t>
             </a:r>
-            <a:r>
-              <a:rPr lang="en-US" altLang="ko-KR" sz="1000" dirty="0" err="1" smtClean="0"/>
-              <a:t>int</a:t>
-            </a:r>
-            <a:r>
-              <a:rPr lang="en-US" altLang="ko-KR" sz="1000" dirty="0" smtClean="0"/>
-              <a:t> </a:t>
-            </a:r>
-            <a:r>
-              <a:rPr lang="en-US" altLang="ko-KR" sz="1000" dirty="0" err="1" smtClean="0"/>
-              <a:t>saveY</a:t>
-            </a:r>
-            <a:r>
-              <a:rPr lang="en-US" altLang="ko-KR" sz="1000" dirty="0" smtClean="0"/>
-              <a:t> = </a:t>
-            </a:r>
-            <a:r>
-              <a:rPr lang="en-US" altLang="ko-KR" sz="1000" dirty="0" err="1" smtClean="0"/>
-              <a:t>tesY</a:t>
-            </a:r>
-            <a:r>
-              <a:rPr lang="en-US" altLang="ko-KR" sz="1000" dirty="0" smtClean="0"/>
-              <a:t>;</a:t>
-            </a:r>
-          </a:p>
-          <a:p>
-            <a:r>
-              <a:rPr lang="en-US" altLang="ko-KR" sz="1000" dirty="0" smtClean="0"/>
-              <a:t>   </a:t>
-            </a:r>
-            <a:r>
-              <a:rPr lang="en-US" altLang="ko-KR" sz="1000" dirty="0" err="1" smtClean="0"/>
-              <a:t>int</a:t>
-            </a:r>
-            <a:r>
-              <a:rPr lang="en-US" altLang="ko-KR" sz="1000" dirty="0" smtClean="0"/>
-              <a:t> </a:t>
-            </a:r>
-            <a:r>
-              <a:rPr lang="en-US" altLang="ko-KR" sz="1000" dirty="0" err="1" smtClean="0"/>
-              <a:t>saveX</a:t>
-            </a:r>
-            <a:r>
-              <a:rPr lang="en-US" altLang="ko-KR" sz="1000" dirty="0" smtClean="0"/>
-              <a:t> = </a:t>
-            </a:r>
-            <a:r>
-              <a:rPr lang="en-US" altLang="ko-KR" sz="1000" dirty="0" err="1" smtClean="0"/>
-              <a:t>tesX</a:t>
-            </a:r>
-            <a:r>
-              <a:rPr lang="en-US" altLang="ko-KR" sz="1000" dirty="0" smtClean="0"/>
-              <a:t>;</a:t>
-            </a:r>
-            <a:endParaRPr lang="en-US" altLang="ko-KR" sz="1000" dirty="0" smtClean="0"/>
-          </a:p>
-          <a:p>
-            <a:endParaRPr lang="en-US" altLang="ko-KR" sz="1000" dirty="0" smtClean="0"/>
-          </a:p>
-          <a:p>
-            <a:r>
-              <a:rPr lang="en-US" altLang="ko-KR" sz="1000" dirty="0" smtClean="0"/>
-              <a:t>   for(</a:t>
-            </a:r>
-            <a:r>
-              <a:rPr lang="en-US" altLang="ko-KR" sz="1000" dirty="0" err="1" smtClean="0"/>
-              <a:t>int</a:t>
-            </a:r>
-            <a:r>
-              <a:rPr lang="en-US" altLang="ko-KR" sz="1000" dirty="0" smtClean="0"/>
-              <a:t> y=0; y&lt;4; y++)</a:t>
-            </a:r>
-          </a:p>
-          <a:p>
-            <a:r>
-              <a:rPr lang="en-US" altLang="ko-KR" sz="1000" dirty="0" smtClean="0"/>
-              <a:t>   {</a:t>
-            </a:r>
-          </a:p>
-          <a:p>
-            <a:r>
-              <a:rPr lang="en-US" altLang="ko-KR" sz="1000" dirty="0"/>
-              <a:t> </a:t>
-            </a:r>
-            <a:r>
-              <a:rPr lang="en-US" altLang="ko-KR" sz="1000" dirty="0" smtClean="0"/>
-              <a:t>      </a:t>
-            </a:r>
-            <a:r>
-              <a:rPr lang="en-US" altLang="ko-KR" sz="1000" dirty="0" smtClean="0"/>
-              <a:t>for(</a:t>
-            </a:r>
-            <a:r>
-              <a:rPr lang="en-US" altLang="ko-KR" sz="1000" dirty="0" err="1" smtClean="0"/>
-              <a:t>int</a:t>
-            </a:r>
-            <a:r>
-              <a:rPr lang="en-US" altLang="ko-KR" sz="1000" dirty="0" smtClean="0"/>
-              <a:t> x = 0; x&lt;4; x++)</a:t>
-            </a:r>
-          </a:p>
-          <a:p>
-            <a:r>
-              <a:rPr lang="en-US" altLang="ko-KR" sz="1000" dirty="0" smtClean="0"/>
-              <a:t>       {</a:t>
-            </a:r>
-          </a:p>
-          <a:p>
-            <a:r>
-              <a:rPr lang="en-US" altLang="ko-KR" sz="1000" dirty="0" smtClean="0"/>
-              <a:t>           if((*</a:t>
-            </a:r>
-            <a:r>
-              <a:rPr lang="en-US" altLang="ko-KR" sz="1000" dirty="0" err="1" smtClean="0"/>
-              <a:t>iMap</a:t>
-            </a:r>
-            <a:r>
-              <a:rPr lang="en-US" altLang="ko-KR" sz="1000" dirty="0" smtClean="0"/>
-              <a:t>)[</a:t>
-            </a:r>
-            <a:r>
-              <a:rPr lang="en-US" altLang="ko-KR" sz="1000" dirty="0" err="1" smtClean="0"/>
-              <a:t>saveY</a:t>
-            </a:r>
-            <a:r>
-              <a:rPr lang="en-US" altLang="ko-KR" sz="1000" dirty="0" smtClean="0"/>
-              <a:t>][</a:t>
-            </a:r>
-            <a:r>
-              <a:rPr lang="en-US" altLang="ko-KR" sz="1000" dirty="0" err="1" smtClean="0"/>
-              <a:t>saveX</a:t>
-            </a:r>
-            <a:r>
-              <a:rPr lang="en-US" altLang="ko-KR" sz="1000" dirty="0" smtClean="0"/>
-              <a:t>] == 1 &amp;&amp; Member[y][x] == 1)</a:t>
-            </a:r>
-          </a:p>
-          <a:p>
-            <a:r>
-              <a:rPr lang="en-US" altLang="ko-KR" sz="1000" dirty="0" smtClean="0"/>
-              <a:t>           {</a:t>
-            </a:r>
-          </a:p>
-          <a:p>
-            <a:r>
-              <a:rPr lang="en-US" altLang="ko-KR" sz="1000" dirty="0" smtClean="0"/>
-              <a:t>               </a:t>
-            </a:r>
-            <a:r>
-              <a:rPr lang="en-US" altLang="ko-KR" sz="1000" dirty="0" err="1" smtClean="0"/>
-              <a:t>chkTetrisY</a:t>
-            </a:r>
-            <a:r>
-              <a:rPr lang="en-US" altLang="ko-KR" sz="1000" dirty="0" smtClean="0"/>
-              <a:t>[</a:t>
-            </a:r>
-            <a:r>
-              <a:rPr lang="en-US" altLang="ko-KR" sz="1000" dirty="0" err="1" smtClean="0"/>
-              <a:t>num</a:t>
-            </a:r>
-            <a:r>
-              <a:rPr lang="en-US" altLang="ko-KR" sz="1000" dirty="0" smtClean="0"/>
-              <a:t>] = </a:t>
-            </a:r>
-            <a:r>
-              <a:rPr lang="en-US" altLang="ko-KR" sz="1000" dirty="0" err="1" smtClean="0"/>
-              <a:t>saveY</a:t>
-            </a:r>
-            <a:r>
-              <a:rPr lang="en-US" altLang="ko-KR" sz="1000" dirty="0" smtClean="0"/>
-              <a:t>;</a:t>
-            </a:r>
-          </a:p>
-          <a:p>
-            <a:r>
-              <a:rPr lang="en-US" altLang="ko-KR" sz="1000" dirty="0"/>
-              <a:t> </a:t>
-            </a:r>
-            <a:r>
-              <a:rPr lang="en-US" altLang="ko-KR" sz="1000" dirty="0" smtClean="0"/>
-              <a:t>              </a:t>
-            </a:r>
-            <a:r>
-              <a:rPr lang="en-US" altLang="ko-KR" sz="1000" dirty="0" err="1" smtClean="0"/>
-              <a:t>chkTetrisX</a:t>
-            </a:r>
-            <a:r>
-              <a:rPr lang="en-US" altLang="ko-KR" sz="1000" dirty="0" smtClean="0"/>
-              <a:t>[</a:t>
-            </a:r>
-            <a:r>
-              <a:rPr lang="en-US" altLang="ko-KR" sz="1000" dirty="0" err="1" smtClean="0"/>
-              <a:t>num</a:t>
-            </a:r>
-            <a:r>
-              <a:rPr lang="en-US" altLang="ko-KR" sz="1000" dirty="0" smtClean="0"/>
-              <a:t>] = </a:t>
-            </a:r>
-            <a:r>
-              <a:rPr lang="en-US" altLang="ko-KR" sz="1000" dirty="0" err="1" smtClean="0"/>
-              <a:t>saveX</a:t>
-            </a:r>
-            <a:r>
-              <a:rPr lang="en-US" altLang="ko-KR" sz="1000" dirty="0" smtClean="0"/>
-              <a:t>;</a:t>
-            </a:r>
-          </a:p>
-          <a:p>
-            <a:r>
-              <a:rPr lang="en-US" altLang="ko-KR" sz="1000" dirty="0" smtClean="0"/>
-              <a:t>               </a:t>
-            </a:r>
-            <a:r>
-              <a:rPr lang="en-US" altLang="ko-KR" sz="1000" dirty="0" err="1" smtClean="0"/>
-              <a:t>num</a:t>
-            </a:r>
-            <a:r>
-              <a:rPr lang="en-US" altLang="ko-KR" sz="1000" dirty="0" smtClean="0"/>
-              <a:t>++;</a:t>
-            </a:r>
-            <a:endParaRPr lang="en-US" altLang="ko-KR" sz="1000" dirty="0" smtClean="0"/>
-          </a:p>
-          <a:p>
-            <a:r>
-              <a:rPr lang="en-US" altLang="ko-KR" sz="1000" dirty="0" smtClean="0"/>
-              <a:t>           }</a:t>
-            </a:r>
-          </a:p>
-          <a:p>
-            <a:r>
-              <a:rPr lang="en-US" altLang="ko-KR" sz="1000" dirty="0" smtClean="0"/>
-              <a:t>           </a:t>
-            </a:r>
-            <a:r>
-              <a:rPr lang="en-US" altLang="ko-KR" sz="1000" dirty="0" err="1" smtClean="0"/>
-              <a:t>saveX</a:t>
-            </a:r>
-            <a:r>
-              <a:rPr lang="en-US" altLang="ko-KR" sz="1000" dirty="0" smtClean="0"/>
-              <a:t>++;</a:t>
-            </a:r>
-          </a:p>
-          <a:p>
-            <a:r>
-              <a:rPr lang="en-US" altLang="ko-KR" sz="1000" dirty="0" smtClean="0"/>
-              <a:t>       }</a:t>
-            </a:r>
-          </a:p>
-          <a:p>
-            <a:r>
-              <a:rPr lang="en-US" altLang="ko-KR" sz="1000" dirty="0" smtClean="0"/>
-              <a:t>       </a:t>
-            </a:r>
-            <a:r>
-              <a:rPr lang="en-US" altLang="ko-KR" sz="1000" dirty="0" err="1" smtClean="0"/>
-              <a:t>saveX</a:t>
-            </a:r>
-            <a:r>
-              <a:rPr lang="en-US" altLang="ko-KR" sz="1000" dirty="0" smtClean="0"/>
-              <a:t> = </a:t>
-            </a:r>
-            <a:r>
-              <a:rPr lang="en-US" altLang="ko-KR" sz="1000" dirty="0" err="1" smtClean="0"/>
-              <a:t>tesX</a:t>
-            </a:r>
-            <a:r>
-              <a:rPr lang="en-US" altLang="ko-KR" sz="1000" dirty="0" smtClean="0"/>
-              <a:t>;</a:t>
-            </a:r>
-          </a:p>
-          <a:p>
-            <a:r>
-              <a:rPr lang="en-US" altLang="ko-KR" sz="1000" dirty="0" smtClean="0"/>
-              <a:t>       </a:t>
-            </a:r>
-            <a:r>
-              <a:rPr lang="en-US" altLang="ko-KR" sz="1000" dirty="0" err="1" smtClean="0"/>
-              <a:t>saveY</a:t>
-            </a:r>
-            <a:r>
-              <a:rPr lang="en-US" altLang="ko-KR" sz="1000" dirty="0" smtClean="0"/>
-              <a:t>++;</a:t>
-            </a:r>
-          </a:p>
-          <a:p>
-            <a:r>
-              <a:rPr lang="en-US" altLang="ko-KR" sz="1000" dirty="0" smtClean="0"/>
-              <a:t>   }</a:t>
-            </a:r>
-          </a:p>
-          <a:p>
-            <a:endParaRPr lang="en-US" altLang="ko-KR" sz="1000" dirty="0"/>
-          </a:p>
-          <a:p>
-            <a:endParaRPr lang="en-US" altLang="ko-KR" sz="1000" dirty="0" smtClean="0"/>
-          </a:p>
-          <a:p>
             <a:endParaRPr lang="en-US" altLang="ko-KR" sz="1000" dirty="0"/>
           </a:p>
           <a:p>
@@ -5324,7 +7346,7 @@
     </p:spTree>
     <p:extLst>
       <p:ext uri="{BB962C8B-B14F-4D97-AF65-F5344CB8AC3E}">
-        <p14:creationId xmlns:p14="http://schemas.microsoft.com/office/powerpoint/2010/main" val="959005250"/>
+        <p14:creationId xmlns:p14="http://schemas.microsoft.com/office/powerpoint/2010/main" val="3993680773"/>
       </p:ext>
     </p:extLst>
   </p:cSld>

--- a/Tetris.pptx
+++ b/Tetris.pptx
@@ -248,7 +248,7 @@
           <a:p>
             <a:fld id="{CCD74C96-3BD0-408D-9878-32E1E1448232}" type="datetimeFigureOut">
               <a:rPr lang="ko-KR" altLang="en-US" smtClean="0"/>
-              <a:t>2021-02-02</a:t>
+              <a:t>2021-02-03</a:t>
             </a:fld>
             <a:endParaRPr lang="ko-KR" altLang="en-US"/>
           </a:p>
@@ -418,7 +418,7 @@
           <a:p>
             <a:fld id="{CCD74C96-3BD0-408D-9878-32E1E1448232}" type="datetimeFigureOut">
               <a:rPr lang="ko-KR" altLang="en-US" smtClean="0"/>
-              <a:t>2021-02-02</a:t>
+              <a:t>2021-02-03</a:t>
             </a:fld>
             <a:endParaRPr lang="ko-KR" altLang="en-US"/>
           </a:p>
@@ -598,7 +598,7 @@
           <a:p>
             <a:fld id="{CCD74C96-3BD0-408D-9878-32E1E1448232}" type="datetimeFigureOut">
               <a:rPr lang="ko-KR" altLang="en-US" smtClean="0"/>
-              <a:t>2021-02-02</a:t>
+              <a:t>2021-02-03</a:t>
             </a:fld>
             <a:endParaRPr lang="ko-KR" altLang="en-US"/>
           </a:p>
@@ -768,7 +768,7 @@
           <a:p>
             <a:fld id="{CCD74C96-3BD0-408D-9878-32E1E1448232}" type="datetimeFigureOut">
               <a:rPr lang="ko-KR" altLang="en-US" smtClean="0"/>
-              <a:t>2021-02-02</a:t>
+              <a:t>2021-02-03</a:t>
             </a:fld>
             <a:endParaRPr lang="ko-KR" altLang="en-US"/>
           </a:p>
@@ -1014,7 +1014,7 @@
           <a:p>
             <a:fld id="{CCD74C96-3BD0-408D-9878-32E1E1448232}" type="datetimeFigureOut">
               <a:rPr lang="ko-KR" altLang="en-US" smtClean="0"/>
-              <a:t>2021-02-02</a:t>
+              <a:t>2021-02-03</a:t>
             </a:fld>
             <a:endParaRPr lang="ko-KR" altLang="en-US"/>
           </a:p>
@@ -1246,7 +1246,7 @@
           <a:p>
             <a:fld id="{CCD74C96-3BD0-408D-9878-32E1E1448232}" type="datetimeFigureOut">
               <a:rPr lang="ko-KR" altLang="en-US" smtClean="0"/>
-              <a:t>2021-02-02</a:t>
+              <a:t>2021-02-03</a:t>
             </a:fld>
             <a:endParaRPr lang="ko-KR" altLang="en-US"/>
           </a:p>
@@ -1613,7 +1613,7 @@
           <a:p>
             <a:fld id="{CCD74C96-3BD0-408D-9878-32E1E1448232}" type="datetimeFigureOut">
               <a:rPr lang="ko-KR" altLang="en-US" smtClean="0"/>
-              <a:t>2021-02-02</a:t>
+              <a:t>2021-02-03</a:t>
             </a:fld>
             <a:endParaRPr lang="ko-KR" altLang="en-US"/>
           </a:p>
@@ -1731,7 +1731,7 @@
           <a:p>
             <a:fld id="{CCD74C96-3BD0-408D-9878-32E1E1448232}" type="datetimeFigureOut">
               <a:rPr lang="ko-KR" altLang="en-US" smtClean="0"/>
-              <a:t>2021-02-02</a:t>
+              <a:t>2021-02-03</a:t>
             </a:fld>
             <a:endParaRPr lang="ko-KR" altLang="en-US"/>
           </a:p>
@@ -1826,7 +1826,7 @@
           <a:p>
             <a:fld id="{CCD74C96-3BD0-408D-9878-32E1E1448232}" type="datetimeFigureOut">
               <a:rPr lang="ko-KR" altLang="en-US" smtClean="0"/>
-              <a:t>2021-02-02</a:t>
+              <a:t>2021-02-03</a:t>
             </a:fld>
             <a:endParaRPr lang="ko-KR" altLang="en-US"/>
           </a:p>
@@ -2103,7 +2103,7 @@
           <a:p>
             <a:fld id="{CCD74C96-3BD0-408D-9878-32E1E1448232}" type="datetimeFigureOut">
               <a:rPr lang="ko-KR" altLang="en-US" smtClean="0"/>
-              <a:t>2021-02-02</a:t>
+              <a:t>2021-02-03</a:t>
             </a:fld>
             <a:endParaRPr lang="ko-KR" altLang="en-US"/>
           </a:p>
@@ -2356,7 +2356,7 @@
           <a:p>
             <a:fld id="{CCD74C96-3BD0-408D-9878-32E1E1448232}" type="datetimeFigureOut">
               <a:rPr lang="ko-KR" altLang="en-US" smtClean="0"/>
-              <a:t>2021-02-02</a:t>
+              <a:t>2021-02-03</a:t>
             </a:fld>
             <a:endParaRPr lang="ko-KR" altLang="en-US"/>
           </a:p>
@@ -2569,7 +2569,7 @@
           <a:p>
             <a:fld id="{CCD74C96-3BD0-408D-9878-32E1E1448232}" type="datetimeFigureOut">
               <a:rPr lang="ko-KR" altLang="en-US" smtClean="0"/>
-              <a:t>2021-02-02</a:t>
+              <a:t>2021-02-03</a:t>
             </a:fld>
             <a:endParaRPr lang="ko-KR" altLang="en-US"/>
           </a:p>
@@ -3024,11 +3024,7 @@
             </a:r>
             <a:r>
               <a:rPr lang="en-US" altLang="ko-KR" sz="1000" dirty="0" smtClean="0"/>
-              <a:t>  </a:t>
-            </a:r>
-            <a:r>
-              <a:rPr lang="en-US" altLang="ko-KR" sz="1000" dirty="0" smtClean="0"/>
-              <a:t>   </a:t>
+              <a:t>     </a:t>
             </a:r>
             <a:r>
               <a:rPr lang="en-US" altLang="ko-KR" sz="1000" dirty="0" err="1" smtClean="0"/>
@@ -3361,11 +3357,7 @@
             </a:r>
             <a:r>
               <a:rPr lang="en-US" altLang="ko-KR" sz="1000" dirty="0" smtClean="0"/>
-              <a:t> </a:t>
-            </a:r>
-            <a:r>
-              <a:rPr lang="en-US" altLang="ko-KR" sz="1000" dirty="0" smtClean="0"/>
-              <a:t>Member[4][4];</a:t>
+              <a:t> Member[4][4];</a:t>
             </a:r>
           </a:p>
           <a:p>
@@ -3423,11 +3415,7 @@
             </a:r>
             <a:r>
               <a:rPr lang="en-US" altLang="ko-KR" sz="1000" dirty="0" smtClean="0"/>
-              <a:t> = -5</a:t>
-            </a:r>
-            <a:r>
-              <a:rPr lang="en-US" altLang="ko-KR" sz="1000" dirty="0" smtClean="0"/>
-              <a:t>;</a:t>
+              <a:t> = -5;</a:t>
             </a:r>
           </a:p>
           <a:p>
@@ -3516,11 +3504,7 @@
           <a:p>
             <a:r>
               <a:rPr lang="en-US" altLang="ko-KR" sz="1000" dirty="0" smtClean="0"/>
-              <a:t>Public</a:t>
-            </a:r>
-            <a:r>
-              <a:rPr lang="en-US" altLang="ko-KR" sz="1000" dirty="0" smtClean="0"/>
-              <a:t>:</a:t>
+              <a:t>Public:</a:t>
             </a:r>
           </a:p>
           <a:p>
@@ -3532,7 +3516,6 @@
               <a:rPr lang="en-US" altLang="ko-KR" sz="1000" dirty="0" smtClean="0"/>
               <a:t>  Tetris();</a:t>
             </a:r>
-            <a:endParaRPr lang="en-US" altLang="ko-KR" sz="1000" dirty="0" smtClean="0"/>
           </a:p>
           <a:p>
             <a:r>
@@ -3687,7 +3670,6 @@
               <a:rPr lang="en-US" altLang="ko-KR" sz="1000" dirty="0" smtClean="0"/>
               <a:t>();</a:t>
             </a:r>
-            <a:endParaRPr lang="en-US" altLang="ko-KR" sz="1000" dirty="0" smtClean="0"/>
           </a:p>
           <a:p>
             <a:endParaRPr lang="en-US" altLang="ko-KR" sz="1000" dirty="0" smtClean="0"/>
@@ -3770,7 +3752,6 @@
               <a:rPr lang="en-US" altLang="ko-KR" sz="1000" dirty="0" smtClean="0"/>
               <a:t> = map;</a:t>
             </a:r>
-            <a:endParaRPr lang="en-US" altLang="ko-KR" sz="1000" dirty="0" smtClean="0"/>
           </a:p>
           <a:p>
             <a:r>
@@ -4296,7 +4277,6 @@
               <a:rPr lang="en-US" altLang="ko-KR" sz="1000" dirty="0" smtClean="0"/>
               <a:t>  }</a:t>
             </a:r>
-            <a:endParaRPr lang="en-US" altLang="ko-KR" sz="1000" dirty="0" smtClean="0"/>
           </a:p>
           <a:p>
             <a:r>
@@ -4775,11 +4755,7 @@
           <a:p>
             <a:r>
               <a:rPr lang="en-US" altLang="ko-KR" sz="1000" dirty="0"/>
-              <a:t> </a:t>
-            </a:r>
-            <a:r>
-              <a:rPr lang="en-US" altLang="ko-KR" sz="1000" dirty="0"/>
-              <a:t>  </a:t>
+              <a:t>   </a:t>
             </a:r>
             <a:r>
               <a:rPr lang="en-US" altLang="ko-KR" sz="1000" dirty="0" err="1"/>
@@ -4805,12 +4781,74 @@
               <a:rPr lang="en-US" altLang="ko-KR" sz="1000" dirty="0" smtClean="0"/>
               <a:t>};</a:t>
             </a:r>
+          </a:p>
+          <a:p>
+            <a:r>
+              <a:rPr lang="en-US" altLang="ko-KR" sz="1000" dirty="0" smtClean="0"/>
+              <a:t>   </a:t>
+            </a:r>
+            <a:r>
+              <a:rPr lang="en-US" altLang="ko-KR" sz="1000" dirty="0" err="1" smtClean="0"/>
+              <a:t>int</a:t>
+            </a:r>
+            <a:r>
+              <a:rPr lang="en-US" altLang="ko-KR" sz="1000" dirty="0" smtClean="0"/>
+              <a:t> </a:t>
+            </a:r>
+            <a:r>
+              <a:rPr lang="en-US" altLang="ko-KR" sz="1000" dirty="0" err="1" smtClean="0"/>
+              <a:t>saveY</a:t>
+            </a:r>
+            <a:r>
+              <a:rPr lang="en-US" altLang="ko-KR" sz="1000" dirty="0" smtClean="0"/>
+              <a:t> = </a:t>
+            </a:r>
+            <a:r>
+              <a:rPr lang="en-US" altLang="ko-KR" sz="1000" dirty="0" err="1" smtClean="0"/>
+              <a:t>tesY</a:t>
+            </a:r>
+            <a:r>
+              <a:rPr lang="en-US" altLang="ko-KR" sz="1000" dirty="0" smtClean="0"/>
+              <a:t>;</a:t>
+            </a:r>
+          </a:p>
+          <a:p>
+            <a:r>
+              <a:rPr lang="en-US" altLang="ko-KR" sz="1000" dirty="0" smtClean="0"/>
+              <a:t>   </a:t>
+            </a:r>
+            <a:r>
+              <a:rPr lang="en-US" altLang="ko-KR" sz="1000" dirty="0" err="1" smtClean="0"/>
+              <a:t>int</a:t>
+            </a:r>
+            <a:r>
+              <a:rPr lang="en-US" altLang="ko-KR" sz="1000" dirty="0" smtClean="0"/>
+              <a:t> </a:t>
+            </a:r>
+            <a:r>
+              <a:rPr lang="en-US" altLang="ko-KR" sz="1000" dirty="0" err="1" smtClean="0"/>
+              <a:t>saveX</a:t>
+            </a:r>
+            <a:r>
+              <a:rPr lang="en-US" altLang="ko-KR" sz="1000" dirty="0" smtClean="0"/>
+              <a:t> = </a:t>
+            </a:r>
+            <a:r>
+              <a:rPr lang="en-US" altLang="ko-KR" sz="1000" dirty="0" err="1" smtClean="0"/>
+              <a:t>tesX</a:t>
+            </a:r>
+            <a:r>
+              <a:rPr lang="en-US" altLang="ko-KR" sz="1000" dirty="0" smtClean="0"/>
+              <a:t>;</a:t>
+            </a:r>
+          </a:p>
+          <a:p>
             <a:endParaRPr lang="en-US" altLang="ko-KR" sz="1000" dirty="0" smtClean="0"/>
           </a:p>
           <a:p>
             <a:r>
               <a:rPr lang="en-US" altLang="ko-KR" sz="1000" dirty="0" smtClean="0"/>
-              <a:t>   </a:t>
+              <a:t>   for(</a:t>
             </a:r>
             <a:r>
               <a:rPr lang="en-US" altLang="ko-KR" sz="1000" dirty="0" err="1" smtClean="0"/>
@@ -4818,7 +4856,51 @@
             </a:r>
             <a:r>
               <a:rPr lang="en-US" altLang="ko-KR" sz="1000" dirty="0" smtClean="0"/>
-              <a:t> </a:t>
+              <a:t> y=0; y&lt;4; y++)</a:t>
+            </a:r>
+          </a:p>
+          <a:p>
+            <a:r>
+              <a:rPr lang="en-US" altLang="ko-KR" sz="1000" dirty="0" smtClean="0"/>
+              <a:t>   {</a:t>
+            </a:r>
+          </a:p>
+          <a:p>
+            <a:r>
+              <a:rPr lang="en-US" altLang="ko-KR" sz="1000" dirty="0"/>
+              <a:t> </a:t>
+            </a:r>
+            <a:r>
+              <a:rPr lang="en-US" altLang="ko-KR" sz="1000" dirty="0" smtClean="0"/>
+              <a:t>      for(</a:t>
+            </a:r>
+            <a:r>
+              <a:rPr lang="en-US" altLang="ko-KR" sz="1000" dirty="0" err="1" smtClean="0"/>
+              <a:t>int</a:t>
+            </a:r>
+            <a:r>
+              <a:rPr lang="en-US" altLang="ko-KR" sz="1000" dirty="0" smtClean="0"/>
+              <a:t> x = 0; x&lt;4; x++)</a:t>
+            </a:r>
+          </a:p>
+          <a:p>
+            <a:r>
+              <a:rPr lang="en-US" altLang="ko-KR" sz="1000" dirty="0" smtClean="0"/>
+              <a:t>       {</a:t>
+            </a:r>
+          </a:p>
+          <a:p>
+            <a:r>
+              <a:rPr lang="en-US" altLang="ko-KR" sz="1000" dirty="0" smtClean="0"/>
+              <a:t>           if((*</a:t>
+            </a:r>
+            <a:r>
+              <a:rPr lang="en-US" altLang="ko-KR" sz="1000" dirty="0" err="1" smtClean="0"/>
+              <a:t>iMap</a:t>
+            </a:r>
+            <a:r>
+              <a:rPr lang="en-US" altLang="ko-KR" sz="1000" dirty="0" smtClean="0"/>
+              <a:t>)[</a:t>
             </a:r>
             <a:r>
               <a:rPr lang="en-US" altLang="ko-KR" sz="1000" dirty="0" err="1" smtClean="0"/>
@@ -4826,11 +4908,143 @@
             </a:r>
             <a:r>
               <a:rPr lang="en-US" altLang="ko-KR" sz="1000" dirty="0" smtClean="0"/>
+              <a:t>][</a:t>
+            </a:r>
+            <a:r>
+              <a:rPr lang="en-US" altLang="ko-KR" sz="1000" dirty="0" err="1" smtClean="0"/>
+              <a:t>saveX</a:t>
+            </a:r>
+            <a:r>
+              <a:rPr lang="en-US" altLang="ko-KR" sz="1000" dirty="0" smtClean="0"/>
+              <a:t>] == 1 &amp;&amp; Member[y][x] == 1)</a:t>
+            </a:r>
+          </a:p>
+          <a:p>
+            <a:r>
+              <a:rPr lang="en-US" altLang="ko-KR" sz="1000" dirty="0" smtClean="0"/>
+              <a:t>           {</a:t>
+            </a:r>
+          </a:p>
+          <a:p>
+            <a:r>
+              <a:rPr lang="en-US" altLang="ko-KR" sz="1000" dirty="0" smtClean="0"/>
+              <a:t>               </a:t>
+            </a:r>
+            <a:r>
+              <a:rPr lang="en-US" altLang="ko-KR" sz="1000" dirty="0" err="1" smtClean="0"/>
+              <a:t>posTetrisY</a:t>
+            </a:r>
+            <a:r>
+              <a:rPr lang="en-US" altLang="ko-KR" sz="1000" dirty="0" smtClean="0"/>
+              <a:t>[</a:t>
+            </a:r>
+            <a:r>
+              <a:rPr lang="en-US" altLang="ko-KR" sz="1000" dirty="0" err="1" smtClean="0"/>
+              <a:t>num</a:t>
+            </a:r>
+            <a:r>
+              <a:rPr lang="en-US" altLang="ko-KR" sz="1000" dirty="0" smtClean="0"/>
+              <a:t>] = </a:t>
+            </a:r>
+            <a:r>
+              <a:rPr lang="en-US" altLang="ko-KR" sz="1000" dirty="0" err="1" smtClean="0"/>
+              <a:t>saveY</a:t>
+            </a:r>
+            <a:r>
+              <a:rPr lang="en-US" altLang="ko-KR" sz="1000" dirty="0" smtClean="0"/>
+              <a:t>;</a:t>
+            </a:r>
+          </a:p>
+          <a:p>
+            <a:r>
+              <a:rPr lang="en-US" altLang="ko-KR" sz="1000" dirty="0"/>
+              <a:t> </a:t>
+            </a:r>
+            <a:r>
+              <a:rPr lang="en-US" altLang="ko-KR" sz="1000" dirty="0" smtClean="0"/>
+              <a:t>              </a:t>
+            </a:r>
+            <a:r>
+              <a:rPr lang="en-US" altLang="ko-KR" sz="1000" dirty="0" err="1" smtClean="0"/>
+              <a:t>posTetrisX</a:t>
+            </a:r>
+            <a:r>
+              <a:rPr lang="en-US" altLang="ko-KR" sz="1000" dirty="0" smtClean="0"/>
+              <a:t>[</a:t>
+            </a:r>
+            <a:r>
+              <a:rPr lang="en-US" altLang="ko-KR" sz="1000" dirty="0" err="1" smtClean="0"/>
+              <a:t>num</a:t>
+            </a:r>
+            <a:r>
+              <a:rPr lang="en-US" altLang="ko-KR" sz="1000" dirty="0" smtClean="0"/>
+              <a:t>] = </a:t>
+            </a:r>
+            <a:r>
+              <a:rPr lang="en-US" altLang="ko-KR" sz="1000" dirty="0" err="1" smtClean="0"/>
+              <a:t>saveX</a:t>
+            </a:r>
+            <a:r>
+              <a:rPr lang="en-US" altLang="ko-KR" sz="1000" dirty="0" smtClean="0"/>
+              <a:t>;</a:t>
+            </a:r>
+          </a:p>
+          <a:p>
+            <a:r>
+              <a:rPr lang="en-US" altLang="ko-KR" sz="1000" dirty="0" smtClean="0"/>
+              <a:t>               </a:t>
+            </a:r>
+            <a:r>
+              <a:rPr lang="en-US" altLang="ko-KR" sz="1000" dirty="0" err="1" smtClean="0"/>
+              <a:t>num</a:t>
+            </a:r>
+            <a:r>
+              <a:rPr lang="en-US" altLang="ko-KR" sz="1000" dirty="0" smtClean="0"/>
+              <a:t>++;</a:t>
+            </a:r>
+          </a:p>
+          <a:p>
+            <a:r>
+              <a:rPr lang="en-US" altLang="ko-KR" sz="1000" dirty="0" smtClean="0"/>
+              <a:t>           }</a:t>
+            </a:r>
+          </a:p>
+          <a:p>
+            <a:r>
+              <a:rPr lang="en-US" altLang="ko-KR" sz="1000" dirty="0" smtClean="0"/>
+              <a:t>           </a:t>
+            </a:r>
+            <a:r>
+              <a:rPr lang="en-US" altLang="ko-KR" sz="1000" dirty="0" err="1" smtClean="0"/>
+              <a:t>saveX</a:t>
+            </a:r>
+            <a:r>
+              <a:rPr lang="en-US" altLang="ko-KR" sz="1000" dirty="0" smtClean="0"/>
+              <a:t>++;</a:t>
+            </a:r>
+          </a:p>
+          <a:p>
+            <a:r>
+              <a:rPr lang="en-US" altLang="ko-KR" sz="1000" dirty="0" smtClean="0"/>
+              <a:t>       }</a:t>
+            </a:r>
+          </a:p>
+          <a:p>
+            <a:r>
+              <a:rPr lang="en-US" altLang="ko-KR" sz="1000" dirty="0" smtClean="0"/>
+              <a:t>       </a:t>
+            </a:r>
+            <a:r>
+              <a:rPr lang="en-US" altLang="ko-KR" sz="1000" dirty="0" err="1" smtClean="0"/>
+              <a:t>saveX</a:t>
+            </a:r>
+            <a:r>
+              <a:rPr lang="en-US" altLang="ko-KR" sz="1000" dirty="0" smtClean="0"/>
               <a:t> = </a:t>
             </a:r>
             <a:r>
               <a:rPr lang="en-US" altLang="ko-KR" sz="1000" dirty="0" err="1" smtClean="0"/>
-              <a:t>tesY</a:t>
+              <a:t>tesX</a:t>
             </a:r>
             <a:r>
               <a:rPr lang="en-US" altLang="ko-KR" sz="1000" dirty="0" smtClean="0"/>
@@ -4840,7 +5054,30 @@
           <a:p>
             <a:r>
               <a:rPr lang="en-US" altLang="ko-KR" sz="1000" dirty="0" smtClean="0"/>
-              <a:t>   </a:t>
+              <a:t>       </a:t>
+            </a:r>
+            <a:r>
+              <a:rPr lang="en-US" altLang="ko-KR" sz="1000" dirty="0" err="1" smtClean="0"/>
+              <a:t>saveY</a:t>
+            </a:r>
+            <a:r>
+              <a:rPr lang="en-US" altLang="ko-KR" sz="1000" dirty="0" smtClean="0"/>
+              <a:t>++;</a:t>
+            </a:r>
+          </a:p>
+          <a:p>
+            <a:r>
+              <a:rPr lang="en-US" altLang="ko-KR" sz="1000" dirty="0" smtClean="0"/>
+              <a:t>   }</a:t>
+            </a:r>
+          </a:p>
+          <a:p>
+            <a:endParaRPr lang="en-US" altLang="ko-KR" sz="1000" dirty="0"/>
+          </a:p>
+          <a:p>
+            <a:r>
+              <a:rPr lang="en-US" altLang="ko-KR" sz="1000" dirty="0" smtClean="0"/>
+              <a:t>   for(</a:t>
             </a:r>
             <a:r>
               <a:rPr lang="en-US" altLang="ko-KR" sz="1000" dirty="0" err="1" smtClean="0"/>
@@ -4852,276 +5089,6 @@
             </a:r>
             <a:r>
               <a:rPr lang="en-US" altLang="ko-KR" sz="1000" dirty="0" err="1" smtClean="0"/>
-              <a:t>saveX</a:t>
-            </a:r>
-            <a:r>
-              <a:rPr lang="en-US" altLang="ko-KR" sz="1000" dirty="0" smtClean="0"/>
-              <a:t> = </a:t>
-            </a:r>
-            <a:r>
-              <a:rPr lang="en-US" altLang="ko-KR" sz="1000" dirty="0" err="1" smtClean="0"/>
-              <a:t>tesX</a:t>
-            </a:r>
-            <a:r>
-              <a:rPr lang="en-US" altLang="ko-KR" sz="1000" dirty="0" smtClean="0"/>
-              <a:t>;</a:t>
-            </a:r>
-          </a:p>
-          <a:p>
-            <a:endParaRPr lang="en-US" altLang="ko-KR" sz="1000" dirty="0" smtClean="0"/>
-          </a:p>
-          <a:p>
-            <a:r>
-              <a:rPr lang="en-US" altLang="ko-KR" sz="1000" dirty="0" smtClean="0"/>
-              <a:t>   for(</a:t>
-            </a:r>
-            <a:r>
-              <a:rPr lang="en-US" altLang="ko-KR" sz="1000" dirty="0" err="1" smtClean="0"/>
-              <a:t>int</a:t>
-            </a:r>
-            <a:r>
-              <a:rPr lang="en-US" altLang="ko-KR" sz="1000" dirty="0" smtClean="0"/>
-              <a:t> y=0; y&lt;4; y++)</a:t>
-            </a:r>
-          </a:p>
-          <a:p>
-            <a:r>
-              <a:rPr lang="en-US" altLang="ko-KR" sz="1000" dirty="0" smtClean="0"/>
-              <a:t>   {</a:t>
-            </a:r>
-          </a:p>
-          <a:p>
-            <a:r>
-              <a:rPr lang="en-US" altLang="ko-KR" sz="1000" dirty="0"/>
-              <a:t> </a:t>
-            </a:r>
-            <a:r>
-              <a:rPr lang="en-US" altLang="ko-KR" sz="1000" dirty="0" smtClean="0"/>
-              <a:t>      for(</a:t>
-            </a:r>
-            <a:r>
-              <a:rPr lang="en-US" altLang="ko-KR" sz="1000" dirty="0" err="1" smtClean="0"/>
-              <a:t>int</a:t>
-            </a:r>
-            <a:r>
-              <a:rPr lang="en-US" altLang="ko-KR" sz="1000" dirty="0" smtClean="0"/>
-              <a:t> x = 0; x&lt;4; x++)</a:t>
-            </a:r>
-          </a:p>
-          <a:p>
-            <a:r>
-              <a:rPr lang="en-US" altLang="ko-KR" sz="1000" dirty="0" smtClean="0"/>
-              <a:t>       {</a:t>
-            </a:r>
-          </a:p>
-          <a:p>
-            <a:r>
-              <a:rPr lang="en-US" altLang="ko-KR" sz="1000" dirty="0" smtClean="0"/>
-              <a:t>           if((*</a:t>
-            </a:r>
-            <a:r>
-              <a:rPr lang="en-US" altLang="ko-KR" sz="1000" dirty="0" err="1" smtClean="0"/>
-              <a:t>iMap</a:t>
-            </a:r>
-            <a:r>
-              <a:rPr lang="en-US" altLang="ko-KR" sz="1000" dirty="0" smtClean="0"/>
-              <a:t>)[</a:t>
-            </a:r>
-            <a:r>
-              <a:rPr lang="en-US" altLang="ko-KR" sz="1000" dirty="0" err="1" smtClean="0"/>
-              <a:t>saveY</a:t>
-            </a:r>
-            <a:r>
-              <a:rPr lang="en-US" altLang="ko-KR" sz="1000" dirty="0" smtClean="0"/>
-              <a:t>][</a:t>
-            </a:r>
-            <a:r>
-              <a:rPr lang="en-US" altLang="ko-KR" sz="1000" dirty="0" err="1" smtClean="0"/>
-              <a:t>saveX</a:t>
-            </a:r>
-            <a:r>
-              <a:rPr lang="en-US" altLang="ko-KR" sz="1000" dirty="0" smtClean="0"/>
-              <a:t>] == 1 &amp;&amp; Member[y][x] == 1)</a:t>
-            </a:r>
-          </a:p>
-          <a:p>
-            <a:r>
-              <a:rPr lang="en-US" altLang="ko-KR" sz="1000" dirty="0" smtClean="0"/>
-              <a:t>           {</a:t>
-            </a:r>
-          </a:p>
-          <a:p>
-            <a:r>
-              <a:rPr lang="en-US" altLang="ko-KR" sz="1000" dirty="0" smtClean="0"/>
-              <a:t>               </a:t>
-            </a:r>
-            <a:r>
-              <a:rPr lang="en-US" altLang="ko-KR" sz="1000" dirty="0" err="1" smtClean="0"/>
-              <a:t>pos</a:t>
-            </a:r>
-            <a:r>
-              <a:rPr lang="en-US" altLang="ko-KR" sz="1000" dirty="0" err="1" smtClean="0"/>
-              <a:t>TetrisY</a:t>
-            </a:r>
-            <a:r>
-              <a:rPr lang="en-US" altLang="ko-KR" sz="1000" dirty="0" smtClean="0"/>
-              <a:t>[</a:t>
-            </a:r>
-            <a:r>
-              <a:rPr lang="en-US" altLang="ko-KR" sz="1000" dirty="0" err="1" smtClean="0"/>
-              <a:t>num</a:t>
-            </a:r>
-            <a:r>
-              <a:rPr lang="en-US" altLang="ko-KR" sz="1000" dirty="0" smtClean="0"/>
-              <a:t>] = </a:t>
-            </a:r>
-            <a:r>
-              <a:rPr lang="en-US" altLang="ko-KR" sz="1000" dirty="0" err="1" smtClean="0"/>
-              <a:t>saveY</a:t>
-            </a:r>
-            <a:r>
-              <a:rPr lang="en-US" altLang="ko-KR" sz="1000" dirty="0" smtClean="0"/>
-              <a:t>;</a:t>
-            </a:r>
-          </a:p>
-          <a:p>
-            <a:r>
-              <a:rPr lang="en-US" altLang="ko-KR" sz="1000" dirty="0"/>
-              <a:t> </a:t>
-            </a:r>
-            <a:r>
-              <a:rPr lang="en-US" altLang="ko-KR" sz="1000" dirty="0" smtClean="0"/>
-              <a:t>              </a:t>
-            </a:r>
-            <a:r>
-              <a:rPr lang="en-US" altLang="ko-KR" sz="1000" dirty="0" err="1" smtClean="0"/>
-              <a:t>posTetrisX</a:t>
-            </a:r>
-            <a:r>
-              <a:rPr lang="en-US" altLang="ko-KR" sz="1000" dirty="0" smtClean="0"/>
-              <a:t>[</a:t>
-            </a:r>
-            <a:r>
-              <a:rPr lang="en-US" altLang="ko-KR" sz="1000" dirty="0" err="1" smtClean="0"/>
-              <a:t>num</a:t>
-            </a:r>
-            <a:r>
-              <a:rPr lang="en-US" altLang="ko-KR" sz="1000" dirty="0" smtClean="0"/>
-              <a:t>] = </a:t>
-            </a:r>
-            <a:r>
-              <a:rPr lang="en-US" altLang="ko-KR" sz="1000" dirty="0" err="1" smtClean="0"/>
-              <a:t>saveX</a:t>
-            </a:r>
-            <a:r>
-              <a:rPr lang="en-US" altLang="ko-KR" sz="1000" dirty="0" smtClean="0"/>
-              <a:t>;</a:t>
-            </a:r>
-          </a:p>
-          <a:p>
-            <a:r>
-              <a:rPr lang="en-US" altLang="ko-KR" sz="1000" dirty="0" smtClean="0"/>
-              <a:t>               </a:t>
-            </a:r>
-            <a:r>
-              <a:rPr lang="en-US" altLang="ko-KR" sz="1000" dirty="0" err="1" smtClean="0"/>
-              <a:t>num</a:t>
-            </a:r>
-            <a:r>
-              <a:rPr lang="en-US" altLang="ko-KR" sz="1000" dirty="0" smtClean="0"/>
-              <a:t>++;</a:t>
-            </a:r>
-          </a:p>
-          <a:p>
-            <a:r>
-              <a:rPr lang="en-US" altLang="ko-KR" sz="1000" dirty="0" smtClean="0"/>
-              <a:t>           }</a:t>
-            </a:r>
-          </a:p>
-          <a:p>
-            <a:r>
-              <a:rPr lang="en-US" altLang="ko-KR" sz="1000" dirty="0" smtClean="0"/>
-              <a:t>           </a:t>
-            </a:r>
-            <a:r>
-              <a:rPr lang="en-US" altLang="ko-KR" sz="1000" dirty="0" err="1" smtClean="0"/>
-              <a:t>saveX</a:t>
-            </a:r>
-            <a:r>
-              <a:rPr lang="en-US" altLang="ko-KR" sz="1000" dirty="0" smtClean="0"/>
-              <a:t>++;</a:t>
-            </a:r>
-          </a:p>
-          <a:p>
-            <a:r>
-              <a:rPr lang="en-US" altLang="ko-KR" sz="1000" dirty="0" smtClean="0"/>
-              <a:t>       }</a:t>
-            </a:r>
-          </a:p>
-          <a:p>
-            <a:r>
-              <a:rPr lang="en-US" altLang="ko-KR" sz="1000" dirty="0" smtClean="0"/>
-              <a:t>       </a:t>
-            </a:r>
-            <a:r>
-              <a:rPr lang="en-US" altLang="ko-KR" sz="1000" dirty="0" err="1" smtClean="0"/>
-              <a:t>saveX</a:t>
-            </a:r>
-            <a:r>
-              <a:rPr lang="en-US" altLang="ko-KR" sz="1000" dirty="0" smtClean="0"/>
-              <a:t> = </a:t>
-            </a:r>
-            <a:r>
-              <a:rPr lang="en-US" altLang="ko-KR" sz="1000" dirty="0" err="1" smtClean="0"/>
-              <a:t>tesX</a:t>
-            </a:r>
-            <a:r>
-              <a:rPr lang="en-US" altLang="ko-KR" sz="1000" dirty="0" smtClean="0"/>
-              <a:t>;</a:t>
-            </a:r>
-          </a:p>
-          <a:p>
-            <a:r>
-              <a:rPr lang="en-US" altLang="ko-KR" sz="1000" dirty="0" smtClean="0"/>
-              <a:t>       </a:t>
-            </a:r>
-            <a:r>
-              <a:rPr lang="en-US" altLang="ko-KR" sz="1000" dirty="0" err="1" smtClean="0"/>
-              <a:t>saveY</a:t>
-            </a:r>
-            <a:r>
-              <a:rPr lang="en-US" altLang="ko-KR" sz="1000" dirty="0" smtClean="0"/>
-              <a:t>++;</a:t>
-            </a:r>
-          </a:p>
-          <a:p>
-            <a:r>
-              <a:rPr lang="en-US" altLang="ko-KR" sz="1000" dirty="0" smtClean="0"/>
-              <a:t>   </a:t>
-            </a:r>
-            <a:r>
-              <a:rPr lang="en-US" altLang="ko-KR" sz="1000" dirty="0" smtClean="0"/>
-              <a:t>}</a:t>
-            </a:r>
-          </a:p>
-          <a:p>
-            <a:endParaRPr lang="en-US" altLang="ko-KR" sz="1000" dirty="0"/>
-          </a:p>
-          <a:p>
-            <a:r>
-              <a:rPr lang="en-US" altLang="ko-KR" sz="1000" dirty="0" smtClean="0"/>
-              <a:t>   for(</a:t>
-            </a:r>
-            <a:r>
-              <a:rPr lang="en-US" altLang="ko-KR" sz="1000" dirty="0" err="1" smtClean="0"/>
-              <a:t>int</a:t>
-            </a:r>
-            <a:r>
-              <a:rPr lang="en-US" altLang="ko-KR" sz="1000" dirty="0" smtClean="0"/>
-              <a:t> </a:t>
-            </a:r>
-            <a:r>
-              <a:rPr lang="en-US" altLang="ko-KR" sz="1000" dirty="0" err="1" smtClean="0"/>
               <a:t>i</a:t>
             </a:r>
             <a:r>
@@ -5166,11 +5133,7 @@
             </a:r>
             <a:r>
               <a:rPr lang="en-US" altLang="ko-KR" sz="1000" dirty="0" err="1" smtClean="0"/>
-              <a:t>posTetris</a:t>
-            </a:r>
-            <a:r>
-              <a:rPr lang="en-US" altLang="ko-KR" sz="1000" dirty="0" err="1" smtClean="0"/>
-              <a:t>Y</a:t>
+              <a:t>posTetrisY</a:t>
             </a:r>
             <a:r>
               <a:rPr lang="en-US" altLang="ko-KR" sz="1000" dirty="0" smtClean="0"/>
@@ -5252,11 +5215,7 @@
           <a:p>
             <a:r>
               <a:rPr lang="en-US" altLang="ko-KR" sz="1000" dirty="0"/>
-              <a:t> </a:t>
-            </a:r>
-            <a:r>
-              <a:rPr lang="en-US" altLang="ko-KR" sz="1000" dirty="0"/>
-              <a:t>        </a:t>
+              <a:t>         </a:t>
             </a:r>
             <a:r>
               <a:rPr lang="en-US" altLang="ko-KR" sz="1000" dirty="0" err="1"/>
@@ -6023,7 +5982,6 @@
               <a:rPr lang="en-US" altLang="ko-KR" sz="1000" dirty="0" smtClean="0"/>
               <a:t>}</a:t>
             </a:r>
-            <a:endParaRPr lang="en-US" altLang="ko-KR" sz="1000" dirty="0" smtClean="0"/>
           </a:p>
           <a:p>
             <a:endParaRPr lang="en-US" altLang="ko-KR" sz="1000" dirty="0"/>
@@ -6088,6 +6046,152 @@
               <a:rPr lang="en-US" altLang="ko-KR" sz="1000" dirty="0" smtClean="0"/>
               <a:t> = true;</a:t>
             </a:r>
+          </a:p>
+          <a:p>
+            <a:r>
+              <a:rPr lang="en-US" altLang="ko-KR" sz="1000" dirty="0"/>
+              <a:t> </a:t>
+            </a:r>
+            <a:r>
+              <a:rPr lang="en-US" altLang="ko-KR" sz="1000" dirty="0" smtClean="0"/>
+              <a:t>  for(</a:t>
+            </a:r>
+            <a:r>
+              <a:rPr lang="en-US" altLang="ko-KR" sz="1000" dirty="0" err="1" smtClean="0"/>
+              <a:t>int</a:t>
+            </a:r>
+            <a:r>
+              <a:rPr lang="en-US" altLang="ko-KR" sz="1000" dirty="0" smtClean="0"/>
+              <a:t> </a:t>
+            </a:r>
+            <a:r>
+              <a:rPr lang="en-US" altLang="ko-KR" sz="1000" dirty="0" err="1" smtClean="0"/>
+              <a:t>i</a:t>
+            </a:r>
+            <a:r>
+              <a:rPr lang="en-US" altLang="ko-KR" sz="1000" dirty="0" smtClean="0"/>
+              <a:t>=0 </a:t>
+            </a:r>
+            <a:r>
+              <a:rPr lang="en-US" altLang="ko-KR" sz="1000" dirty="0" err="1" smtClean="0"/>
+              <a:t>i</a:t>
+            </a:r>
+            <a:r>
+              <a:rPr lang="en-US" altLang="ko-KR" sz="1000" dirty="0" smtClean="0"/>
+              <a:t>&lt;4; </a:t>
+            </a:r>
+            <a:r>
+              <a:rPr lang="en-US" altLang="ko-KR" sz="1000" dirty="0" err="1" smtClean="0"/>
+              <a:t>i</a:t>
+            </a:r>
+            <a:r>
+              <a:rPr lang="en-US" altLang="ko-KR" sz="1000" dirty="0" smtClean="0"/>
+              <a:t>++)</a:t>
+            </a:r>
+          </a:p>
+          <a:p>
+            <a:r>
+              <a:rPr lang="en-US" altLang="ko-KR" sz="1000" dirty="0" smtClean="0"/>
+              <a:t>   {</a:t>
+            </a:r>
+          </a:p>
+          <a:p>
+            <a:r>
+              <a:rPr lang="en-US" altLang="ko-KR" sz="1000" dirty="0"/>
+              <a:t> </a:t>
+            </a:r>
+            <a:r>
+              <a:rPr lang="en-US" altLang="ko-KR" sz="1000" dirty="0" smtClean="0"/>
+              <a:t>     if(</a:t>
+            </a:r>
+            <a:r>
+              <a:rPr lang="en-US" altLang="ko-KR" sz="1000" dirty="0" err="1" smtClean="0"/>
+              <a:t>posTetrisX</a:t>
+            </a:r>
+            <a:r>
+              <a:rPr lang="en-US" altLang="ko-KR" sz="1000" dirty="0" smtClean="0"/>
+              <a:t>[</a:t>
+            </a:r>
+            <a:r>
+              <a:rPr lang="en-US" altLang="ko-KR" sz="1000" dirty="0" err="1" smtClean="0"/>
+              <a:t>i</a:t>
+            </a:r>
+            <a:r>
+              <a:rPr lang="en-US" altLang="ko-KR" sz="1000" dirty="0" smtClean="0"/>
+              <a:t>] != 0 &amp;&amp; </a:t>
+            </a:r>
+            <a:r>
+              <a:rPr lang="en-US" altLang="ko-KR" sz="1000" dirty="0" err="1" smtClean="0"/>
+              <a:t>posTetrisX</a:t>
+            </a:r>
+            <a:r>
+              <a:rPr lang="en-US" altLang="ko-KR" sz="1000" dirty="0" smtClean="0"/>
+              <a:t>[</a:t>
+            </a:r>
+            <a:r>
+              <a:rPr lang="en-US" altLang="ko-KR" sz="1000" dirty="0" err="1" smtClean="0"/>
+              <a:t>i</a:t>
+            </a:r>
+            <a:r>
+              <a:rPr lang="en-US" altLang="ko-KR" sz="1000" dirty="0" smtClean="0"/>
+              <a:t>]-1 &lt;= 0)</a:t>
+            </a:r>
+          </a:p>
+          <a:p>
+            <a:r>
+              <a:rPr lang="en-US" altLang="ko-KR" sz="1000" dirty="0"/>
+              <a:t> </a:t>
+            </a:r>
+            <a:r>
+              <a:rPr lang="en-US" altLang="ko-KR" sz="1000" dirty="0" smtClean="0"/>
+              <a:t>     {</a:t>
+            </a:r>
+          </a:p>
+          <a:p>
+            <a:r>
+              <a:rPr lang="en-US" altLang="ko-KR" sz="1000" dirty="0"/>
+              <a:t> </a:t>
+            </a:r>
+            <a:r>
+              <a:rPr lang="en-US" altLang="ko-KR" sz="1000" dirty="0" smtClean="0"/>
+              <a:t>         </a:t>
+            </a:r>
+            <a:r>
+              <a:rPr lang="en-US" altLang="ko-KR" sz="1000" dirty="0" err="1" smtClean="0"/>
+              <a:t>goleft</a:t>
+            </a:r>
+            <a:r>
+              <a:rPr lang="en-US" altLang="ko-KR" sz="1000" dirty="0" smtClean="0"/>
+              <a:t> = false;</a:t>
+            </a:r>
+          </a:p>
+          <a:p>
+            <a:r>
+              <a:rPr lang="en-US" altLang="ko-KR" sz="1000" dirty="0"/>
+              <a:t> </a:t>
+            </a:r>
+            <a:r>
+              <a:rPr lang="en-US" altLang="ko-KR" sz="1000" dirty="0" smtClean="0"/>
+              <a:t>         break;</a:t>
+            </a:r>
+          </a:p>
+          <a:p>
+            <a:r>
+              <a:rPr lang="en-US" altLang="ko-KR" sz="1000" dirty="0"/>
+              <a:t> </a:t>
+            </a:r>
+            <a:r>
+              <a:rPr lang="en-US" altLang="ko-KR" sz="1000" dirty="0" smtClean="0"/>
+              <a:t>     }</a:t>
+            </a:r>
+          </a:p>
+          <a:p>
+            <a:r>
+              <a:rPr lang="en-US" altLang="ko-KR" sz="1000" dirty="0" smtClean="0"/>
+              <a:t>}</a:t>
+            </a:r>
+          </a:p>
+          <a:p>
             <a:endParaRPr lang="en-US" altLang="ko-KR" sz="1000" dirty="0" smtClean="0"/>
           </a:p>
           <a:p>
@@ -6097,39 +6201,15 @@
             </a:r>
             <a:r>
               <a:rPr lang="en-US" altLang="ko-KR" sz="1000" dirty="0" smtClean="0"/>
-              <a:t>  for(</a:t>
-            </a:r>
-            <a:r>
-              <a:rPr lang="en-US" altLang="ko-KR" sz="1000" dirty="0" err="1" smtClean="0"/>
-              <a:t>int</a:t>
-            </a:r>
-            <a:r>
-              <a:rPr lang="en-US" altLang="ko-KR" sz="1000" dirty="0" smtClean="0"/>
-              <a:t> </a:t>
-            </a:r>
-            <a:r>
-              <a:rPr lang="en-US" altLang="ko-KR" sz="1000" dirty="0" err="1" smtClean="0"/>
-              <a:t>i</a:t>
-            </a:r>
-            <a:r>
-              <a:rPr lang="en-US" altLang="ko-KR" sz="1000" dirty="0" smtClean="0"/>
-              <a:t>=0 </a:t>
-            </a:r>
-            <a:r>
-              <a:rPr lang="en-US" altLang="ko-KR" sz="1000" dirty="0" err="1" smtClean="0"/>
-              <a:t>i</a:t>
-            </a:r>
-            <a:r>
-              <a:rPr lang="en-US" altLang="ko-KR" sz="1000" dirty="0" smtClean="0"/>
-              <a:t>&lt;4; </a:t>
-            </a:r>
-            <a:r>
-              <a:rPr lang="en-US" altLang="ko-KR" sz="1000" dirty="0" err="1" smtClean="0"/>
-              <a:t>i</a:t>
-            </a:r>
-            <a:r>
-              <a:rPr lang="en-US" altLang="ko-KR" sz="1000" dirty="0" smtClean="0"/>
-              <a:t>++)</a:t>
+              <a:t>  if(</a:t>
+            </a:r>
+            <a:r>
+              <a:rPr lang="en-US" altLang="ko-KR" sz="1000" dirty="0" err="1" smtClean="0"/>
+              <a:t>goleft</a:t>
+            </a:r>
+            <a:r>
+              <a:rPr lang="en-US" altLang="ko-KR" sz="1000" dirty="0" smtClean="0"/>
+              <a:t>)</a:t>
             </a:r>
           </a:p>
           <a:p>
@@ -6140,191 +6220,66 @@
           </a:p>
           <a:p>
             <a:r>
-              <a:rPr lang="en-US" altLang="ko-KR" sz="1000" dirty="0"/>
-              <a:t> </a:t>
-            </a:r>
-            <a:r>
-              <a:rPr lang="en-US" altLang="ko-KR" sz="1000" dirty="0" smtClean="0"/>
-              <a:t>     if(</a:t>
-            </a:r>
-            <a:r>
-              <a:rPr lang="en-US" altLang="ko-KR" sz="1000" dirty="0" err="1" smtClean="0"/>
-              <a:t>posTetrisX</a:t>
-            </a:r>
-            <a:r>
-              <a:rPr lang="en-US" altLang="ko-KR" sz="1000" dirty="0" smtClean="0"/>
-              <a:t>[</a:t>
-            </a:r>
-            <a:r>
-              <a:rPr lang="en-US" altLang="ko-KR" sz="1000" dirty="0" err="1" smtClean="0"/>
-              <a:t>i</a:t>
-            </a:r>
-            <a:r>
-              <a:rPr lang="en-US" altLang="ko-KR" sz="1000" dirty="0" smtClean="0"/>
-              <a:t>] != 0 &amp;&amp; </a:t>
-            </a:r>
-            <a:r>
-              <a:rPr lang="en-US" altLang="ko-KR" sz="1000" dirty="0" err="1" smtClean="0"/>
-              <a:t>posTetrisX</a:t>
-            </a:r>
-            <a:r>
-              <a:rPr lang="en-US" altLang="ko-KR" sz="1000" dirty="0" smtClean="0"/>
-              <a:t>[</a:t>
-            </a:r>
-            <a:r>
-              <a:rPr lang="en-US" altLang="ko-KR" sz="1000" dirty="0" err="1" smtClean="0"/>
-              <a:t>i</a:t>
-            </a:r>
-            <a:r>
-              <a:rPr lang="en-US" altLang="ko-KR" sz="1000" dirty="0" smtClean="0"/>
-              <a:t>]-1 &lt;= 0)</a:t>
-            </a:r>
-          </a:p>
-          <a:p>
-            <a:r>
-              <a:rPr lang="en-US" altLang="ko-KR" sz="1000" dirty="0"/>
-              <a:t> </a:t>
-            </a:r>
-            <a:r>
-              <a:rPr lang="en-US" altLang="ko-KR" sz="1000" dirty="0" smtClean="0"/>
-              <a:t>     {</a:t>
-            </a:r>
-          </a:p>
-          <a:p>
-            <a:r>
-              <a:rPr lang="en-US" altLang="ko-KR" sz="1000" dirty="0"/>
-              <a:t> </a:t>
-            </a:r>
-            <a:r>
-              <a:rPr lang="en-US" altLang="ko-KR" sz="1000" dirty="0" smtClean="0"/>
-              <a:t>         </a:t>
-            </a:r>
-            <a:r>
-              <a:rPr lang="en-US" altLang="ko-KR" sz="1000" dirty="0" err="1" smtClean="0"/>
-              <a:t>goleft</a:t>
-            </a:r>
-            <a:r>
-              <a:rPr lang="en-US" altLang="ko-KR" sz="1000" dirty="0" smtClean="0"/>
-              <a:t> = false;</a:t>
-            </a:r>
-          </a:p>
-          <a:p>
-            <a:r>
-              <a:rPr lang="en-US" altLang="ko-KR" sz="1000" dirty="0"/>
-              <a:t> </a:t>
-            </a:r>
-            <a:r>
-              <a:rPr lang="en-US" altLang="ko-KR" sz="1000" dirty="0" smtClean="0"/>
-              <a:t>         break;</a:t>
-            </a:r>
-            <a:endParaRPr lang="en-US" altLang="ko-KR" sz="1000" dirty="0" smtClean="0"/>
-          </a:p>
-          <a:p>
-            <a:r>
-              <a:rPr lang="en-US" altLang="ko-KR" sz="1000" dirty="0"/>
-              <a:t> </a:t>
-            </a:r>
-            <a:r>
-              <a:rPr lang="en-US" altLang="ko-KR" sz="1000" dirty="0" smtClean="0"/>
-              <a:t>     }</a:t>
-            </a:r>
+              <a:rPr lang="en-US" altLang="ko-KR" sz="1000" dirty="0" smtClean="0"/>
+              <a:t>      </a:t>
+            </a:r>
+            <a:r>
+              <a:rPr lang="en-US" altLang="ko-KR" sz="1000" dirty="0" err="1" smtClean="0"/>
+              <a:t>MoveDeleteTetris</a:t>
+            </a:r>
+            <a:r>
+              <a:rPr lang="en-US" altLang="ko-KR" sz="1000" dirty="0" smtClean="0"/>
+              <a:t>();</a:t>
+            </a:r>
+          </a:p>
+          <a:p>
+            <a:r>
+              <a:rPr lang="en-US" altLang="ko-KR" sz="1000" dirty="0"/>
+              <a:t> </a:t>
+            </a:r>
+            <a:r>
+              <a:rPr lang="en-US" altLang="ko-KR" sz="1000" dirty="0" smtClean="0"/>
+              <a:t>     </a:t>
+            </a:r>
+            <a:r>
+              <a:rPr lang="en-US" altLang="ko-KR" sz="1000" dirty="0" err="1" smtClean="0"/>
+              <a:t>TesX</a:t>
+            </a:r>
+            <a:r>
+              <a:rPr lang="en-US" altLang="ko-KR" sz="1000" dirty="0" smtClean="0"/>
+              <a:t>--;</a:t>
+            </a:r>
+          </a:p>
+          <a:p>
+            <a:r>
+              <a:rPr lang="en-US" altLang="ko-KR" sz="1000" dirty="0"/>
+              <a:t> </a:t>
+            </a:r>
+            <a:r>
+              <a:rPr lang="en-US" altLang="ko-KR" sz="1000" dirty="0" smtClean="0"/>
+              <a:t>     </a:t>
+            </a:r>
+            <a:r>
+              <a:rPr lang="en-US" altLang="ko-KR" sz="1000" dirty="0" err="1" smtClean="0"/>
+              <a:t>DrawTetris</a:t>
+            </a:r>
+            <a:r>
+              <a:rPr lang="en-US" altLang="ko-KR" sz="1000" dirty="0" smtClean="0"/>
+              <a:t>();</a:t>
+            </a:r>
+          </a:p>
+          <a:p>
+            <a:r>
+              <a:rPr lang="en-US" altLang="ko-KR" sz="1000" dirty="0" smtClean="0"/>
+              <a:t>   }</a:t>
+            </a:r>
+            <a:endParaRPr lang="en-US" altLang="ko-KR" sz="1000" dirty="0"/>
           </a:p>
           <a:p>
             <a:r>
               <a:rPr lang="en-US" altLang="ko-KR" sz="1000" dirty="0" smtClean="0"/>
               <a:t>}</a:t>
             </a:r>
-          </a:p>
-          <a:p>
-            <a:endParaRPr lang="en-US" altLang="ko-KR" sz="1000" dirty="0" smtClean="0"/>
-          </a:p>
-          <a:p>
-            <a:r>
-              <a:rPr lang="en-US" altLang="ko-KR" sz="1000" dirty="0"/>
-              <a:t> </a:t>
-            </a:r>
-            <a:r>
-              <a:rPr lang="en-US" altLang="ko-KR" sz="1000" dirty="0" smtClean="0"/>
-              <a:t>  if(</a:t>
-            </a:r>
-            <a:r>
-              <a:rPr lang="en-US" altLang="ko-KR" sz="1000" dirty="0" err="1" smtClean="0"/>
-              <a:t>goleft</a:t>
-            </a:r>
-            <a:r>
-              <a:rPr lang="en-US" altLang="ko-KR" sz="1000" dirty="0" smtClean="0"/>
-              <a:t>)</a:t>
-            </a:r>
-          </a:p>
-          <a:p>
-            <a:r>
-              <a:rPr lang="en-US" altLang="ko-KR" sz="1000" dirty="0" smtClean="0"/>
-              <a:t>   {</a:t>
-            </a:r>
-          </a:p>
-          <a:p>
-            <a:r>
-              <a:rPr lang="en-US" altLang="ko-KR" sz="1000" dirty="0" smtClean="0"/>
-              <a:t>      </a:t>
-            </a:r>
-            <a:r>
-              <a:rPr lang="en-US" altLang="ko-KR" sz="1000" dirty="0" err="1" smtClean="0"/>
-              <a:t>MoveDeleteTetris</a:t>
-            </a:r>
-            <a:r>
-              <a:rPr lang="en-US" altLang="ko-KR" sz="1000" dirty="0" smtClean="0"/>
-              <a:t>();</a:t>
-            </a:r>
-          </a:p>
-          <a:p>
-            <a:r>
-              <a:rPr lang="en-US" altLang="ko-KR" sz="1000" dirty="0"/>
-              <a:t> </a:t>
-            </a:r>
-            <a:r>
-              <a:rPr lang="en-US" altLang="ko-KR" sz="1000" dirty="0" smtClean="0"/>
-              <a:t>     </a:t>
-            </a:r>
-            <a:r>
-              <a:rPr lang="en-US" altLang="ko-KR" sz="1000" dirty="0" err="1" smtClean="0"/>
-              <a:t>TesX</a:t>
-            </a:r>
-            <a:r>
-              <a:rPr lang="en-US" altLang="ko-KR" sz="1000" dirty="0" smtClean="0"/>
-              <a:t>--;</a:t>
-            </a:r>
-          </a:p>
-          <a:p>
-            <a:r>
-              <a:rPr lang="en-US" altLang="ko-KR" sz="1000" dirty="0"/>
-              <a:t> </a:t>
-            </a:r>
-            <a:r>
-              <a:rPr lang="en-US" altLang="ko-KR" sz="1000" dirty="0" smtClean="0"/>
-              <a:t>     </a:t>
-            </a:r>
-            <a:r>
-              <a:rPr lang="en-US" altLang="ko-KR" sz="1000" dirty="0" err="1" smtClean="0"/>
-              <a:t>DrawTetris</a:t>
-            </a:r>
-            <a:r>
-              <a:rPr lang="en-US" altLang="ko-KR" sz="1000" dirty="0" smtClean="0"/>
-              <a:t>();</a:t>
-            </a:r>
-          </a:p>
-          <a:p>
-            <a:r>
-              <a:rPr lang="en-US" altLang="ko-KR" sz="1000" dirty="0" smtClean="0"/>
-              <a:t>   }</a:t>
-            </a:r>
-            <a:endParaRPr lang="en-US" altLang="ko-KR" sz="1000" dirty="0"/>
-          </a:p>
-          <a:p>
-            <a:r>
-              <a:rPr lang="en-US" altLang="ko-KR" sz="1000" dirty="0" smtClean="0"/>
-              <a:t>}</a:t>
-            </a:r>
-            <a:endParaRPr lang="en-US" altLang="ko-KR" sz="1000" dirty="0" smtClean="0"/>
           </a:p>
           <a:p>
             <a:endParaRPr lang="en-US" altLang="ko-KR" sz="1000" dirty="0" smtClean="0"/>
@@ -6643,13 +6598,10 @@
               <a:t>Class </a:t>
             </a:r>
             <a:r>
-              <a:rPr lang="en-US" altLang="ko-KR" sz="1000" dirty="0" err="1" smtClean="0"/>
+              <a:rPr lang="en-US" altLang="ko-KR" sz="1000" smtClean="0"/>
               <a:t>TetrisChief</a:t>
             </a:r>
-            <a:r>
-              <a:rPr lang="en-US" altLang="ko-KR" sz="1000" dirty="0" smtClean="0"/>
-              <a:t> : Tetris</a:t>
-            </a:r>
+            <a:endParaRPr lang="en-US" altLang="ko-KR" sz="1000" dirty="0" smtClean="0"/>
           </a:p>
           <a:p>
             <a:r>
@@ -6690,11 +6642,7 @@
             </a:r>
             <a:r>
               <a:rPr lang="en-US" altLang="ko-KR" sz="1000" dirty="0" smtClean="0"/>
-              <a:t>)[40][20</a:t>
-            </a:r>
-            <a:r>
-              <a:rPr lang="en-US" altLang="ko-KR" sz="1000" dirty="0" smtClean="0"/>
-              <a:t>];</a:t>
+              <a:t>)[40][20];</a:t>
             </a:r>
           </a:p>
           <a:p>
@@ -6722,12 +6670,11 @@
               <a:rPr lang="en-US" altLang="ko-KR" sz="1000" dirty="0" smtClean="0"/>
               <a:t>;</a:t>
             </a:r>
+          </a:p>
+          <a:p>
             <a:endParaRPr lang="en-US" altLang="ko-KR" sz="1000" dirty="0" smtClean="0"/>
           </a:p>
           <a:p>
-            <a:endParaRPr lang="en-US" altLang="ko-KR" sz="1000" dirty="0" smtClean="0"/>
-          </a:p>
-          <a:p>
             <a:r>
               <a:rPr lang="en-US" altLang="ko-KR" sz="1000" dirty="0"/>
               <a:t> </a:t>
@@ -6778,11 +6725,7 @@
             </a:r>
             <a:r>
               <a:rPr lang="en-US" altLang="ko-KR" sz="1000" dirty="0" smtClean="0"/>
-              <a:t> (*map)[40][20</a:t>
-            </a:r>
-            <a:r>
-              <a:rPr lang="en-US" altLang="ko-KR" sz="1000" dirty="0" smtClean="0"/>
-              <a:t>]);</a:t>
+              <a:t> (*map)[40][20]);</a:t>
             </a:r>
           </a:p>
           <a:p>
@@ -7274,7 +7217,6 @@
               <a:rPr lang="en-US" altLang="ko-KR" sz="1000" dirty="0" smtClean="0"/>
               <a:t>}</a:t>
             </a:r>
-            <a:endParaRPr lang="en-US" altLang="ko-KR" sz="1000" dirty="0" smtClean="0"/>
           </a:p>
           <a:p>
             <a:endParaRPr lang="en-US" altLang="ko-KR" sz="1000" dirty="0" smtClean="0"/>

--- a/Tetris.pptx
+++ b/Tetris.pptx
@@ -6580,7 +6580,7 @@
         <p:spPr>
           <a:xfrm>
             <a:off x="0" y="55398"/>
-            <a:ext cx="6293708" cy="2554545"/>
+            <a:ext cx="2553730" cy="4555093"/>
           </a:xfrm>
           <a:prstGeom prst="rect">
             <a:avLst/>
@@ -6598,7 +6598,7 @@
               <a:t>Class </a:t>
             </a:r>
             <a:r>
-              <a:rPr lang="en-US" altLang="ko-KR" sz="1000" smtClean="0"/>
+              <a:rPr lang="en-US" altLang="ko-KR" sz="1000" dirty="0" err="1" smtClean="0"/>
               <a:t>TetrisChief</a:t>
             </a:r>
             <a:endParaRPr lang="en-US" altLang="ko-KR" sz="1000" dirty="0" smtClean="0"/>
@@ -6760,7 +6760,7 @@
             </a:r>
             <a:r>
               <a:rPr lang="en-US" altLang="ko-KR" sz="1000" dirty="0" err="1" smtClean="0"/>
-              <a:t>MoveLine</a:t>
+              <a:t>MoveLineDown</a:t>
             </a:r>
             <a:r>
               <a:rPr lang="en-US" altLang="ko-KR" sz="1000" dirty="0" smtClean="0"/>
@@ -6769,6 +6769,20 @@
           </a:p>
           <a:p>
             <a:r>
+              <a:rPr lang="en-US" altLang="ko-KR" sz="1000" dirty="0" smtClean="0"/>
+              <a:t>      void </a:t>
+            </a:r>
+            <a:r>
+              <a:rPr lang="en-US" altLang="ko-KR" sz="1000" dirty="0" err="1" smtClean="0"/>
+              <a:t>MoveLineUp</a:t>
+            </a:r>
+            <a:r>
+              <a:rPr lang="en-US" altLang="ko-KR" sz="1000" dirty="0" smtClean="0"/>
+              <a:t>();</a:t>
+            </a:r>
+          </a:p>
+          <a:p>
+            <a:r>
               <a:rPr lang="en-US" altLang="ko-KR" sz="1000" dirty="0"/>
               <a:t> </a:t>
             </a:r>
@@ -6811,6 +6825,105 @@
               <a:rPr lang="en-US" altLang="ko-KR" sz="1000" dirty="0" smtClean="0"/>
               <a:t>}</a:t>
             </a:r>
+          </a:p>
+          <a:p>
+            <a:endParaRPr lang="en-US" altLang="ko-KR" sz="1000" dirty="0"/>
+          </a:p>
+          <a:p>
+            <a:endParaRPr lang="en-US" altLang="ko-KR" sz="1000" dirty="0" smtClean="0"/>
+          </a:p>
+          <a:p>
+            <a:r>
+              <a:rPr lang="en-US" altLang="ko-KR" sz="1000" dirty="0" err="1"/>
+              <a:t>TetrisChief</a:t>
+            </a:r>
+            <a:r>
+              <a:rPr lang="en-US" altLang="ko-KR" sz="1000" dirty="0"/>
+              <a:t>::</a:t>
+            </a:r>
+            <a:r>
+              <a:rPr lang="en-US" altLang="ko-KR" sz="1000" dirty="0" err="1"/>
+              <a:t>TetrisChief</a:t>
+            </a:r>
+            <a:r>
+              <a:rPr lang="en-US" altLang="ko-KR" sz="1000" dirty="0"/>
+              <a:t>()</a:t>
+            </a:r>
+          </a:p>
+          <a:p>
+            <a:r>
+              <a:rPr lang="en-US" altLang="ko-KR" sz="1000" dirty="0"/>
+              <a:t>{</a:t>
+            </a:r>
+          </a:p>
+          <a:p>
+            <a:r>
+              <a:rPr lang="en-US" altLang="ko-KR" sz="1000" dirty="0"/>
+              <a:t>   </a:t>
+            </a:r>
+          </a:p>
+          <a:p>
+            <a:r>
+              <a:rPr lang="en-US" altLang="ko-KR" sz="1000" dirty="0"/>
+              <a:t>}</a:t>
+            </a:r>
+          </a:p>
+          <a:p>
+            <a:endParaRPr lang="en-US" altLang="ko-KR" sz="1000" dirty="0"/>
+          </a:p>
+          <a:p>
+            <a:r>
+              <a:rPr lang="en-US" altLang="ko-KR" sz="1000" dirty="0" err="1"/>
+              <a:t>TetrisChief</a:t>
+            </a:r>
+            <a:r>
+              <a:rPr lang="en-US" altLang="ko-KR" sz="1000" dirty="0"/>
+              <a:t>:: </a:t>
+            </a:r>
+            <a:r>
+              <a:rPr lang="en-US" altLang="ko-KR" sz="1000" dirty="0" err="1"/>
+              <a:t>TetrisChief</a:t>
+            </a:r>
+            <a:r>
+              <a:rPr lang="en-US" altLang="ko-KR" sz="1000" dirty="0"/>
+              <a:t>(</a:t>
+            </a:r>
+            <a:r>
+              <a:rPr lang="en-US" altLang="ko-KR" sz="1000" dirty="0" err="1"/>
+              <a:t>int</a:t>
+            </a:r>
+            <a:r>
+              <a:rPr lang="en-US" altLang="ko-KR" sz="1000" dirty="0"/>
+              <a:t> (*map)[40][20])</a:t>
+            </a:r>
+          </a:p>
+          <a:p>
+            <a:r>
+              <a:rPr lang="en-US" altLang="ko-KR" sz="1000" dirty="0"/>
+              <a:t>{</a:t>
+            </a:r>
+          </a:p>
+          <a:p>
+            <a:r>
+              <a:rPr lang="en-US" altLang="ko-KR" sz="1000" dirty="0"/>
+              <a:t>   </a:t>
+            </a:r>
+            <a:r>
+              <a:rPr lang="en-US" altLang="ko-KR" sz="1000" dirty="0" err="1"/>
+              <a:t>iMap</a:t>
+            </a:r>
+            <a:r>
+              <a:rPr lang="en-US" altLang="ko-KR" sz="1000" dirty="0"/>
+              <a:t> = map;</a:t>
+            </a:r>
+          </a:p>
+          <a:p>
+            <a:r>
+              <a:rPr lang="en-US" altLang="ko-KR" sz="1000" dirty="0"/>
+              <a:t>}</a:t>
+            </a:r>
+          </a:p>
+          <a:p>
             <a:endParaRPr lang="ko-KR" altLang="en-US" sz="1000" dirty="0"/>
           </a:p>
         </p:txBody>
@@ -6823,8 +6936,8 @@
         </p:nvSpPr>
         <p:spPr>
           <a:xfrm>
-            <a:off x="2316480" y="55398"/>
-            <a:ext cx="3215640" cy="5632311"/>
+            <a:off x="2734963" y="178964"/>
+            <a:ext cx="3215640" cy="7017306"/>
           </a:xfrm>
           <a:prstGeom prst="rect">
             <a:avLst/>
@@ -6838,16 +6951,12 @@
           <a:lstStyle/>
           <a:p>
             <a:r>
-              <a:rPr lang="en-US" altLang="ko-KR" sz="1000" dirty="0" err="1" smtClean="0"/>
-              <a:t>TetrisChief</a:t>
-            </a:r>
-            <a:r>
-              <a:rPr lang="en-US" altLang="ko-KR" sz="1000" dirty="0" smtClean="0"/>
-              <a:t>::</a:t>
-            </a:r>
-            <a:r>
-              <a:rPr lang="en-US" altLang="ko-KR" sz="1000" dirty="0" err="1" smtClean="0"/>
-              <a:t>TetrisChief</a:t>
+              <a:rPr lang="en-US" altLang="ko-KR" sz="1000" dirty="0" smtClean="0"/>
+              <a:t>Void </a:t>
+            </a:r>
+            <a:r>
+              <a:rPr lang="en-US" altLang="ko-KR" sz="1000" dirty="0" err="1" smtClean="0"/>
+              <a:t>CheckLine</a:t>
             </a:r>
             <a:r>
               <a:rPr lang="en-US" altLang="ko-KR" sz="1000" dirty="0" smtClean="0"/>
@@ -6862,353 +6971,494 @@
           </a:p>
           <a:p>
             <a:r>
-              <a:rPr lang="en-US" altLang="ko-KR" sz="1000" dirty="0" smtClean="0"/>
+              <a:rPr lang="en-US" altLang="ko-KR" sz="1000" dirty="0"/>
+              <a:t> </a:t>
+            </a:r>
+            <a:r>
+              <a:rPr lang="en-US" altLang="ko-KR" sz="1000" dirty="0" smtClean="0"/>
+              <a:t>  bool </a:t>
+            </a:r>
+            <a:r>
+              <a:rPr lang="en-US" altLang="ko-KR" sz="1000" dirty="0" err="1" smtClean="0"/>
+              <a:t>isFull</a:t>
+            </a:r>
+            <a:r>
+              <a:rPr lang="en-US" altLang="ko-KR" sz="1000" dirty="0" smtClean="0"/>
+              <a:t> = true;</a:t>
+            </a:r>
+          </a:p>
+          <a:p>
+            <a:endParaRPr lang="en-US" altLang="ko-KR" sz="1000" dirty="0" smtClean="0"/>
+          </a:p>
+          <a:p>
+            <a:r>
+              <a:rPr lang="en-US" altLang="ko-KR" sz="1000" dirty="0"/>
+              <a:t> </a:t>
+            </a:r>
+            <a:r>
+              <a:rPr lang="en-US" altLang="ko-KR" sz="1000" dirty="0" smtClean="0"/>
+              <a:t>  if(</a:t>
+            </a:r>
+            <a:r>
+              <a:rPr lang="en-US" altLang="ko-KR" sz="1000" dirty="0" err="1" smtClean="0"/>
+              <a:t>GetisChecked</a:t>
+            </a:r>
+            <a:r>
+              <a:rPr lang="en-US" altLang="ko-KR" sz="1000" dirty="0" smtClean="0"/>
+              <a:t>())</a:t>
+            </a:r>
+          </a:p>
+          <a:p>
+            <a:r>
+              <a:rPr lang="en-US" altLang="ko-KR" sz="1000" dirty="0"/>
+              <a:t> </a:t>
+            </a:r>
+            <a:r>
+              <a:rPr lang="en-US" altLang="ko-KR" sz="1000" dirty="0" smtClean="0"/>
+              <a:t>  {</a:t>
+            </a:r>
+          </a:p>
+          <a:p>
+            <a:r>
+              <a:rPr lang="en-US" altLang="ko-KR" sz="1000" dirty="0" smtClean="0"/>
+              <a:t>      for(</a:t>
+            </a:r>
+            <a:r>
+              <a:rPr lang="en-US" altLang="ko-KR" sz="1000" dirty="0" err="1" smtClean="0"/>
+              <a:t>int</a:t>
+            </a:r>
+            <a:r>
+              <a:rPr lang="en-US" altLang="ko-KR" sz="1000" dirty="0" smtClean="0"/>
+              <a:t> y=38; y&gt;0 y--)</a:t>
+            </a:r>
+          </a:p>
+          <a:p>
+            <a:r>
+              <a:rPr lang="en-US" altLang="ko-KR" sz="1000" dirty="0"/>
+              <a:t> </a:t>
+            </a:r>
+            <a:r>
+              <a:rPr lang="en-US" altLang="ko-KR" sz="1000" dirty="0" smtClean="0"/>
+              <a:t>     {</a:t>
+            </a:r>
+          </a:p>
+          <a:p>
+            <a:r>
+              <a:rPr lang="en-US" altLang="ko-KR" sz="1000" dirty="0"/>
+              <a:t> </a:t>
+            </a:r>
+            <a:r>
+              <a:rPr lang="en-US" altLang="ko-KR" sz="1000" dirty="0" smtClean="0"/>
+              <a:t>        for(</a:t>
+            </a:r>
+            <a:r>
+              <a:rPr lang="en-US" altLang="ko-KR" sz="1000" dirty="0" err="1" smtClean="0"/>
+              <a:t>int</a:t>
+            </a:r>
+            <a:r>
+              <a:rPr lang="en-US" altLang="ko-KR" sz="1000" dirty="0" smtClean="0"/>
+              <a:t> x = 1; x&lt;18; x++)</a:t>
+            </a:r>
+          </a:p>
+          <a:p>
+            <a:r>
+              <a:rPr lang="en-US" altLang="ko-KR" sz="1000" dirty="0"/>
+              <a:t> </a:t>
+            </a:r>
+            <a:r>
+              <a:rPr lang="en-US" altLang="ko-KR" sz="1000" dirty="0" smtClean="0"/>
+              <a:t>        {</a:t>
+            </a:r>
+          </a:p>
+          <a:p>
+            <a:r>
+              <a:rPr lang="en-US" altLang="ko-KR" sz="1000" dirty="0"/>
+              <a:t> </a:t>
+            </a:r>
+            <a:r>
+              <a:rPr lang="en-US" altLang="ko-KR" sz="1000" dirty="0" smtClean="0"/>
+              <a:t>           if((*</a:t>
+            </a:r>
+            <a:r>
+              <a:rPr lang="en-US" altLang="ko-KR" sz="1000" dirty="0" err="1" smtClean="0"/>
+              <a:t>iMap</a:t>
+            </a:r>
+            <a:r>
+              <a:rPr lang="en-US" altLang="ko-KR" sz="1000" dirty="0" smtClean="0"/>
+              <a:t>)[y][x] == </a:t>
+            </a:r>
+            <a:r>
+              <a:rPr lang="en-US" altLang="ko-KR" sz="1000" dirty="0"/>
+              <a:t>0</a:t>
+            </a:r>
+            <a:r>
+              <a:rPr lang="en-US" altLang="ko-KR" sz="1000" dirty="0" smtClean="0"/>
+              <a:t>)</a:t>
+            </a:r>
+          </a:p>
+          <a:p>
+            <a:r>
+              <a:rPr lang="en-US" altLang="ko-KR" sz="1000" dirty="0"/>
+              <a:t> </a:t>
+            </a:r>
+            <a:r>
+              <a:rPr lang="en-US" altLang="ko-KR" sz="1000" dirty="0" smtClean="0"/>
+              <a:t>           {</a:t>
+            </a:r>
+          </a:p>
+          <a:p>
+            <a:r>
+              <a:rPr lang="en-US" altLang="ko-KR" sz="1000" dirty="0"/>
+              <a:t> </a:t>
+            </a:r>
+            <a:r>
+              <a:rPr lang="en-US" altLang="ko-KR" sz="1000" dirty="0" smtClean="0"/>
+              <a:t>              </a:t>
+            </a:r>
+            <a:r>
+              <a:rPr lang="en-US" altLang="ko-KR" sz="1000" dirty="0" err="1" smtClean="0"/>
+              <a:t>isFull</a:t>
+            </a:r>
+            <a:r>
+              <a:rPr lang="en-US" altLang="ko-KR" sz="1000" dirty="0" smtClean="0"/>
+              <a:t> = false;</a:t>
+            </a:r>
+          </a:p>
+          <a:p>
+            <a:r>
+              <a:rPr lang="en-US" altLang="ko-KR" sz="1000" dirty="0"/>
+              <a:t> </a:t>
+            </a:r>
+            <a:r>
+              <a:rPr lang="en-US" altLang="ko-KR" sz="1000" dirty="0" smtClean="0"/>
+              <a:t>           }</a:t>
+            </a:r>
+          </a:p>
+          <a:p>
+            <a:r>
+              <a:rPr lang="en-US" altLang="ko-KR" sz="1000" dirty="0"/>
+              <a:t> </a:t>
+            </a:r>
+            <a:r>
+              <a:rPr lang="en-US" altLang="ko-KR" sz="1000" dirty="0" smtClean="0"/>
+              <a:t>        }</a:t>
+            </a:r>
+          </a:p>
+          <a:p>
+            <a:r>
+              <a:rPr lang="en-US" altLang="ko-KR" sz="1000" dirty="0"/>
+              <a:t> </a:t>
+            </a:r>
+            <a:r>
+              <a:rPr lang="en-US" altLang="ko-KR" sz="1000" dirty="0" smtClean="0"/>
+              <a:t>        if(</a:t>
+            </a:r>
+            <a:r>
+              <a:rPr lang="en-US" altLang="ko-KR" sz="1000" dirty="0" err="1" smtClean="0"/>
+              <a:t>isFull</a:t>
+            </a:r>
+            <a:r>
+              <a:rPr lang="en-US" altLang="ko-KR" sz="1000" dirty="0" smtClean="0"/>
+              <a:t> == true)</a:t>
+            </a:r>
+          </a:p>
+          <a:p>
+            <a:r>
+              <a:rPr lang="en-US" altLang="ko-KR" sz="1000" dirty="0"/>
+              <a:t> </a:t>
+            </a:r>
+            <a:r>
+              <a:rPr lang="en-US" altLang="ko-KR" sz="1000" dirty="0" smtClean="0"/>
+              <a:t>        {</a:t>
+            </a:r>
+          </a:p>
+          <a:p>
+            <a:r>
+              <a:rPr lang="en-US" altLang="ko-KR" sz="1000" dirty="0"/>
+              <a:t> </a:t>
+            </a:r>
+            <a:r>
+              <a:rPr lang="en-US" altLang="ko-KR" sz="1000" dirty="0" smtClean="0"/>
+              <a:t>           </a:t>
+            </a:r>
+            <a:r>
+              <a:rPr lang="en-US" altLang="ko-KR" sz="1000" dirty="0" err="1" smtClean="0"/>
+              <a:t>lineNum</a:t>
+            </a:r>
+            <a:r>
+              <a:rPr lang="en-US" altLang="ko-KR" sz="1000" dirty="0" smtClean="0"/>
+              <a:t> = y;</a:t>
+            </a:r>
+          </a:p>
+          <a:p>
+            <a:r>
+              <a:rPr lang="en-US" altLang="ko-KR" sz="1000" dirty="0"/>
+              <a:t> </a:t>
+            </a:r>
+            <a:r>
+              <a:rPr lang="en-US" altLang="ko-KR" sz="1000" dirty="0" smtClean="0"/>
+              <a:t>           break;</a:t>
+            </a:r>
+          </a:p>
+          <a:p>
+            <a:r>
+              <a:rPr lang="en-US" altLang="ko-KR" sz="1000" dirty="0"/>
+              <a:t> </a:t>
+            </a:r>
+            <a:r>
+              <a:rPr lang="en-US" altLang="ko-KR" sz="1000" dirty="0" smtClean="0"/>
+              <a:t>        }</a:t>
+            </a:r>
+          </a:p>
+          <a:p>
+            <a:r>
+              <a:rPr lang="en-US" altLang="ko-KR" sz="1000" dirty="0"/>
+              <a:t> </a:t>
+            </a:r>
+            <a:r>
+              <a:rPr lang="en-US" altLang="ko-KR" sz="1000" dirty="0" smtClean="0"/>
+              <a:t>     }</a:t>
+            </a:r>
+            <a:endParaRPr lang="en-US" altLang="ko-KR" sz="1000" dirty="0"/>
+          </a:p>
+          <a:p>
+            <a:r>
+              <a:rPr lang="en-US" altLang="ko-KR" sz="1000" dirty="0" smtClean="0"/>
+              <a:t>   }</a:t>
+            </a:r>
+          </a:p>
+          <a:p>
+            <a:r>
+              <a:rPr lang="en-US" altLang="ko-KR" sz="1000" dirty="0" smtClean="0"/>
+              <a:t>}</a:t>
+            </a:r>
+            <a:endParaRPr lang="en-US" altLang="ko-KR" sz="1000" dirty="0"/>
+          </a:p>
+          <a:p>
+            <a:endParaRPr lang="en-US" altLang="ko-KR" sz="1000" dirty="0" smtClean="0"/>
+          </a:p>
+          <a:p>
+            <a:r>
+              <a:rPr lang="en-US" altLang="ko-KR" sz="1000" dirty="0"/>
+              <a:t>Void </a:t>
+            </a:r>
+            <a:r>
+              <a:rPr lang="en-US" altLang="ko-KR" sz="1000" dirty="0" err="1"/>
+              <a:t>MoveLineDown</a:t>
+            </a:r>
+            <a:r>
+              <a:rPr lang="en-US" altLang="ko-KR" sz="1000" dirty="0"/>
+              <a:t>()</a:t>
+            </a:r>
+          </a:p>
+          <a:p>
+            <a:r>
+              <a:rPr lang="en-US" altLang="ko-KR" sz="1000" dirty="0"/>
+              <a:t>{</a:t>
+            </a:r>
+          </a:p>
+          <a:p>
+            <a:r>
+              <a:rPr lang="en-US" altLang="ko-KR" sz="1000" dirty="0"/>
               <a:t>   </a:t>
             </a:r>
+            <a:r>
+              <a:rPr lang="en-US" altLang="ko-KR" sz="1000" dirty="0" err="1"/>
+              <a:t>int</a:t>
+            </a:r>
+            <a:r>
+              <a:rPr lang="en-US" altLang="ko-KR" sz="1000" dirty="0"/>
+              <a:t> </a:t>
+            </a:r>
+            <a:r>
+              <a:rPr lang="en-US" altLang="ko-KR" sz="1000" dirty="0" err="1"/>
+              <a:t>saveLine</a:t>
+            </a:r>
+            <a:r>
+              <a:rPr lang="en-US" altLang="ko-KR" sz="1000" dirty="0"/>
+              <a:t>[2][20];</a:t>
+            </a:r>
+          </a:p>
+          <a:p>
             <a:endParaRPr lang="en-US" altLang="ko-KR" sz="1000" dirty="0"/>
           </a:p>
           <a:p>
             <a:r>
-              <a:rPr lang="en-US" altLang="ko-KR" sz="1000" dirty="0" smtClean="0"/>
-              <a:t>}</a:t>
-            </a:r>
-          </a:p>
-          <a:p>
-            <a:endParaRPr lang="en-US" altLang="ko-KR" sz="1000" dirty="0"/>
-          </a:p>
-          <a:p>
-            <a:r>
-              <a:rPr lang="en-US" altLang="ko-KR" sz="1000" dirty="0" err="1" smtClean="0"/>
-              <a:t>TetrisChief</a:t>
-            </a:r>
-            <a:r>
-              <a:rPr lang="en-US" altLang="ko-KR" sz="1000" dirty="0" smtClean="0"/>
-              <a:t>:: </a:t>
-            </a:r>
-            <a:r>
-              <a:rPr lang="en-US" altLang="ko-KR" sz="1000" dirty="0" err="1" smtClean="0"/>
-              <a:t>TetrisChief</a:t>
-            </a:r>
-            <a:r>
-              <a:rPr lang="en-US" altLang="ko-KR" sz="1000" dirty="0" smtClean="0"/>
-              <a:t>(</a:t>
-            </a:r>
-            <a:r>
-              <a:rPr lang="en-US" altLang="ko-KR" sz="1000" dirty="0" err="1" smtClean="0"/>
+              <a:rPr lang="en-US" altLang="ko-KR" sz="1000" dirty="0"/>
+              <a:t>   for(</a:t>
+            </a:r>
+            <a:r>
+              <a:rPr lang="en-US" altLang="ko-KR" sz="1000" dirty="0" err="1"/>
               <a:t>int</a:t>
             </a:r>
             <a:r>
-              <a:rPr lang="en-US" altLang="ko-KR" sz="1000" dirty="0" smtClean="0"/>
-              <a:t> (*map)[40][20])</a:t>
-            </a:r>
-          </a:p>
-          <a:p>
-            <a:r>
-              <a:rPr lang="en-US" altLang="ko-KR" sz="1000" dirty="0" smtClean="0"/>
-              <a:t>{</a:t>
-            </a:r>
-          </a:p>
-          <a:p>
-            <a:r>
-              <a:rPr lang="en-US" altLang="ko-KR" sz="1000" dirty="0" smtClean="0"/>
-              <a:t>   </a:t>
-            </a:r>
-            <a:r>
-              <a:rPr lang="en-US" altLang="ko-KR" sz="1000" dirty="0" err="1" smtClean="0"/>
+              <a:rPr lang="en-US" altLang="ko-KR" sz="1000" dirty="0"/>
+              <a:t> y=1; y&lt;=</a:t>
+            </a:r>
+            <a:r>
+              <a:rPr lang="en-US" altLang="ko-KR" sz="1000" dirty="0" err="1"/>
+              <a:t>lineNum</a:t>
+            </a:r>
+            <a:r>
+              <a:rPr lang="en-US" altLang="ko-KR" sz="1000" dirty="0"/>
+              <a:t>; y++)</a:t>
+            </a:r>
+          </a:p>
+          <a:p>
+            <a:r>
+              <a:rPr lang="en-US" altLang="ko-KR" sz="1000" dirty="0"/>
+              <a:t>   {</a:t>
+            </a:r>
+          </a:p>
+          <a:p>
+            <a:r>
+              <a:rPr lang="en-US" altLang="ko-KR" sz="1000" dirty="0"/>
+              <a:t>      for(</a:t>
+            </a:r>
+            <a:r>
+              <a:rPr lang="en-US" altLang="ko-KR" sz="1000" dirty="0" err="1"/>
+              <a:t>int</a:t>
+            </a:r>
+            <a:r>
+              <a:rPr lang="en-US" altLang="ko-KR" sz="1000" dirty="0"/>
+              <a:t> x=1; x&lt;19; x++)</a:t>
+            </a:r>
+          </a:p>
+          <a:p>
+            <a:r>
+              <a:rPr lang="en-US" altLang="ko-KR" sz="1000" dirty="0"/>
+              <a:t>      {</a:t>
+            </a:r>
+          </a:p>
+          <a:p>
+            <a:r>
+              <a:rPr lang="en-US" altLang="ko-KR" sz="1000" dirty="0"/>
+              <a:t>         if(y==1)</a:t>
+            </a:r>
+          </a:p>
+          <a:p>
+            <a:r>
+              <a:rPr lang="en-US" altLang="ko-KR" sz="1000" dirty="0"/>
+              <a:t>         {</a:t>
+            </a:r>
+          </a:p>
+          <a:p>
+            <a:r>
+              <a:rPr lang="en-US" altLang="ko-KR" sz="1000" dirty="0"/>
+              <a:t>             </a:t>
+            </a:r>
+            <a:r>
+              <a:rPr lang="en-US" altLang="ko-KR" sz="1000" dirty="0" err="1"/>
+              <a:t>saveLine</a:t>
+            </a:r>
+            <a:r>
+              <a:rPr lang="en-US" altLang="ko-KR" sz="1000" dirty="0"/>
+              <a:t>[0][x] = (*</a:t>
+            </a:r>
+            <a:r>
+              <a:rPr lang="en-US" altLang="ko-KR" sz="1000" dirty="0" err="1"/>
               <a:t>iMap</a:t>
             </a:r>
             <a:r>
-              <a:rPr lang="en-US" altLang="ko-KR" sz="1000" dirty="0" smtClean="0"/>
-              <a:t> = map;</a:t>
-            </a:r>
-          </a:p>
-          <a:p>
-            <a:r>
-              <a:rPr lang="en-US" altLang="ko-KR" sz="1000" dirty="0" smtClean="0"/>
-              <a:t>}</a:t>
-            </a:r>
-          </a:p>
-          <a:p>
-            <a:endParaRPr lang="en-US" altLang="ko-KR" sz="1000" dirty="0"/>
-          </a:p>
-          <a:p>
-            <a:endParaRPr lang="en-US" altLang="ko-KR" sz="1000" dirty="0" smtClean="0"/>
-          </a:p>
-          <a:p>
-            <a:r>
-              <a:rPr lang="en-US" altLang="ko-KR" sz="1000" dirty="0" smtClean="0"/>
-              <a:t>Void </a:t>
-            </a:r>
-            <a:r>
-              <a:rPr lang="en-US" altLang="ko-KR" sz="1000" dirty="0" err="1" smtClean="0"/>
-              <a:t>CheckLine</a:t>
-            </a:r>
-            <a:r>
-              <a:rPr lang="en-US" altLang="ko-KR" sz="1000" dirty="0" smtClean="0"/>
-              <a:t>()</a:t>
-            </a:r>
-          </a:p>
-          <a:p>
-            <a:r>
-              <a:rPr lang="en-US" altLang="ko-KR" sz="1000" dirty="0" smtClean="0"/>
-              <a:t>{</a:t>
-            </a:r>
-          </a:p>
-          <a:p>
-            <a:r>
-              <a:rPr lang="en-US" altLang="ko-KR" sz="1000" dirty="0"/>
-              <a:t> </a:t>
-            </a:r>
-            <a:r>
-              <a:rPr lang="en-US" altLang="ko-KR" sz="1000" dirty="0" smtClean="0"/>
-              <a:t>  bool </a:t>
-            </a:r>
-            <a:r>
-              <a:rPr lang="en-US" altLang="ko-KR" sz="1000" dirty="0" err="1" smtClean="0"/>
-              <a:t>isFull</a:t>
-            </a:r>
-            <a:r>
-              <a:rPr lang="en-US" altLang="ko-KR" sz="1000" dirty="0" smtClean="0"/>
-              <a:t> = true;</a:t>
-            </a:r>
-          </a:p>
-          <a:p>
-            <a:endParaRPr lang="en-US" altLang="ko-KR" sz="1000" dirty="0" smtClean="0"/>
-          </a:p>
-          <a:p>
-            <a:r>
-              <a:rPr lang="en-US" altLang="ko-KR" sz="1000" dirty="0"/>
-              <a:t> </a:t>
-            </a:r>
-            <a:r>
-              <a:rPr lang="en-US" altLang="ko-KR" sz="1000" dirty="0" smtClean="0"/>
-              <a:t>  if(</a:t>
-            </a:r>
-            <a:r>
-              <a:rPr lang="en-US" altLang="ko-KR" sz="1000" dirty="0" err="1" smtClean="0"/>
-              <a:t>GetisChecked</a:t>
-            </a:r>
-            <a:r>
-              <a:rPr lang="en-US" altLang="ko-KR" sz="1000" dirty="0" smtClean="0"/>
-              <a:t>())</a:t>
-            </a:r>
-          </a:p>
-          <a:p>
-            <a:r>
-              <a:rPr lang="en-US" altLang="ko-KR" sz="1000" dirty="0"/>
-              <a:t> </a:t>
-            </a:r>
-            <a:r>
-              <a:rPr lang="en-US" altLang="ko-KR" sz="1000" dirty="0" smtClean="0"/>
-              <a:t>  {</a:t>
-            </a:r>
-          </a:p>
-          <a:p>
-            <a:r>
-              <a:rPr lang="en-US" altLang="ko-KR" sz="1000" dirty="0" smtClean="0"/>
-              <a:t>      for(</a:t>
-            </a:r>
-            <a:r>
-              <a:rPr lang="en-US" altLang="ko-KR" sz="1000" dirty="0" err="1" smtClean="0"/>
-              <a:t>int</a:t>
-            </a:r>
-            <a:r>
-              <a:rPr lang="en-US" altLang="ko-KR" sz="1000" dirty="0" smtClean="0"/>
-              <a:t> y=39; y&gt;0 y--)</a:t>
-            </a:r>
-          </a:p>
-          <a:p>
-            <a:r>
-              <a:rPr lang="en-US" altLang="ko-KR" sz="1000" dirty="0"/>
-              <a:t> </a:t>
-            </a:r>
-            <a:r>
-              <a:rPr lang="en-US" altLang="ko-KR" sz="1000" dirty="0" smtClean="0"/>
-              <a:t>     {</a:t>
-            </a:r>
-          </a:p>
-          <a:p>
-            <a:r>
-              <a:rPr lang="en-US" altLang="ko-KR" sz="1000" dirty="0"/>
-              <a:t> </a:t>
-            </a:r>
-            <a:r>
-              <a:rPr lang="en-US" altLang="ko-KR" sz="1000" dirty="0" smtClean="0"/>
-              <a:t>        for(</a:t>
-            </a:r>
-            <a:r>
-              <a:rPr lang="en-US" altLang="ko-KR" sz="1000" dirty="0" err="1" smtClean="0"/>
-              <a:t>int</a:t>
-            </a:r>
-            <a:r>
-              <a:rPr lang="en-US" altLang="ko-KR" sz="1000" dirty="0" smtClean="0"/>
-              <a:t> x = 1; x&lt;18; x++)</a:t>
-            </a:r>
-          </a:p>
-          <a:p>
-            <a:r>
-              <a:rPr lang="en-US" altLang="ko-KR" sz="1000" dirty="0"/>
-              <a:t> </a:t>
-            </a:r>
-            <a:r>
-              <a:rPr lang="en-US" altLang="ko-KR" sz="1000" dirty="0" smtClean="0"/>
-              <a:t>        {</a:t>
-            </a:r>
-          </a:p>
-          <a:p>
-            <a:r>
-              <a:rPr lang="en-US" altLang="ko-KR" sz="1000" dirty="0"/>
-              <a:t> </a:t>
-            </a:r>
-            <a:r>
-              <a:rPr lang="en-US" altLang="ko-KR" sz="1000" dirty="0" smtClean="0"/>
-              <a:t>           if((*</a:t>
-            </a:r>
-            <a:r>
-              <a:rPr lang="en-US" altLang="ko-KR" sz="1000" dirty="0" err="1" smtClean="0"/>
+              <a:rPr lang="en-US" altLang="ko-KR" sz="1000" dirty="0"/>
+              <a:t>)[y][x];</a:t>
+            </a:r>
+          </a:p>
+          <a:p>
+            <a:r>
+              <a:rPr lang="en-US" altLang="ko-KR" sz="1000" dirty="0"/>
+              <a:t>             (*</a:t>
+            </a:r>
+            <a:r>
+              <a:rPr lang="en-US" altLang="ko-KR" sz="1000" dirty="0" err="1"/>
               <a:t>iMap</a:t>
             </a:r>
             <a:r>
-              <a:rPr lang="en-US" altLang="ko-KR" sz="1000" dirty="0" smtClean="0"/>
-              <a:t>)[y][x] == </a:t>
-            </a:r>
-            <a:r>
-              <a:rPr lang="en-US" altLang="ko-KR" sz="1000" dirty="0"/>
-              <a:t>0</a:t>
-            </a:r>
-            <a:r>
-              <a:rPr lang="en-US" altLang="ko-KR" sz="1000" dirty="0" smtClean="0"/>
-              <a:t>)</a:t>
-            </a:r>
-          </a:p>
-          <a:p>
-            <a:r>
-              <a:rPr lang="en-US" altLang="ko-KR" sz="1000" dirty="0"/>
-              <a:t> </a:t>
-            </a:r>
-            <a:r>
-              <a:rPr lang="en-US" altLang="ko-KR" sz="1000" dirty="0" smtClean="0"/>
-              <a:t>           {</a:t>
-            </a:r>
-          </a:p>
-          <a:p>
-            <a:r>
-              <a:rPr lang="en-US" altLang="ko-KR" sz="1000" dirty="0"/>
-              <a:t> </a:t>
-            </a:r>
-            <a:r>
-              <a:rPr lang="en-US" altLang="ko-KR" sz="1000" dirty="0" smtClean="0"/>
-              <a:t>              </a:t>
-            </a:r>
-            <a:r>
-              <a:rPr lang="en-US" altLang="ko-KR" sz="1000" dirty="0" err="1" smtClean="0"/>
-              <a:t>isFull</a:t>
-            </a:r>
-            <a:r>
-              <a:rPr lang="en-US" altLang="ko-KR" sz="1000" dirty="0" smtClean="0"/>
-              <a:t> = false;</a:t>
-            </a:r>
-          </a:p>
-          <a:p>
-            <a:r>
-              <a:rPr lang="en-US" altLang="ko-KR" sz="1000" dirty="0"/>
-              <a:t> </a:t>
-            </a:r>
-            <a:r>
-              <a:rPr lang="en-US" altLang="ko-KR" sz="1000" dirty="0" smtClean="0"/>
-              <a:t>           }</a:t>
-            </a:r>
-          </a:p>
-          <a:p>
-            <a:r>
-              <a:rPr lang="en-US" altLang="ko-KR" sz="1000" dirty="0"/>
-              <a:t> </a:t>
-            </a:r>
-            <a:r>
-              <a:rPr lang="en-US" altLang="ko-KR" sz="1000" dirty="0" smtClean="0"/>
-              <a:t>        }</a:t>
-            </a:r>
-          </a:p>
-          <a:p>
-            <a:r>
-              <a:rPr lang="en-US" altLang="ko-KR" sz="1000" dirty="0"/>
-              <a:t> </a:t>
-            </a:r>
-            <a:r>
-              <a:rPr lang="en-US" altLang="ko-KR" sz="1000" dirty="0" smtClean="0"/>
-              <a:t>        if(</a:t>
-            </a:r>
-            <a:r>
-              <a:rPr lang="en-US" altLang="ko-KR" sz="1000" dirty="0" err="1" smtClean="0"/>
-              <a:t>isFull</a:t>
-            </a:r>
-            <a:r>
-              <a:rPr lang="en-US" altLang="ko-KR" sz="1000" dirty="0" smtClean="0"/>
-              <a:t> == true)</a:t>
-            </a:r>
-          </a:p>
-          <a:p>
-            <a:r>
-              <a:rPr lang="en-US" altLang="ko-KR" sz="1000" dirty="0"/>
-              <a:t> </a:t>
-            </a:r>
-            <a:r>
-              <a:rPr lang="en-US" altLang="ko-KR" sz="1000" dirty="0" smtClean="0"/>
-              <a:t>        {</a:t>
-            </a:r>
-          </a:p>
-          <a:p>
-            <a:r>
-              <a:rPr lang="en-US" altLang="ko-KR" sz="1000" dirty="0"/>
-              <a:t> </a:t>
-            </a:r>
-            <a:r>
-              <a:rPr lang="en-US" altLang="ko-KR" sz="1000" dirty="0" smtClean="0"/>
-              <a:t>           </a:t>
-            </a:r>
-            <a:r>
-              <a:rPr lang="en-US" altLang="ko-KR" sz="1000" dirty="0" err="1" smtClean="0"/>
-              <a:t>lineNum</a:t>
-            </a:r>
-            <a:r>
-              <a:rPr lang="en-US" altLang="ko-KR" sz="1000" dirty="0" smtClean="0"/>
-              <a:t> = y;</a:t>
-            </a:r>
-          </a:p>
-          <a:p>
-            <a:r>
-              <a:rPr lang="en-US" altLang="ko-KR" sz="1000" dirty="0"/>
-              <a:t> </a:t>
-            </a:r>
-            <a:r>
-              <a:rPr lang="en-US" altLang="ko-KR" sz="1000" dirty="0" smtClean="0"/>
-              <a:t>           break;</a:t>
-            </a:r>
-          </a:p>
-          <a:p>
-            <a:r>
-              <a:rPr lang="en-US" altLang="ko-KR" sz="1000" dirty="0"/>
-              <a:t> </a:t>
-            </a:r>
-            <a:r>
-              <a:rPr lang="en-US" altLang="ko-KR" sz="1000" dirty="0" smtClean="0"/>
-              <a:t>        }</a:t>
-            </a:r>
-          </a:p>
-          <a:p>
-            <a:r>
-              <a:rPr lang="en-US" altLang="ko-KR" sz="1000" dirty="0"/>
-              <a:t> </a:t>
-            </a:r>
-            <a:r>
-              <a:rPr lang="en-US" altLang="ko-KR" sz="1000" dirty="0" smtClean="0"/>
-              <a:t>     }</a:t>
-            </a:r>
-            <a:endParaRPr lang="en-US" altLang="ko-KR" sz="1000" dirty="0"/>
-          </a:p>
-          <a:p>
-            <a:r>
-              <a:rPr lang="en-US" altLang="ko-KR" sz="1000" dirty="0" smtClean="0"/>
+              <a:rPr lang="en-US" altLang="ko-KR" sz="1000" dirty="0"/>
+              <a:t>)[y][x] = 0;</a:t>
+            </a:r>
+          </a:p>
+          <a:p>
+            <a:r>
+              <a:rPr lang="en-US" altLang="ko-KR" sz="1000" dirty="0"/>
+              <a:t>         }</a:t>
+            </a:r>
+          </a:p>
+          <a:p>
+            <a:r>
+              <a:rPr lang="en-US" altLang="ko-KR" sz="1000" dirty="0"/>
+              <a:t>         </a:t>
+            </a:r>
+            <a:r>
+              <a:rPr lang="en-US" altLang="ko-KR" sz="1000" dirty="0" err="1"/>
+              <a:t>saveLine</a:t>
+            </a:r>
+            <a:r>
+              <a:rPr lang="en-US" altLang="ko-KR" sz="1000" dirty="0"/>
+              <a:t>[1][x] = (*</a:t>
+            </a:r>
+            <a:r>
+              <a:rPr lang="en-US" altLang="ko-KR" sz="1000" dirty="0" err="1"/>
+              <a:t>iMap</a:t>
+            </a:r>
+            <a:r>
+              <a:rPr lang="en-US" altLang="ko-KR" sz="1000" dirty="0"/>
+              <a:t>)[y][x];</a:t>
+            </a:r>
+          </a:p>
+          <a:p>
+            <a:r>
+              <a:rPr lang="en-US" altLang="ko-KR" sz="1000" dirty="0"/>
+              <a:t>         (*</a:t>
+            </a:r>
+            <a:r>
+              <a:rPr lang="en-US" altLang="ko-KR" sz="1000" dirty="0" err="1"/>
+              <a:t>iMap</a:t>
+            </a:r>
+            <a:r>
+              <a:rPr lang="en-US" altLang="ko-KR" sz="1000" dirty="0"/>
+              <a:t>)[y][x] = </a:t>
+            </a:r>
+            <a:r>
+              <a:rPr lang="en-US" altLang="ko-KR" sz="1000" dirty="0" err="1"/>
+              <a:t>saveLine</a:t>
+            </a:r>
+            <a:r>
+              <a:rPr lang="en-US" altLang="ko-KR" sz="1000" dirty="0"/>
+              <a:t>[0][x];</a:t>
+            </a:r>
+          </a:p>
+          <a:p>
+            <a:r>
+              <a:rPr lang="en-US" altLang="ko-KR" sz="1000" dirty="0"/>
+              <a:t>         </a:t>
+            </a:r>
+            <a:r>
+              <a:rPr lang="en-US" altLang="ko-KR" sz="1000" dirty="0" err="1"/>
+              <a:t>saveLine</a:t>
+            </a:r>
+            <a:r>
+              <a:rPr lang="en-US" altLang="ko-KR" sz="1000" dirty="0"/>
+              <a:t>[0][x] = </a:t>
+            </a:r>
+            <a:r>
+              <a:rPr lang="en-US" altLang="ko-KR" sz="1000" dirty="0" err="1"/>
+              <a:t>saveLine</a:t>
+            </a:r>
+            <a:r>
+              <a:rPr lang="en-US" altLang="ko-KR" sz="1000" dirty="0"/>
+              <a:t>[1][x];</a:t>
+            </a:r>
+          </a:p>
+          <a:p>
+            <a:r>
+              <a:rPr lang="en-US" altLang="ko-KR" sz="1000" dirty="0"/>
+              <a:t>      }</a:t>
+            </a:r>
+          </a:p>
+          <a:p>
+            <a:r>
+              <a:rPr lang="en-US" altLang="ko-KR" sz="1000" dirty="0"/>
               <a:t>   }</a:t>
             </a:r>
           </a:p>
@@ -7235,7 +7485,7 @@
         <p:spPr>
           <a:xfrm>
             <a:off x="5066682" y="55397"/>
-            <a:ext cx="3215640" cy="861774"/>
+            <a:ext cx="3215640" cy="4555093"/>
           </a:xfrm>
           <a:prstGeom prst="rect">
             <a:avLst/>
@@ -7254,7 +7504,7 @@
             </a:r>
             <a:r>
               <a:rPr lang="en-US" altLang="ko-KR" sz="1000" dirty="0" err="1" smtClean="0"/>
-              <a:t>MoveLine</a:t>
+              <a:t>MoveLineUp</a:t>
             </a:r>
             <a:r>
               <a:rPr lang="en-US" altLang="ko-KR" sz="1000" dirty="0" smtClean="0"/>
@@ -7269,18 +7519,877 @@
           </a:p>
           <a:p>
             <a:r>
+              <a:rPr lang="en-US" altLang="ko-KR" sz="1000" dirty="0"/>
+              <a:t>    </a:t>
+            </a:r>
+            <a:r>
+              <a:rPr lang="en-US" altLang="ko-KR" sz="1000" dirty="0" err="1"/>
+              <a:t>int</a:t>
+            </a:r>
+            <a:r>
+              <a:rPr lang="en-US" altLang="ko-KR" sz="1000" dirty="0"/>
+              <a:t> </a:t>
+            </a:r>
+            <a:r>
+              <a:rPr lang="en-US" altLang="ko-KR" sz="1000" dirty="0" err="1"/>
+              <a:t>saveLine</a:t>
+            </a:r>
+            <a:r>
+              <a:rPr lang="en-US" altLang="ko-KR" sz="1000" dirty="0"/>
+              <a:t>[2][20];</a:t>
+            </a:r>
+          </a:p>
+          <a:p>
+            <a:endParaRPr lang="en-US" altLang="ko-KR" sz="1000" dirty="0"/>
+          </a:p>
+          <a:p>
+            <a:r>
+              <a:rPr lang="en-US" altLang="ko-KR" sz="1000" dirty="0"/>
+              <a:t>   for(</a:t>
+            </a:r>
+            <a:r>
+              <a:rPr lang="en-US" altLang="ko-KR" sz="1000" dirty="0" err="1"/>
+              <a:t>int</a:t>
+            </a:r>
+            <a:r>
+              <a:rPr lang="en-US" altLang="ko-KR" sz="1000" dirty="0"/>
+              <a:t> </a:t>
+            </a:r>
+            <a:r>
+              <a:rPr lang="en-US" altLang="ko-KR" sz="1000" dirty="0" smtClean="0"/>
+              <a:t>y=38; y&gt;0; y--)</a:t>
+            </a:r>
+            <a:endParaRPr lang="en-US" altLang="ko-KR" sz="1000" dirty="0"/>
+          </a:p>
+          <a:p>
+            <a:r>
+              <a:rPr lang="en-US" altLang="ko-KR" sz="1000" dirty="0"/>
+              <a:t>   {</a:t>
+            </a:r>
+          </a:p>
+          <a:p>
+            <a:r>
+              <a:rPr lang="en-US" altLang="ko-KR" sz="1000" dirty="0"/>
+              <a:t>      for(</a:t>
+            </a:r>
+            <a:r>
+              <a:rPr lang="en-US" altLang="ko-KR" sz="1000" dirty="0" err="1"/>
+              <a:t>int</a:t>
+            </a:r>
+            <a:r>
+              <a:rPr lang="en-US" altLang="ko-KR" sz="1000" dirty="0"/>
+              <a:t> x=1; x&lt;19; x++)</a:t>
+            </a:r>
+          </a:p>
+          <a:p>
+            <a:r>
+              <a:rPr lang="en-US" altLang="ko-KR" sz="1000" dirty="0"/>
+              <a:t>      {</a:t>
+            </a:r>
+          </a:p>
+          <a:p>
+            <a:r>
+              <a:rPr lang="en-US" altLang="ko-KR" sz="1000" dirty="0"/>
+              <a:t>         if(y</a:t>
+            </a:r>
+            <a:r>
+              <a:rPr lang="en-US" altLang="ko-KR" sz="1000" dirty="0" smtClean="0"/>
+              <a:t>==38)</a:t>
+            </a:r>
+            <a:endParaRPr lang="en-US" altLang="ko-KR" sz="1000" dirty="0"/>
+          </a:p>
+          <a:p>
+            <a:r>
+              <a:rPr lang="en-US" altLang="ko-KR" sz="1000" dirty="0"/>
+              <a:t>         {</a:t>
+            </a:r>
+          </a:p>
+          <a:p>
+            <a:r>
+              <a:rPr lang="en-US" altLang="ko-KR" sz="1000" dirty="0"/>
+              <a:t>             </a:t>
+            </a:r>
+            <a:r>
+              <a:rPr lang="en-US" altLang="ko-KR" sz="1000" dirty="0" err="1"/>
+              <a:t>saveLine</a:t>
+            </a:r>
+            <a:r>
+              <a:rPr lang="en-US" altLang="ko-KR" sz="1000" dirty="0"/>
+              <a:t>[0][x] = (*</a:t>
+            </a:r>
+            <a:r>
+              <a:rPr lang="en-US" altLang="ko-KR" sz="1000" dirty="0" err="1"/>
+              <a:t>iMap</a:t>
+            </a:r>
+            <a:r>
+              <a:rPr lang="en-US" altLang="ko-KR" sz="1000" dirty="0"/>
+              <a:t>)[y][x];</a:t>
+            </a:r>
+          </a:p>
+          <a:p>
+            <a:r>
+              <a:rPr lang="en-US" altLang="ko-KR" sz="1000" dirty="0"/>
+              <a:t>             (*</a:t>
+            </a:r>
+            <a:r>
+              <a:rPr lang="en-US" altLang="ko-KR" sz="1000" dirty="0" err="1"/>
+              <a:t>iMap</a:t>
+            </a:r>
+            <a:r>
+              <a:rPr lang="en-US" altLang="ko-KR" sz="1000" dirty="0"/>
+              <a:t>)[y][x] = 0;</a:t>
+            </a:r>
+          </a:p>
+          <a:p>
+            <a:r>
+              <a:rPr lang="en-US" altLang="ko-KR" sz="1000" dirty="0"/>
+              <a:t>         }</a:t>
+            </a:r>
+          </a:p>
+          <a:p>
+            <a:r>
+              <a:rPr lang="en-US" altLang="ko-KR" sz="1000" dirty="0"/>
+              <a:t>         </a:t>
+            </a:r>
+            <a:r>
+              <a:rPr lang="en-US" altLang="ko-KR" sz="1000" dirty="0" err="1"/>
+              <a:t>saveLine</a:t>
+            </a:r>
+            <a:r>
+              <a:rPr lang="en-US" altLang="ko-KR" sz="1000" dirty="0"/>
+              <a:t>[1][x] = (*</a:t>
+            </a:r>
+            <a:r>
+              <a:rPr lang="en-US" altLang="ko-KR" sz="1000" dirty="0" err="1"/>
+              <a:t>iMap</a:t>
+            </a:r>
+            <a:r>
+              <a:rPr lang="en-US" altLang="ko-KR" sz="1000" dirty="0"/>
+              <a:t>)[y][x];</a:t>
+            </a:r>
+          </a:p>
+          <a:p>
+            <a:r>
+              <a:rPr lang="en-US" altLang="ko-KR" sz="1000" dirty="0"/>
+              <a:t>         (*</a:t>
+            </a:r>
+            <a:r>
+              <a:rPr lang="en-US" altLang="ko-KR" sz="1000" dirty="0" err="1"/>
+              <a:t>iMap</a:t>
+            </a:r>
+            <a:r>
+              <a:rPr lang="en-US" altLang="ko-KR" sz="1000" dirty="0"/>
+              <a:t>)[y][x] = </a:t>
+            </a:r>
+            <a:r>
+              <a:rPr lang="en-US" altLang="ko-KR" sz="1000" dirty="0" err="1"/>
+              <a:t>saveLine</a:t>
+            </a:r>
+            <a:r>
+              <a:rPr lang="en-US" altLang="ko-KR" sz="1000" dirty="0"/>
+              <a:t>[0][x];</a:t>
+            </a:r>
+          </a:p>
+          <a:p>
+            <a:r>
+              <a:rPr lang="en-US" altLang="ko-KR" sz="1000" dirty="0"/>
+              <a:t>         </a:t>
+            </a:r>
+            <a:r>
+              <a:rPr lang="en-US" altLang="ko-KR" sz="1000" dirty="0" err="1"/>
+              <a:t>saveLine</a:t>
+            </a:r>
+            <a:r>
+              <a:rPr lang="en-US" altLang="ko-KR" sz="1000" dirty="0"/>
+              <a:t>[0][x] = </a:t>
+            </a:r>
+            <a:r>
+              <a:rPr lang="en-US" altLang="ko-KR" sz="1000" dirty="0" err="1"/>
+              <a:t>saveLine</a:t>
+            </a:r>
+            <a:r>
+              <a:rPr lang="en-US" altLang="ko-KR" sz="1000" dirty="0"/>
+              <a:t>[1][x];</a:t>
+            </a:r>
+          </a:p>
+          <a:p>
+            <a:r>
+              <a:rPr lang="en-US" altLang="ko-KR" sz="1000" dirty="0"/>
+              <a:t>      }</a:t>
+            </a:r>
+          </a:p>
+          <a:p>
+            <a:r>
+              <a:rPr lang="en-US" altLang="ko-KR" sz="1000" dirty="0"/>
+              <a:t>   }</a:t>
+            </a:r>
+          </a:p>
+          <a:p>
+            <a:r>
+              <a:rPr lang="en-US" altLang="ko-KR" sz="1000" dirty="0" smtClean="0"/>
+              <a:t>}</a:t>
+            </a:r>
+          </a:p>
+          <a:p>
+            <a:endParaRPr lang="en-US" altLang="ko-KR" sz="1000" dirty="0" smtClean="0"/>
+          </a:p>
+          <a:p>
+            <a:r>
+              <a:rPr lang="en-US" altLang="ko-KR" sz="1000" dirty="0"/>
+              <a:t>Void </a:t>
+            </a:r>
+            <a:r>
+              <a:rPr lang="en-US" altLang="ko-KR" sz="1000" dirty="0" err="1"/>
+              <a:t>DeleteLine</a:t>
+            </a:r>
+            <a:r>
+              <a:rPr lang="en-US" altLang="ko-KR" sz="1000" dirty="0"/>
+              <a:t>()</a:t>
+            </a:r>
+          </a:p>
+          <a:p>
+            <a:r>
+              <a:rPr lang="en-US" altLang="ko-KR" sz="1000" dirty="0"/>
+              <a:t>{</a:t>
+            </a:r>
+          </a:p>
+          <a:p>
+            <a:r>
+              <a:rPr lang="en-US" altLang="ko-KR" sz="1000" dirty="0"/>
+              <a:t>   for(</a:t>
+            </a:r>
+            <a:r>
+              <a:rPr lang="en-US" altLang="ko-KR" sz="1000" dirty="0" err="1"/>
+              <a:t>int</a:t>
+            </a:r>
+            <a:r>
+              <a:rPr lang="en-US" altLang="ko-KR" sz="1000" dirty="0"/>
+              <a:t> x=1; x&lt;19; x++)</a:t>
+            </a:r>
+          </a:p>
+          <a:p>
+            <a:r>
+              <a:rPr lang="en-US" altLang="ko-KR" sz="1000" dirty="0"/>
+              <a:t>   {</a:t>
+            </a:r>
+          </a:p>
+          <a:p>
+            <a:r>
+              <a:rPr lang="en-US" altLang="ko-KR" sz="1000" dirty="0"/>
+              <a:t>       (*</a:t>
+            </a:r>
+            <a:r>
+              <a:rPr lang="en-US" altLang="ko-KR" sz="1000" dirty="0" err="1"/>
+              <a:t>iMap</a:t>
+            </a:r>
+            <a:r>
+              <a:rPr lang="en-US" altLang="ko-KR" sz="1000" dirty="0"/>
+              <a:t>)[</a:t>
+            </a:r>
+            <a:r>
+              <a:rPr lang="en-US" altLang="ko-KR" sz="1000" dirty="0" err="1"/>
+              <a:t>lineNum</a:t>
+            </a:r>
+            <a:r>
+              <a:rPr lang="en-US" altLang="ko-KR" sz="1000" dirty="0"/>
+              <a:t>][x] = 0;</a:t>
+            </a:r>
+          </a:p>
+          <a:p>
+            <a:r>
+              <a:rPr lang="en-US" altLang="ko-KR" sz="1000" dirty="0"/>
+              <a:t>   }</a:t>
+            </a:r>
+          </a:p>
+          <a:p>
+            <a:r>
+              <a:rPr lang="en-US" altLang="ko-KR" sz="1000" dirty="0"/>
+              <a:t>}</a:t>
+            </a:r>
+          </a:p>
+          <a:p>
+            <a:endParaRPr lang="en-US" altLang="ko-KR" sz="1000" dirty="0"/>
+          </a:p>
+        </p:txBody>
+      </p:sp>
+      <p:sp>
+        <p:nvSpPr>
+          <p:cNvPr id="5" name="TextBox 4"/>
+          <p:cNvSpPr txBox="1"/>
+          <p:nvPr/>
+        </p:nvSpPr>
+        <p:spPr>
+          <a:xfrm>
+            <a:off x="8010474" y="-98854"/>
+            <a:ext cx="3215640" cy="6863417"/>
+          </a:xfrm>
+          <a:prstGeom prst="rect">
+            <a:avLst/>
+          </a:prstGeom>
+          <a:noFill/>
+        </p:spPr>
+        <p:txBody>
+          <a:bodyPr wrap="square" rtlCol="0">
+            <a:spAutoFit/>
+          </a:bodyPr>
+          <a:lstStyle/>
+          <a:p>
+            <a:endParaRPr lang="en-US" altLang="ko-KR" sz="1000" dirty="0" smtClean="0"/>
+          </a:p>
+          <a:p>
+            <a:r>
+              <a:rPr lang="en-US" altLang="ko-KR" sz="1000" dirty="0" smtClean="0"/>
+              <a:t>Void </a:t>
+            </a:r>
+            <a:r>
+              <a:rPr lang="en-US" altLang="ko-KR" sz="1000" dirty="0" err="1" smtClean="0"/>
+              <a:t>CreateLine</a:t>
+            </a:r>
+            <a:r>
+              <a:rPr lang="en-US" altLang="ko-KR" sz="1000" dirty="0" smtClean="0"/>
+              <a:t>()</a:t>
+            </a:r>
+          </a:p>
+          <a:p>
+            <a:r>
+              <a:rPr lang="en-US" altLang="ko-KR" sz="1000" dirty="0" smtClean="0"/>
+              <a:t>{</a:t>
+            </a:r>
+          </a:p>
+          <a:p>
+            <a:r>
+              <a:rPr lang="en-US" altLang="ko-KR" sz="1000" dirty="0"/>
+              <a:t> </a:t>
+            </a:r>
+            <a:r>
+              <a:rPr lang="en-US" altLang="ko-KR" sz="1000" dirty="0" smtClean="0"/>
+              <a:t>  </a:t>
+            </a:r>
+            <a:r>
+              <a:rPr lang="en-US" altLang="ko-KR" sz="1000" dirty="0" err="1" smtClean="0"/>
+              <a:t>srand</a:t>
+            </a:r>
+            <a:r>
+              <a:rPr lang="en-US" altLang="ko-KR" sz="1000" dirty="0" smtClean="0"/>
+              <a:t>(time(NULL</a:t>
+            </a:r>
+            <a:r>
+              <a:rPr lang="en-US" altLang="ko-KR" sz="1000" dirty="0"/>
+              <a:t>));</a:t>
+            </a:r>
+            <a:endParaRPr lang="en-US" altLang="ko-KR" sz="1000" dirty="0" smtClean="0"/>
+          </a:p>
+          <a:p>
+            <a:r>
+              <a:rPr lang="en-US" altLang="ko-KR" sz="1000" dirty="0"/>
+              <a:t> </a:t>
+            </a:r>
+            <a:r>
+              <a:rPr lang="en-US" altLang="ko-KR" sz="1000" dirty="0" smtClean="0"/>
+              <a:t>  </a:t>
+            </a:r>
+            <a:r>
+              <a:rPr lang="en-US" altLang="ko-KR" sz="1000" dirty="0" err="1" smtClean="0"/>
+              <a:t>int</a:t>
+            </a:r>
+            <a:r>
+              <a:rPr lang="en-US" altLang="ko-KR" sz="1000" dirty="0" smtClean="0"/>
+              <a:t> </a:t>
+            </a:r>
+            <a:r>
+              <a:rPr lang="en-US" altLang="ko-KR" sz="1000" dirty="0" err="1" smtClean="0"/>
+              <a:t>checkRand</a:t>
+            </a:r>
+            <a:r>
+              <a:rPr lang="en-US" altLang="ko-KR" sz="1000" dirty="0" smtClean="0"/>
+              <a:t> = rand()%2;</a:t>
+            </a:r>
+          </a:p>
+          <a:p>
+            <a:endParaRPr lang="en-US" altLang="ko-KR" sz="1000" dirty="0" smtClean="0"/>
+          </a:p>
+          <a:p>
+            <a:r>
+              <a:rPr lang="en-US" altLang="ko-KR" sz="1000" dirty="0"/>
+              <a:t> </a:t>
+            </a:r>
+            <a:r>
+              <a:rPr lang="en-US" altLang="ko-KR" sz="1000" dirty="0" smtClean="0"/>
+              <a:t>  </a:t>
+            </a:r>
+            <a:r>
+              <a:rPr lang="en-US" altLang="ko-KR" sz="1000" dirty="0" err="1" smtClean="0"/>
+              <a:t>srand</a:t>
+            </a:r>
+            <a:r>
+              <a:rPr lang="en-US" altLang="ko-KR" sz="1000" dirty="0" smtClean="0"/>
+              <a:t>(time(NULL</a:t>
+            </a:r>
+            <a:r>
+              <a:rPr lang="en-US" altLang="ko-KR" sz="1000" dirty="0"/>
+              <a:t>));</a:t>
+            </a:r>
+            <a:endParaRPr lang="en-US" altLang="ko-KR" sz="1000" dirty="0" smtClean="0"/>
+          </a:p>
+          <a:p>
+            <a:r>
+              <a:rPr lang="en-US" altLang="ko-KR" sz="1000" dirty="0"/>
+              <a:t> </a:t>
+            </a:r>
+            <a:r>
+              <a:rPr lang="en-US" altLang="ko-KR" sz="1000" dirty="0" smtClean="0"/>
+              <a:t>  </a:t>
+            </a:r>
+            <a:r>
+              <a:rPr lang="en-US" altLang="ko-KR" sz="1000" dirty="0" err="1" smtClean="0"/>
+              <a:t>int</a:t>
+            </a:r>
+            <a:r>
+              <a:rPr lang="en-US" altLang="ko-KR" sz="1000" dirty="0" smtClean="0"/>
+              <a:t> </a:t>
+            </a:r>
+            <a:r>
+              <a:rPr lang="en-US" altLang="ko-KR" sz="1000" dirty="0" err="1" smtClean="0"/>
+              <a:t>firstRand</a:t>
+            </a:r>
+            <a:r>
+              <a:rPr lang="en-US" altLang="ko-KR" sz="1000" dirty="0" smtClean="0"/>
+              <a:t> = rand()%18;</a:t>
+            </a:r>
+          </a:p>
+          <a:p>
+            <a:endParaRPr lang="en-US" altLang="ko-KR" sz="1000" dirty="0" smtClean="0"/>
+          </a:p>
+          <a:p>
+            <a:r>
               <a:rPr lang="en-US" altLang="ko-KR" sz="1000" dirty="0" smtClean="0"/>
               <a:t>   </a:t>
             </a:r>
+            <a:r>
+              <a:rPr lang="en-US" altLang="ko-KR" sz="1000" dirty="0" err="1" smtClean="0"/>
+              <a:t>srand</a:t>
+            </a:r>
+            <a:r>
+              <a:rPr lang="en-US" altLang="ko-KR" sz="1000" dirty="0" smtClean="0"/>
+              <a:t>(time(NULL));</a:t>
+            </a:r>
             <a:endParaRPr lang="en-US" altLang="ko-KR" sz="1000" dirty="0"/>
           </a:p>
           <a:p>
             <a:r>
+              <a:rPr lang="en-US" altLang="ko-KR" sz="1000" dirty="0"/>
+              <a:t> </a:t>
+            </a:r>
+            <a:r>
+              <a:rPr lang="en-US" altLang="ko-KR" sz="1000" dirty="0" smtClean="0"/>
+              <a:t>  </a:t>
+            </a:r>
+            <a:r>
+              <a:rPr lang="en-US" altLang="ko-KR" sz="1000" dirty="0" err="1" smtClean="0"/>
+              <a:t>int</a:t>
+            </a:r>
+            <a:r>
+              <a:rPr lang="en-US" altLang="ko-KR" sz="1000" dirty="0" smtClean="0"/>
+              <a:t> </a:t>
+            </a:r>
+            <a:r>
+              <a:rPr lang="en-US" altLang="ko-KR" sz="1000" dirty="0" err="1" smtClean="0"/>
+              <a:t>secondRand</a:t>
+            </a:r>
+            <a:r>
+              <a:rPr lang="en-US" altLang="ko-KR" sz="1000" dirty="0" smtClean="0"/>
+              <a:t> </a:t>
+            </a:r>
+            <a:r>
+              <a:rPr lang="en-US" altLang="ko-KR" sz="1000" dirty="0"/>
+              <a:t>= rand()%18;</a:t>
+            </a:r>
+          </a:p>
+          <a:p>
+            <a:endParaRPr lang="en-US" altLang="ko-KR" sz="1000" dirty="0" smtClean="0"/>
+          </a:p>
+          <a:p>
+            <a:r>
+              <a:rPr lang="en-US" altLang="ko-KR" sz="1000" dirty="0" smtClean="0"/>
+              <a:t>   </a:t>
+            </a:r>
+            <a:r>
+              <a:rPr lang="en-US" altLang="ko-KR" sz="1000" dirty="0" err="1" smtClean="0"/>
+              <a:t>MoveLineUp</a:t>
+            </a:r>
+            <a:r>
+              <a:rPr lang="en-US" altLang="ko-KR" sz="1000" dirty="0" smtClean="0"/>
+              <a:t>();</a:t>
+            </a:r>
+          </a:p>
+          <a:p>
+            <a:r>
+              <a:rPr lang="en-US" altLang="ko-KR" sz="1000" dirty="0"/>
+              <a:t> </a:t>
+            </a:r>
+            <a:r>
+              <a:rPr lang="en-US" altLang="ko-KR" sz="1000" dirty="0" smtClean="0"/>
+              <a:t>  </a:t>
+            </a:r>
+          </a:p>
+          <a:p>
+            <a:r>
+              <a:rPr lang="en-US" altLang="ko-KR" sz="1000" dirty="0"/>
+              <a:t> </a:t>
+            </a:r>
+            <a:r>
+              <a:rPr lang="en-US" altLang="ko-KR" sz="1000" dirty="0" smtClean="0"/>
+              <a:t>  for(</a:t>
+            </a:r>
+            <a:r>
+              <a:rPr lang="en-US" altLang="ko-KR" sz="1000" dirty="0" err="1" smtClean="0"/>
+              <a:t>int</a:t>
+            </a:r>
+            <a:r>
+              <a:rPr lang="en-US" altLang="ko-KR" sz="1000" dirty="0" smtClean="0"/>
+              <a:t> x=1 x&lt;19; x++)</a:t>
+            </a:r>
+          </a:p>
+          <a:p>
+            <a:r>
+              <a:rPr lang="en-US" altLang="ko-KR" sz="1000" dirty="0"/>
+              <a:t> </a:t>
+            </a:r>
+            <a:r>
+              <a:rPr lang="en-US" altLang="ko-KR" sz="1000" dirty="0" smtClean="0"/>
+              <a:t>  {</a:t>
+            </a:r>
+          </a:p>
+          <a:p>
+            <a:r>
+              <a:rPr lang="en-US" altLang="ko-KR" sz="1000" dirty="0"/>
+              <a:t> </a:t>
+            </a:r>
+            <a:r>
+              <a:rPr lang="en-US" altLang="ko-KR" sz="1000" dirty="0" smtClean="0"/>
+              <a:t>     if(</a:t>
+            </a:r>
+            <a:r>
+              <a:rPr lang="en-US" altLang="ko-KR" sz="1000" dirty="0" err="1" smtClean="0"/>
+              <a:t>checkRand</a:t>
+            </a:r>
+            <a:r>
+              <a:rPr lang="en-US" altLang="ko-KR" sz="1000" dirty="0" smtClean="0"/>
+              <a:t> == 0)</a:t>
+            </a:r>
+          </a:p>
+          <a:p>
+            <a:r>
+              <a:rPr lang="en-US" altLang="ko-KR" sz="1000" dirty="0"/>
+              <a:t> </a:t>
+            </a:r>
+            <a:r>
+              <a:rPr lang="en-US" altLang="ko-KR" sz="1000" dirty="0" smtClean="0"/>
+              <a:t>     {</a:t>
+            </a:r>
+          </a:p>
+          <a:p>
+            <a:r>
+              <a:rPr lang="en-US" altLang="ko-KR" sz="1000" dirty="0"/>
+              <a:t> </a:t>
+            </a:r>
+            <a:r>
+              <a:rPr lang="en-US" altLang="ko-KR" sz="1000" dirty="0" smtClean="0"/>
+              <a:t>        if(x == </a:t>
+            </a:r>
+            <a:r>
+              <a:rPr lang="en-US" altLang="ko-KR" sz="1000" dirty="0" err="1" smtClean="0"/>
+              <a:t>firstRand</a:t>
+            </a:r>
+            <a:r>
+              <a:rPr lang="en-US" altLang="ko-KR" sz="1000" dirty="0" smtClean="0"/>
+              <a:t>)</a:t>
+            </a:r>
+          </a:p>
+          <a:p>
+            <a:r>
+              <a:rPr lang="en-US" altLang="ko-KR" sz="1000" dirty="0"/>
+              <a:t> </a:t>
+            </a:r>
+            <a:r>
+              <a:rPr lang="en-US" altLang="ko-KR" sz="1000" dirty="0" smtClean="0"/>
+              <a:t>        {</a:t>
+            </a:r>
+          </a:p>
+          <a:p>
+            <a:r>
+              <a:rPr lang="en-US" altLang="ko-KR" sz="1000" dirty="0" smtClean="0"/>
+              <a:t>            (*</a:t>
+            </a:r>
+            <a:r>
+              <a:rPr lang="en-US" altLang="ko-KR" sz="1000" dirty="0" err="1" smtClean="0"/>
+              <a:t>iMap</a:t>
+            </a:r>
+            <a:r>
+              <a:rPr lang="en-US" altLang="ko-KR" sz="1000" dirty="0" smtClean="0"/>
+              <a:t>)[38][x] = 0;</a:t>
+            </a:r>
+          </a:p>
+          <a:p>
+            <a:r>
+              <a:rPr lang="en-US" altLang="ko-KR" sz="1000" dirty="0"/>
+              <a:t> </a:t>
+            </a:r>
+            <a:r>
+              <a:rPr lang="en-US" altLang="ko-KR" sz="1000" dirty="0" smtClean="0"/>
+              <a:t>        }</a:t>
+            </a:r>
+          </a:p>
+          <a:p>
+            <a:r>
+              <a:rPr lang="en-US" altLang="ko-KR" sz="1000" dirty="0"/>
+              <a:t> </a:t>
+            </a:r>
+            <a:r>
+              <a:rPr lang="en-US" altLang="ko-KR" sz="1000" dirty="0" smtClean="0"/>
+              <a:t>        else</a:t>
+            </a:r>
+          </a:p>
+          <a:p>
+            <a:r>
+              <a:rPr lang="en-US" altLang="ko-KR" sz="1000" dirty="0"/>
+              <a:t> </a:t>
+            </a:r>
+            <a:r>
+              <a:rPr lang="en-US" altLang="ko-KR" sz="1000" dirty="0" smtClean="0"/>
+              <a:t>        {</a:t>
+            </a:r>
+          </a:p>
+          <a:p>
+            <a:r>
+              <a:rPr lang="en-US" altLang="ko-KR" sz="1000" dirty="0"/>
+              <a:t>  </a:t>
+            </a:r>
+            <a:r>
+              <a:rPr lang="en-US" altLang="ko-KR" sz="1000" dirty="0" smtClean="0"/>
+              <a:t>          (*</a:t>
+            </a:r>
+            <a:r>
+              <a:rPr lang="en-US" altLang="ko-KR" sz="1000" dirty="0" err="1"/>
+              <a:t>iMap</a:t>
+            </a:r>
+            <a:r>
+              <a:rPr lang="en-US" altLang="ko-KR" sz="1000" dirty="0"/>
+              <a:t>)[38</a:t>
+            </a:r>
+            <a:r>
+              <a:rPr lang="en-US" altLang="ko-KR" sz="1000" dirty="0" smtClean="0"/>
+              <a:t>][x] </a:t>
+            </a:r>
+            <a:r>
+              <a:rPr lang="en-US" altLang="ko-KR" sz="1000" dirty="0"/>
+              <a:t>= </a:t>
+            </a:r>
+            <a:r>
+              <a:rPr lang="en-US" altLang="ko-KR" sz="1000" dirty="0" smtClean="0"/>
+              <a:t>1;         </a:t>
+            </a:r>
+          </a:p>
+          <a:p>
+            <a:r>
+              <a:rPr lang="en-US" altLang="ko-KR" sz="1000" dirty="0"/>
+              <a:t> </a:t>
+            </a:r>
+            <a:r>
+              <a:rPr lang="en-US" altLang="ko-KR" sz="1000" dirty="0" smtClean="0"/>
+              <a:t>        }</a:t>
+            </a:r>
+          </a:p>
+          <a:p>
+            <a:r>
+              <a:rPr lang="en-US" altLang="ko-KR" sz="1000" dirty="0"/>
+              <a:t> </a:t>
+            </a:r>
+            <a:r>
+              <a:rPr lang="en-US" altLang="ko-KR" sz="1000" dirty="0" smtClean="0"/>
+              <a:t>     }</a:t>
+            </a:r>
+          </a:p>
+          <a:p>
+            <a:r>
+              <a:rPr lang="en-US" altLang="ko-KR" sz="1000" dirty="0"/>
+              <a:t> </a:t>
+            </a:r>
+            <a:r>
+              <a:rPr lang="en-US" altLang="ko-KR" sz="1000" dirty="0" smtClean="0"/>
+              <a:t>     else if(</a:t>
+            </a:r>
+            <a:r>
+              <a:rPr lang="en-US" altLang="ko-KR" sz="1000" dirty="0" err="1" smtClean="0"/>
+              <a:t>checkRand</a:t>
+            </a:r>
+            <a:r>
+              <a:rPr lang="en-US" altLang="ko-KR" sz="1000" dirty="0" smtClean="0"/>
+              <a:t> == 1)</a:t>
+            </a:r>
+          </a:p>
+          <a:p>
+            <a:r>
+              <a:rPr lang="en-US" altLang="ko-KR" sz="1000" dirty="0"/>
+              <a:t> </a:t>
+            </a:r>
+            <a:r>
+              <a:rPr lang="en-US" altLang="ko-KR" sz="1000" dirty="0" smtClean="0"/>
+              <a:t>     {</a:t>
+            </a:r>
+          </a:p>
+          <a:p>
+            <a:r>
+              <a:rPr lang="en-US" altLang="ko-KR" sz="1000" dirty="0" smtClean="0"/>
+              <a:t>         </a:t>
+            </a:r>
+            <a:r>
+              <a:rPr lang="en-US" altLang="ko-KR" sz="1000" dirty="0"/>
+              <a:t>if(x == </a:t>
+            </a:r>
+            <a:r>
+              <a:rPr lang="en-US" altLang="ko-KR" sz="1000" dirty="0" err="1"/>
+              <a:t>firstRand</a:t>
+            </a:r>
+            <a:r>
+              <a:rPr lang="en-US" altLang="ko-KR" sz="1000" dirty="0"/>
+              <a:t>)</a:t>
+            </a:r>
+          </a:p>
+          <a:p>
+            <a:r>
+              <a:rPr lang="en-US" altLang="ko-KR" sz="1000" dirty="0"/>
+              <a:t>         {</a:t>
+            </a:r>
+          </a:p>
+          <a:p>
+            <a:r>
+              <a:rPr lang="en-US" altLang="ko-KR" sz="1000" dirty="0"/>
+              <a:t>            (*</a:t>
+            </a:r>
+            <a:r>
+              <a:rPr lang="en-US" altLang="ko-KR" sz="1000" dirty="0" err="1"/>
+              <a:t>iMap</a:t>
+            </a:r>
+            <a:r>
+              <a:rPr lang="en-US" altLang="ko-KR" sz="1000" dirty="0"/>
+              <a:t>)[38][x] = 0;</a:t>
+            </a:r>
+          </a:p>
+          <a:p>
+            <a:r>
+              <a:rPr lang="en-US" altLang="ko-KR" sz="1000" dirty="0"/>
+              <a:t>         </a:t>
+            </a:r>
+            <a:r>
               <a:rPr lang="en-US" altLang="ko-KR" sz="1000" dirty="0" smtClean="0"/>
               <a:t>}</a:t>
             </a:r>
           </a:p>
           <a:p>
+            <a:r>
+              <a:rPr lang="en-US" altLang="ko-KR" sz="1000" dirty="0" smtClean="0"/>
+              <a:t>         else if(x </a:t>
+            </a:r>
+            <a:r>
+              <a:rPr lang="en-US" altLang="ko-KR" sz="1000" dirty="0"/>
+              <a:t>== </a:t>
+            </a:r>
+            <a:r>
+              <a:rPr lang="en-US" altLang="ko-KR" sz="1000" dirty="0" err="1" smtClean="0"/>
+              <a:t>secondRand</a:t>
+            </a:r>
+            <a:r>
+              <a:rPr lang="en-US" altLang="ko-KR" sz="1000" dirty="0" smtClean="0"/>
+              <a:t>)</a:t>
+            </a:r>
+            <a:endParaRPr lang="en-US" altLang="ko-KR" sz="1000" dirty="0"/>
+          </a:p>
+          <a:p>
+            <a:r>
+              <a:rPr lang="en-US" altLang="ko-KR" sz="1000" dirty="0"/>
+              <a:t>         {</a:t>
+            </a:r>
+          </a:p>
+          <a:p>
+            <a:r>
+              <a:rPr lang="en-US" altLang="ko-KR" sz="1000" dirty="0"/>
+              <a:t>            (*</a:t>
+            </a:r>
+            <a:r>
+              <a:rPr lang="en-US" altLang="ko-KR" sz="1000" dirty="0" err="1"/>
+              <a:t>iMap</a:t>
+            </a:r>
+            <a:r>
+              <a:rPr lang="en-US" altLang="ko-KR" sz="1000" dirty="0"/>
+              <a:t>)[38][x] = 0;</a:t>
+            </a:r>
+          </a:p>
+          <a:p>
+            <a:r>
+              <a:rPr lang="en-US" altLang="ko-KR" sz="1000" dirty="0"/>
+              <a:t>         }</a:t>
+            </a:r>
+          </a:p>
+          <a:p>
+            <a:r>
+              <a:rPr lang="en-US" altLang="ko-KR" sz="1000" dirty="0"/>
+              <a:t>         else</a:t>
+            </a:r>
+          </a:p>
+          <a:p>
+            <a:r>
+              <a:rPr lang="en-US" altLang="ko-KR" sz="1000" dirty="0"/>
+              <a:t>         {</a:t>
+            </a:r>
+          </a:p>
+          <a:p>
+            <a:r>
+              <a:rPr lang="en-US" altLang="ko-KR" sz="1000" dirty="0"/>
+              <a:t>            (*</a:t>
+            </a:r>
+            <a:r>
+              <a:rPr lang="en-US" altLang="ko-KR" sz="1000" dirty="0" err="1"/>
+              <a:t>iMap</a:t>
+            </a:r>
+            <a:r>
+              <a:rPr lang="en-US" altLang="ko-KR" sz="1000" dirty="0"/>
+              <a:t>)[38][x] = 1;         </a:t>
+            </a:r>
+          </a:p>
+          <a:p>
+            <a:r>
+              <a:rPr lang="en-US" altLang="ko-KR" sz="1000" dirty="0"/>
+              <a:t>         }</a:t>
+            </a:r>
+            <a:endParaRPr lang="en-US" altLang="ko-KR" sz="1000" dirty="0" smtClean="0"/>
+          </a:p>
+          <a:p>
+            <a:r>
+              <a:rPr lang="en-US" altLang="ko-KR" sz="1000" dirty="0"/>
+              <a:t> </a:t>
+            </a:r>
+            <a:r>
+              <a:rPr lang="en-US" altLang="ko-KR" sz="1000" dirty="0" smtClean="0"/>
+              <a:t>     }</a:t>
+            </a:r>
+          </a:p>
+          <a:p>
+            <a:r>
+              <a:rPr lang="en-US" altLang="ko-KR" sz="1000" dirty="0"/>
+              <a:t> </a:t>
+            </a:r>
+            <a:r>
+              <a:rPr lang="en-US" altLang="ko-KR" sz="1000" dirty="0" smtClean="0"/>
+              <a:t>  }</a:t>
+            </a:r>
+            <a:endParaRPr lang="en-US" altLang="ko-KR" sz="1000" dirty="0"/>
+          </a:p>
+          <a:p>
+            <a:r>
+              <a:rPr lang="en-US" altLang="ko-KR" sz="1000" dirty="0" smtClean="0"/>
+              <a:t>}</a:t>
+            </a:r>
             <a:endParaRPr lang="en-US" altLang="ko-KR" sz="1000" dirty="0"/>
           </a:p>
         </p:txBody>
@@ -7330,8 +8439,8 @@
         </p:nvSpPr>
         <p:spPr>
           <a:xfrm>
-            <a:off x="337751" y="230658"/>
-            <a:ext cx="6293708" cy="1477328"/>
+            <a:off x="90616" y="65901"/>
+            <a:ext cx="6293708" cy="3016210"/>
           </a:xfrm>
           <a:prstGeom prst="rect">
             <a:avLst/>
@@ -7345,28 +8454,682 @@
           <a:lstStyle/>
           <a:p>
             <a:r>
-              <a:rPr lang="en-US" altLang="ko-KR" dirty="0" smtClean="0"/>
+              <a:rPr lang="en-US" altLang="ko-KR" sz="1000" dirty="0" smtClean="0"/>
+              <a:t>Static HANDLE </a:t>
+            </a:r>
+            <a:r>
+              <a:rPr lang="en-US" altLang="ko-KR" sz="1000" dirty="0" err="1" smtClean="0"/>
+              <a:t>hBuffer</a:t>
+            </a:r>
+            <a:r>
+              <a:rPr lang="en-US" altLang="ko-KR" sz="1000" dirty="0" smtClean="0"/>
+              <a:t>[2];</a:t>
+            </a:r>
+            <a:endParaRPr lang="en-US" altLang="ko-KR" sz="1000" dirty="0"/>
+          </a:p>
+          <a:p>
+            <a:endParaRPr lang="en-US" altLang="ko-KR" sz="1000" dirty="0" smtClean="0"/>
+          </a:p>
+          <a:p>
+            <a:r>
+              <a:rPr lang="en-US" altLang="ko-KR" sz="1000" dirty="0" smtClean="0"/>
               <a:t>Class Map</a:t>
             </a:r>
           </a:p>
           <a:p>
             <a:r>
-              <a:rPr lang="en-US" altLang="ko-KR" dirty="0" smtClean="0"/>
+              <a:rPr lang="en-US" altLang="ko-KR" sz="1000" dirty="0" smtClean="0"/>
               <a:t>{</a:t>
             </a:r>
           </a:p>
           <a:p>
-            <a:endParaRPr lang="en-US" altLang="ko-KR" dirty="0" smtClean="0"/>
-          </a:p>
-          <a:p>
-            <a:endParaRPr lang="en-US" altLang="ko-KR" dirty="0"/>
-          </a:p>
-          <a:p>
-            <a:r>
-              <a:rPr lang="en-US" altLang="ko-KR" dirty="0" smtClean="0"/>
+            <a:r>
+              <a:rPr lang="en-US" altLang="ko-KR" sz="1000" dirty="0" smtClean="0"/>
+              <a:t>  private:</a:t>
+            </a:r>
+          </a:p>
+          <a:p>
+            <a:r>
+              <a:rPr lang="en-US" altLang="ko-KR" sz="1000" dirty="0"/>
+              <a:t> </a:t>
+            </a:r>
+            <a:r>
+              <a:rPr lang="en-US" altLang="ko-KR" sz="1000" dirty="0" smtClean="0"/>
+              <a:t>   </a:t>
+            </a:r>
+            <a:r>
+              <a:rPr lang="en-US" altLang="ko-KR" sz="1000" dirty="0"/>
+              <a:t> </a:t>
+            </a:r>
+            <a:r>
+              <a:rPr lang="en-US" altLang="ko-KR" sz="1000" dirty="0" err="1" smtClean="0"/>
+              <a:t>int</a:t>
+            </a:r>
+            <a:r>
+              <a:rPr lang="en-US" altLang="ko-KR" sz="1000" dirty="0" smtClean="0"/>
+              <a:t> </a:t>
+            </a:r>
+            <a:r>
+              <a:rPr lang="en-US" altLang="ko-KR" sz="1000" dirty="0" err="1" smtClean="0"/>
+              <a:t>nScreenIndex</a:t>
+            </a:r>
+            <a:r>
+              <a:rPr lang="en-US" altLang="ko-KR" sz="1000" dirty="0" smtClean="0"/>
+              <a:t>;</a:t>
+            </a:r>
+          </a:p>
+          <a:p>
+            <a:r>
+              <a:rPr lang="en-US" altLang="ko-KR" sz="1000" dirty="0" smtClean="0"/>
+              <a:t>     </a:t>
+            </a:r>
+          </a:p>
+          <a:p>
+            <a:r>
+              <a:rPr lang="en-US" altLang="ko-KR" sz="1000" dirty="0"/>
+              <a:t> </a:t>
+            </a:r>
+            <a:r>
+              <a:rPr lang="en-US" altLang="ko-KR" sz="1000" dirty="0" smtClean="0"/>
+              <a:t> public:</a:t>
+            </a:r>
+          </a:p>
+          <a:p>
+            <a:r>
+              <a:rPr lang="en-US" altLang="ko-KR" sz="1000" dirty="0" smtClean="0"/>
+              <a:t>    </a:t>
+            </a:r>
+            <a:r>
+              <a:rPr lang="en-US" altLang="ko-KR" sz="1000" dirty="0" err="1" smtClean="0"/>
+              <a:t>int</a:t>
+            </a:r>
+            <a:r>
+              <a:rPr lang="en-US" altLang="ko-KR" sz="1000" dirty="0" smtClean="0"/>
+              <a:t> </a:t>
+            </a:r>
+            <a:r>
+              <a:rPr lang="en-US" altLang="ko-KR" sz="1000" dirty="0"/>
+              <a:t>map[40][20</a:t>
+            </a:r>
+            <a:r>
+              <a:rPr lang="en-US" altLang="ko-KR" sz="1000" dirty="0" smtClean="0"/>
+              <a:t>];</a:t>
+            </a:r>
+          </a:p>
+          <a:p>
+            <a:r>
+              <a:rPr lang="en-US" altLang="ko-KR" sz="1000" dirty="0" smtClean="0"/>
+              <a:t>    Map();</a:t>
+            </a:r>
+          </a:p>
+          <a:p>
+            <a:r>
+              <a:rPr lang="en-US" altLang="ko-KR" sz="1000" dirty="0"/>
+              <a:t> </a:t>
+            </a:r>
+            <a:r>
+              <a:rPr lang="en-US" altLang="ko-KR" sz="1000" dirty="0" smtClean="0"/>
+              <a:t>   void </a:t>
+            </a:r>
+            <a:r>
+              <a:rPr lang="en-US" altLang="ko-KR" sz="1000" dirty="0" err="1" smtClean="0"/>
+              <a:t>UpdateMap</a:t>
+            </a:r>
+            <a:r>
+              <a:rPr lang="en-US" altLang="ko-KR" sz="1000" dirty="0" smtClean="0"/>
+              <a:t>();</a:t>
+            </a:r>
+          </a:p>
+          <a:p>
+            <a:r>
+              <a:rPr lang="en-US" altLang="ko-KR" sz="1000" dirty="0"/>
+              <a:t> </a:t>
+            </a:r>
+            <a:r>
+              <a:rPr lang="en-US" altLang="ko-KR" sz="1000" dirty="0" smtClean="0"/>
+              <a:t>    </a:t>
+            </a:r>
+          </a:p>
+          <a:p>
+            <a:r>
+              <a:rPr lang="en-US" altLang="ko-KR" sz="1000" dirty="0"/>
+              <a:t> </a:t>
+            </a:r>
+            <a:r>
+              <a:rPr lang="en-US" altLang="ko-KR" sz="1000" dirty="0" smtClean="0"/>
+              <a:t>   //</a:t>
+            </a:r>
+            <a:r>
+              <a:rPr lang="ko-KR" altLang="en-US" sz="1000" dirty="0" smtClean="0"/>
+              <a:t>세부내용 생략</a:t>
+            </a:r>
+            <a:endParaRPr lang="en-US" altLang="ko-KR" sz="1000" dirty="0" smtClean="0"/>
+          </a:p>
+          <a:p>
+            <a:r>
+              <a:rPr lang="en-US" altLang="ko-KR" sz="1000" dirty="0" smtClean="0"/>
+              <a:t>    void </a:t>
+            </a:r>
+            <a:r>
+              <a:rPr lang="en-US" altLang="ko-KR" sz="1000" dirty="0" err="1"/>
+              <a:t>CreateBuffer</a:t>
+            </a:r>
+            <a:r>
+              <a:rPr lang="en-US" altLang="ko-KR" sz="1000" dirty="0"/>
+              <a:t>(); </a:t>
+            </a:r>
+            <a:endParaRPr lang="ko-KR" altLang="en-US" sz="1000" dirty="0"/>
+          </a:p>
+          <a:p>
+            <a:r>
+              <a:rPr lang="en-US" altLang="ko-KR" sz="1000" dirty="0" smtClean="0"/>
+              <a:t>    void </a:t>
+            </a:r>
+            <a:r>
+              <a:rPr lang="en-US" altLang="ko-KR" sz="1000" dirty="0" err="1"/>
+              <a:t>WriteBuffer</a:t>
+            </a:r>
+            <a:r>
+              <a:rPr lang="en-US" altLang="ko-KR" sz="1000" dirty="0"/>
+              <a:t>(</a:t>
+            </a:r>
+            <a:r>
+              <a:rPr lang="en-US" altLang="ko-KR" sz="1000" dirty="0" err="1"/>
+              <a:t>int</a:t>
+            </a:r>
+            <a:r>
+              <a:rPr lang="en-US" altLang="ko-KR" sz="1000" dirty="0"/>
+              <a:t> x, </a:t>
+            </a:r>
+            <a:r>
+              <a:rPr lang="en-US" altLang="ko-KR" sz="1000" dirty="0" err="1"/>
+              <a:t>int</a:t>
+            </a:r>
+            <a:r>
+              <a:rPr lang="en-US" altLang="ko-KR" sz="1000" dirty="0"/>
+              <a:t> y, </a:t>
+            </a:r>
+            <a:r>
+              <a:rPr lang="en-US" altLang="ko-KR" sz="1000" dirty="0" err="1"/>
+              <a:t>const</a:t>
+            </a:r>
+            <a:r>
+              <a:rPr lang="en-US" altLang="ko-KR" sz="1000" dirty="0"/>
+              <a:t> char </a:t>
+            </a:r>
+            <a:r>
+              <a:rPr lang="en-US" altLang="ko-KR" sz="1000" dirty="0" err="1"/>
+              <a:t>str</a:t>
+            </a:r>
+            <a:r>
+              <a:rPr lang="en-US" altLang="ko-KR" sz="1000" dirty="0"/>
+              <a:t>[]); </a:t>
+            </a:r>
+          </a:p>
+          <a:p>
+            <a:r>
+              <a:rPr lang="en-US" altLang="ko-KR" sz="1000" dirty="0" smtClean="0"/>
+              <a:t>    void </a:t>
+            </a:r>
+            <a:r>
+              <a:rPr lang="en-US" altLang="ko-KR" sz="1000" dirty="0" err="1"/>
+              <a:t>FlippingBuffer</a:t>
+            </a:r>
+            <a:r>
+              <a:rPr lang="en-US" altLang="ko-KR" sz="1000" dirty="0"/>
+              <a:t>(); </a:t>
+            </a:r>
+            <a:endParaRPr lang="en-US" altLang="ko-KR" sz="1000" dirty="0" smtClean="0"/>
+          </a:p>
+          <a:p>
+            <a:r>
+              <a:rPr lang="en-US" altLang="ko-KR" sz="1000" dirty="0" smtClean="0"/>
+              <a:t>    void </a:t>
+            </a:r>
+            <a:r>
+              <a:rPr lang="en-US" altLang="ko-KR" sz="1000" dirty="0" err="1"/>
+              <a:t>ClearBuffer</a:t>
+            </a:r>
+            <a:r>
+              <a:rPr lang="en-US" altLang="ko-KR" sz="1000" dirty="0"/>
+              <a:t>(); </a:t>
+            </a:r>
+            <a:endParaRPr lang="en-US" altLang="ko-KR" sz="1000" dirty="0" smtClean="0"/>
+          </a:p>
+          <a:p>
+            <a:r>
+              <a:rPr lang="en-US" altLang="ko-KR" sz="1000" dirty="0" smtClean="0"/>
+              <a:t>    void </a:t>
+            </a:r>
+            <a:r>
+              <a:rPr lang="en-US" altLang="ko-KR" sz="1000" dirty="0" err="1"/>
+              <a:t>DeleteBuffer</a:t>
+            </a:r>
+            <a:r>
+              <a:rPr lang="en-US" altLang="ko-KR" sz="1000" dirty="0" smtClean="0"/>
+              <a:t>();</a:t>
+            </a:r>
+          </a:p>
+          <a:p>
+            <a:r>
+              <a:rPr lang="en-US" altLang="ko-KR" sz="1000" dirty="0"/>
               <a:t>}</a:t>
             </a:r>
-            <a:endParaRPr lang="ko-KR" altLang="en-US" dirty="0"/>
+            <a:endParaRPr lang="ko-KR" altLang="en-US" sz="1000" dirty="0"/>
+          </a:p>
+        </p:txBody>
+      </p:sp>
+      <p:sp>
+        <p:nvSpPr>
+          <p:cNvPr id="3" name="TextBox 2"/>
+          <p:cNvSpPr txBox="1"/>
+          <p:nvPr/>
+        </p:nvSpPr>
+        <p:spPr>
+          <a:xfrm>
+            <a:off x="3134497" y="65901"/>
+            <a:ext cx="6293708" cy="5786199"/>
+          </a:xfrm>
+          <a:prstGeom prst="rect">
+            <a:avLst/>
+          </a:prstGeom>
+          <a:noFill/>
+        </p:spPr>
+        <p:txBody>
+          <a:bodyPr wrap="square" rtlCol="0">
+            <a:spAutoFit/>
+          </a:bodyPr>
+          <a:lstStyle/>
+          <a:p>
+            <a:r>
+              <a:rPr lang="en-US" altLang="ko-KR" sz="1000" dirty="0" smtClean="0"/>
+              <a:t>Map::Map()</a:t>
+            </a:r>
+          </a:p>
+          <a:p>
+            <a:r>
+              <a:rPr lang="en-US" altLang="ko-KR" sz="1000" dirty="0" smtClean="0"/>
+              <a:t>{</a:t>
+            </a:r>
+          </a:p>
+          <a:p>
+            <a:r>
+              <a:rPr lang="en-US" altLang="ko-KR" sz="1000" dirty="0" smtClean="0"/>
+              <a:t>   for(</a:t>
+            </a:r>
+            <a:r>
+              <a:rPr lang="en-US" altLang="ko-KR" sz="1000" dirty="0" err="1" smtClean="0"/>
+              <a:t>int</a:t>
+            </a:r>
+            <a:r>
+              <a:rPr lang="en-US" altLang="ko-KR" sz="1000" dirty="0" smtClean="0"/>
+              <a:t> y=0; y&lt;40; y++)</a:t>
+            </a:r>
+          </a:p>
+          <a:p>
+            <a:r>
+              <a:rPr lang="en-US" altLang="ko-KR" sz="1000" dirty="0"/>
+              <a:t> </a:t>
+            </a:r>
+            <a:r>
+              <a:rPr lang="en-US" altLang="ko-KR" sz="1000" dirty="0" smtClean="0"/>
+              <a:t>  {</a:t>
+            </a:r>
+          </a:p>
+          <a:p>
+            <a:r>
+              <a:rPr lang="en-US" altLang="ko-KR" sz="1000" dirty="0"/>
+              <a:t> </a:t>
+            </a:r>
+            <a:r>
+              <a:rPr lang="en-US" altLang="ko-KR" sz="1000" dirty="0" smtClean="0"/>
+              <a:t>     for(</a:t>
+            </a:r>
+            <a:r>
+              <a:rPr lang="en-US" altLang="ko-KR" sz="1000" dirty="0" err="1" smtClean="0"/>
+              <a:t>int</a:t>
+            </a:r>
+            <a:r>
+              <a:rPr lang="en-US" altLang="ko-KR" sz="1000" dirty="0" smtClean="0"/>
+              <a:t> x=0; x&lt;20; x++)</a:t>
+            </a:r>
+          </a:p>
+          <a:p>
+            <a:r>
+              <a:rPr lang="en-US" altLang="ko-KR" sz="1000" dirty="0"/>
+              <a:t> </a:t>
+            </a:r>
+            <a:r>
+              <a:rPr lang="en-US" altLang="ko-KR" sz="1000" dirty="0" smtClean="0"/>
+              <a:t>     {</a:t>
+            </a:r>
+          </a:p>
+          <a:p>
+            <a:r>
+              <a:rPr lang="en-US" altLang="ko-KR" sz="1000" dirty="0"/>
+              <a:t> </a:t>
+            </a:r>
+            <a:r>
+              <a:rPr lang="en-US" altLang="ko-KR" sz="1000" dirty="0" smtClean="0"/>
+              <a:t>        if(y==0 || y==39)</a:t>
+            </a:r>
+          </a:p>
+          <a:p>
+            <a:r>
+              <a:rPr lang="en-US" altLang="ko-KR" sz="1000" dirty="0"/>
+              <a:t> </a:t>
+            </a:r>
+            <a:r>
+              <a:rPr lang="en-US" altLang="ko-KR" sz="1000" dirty="0" smtClean="0"/>
+              <a:t>        {</a:t>
+            </a:r>
+          </a:p>
+          <a:p>
+            <a:r>
+              <a:rPr lang="en-US" altLang="ko-KR" sz="1000" dirty="0"/>
+              <a:t> </a:t>
+            </a:r>
+            <a:r>
+              <a:rPr lang="en-US" altLang="ko-KR" sz="1000" dirty="0" smtClean="0"/>
+              <a:t>           map[y][x] = 1;</a:t>
+            </a:r>
+          </a:p>
+          <a:p>
+            <a:r>
+              <a:rPr lang="en-US" altLang="ko-KR" sz="1000" dirty="0" smtClean="0"/>
+              <a:t>         }</a:t>
+            </a:r>
+          </a:p>
+          <a:p>
+            <a:r>
+              <a:rPr lang="en-US" altLang="ko-KR" sz="1000" dirty="0"/>
+              <a:t> </a:t>
+            </a:r>
+            <a:r>
+              <a:rPr lang="en-US" altLang="ko-KR" sz="1000" dirty="0" smtClean="0"/>
+              <a:t>        if(x == 0 || x == 19)</a:t>
+            </a:r>
+          </a:p>
+          <a:p>
+            <a:r>
+              <a:rPr lang="en-US" altLang="ko-KR" sz="1000" dirty="0"/>
+              <a:t> </a:t>
+            </a:r>
+            <a:r>
+              <a:rPr lang="en-US" altLang="ko-KR" sz="1000" dirty="0" smtClean="0"/>
+              <a:t>        {</a:t>
+            </a:r>
+          </a:p>
+          <a:p>
+            <a:r>
+              <a:rPr lang="en-US" altLang="ko-KR" sz="1000" dirty="0"/>
+              <a:t> </a:t>
+            </a:r>
+            <a:r>
+              <a:rPr lang="en-US" altLang="ko-KR" sz="1000" dirty="0" smtClean="0"/>
+              <a:t>           map[y][x] = 1;</a:t>
+            </a:r>
+          </a:p>
+          <a:p>
+            <a:r>
+              <a:rPr lang="en-US" altLang="ko-KR" sz="1000" dirty="0"/>
+              <a:t> </a:t>
+            </a:r>
+            <a:r>
+              <a:rPr lang="en-US" altLang="ko-KR" sz="1000" dirty="0" smtClean="0"/>
+              <a:t>        }</a:t>
+            </a:r>
+          </a:p>
+          <a:p>
+            <a:endParaRPr lang="en-US" altLang="ko-KR" sz="1000" dirty="0" smtClean="0"/>
+          </a:p>
+          <a:p>
+            <a:r>
+              <a:rPr lang="en-US" altLang="ko-KR" sz="1000" dirty="0"/>
+              <a:t> </a:t>
+            </a:r>
+            <a:r>
+              <a:rPr lang="en-US" altLang="ko-KR" sz="1000" dirty="0" smtClean="0"/>
+              <a:t>        map[y][x] = 0;</a:t>
+            </a:r>
+          </a:p>
+          <a:p>
+            <a:r>
+              <a:rPr lang="en-US" altLang="ko-KR" sz="1000" dirty="0"/>
+              <a:t> </a:t>
+            </a:r>
+            <a:r>
+              <a:rPr lang="en-US" altLang="ko-KR" sz="1000" dirty="0" smtClean="0"/>
+              <a:t>     }</a:t>
+            </a:r>
+          </a:p>
+          <a:p>
+            <a:r>
+              <a:rPr lang="en-US" altLang="ko-KR" sz="1000" dirty="0"/>
+              <a:t> </a:t>
+            </a:r>
+            <a:r>
+              <a:rPr lang="en-US" altLang="ko-KR" sz="1000" dirty="0" smtClean="0"/>
+              <a:t>  }</a:t>
+            </a:r>
+            <a:endParaRPr lang="en-US" altLang="ko-KR" sz="1000" dirty="0"/>
+          </a:p>
+          <a:p>
+            <a:r>
+              <a:rPr lang="en-US" altLang="ko-KR" sz="1000" dirty="0" smtClean="0"/>
+              <a:t>}</a:t>
+            </a:r>
+          </a:p>
+          <a:p>
+            <a:endParaRPr lang="en-US" altLang="ko-KR" sz="1000" dirty="0"/>
+          </a:p>
+          <a:p>
+            <a:r>
+              <a:rPr lang="en-US" altLang="ko-KR" sz="1000" dirty="0" smtClean="0"/>
+              <a:t>Void </a:t>
+            </a:r>
+            <a:r>
+              <a:rPr lang="en-US" altLang="ko-KR" sz="1000" dirty="0" err="1" smtClean="0"/>
+              <a:t>UpdateMap</a:t>
+            </a:r>
+            <a:r>
+              <a:rPr lang="en-US" altLang="ko-KR" sz="1000" dirty="0" smtClean="0"/>
+              <a:t>()</a:t>
+            </a:r>
+          </a:p>
+          <a:p>
+            <a:r>
+              <a:rPr lang="en-US" altLang="ko-KR" sz="1000" dirty="0" smtClean="0"/>
+              <a:t>{</a:t>
+            </a:r>
+          </a:p>
+          <a:p>
+            <a:r>
+              <a:rPr lang="nn-NO" altLang="ko-KR" sz="1000" dirty="0" smtClean="0"/>
+              <a:t>   for </a:t>
+            </a:r>
+            <a:r>
+              <a:rPr lang="nn-NO" altLang="ko-KR" sz="1000" dirty="0"/>
+              <a:t>(int i = 0; i &lt; 40; i++)</a:t>
+            </a:r>
+          </a:p>
+          <a:p>
+            <a:r>
+              <a:rPr lang="en-US" altLang="ko-KR" sz="1000" dirty="0" smtClean="0"/>
+              <a:t>   {</a:t>
+            </a:r>
+            <a:endParaRPr lang="en-US" altLang="ko-KR" sz="1000" dirty="0"/>
+          </a:p>
+          <a:p>
+            <a:r>
+              <a:rPr lang="en-US" altLang="ko-KR" sz="1000" dirty="0" smtClean="0"/>
+              <a:t>      for </a:t>
+            </a:r>
+            <a:r>
+              <a:rPr lang="en-US" altLang="ko-KR" sz="1000" dirty="0"/>
+              <a:t>(</a:t>
+            </a:r>
+            <a:r>
+              <a:rPr lang="en-US" altLang="ko-KR" sz="1000" dirty="0" err="1"/>
+              <a:t>int</a:t>
+            </a:r>
+            <a:r>
+              <a:rPr lang="en-US" altLang="ko-KR" sz="1000" dirty="0"/>
+              <a:t> k = 0; k &lt; 20; k++)</a:t>
+            </a:r>
+          </a:p>
+          <a:p>
+            <a:r>
+              <a:rPr lang="en-US" altLang="ko-KR" sz="1000" dirty="0" smtClean="0"/>
+              <a:t>      {</a:t>
+            </a:r>
+            <a:endParaRPr lang="en-US" altLang="ko-KR" sz="1000" dirty="0"/>
+          </a:p>
+          <a:p>
+            <a:r>
+              <a:rPr lang="en-US" altLang="ko-KR" sz="1000" dirty="0" smtClean="0"/>
+              <a:t>         if</a:t>
+            </a:r>
+            <a:r>
+              <a:rPr lang="ko-KR" altLang="en-US" sz="1000" dirty="0" smtClean="0"/>
+              <a:t> </a:t>
+            </a:r>
+            <a:r>
+              <a:rPr lang="en-US" altLang="ko-KR" sz="1000" dirty="0"/>
+              <a:t>(map[</a:t>
+            </a:r>
+            <a:r>
+              <a:rPr lang="en-US" altLang="ko-KR" sz="1000" dirty="0" err="1"/>
+              <a:t>i</a:t>
+            </a:r>
+            <a:r>
+              <a:rPr lang="en-US" altLang="ko-KR" sz="1000" dirty="0"/>
+              <a:t>][k] == </a:t>
+            </a:r>
+            <a:r>
+              <a:rPr lang="en-US" altLang="ko-KR" sz="1000" dirty="0" smtClean="0"/>
+              <a:t>1)</a:t>
+            </a:r>
+          </a:p>
+          <a:p>
+            <a:r>
+              <a:rPr lang="en-US" altLang="ko-KR" sz="1000" dirty="0"/>
+              <a:t> </a:t>
+            </a:r>
+            <a:r>
+              <a:rPr lang="en-US" altLang="ko-KR" sz="1000" dirty="0" smtClean="0"/>
+              <a:t>        {</a:t>
+            </a:r>
+            <a:endParaRPr lang="en-US" altLang="ko-KR" sz="1000" dirty="0"/>
+          </a:p>
+          <a:p>
+            <a:r>
+              <a:rPr lang="en-US" altLang="ko-KR" sz="1000" dirty="0" smtClean="0"/>
+              <a:t>           </a:t>
+            </a:r>
+            <a:r>
+              <a:rPr lang="en-US" altLang="ko-KR" sz="1000" dirty="0" err="1" smtClean="0"/>
+              <a:t>WriteBuffer</a:t>
+            </a:r>
+            <a:r>
+              <a:rPr lang="en-US" altLang="ko-KR" sz="1000" dirty="0" smtClean="0"/>
+              <a:t>(k</a:t>
+            </a:r>
+            <a:r>
+              <a:rPr lang="en-US" altLang="ko-KR" sz="1000" dirty="0"/>
+              <a:t>, </a:t>
+            </a:r>
+            <a:r>
+              <a:rPr lang="en-US" altLang="ko-KR" sz="1000" dirty="0" err="1"/>
+              <a:t>i</a:t>
+            </a:r>
+            <a:r>
+              <a:rPr lang="en-US" altLang="ko-KR" sz="1000" dirty="0"/>
+              <a:t>, "■"); </a:t>
+            </a:r>
+          </a:p>
+          <a:p>
+            <a:r>
+              <a:rPr lang="en-US" altLang="ko-KR" sz="1000" dirty="0" smtClean="0"/>
+              <a:t>         }</a:t>
+            </a:r>
+            <a:endParaRPr lang="en-US" altLang="ko-KR" sz="1000" dirty="0"/>
+          </a:p>
+          <a:p>
+            <a:r>
+              <a:rPr lang="en-US" altLang="ko-KR" sz="1000" dirty="0" smtClean="0"/>
+              <a:t>         else</a:t>
+            </a:r>
+            <a:r>
+              <a:rPr lang="ko-KR" altLang="en-US" sz="1000" dirty="0" smtClean="0"/>
+              <a:t> </a:t>
+            </a:r>
+            <a:endParaRPr lang="en-US" altLang="ko-KR" sz="1000" dirty="0" smtClean="0"/>
+          </a:p>
+          <a:p>
+            <a:r>
+              <a:rPr lang="en-US" altLang="ko-KR" sz="1000" dirty="0"/>
+              <a:t> </a:t>
+            </a:r>
+            <a:r>
+              <a:rPr lang="en-US" altLang="ko-KR" sz="1000" dirty="0" smtClean="0"/>
+              <a:t>        {</a:t>
+            </a:r>
+            <a:endParaRPr lang="en-US" altLang="ko-KR" sz="1000" dirty="0"/>
+          </a:p>
+          <a:p>
+            <a:r>
+              <a:rPr lang="en-US" altLang="ko-KR" sz="1000" dirty="0" smtClean="0"/>
+              <a:t>            </a:t>
+            </a:r>
+            <a:r>
+              <a:rPr lang="en-US" altLang="ko-KR" sz="1000" dirty="0" err="1" smtClean="0"/>
+              <a:t>WriteBuffer</a:t>
+            </a:r>
+            <a:r>
+              <a:rPr lang="en-US" altLang="ko-KR" sz="1000" dirty="0" smtClean="0"/>
+              <a:t>(k</a:t>
+            </a:r>
+            <a:r>
+              <a:rPr lang="en-US" altLang="ko-KR" sz="1000" dirty="0"/>
+              <a:t>, </a:t>
+            </a:r>
+            <a:r>
+              <a:rPr lang="en-US" altLang="ko-KR" sz="1000" dirty="0" err="1"/>
+              <a:t>i</a:t>
+            </a:r>
+            <a:r>
+              <a:rPr lang="en-US" altLang="ko-KR" sz="1000" dirty="0"/>
+              <a:t>, "□");</a:t>
+            </a:r>
+          </a:p>
+          <a:p>
+            <a:r>
+              <a:rPr lang="en-US" altLang="ko-KR" sz="1000" dirty="0" smtClean="0"/>
+              <a:t>         }</a:t>
+            </a:r>
+            <a:endParaRPr lang="en-US" altLang="ko-KR" sz="1000" dirty="0"/>
+          </a:p>
+          <a:p>
+            <a:r>
+              <a:rPr lang="en-US" altLang="ko-KR" sz="1000" dirty="0" smtClean="0"/>
+              <a:t>      }</a:t>
+            </a:r>
+            <a:endParaRPr lang="en-US" altLang="ko-KR" sz="1000" dirty="0"/>
+          </a:p>
+          <a:p>
+            <a:r>
+              <a:rPr lang="en-US" altLang="ko-KR" sz="1000" dirty="0" smtClean="0"/>
+              <a:t>   }</a:t>
+            </a:r>
+            <a:endParaRPr lang="en-US" altLang="ko-KR" sz="1000" dirty="0"/>
+          </a:p>
+          <a:p>
+            <a:r>
+              <a:rPr lang="en-US" altLang="ko-KR" sz="1000" dirty="0" smtClean="0"/>
+              <a:t>}</a:t>
+            </a:r>
+            <a:endParaRPr lang="ko-KR" altLang="en-US" sz="1000" dirty="0"/>
           </a:p>
         </p:txBody>
       </p:sp>
@@ -7408,8 +9171,8 @@
         </p:nvSpPr>
         <p:spPr>
           <a:xfrm>
-            <a:off x="337751" y="230658"/>
-            <a:ext cx="6293708" cy="1477328"/>
+            <a:off x="57665" y="82377"/>
+            <a:ext cx="6293708" cy="2400657"/>
           </a:xfrm>
           <a:prstGeom prst="rect">
             <a:avLst/>
@@ -7423,33 +9186,388 @@
           <a:lstStyle/>
           <a:p>
             <a:r>
-              <a:rPr lang="en-US" altLang="ko-KR" dirty="0" smtClean="0"/>
+              <a:rPr lang="en-US" altLang="ko-KR" sz="1000" dirty="0" smtClean="0"/>
               <a:t>Class </a:t>
             </a:r>
             <a:r>
-              <a:rPr lang="en-US" altLang="ko-KR" dirty="0" err="1" smtClean="0"/>
+              <a:rPr lang="en-US" altLang="ko-KR" sz="1000" dirty="0" err="1" smtClean="0"/>
               <a:t>GameMain</a:t>
             </a:r>
-            <a:endParaRPr lang="en-US" altLang="ko-KR" dirty="0" smtClean="0"/>
-          </a:p>
-          <a:p>
-            <a:r>
-              <a:rPr lang="en-US" altLang="ko-KR" dirty="0" smtClean="0"/>
+            <a:endParaRPr lang="en-US" altLang="ko-KR" sz="1000" dirty="0" smtClean="0"/>
+          </a:p>
+          <a:p>
+            <a:r>
+              <a:rPr lang="en-US" altLang="ko-KR" sz="1000" dirty="0" smtClean="0"/>
               <a:t>{</a:t>
             </a:r>
           </a:p>
           <a:p>
-            <a:endParaRPr lang="en-US" altLang="ko-KR" dirty="0" smtClean="0"/>
-          </a:p>
-          <a:p>
-            <a:endParaRPr lang="en-US" altLang="ko-KR" dirty="0"/>
-          </a:p>
-          <a:p>
-            <a:r>
-              <a:rPr lang="en-US" altLang="ko-KR" dirty="0" smtClean="0"/>
+            <a:r>
+              <a:rPr lang="en-US" altLang="ko-KR" sz="1000" dirty="0"/>
+              <a:t> </a:t>
+            </a:r>
+            <a:r>
+              <a:rPr lang="en-US" altLang="ko-KR" sz="1000" dirty="0" smtClean="0"/>
+              <a:t>private:</a:t>
+            </a:r>
+          </a:p>
+          <a:p>
+            <a:r>
+              <a:rPr lang="en-US" altLang="ko-KR" sz="1000" dirty="0" smtClean="0"/>
+              <a:t>    Tetris </a:t>
+            </a:r>
+            <a:r>
+              <a:rPr lang="en-US" altLang="ko-KR" sz="1000" dirty="0" err="1" smtClean="0"/>
+              <a:t>tr</a:t>
+            </a:r>
+            <a:r>
+              <a:rPr lang="en-US" altLang="ko-KR" sz="1000" dirty="0" smtClean="0"/>
+              <a:t>;</a:t>
+            </a:r>
+          </a:p>
+          <a:p>
+            <a:r>
+              <a:rPr lang="en-US" altLang="ko-KR" sz="1000" dirty="0"/>
+              <a:t> </a:t>
+            </a:r>
+            <a:r>
+              <a:rPr lang="en-US" altLang="ko-KR" sz="1000" dirty="0" smtClean="0"/>
+              <a:t>   </a:t>
+            </a:r>
+            <a:r>
+              <a:rPr lang="en-US" altLang="ko-KR" sz="1000" dirty="0" err="1" smtClean="0"/>
+              <a:t>TetrisChief</a:t>
+            </a:r>
+            <a:r>
+              <a:rPr lang="en-US" altLang="ko-KR" sz="1000" dirty="0" smtClean="0"/>
+              <a:t> </a:t>
+            </a:r>
+            <a:r>
+              <a:rPr lang="en-US" altLang="ko-KR" sz="1000" dirty="0" err="1" smtClean="0"/>
+              <a:t>tc</a:t>
+            </a:r>
+            <a:r>
+              <a:rPr lang="en-US" altLang="ko-KR" sz="1000" dirty="0" smtClean="0"/>
+              <a:t>;</a:t>
+            </a:r>
+          </a:p>
+          <a:p>
+            <a:r>
+              <a:rPr lang="en-US" altLang="ko-KR" sz="1000" dirty="0"/>
+              <a:t> </a:t>
+            </a:r>
+            <a:r>
+              <a:rPr lang="en-US" altLang="ko-KR" sz="1000" dirty="0" smtClean="0"/>
+              <a:t>   Map </a:t>
+            </a:r>
+            <a:r>
+              <a:rPr lang="en-US" altLang="ko-KR" sz="1000" dirty="0" err="1" smtClean="0"/>
+              <a:t>mp</a:t>
+            </a:r>
+            <a:r>
+              <a:rPr lang="en-US" altLang="ko-KR" sz="1000" dirty="0" smtClean="0"/>
+              <a:t>;</a:t>
+            </a:r>
+          </a:p>
+          <a:p>
+            <a:r>
+              <a:rPr lang="en-US" altLang="ko-KR" sz="1000" dirty="0"/>
+              <a:t> </a:t>
+            </a:r>
+            <a:r>
+              <a:rPr lang="en-US" altLang="ko-KR" sz="1000" dirty="0" smtClean="0"/>
+              <a:t>   </a:t>
+            </a:r>
+            <a:r>
+              <a:rPr lang="en-US" altLang="ko-KR" sz="1000" dirty="0" err="1" smtClean="0"/>
+              <a:t>int</a:t>
+            </a:r>
+            <a:r>
+              <a:rPr lang="en-US" altLang="ko-KR" sz="1000" dirty="0" smtClean="0"/>
+              <a:t> key = 0;</a:t>
+            </a:r>
+            <a:endParaRPr lang="en-US" altLang="ko-KR" sz="1000" dirty="0" smtClean="0"/>
+          </a:p>
+          <a:p>
+            <a:r>
+              <a:rPr lang="en-US" altLang="ko-KR" sz="1000" dirty="0"/>
+              <a:t> </a:t>
+            </a:r>
+            <a:r>
+              <a:rPr lang="en-US" altLang="ko-KR" sz="1000" dirty="0" smtClean="0"/>
+              <a:t>public:</a:t>
+            </a:r>
+          </a:p>
+          <a:p>
+            <a:r>
+              <a:rPr lang="en-US" altLang="ko-KR" sz="1000" dirty="0" smtClean="0"/>
+              <a:t>    void </a:t>
+            </a:r>
+            <a:r>
+              <a:rPr lang="en-US" altLang="ko-KR" sz="1000" dirty="0" err="1" smtClean="0"/>
+              <a:t>Init</a:t>
+            </a:r>
+            <a:r>
+              <a:rPr lang="en-US" altLang="ko-KR" sz="1000" dirty="0" smtClean="0"/>
+              <a:t>();</a:t>
+            </a:r>
+          </a:p>
+          <a:p>
+            <a:r>
+              <a:rPr lang="en-US" altLang="ko-KR" sz="1000" dirty="0"/>
+              <a:t> </a:t>
+            </a:r>
+            <a:r>
+              <a:rPr lang="en-US" altLang="ko-KR" sz="1000" dirty="0" smtClean="0"/>
+              <a:t>   void Update();</a:t>
+            </a:r>
+          </a:p>
+          <a:p>
+            <a:r>
+              <a:rPr lang="en-US" altLang="ko-KR" sz="1000" dirty="0"/>
+              <a:t> </a:t>
+            </a:r>
+            <a:r>
+              <a:rPr lang="en-US" altLang="ko-KR" sz="1000" dirty="0" smtClean="0"/>
+              <a:t>   void Release();</a:t>
+            </a:r>
+            <a:endParaRPr lang="en-US" altLang="ko-KR" sz="1000" dirty="0"/>
+          </a:p>
+          <a:p>
+            <a:r>
+              <a:rPr lang="en-US" altLang="ko-KR" sz="1000" dirty="0" smtClean="0"/>
               <a:t>}</a:t>
             </a:r>
-            <a:endParaRPr lang="ko-KR" altLang="en-US" dirty="0"/>
+          </a:p>
+          <a:p>
+            <a:endParaRPr lang="en-US" altLang="ko-KR" sz="1000" dirty="0"/>
+          </a:p>
+          <a:p>
+            <a:endParaRPr lang="en-US" altLang="ko-KR" sz="1000" dirty="0" smtClean="0"/>
+          </a:p>
+          <a:p>
+            <a:endParaRPr lang="en-US" altLang="ko-KR" sz="1000" dirty="0"/>
+          </a:p>
+        </p:txBody>
+      </p:sp>
+      <p:sp>
+        <p:nvSpPr>
+          <p:cNvPr id="3" name="TextBox 2"/>
+          <p:cNvSpPr txBox="1"/>
+          <p:nvPr/>
+        </p:nvSpPr>
+        <p:spPr>
+          <a:xfrm>
+            <a:off x="1717589" y="82376"/>
+            <a:ext cx="6293708" cy="2862322"/>
+          </a:xfrm>
+          <a:prstGeom prst="rect">
+            <a:avLst/>
+          </a:prstGeom>
+          <a:noFill/>
+        </p:spPr>
+        <p:txBody>
+          <a:bodyPr wrap="square" rtlCol="0">
+            <a:spAutoFit/>
+          </a:bodyPr>
+          <a:lstStyle/>
+          <a:p>
+            <a:r>
+              <a:rPr lang="en-US" altLang="ko-KR" sz="1000" dirty="0" smtClean="0"/>
+              <a:t>Void </a:t>
+            </a:r>
+            <a:r>
+              <a:rPr lang="en-US" altLang="ko-KR" sz="1000" dirty="0" err="1" smtClean="0"/>
+              <a:t>Init</a:t>
+            </a:r>
+            <a:r>
+              <a:rPr lang="en-US" altLang="ko-KR" sz="1000" dirty="0" smtClean="0"/>
+              <a:t>()</a:t>
+            </a:r>
+          </a:p>
+          <a:p>
+            <a:r>
+              <a:rPr lang="en-US" altLang="ko-KR" sz="1000" dirty="0" smtClean="0"/>
+              <a:t>{</a:t>
+            </a:r>
+          </a:p>
+          <a:p>
+            <a:r>
+              <a:rPr lang="en-US" altLang="ko-KR" sz="1000" dirty="0"/>
+              <a:t> </a:t>
+            </a:r>
+            <a:r>
+              <a:rPr lang="en-US" altLang="ko-KR" sz="1000" dirty="0" smtClean="0"/>
+              <a:t>  </a:t>
+            </a:r>
+            <a:r>
+              <a:rPr lang="en-US" altLang="ko-KR" sz="1000" dirty="0" err="1" smtClean="0"/>
+              <a:t>mp</a:t>
+            </a:r>
+            <a:r>
+              <a:rPr lang="en-US" altLang="ko-KR" sz="1000" dirty="0" smtClean="0"/>
+              <a:t> = new Map();</a:t>
+            </a:r>
+          </a:p>
+          <a:p>
+            <a:r>
+              <a:rPr lang="en-US" altLang="ko-KR" sz="1000" dirty="0"/>
+              <a:t> </a:t>
+            </a:r>
+            <a:r>
+              <a:rPr lang="en-US" altLang="ko-KR" sz="1000" dirty="0" smtClean="0"/>
+              <a:t>  </a:t>
+            </a:r>
+            <a:r>
+              <a:rPr lang="en-US" altLang="ko-KR" sz="1000" dirty="0" err="1" smtClean="0"/>
+              <a:t>tc</a:t>
+            </a:r>
+            <a:r>
+              <a:rPr lang="en-US" altLang="ko-KR" sz="1000" dirty="0" smtClean="0"/>
+              <a:t> = new </a:t>
+            </a:r>
+            <a:r>
+              <a:rPr lang="en-US" altLang="ko-KR" sz="1000" dirty="0" err="1" smtClean="0"/>
+              <a:t>TetrisChief</a:t>
+            </a:r>
+            <a:r>
+              <a:rPr lang="en-US" altLang="ko-KR" sz="1000" dirty="0" smtClean="0"/>
+              <a:t>(&amp;map);</a:t>
+            </a:r>
+          </a:p>
+          <a:p>
+            <a:r>
+              <a:rPr lang="en-US" altLang="ko-KR" sz="1000" dirty="0" smtClean="0"/>
+              <a:t>   </a:t>
+            </a:r>
+            <a:r>
+              <a:rPr lang="en-US" altLang="ko-KR" sz="1000" dirty="0" err="1" smtClean="0"/>
+              <a:t>tr</a:t>
+            </a:r>
+            <a:r>
+              <a:rPr lang="en-US" altLang="ko-KR" sz="1000" dirty="0" smtClean="0"/>
+              <a:t> = </a:t>
+            </a:r>
+            <a:r>
+              <a:rPr lang="en-US" altLang="ko-KR" sz="1000" dirty="0"/>
+              <a:t>new </a:t>
+            </a:r>
+            <a:r>
+              <a:rPr lang="en-US" altLang="ko-KR" sz="1000" dirty="0" smtClean="0"/>
+              <a:t>Tetris(&amp;map);</a:t>
+            </a:r>
+          </a:p>
+          <a:p>
+            <a:r>
+              <a:rPr lang="en-US" altLang="ko-KR" sz="1000" dirty="0"/>
+              <a:t>}</a:t>
+            </a:r>
+            <a:endParaRPr lang="en-US" altLang="ko-KR" sz="1000" dirty="0" smtClean="0"/>
+          </a:p>
+          <a:p>
+            <a:endParaRPr lang="en-US" altLang="ko-KR" sz="1000" dirty="0" smtClean="0"/>
+          </a:p>
+          <a:p>
+            <a:r>
+              <a:rPr lang="en-US" altLang="ko-KR" sz="1000" dirty="0" smtClean="0"/>
+              <a:t>Void Update()</a:t>
+            </a:r>
+          </a:p>
+          <a:p>
+            <a:r>
+              <a:rPr lang="en-US" altLang="ko-KR" sz="1000" dirty="0" smtClean="0"/>
+              <a:t>{</a:t>
+            </a:r>
+          </a:p>
+          <a:p>
+            <a:r>
+              <a:rPr lang="en-US" altLang="ko-KR" sz="1000" dirty="0" smtClean="0"/>
+              <a:t>   </a:t>
+            </a:r>
+            <a:endParaRPr lang="en-US" altLang="ko-KR" sz="1000" dirty="0"/>
+          </a:p>
+          <a:p>
+            <a:r>
+              <a:rPr lang="en-US" altLang="ko-KR" sz="1000" dirty="0" smtClean="0"/>
+              <a:t>}</a:t>
+            </a:r>
+          </a:p>
+          <a:p>
+            <a:endParaRPr lang="en-US" altLang="ko-KR" sz="1000" dirty="0"/>
+          </a:p>
+          <a:p>
+            <a:r>
+              <a:rPr lang="en-US" altLang="ko-KR" sz="1000" dirty="0" smtClean="0"/>
+              <a:t>Void Release()</a:t>
+            </a:r>
+          </a:p>
+          <a:p>
+            <a:r>
+              <a:rPr lang="en-US" altLang="ko-KR" sz="1000" dirty="0" smtClean="0"/>
+              <a:t>{</a:t>
+            </a:r>
+          </a:p>
+          <a:p>
+            <a:r>
+              <a:rPr lang="en-US" altLang="ko-KR" sz="1000" dirty="0" smtClean="0"/>
+              <a:t>   delete </a:t>
+            </a:r>
+            <a:r>
+              <a:rPr lang="en-US" altLang="ko-KR" sz="1000" dirty="0" err="1" smtClean="0"/>
+              <a:t>tr</a:t>
+            </a:r>
+            <a:r>
+              <a:rPr lang="en-US" altLang="ko-KR" sz="1000" dirty="0" smtClean="0"/>
+              <a:t>;</a:t>
+            </a:r>
+          </a:p>
+          <a:p>
+            <a:r>
+              <a:rPr lang="en-US" altLang="ko-KR" sz="1000" dirty="0"/>
+              <a:t> </a:t>
+            </a:r>
+            <a:r>
+              <a:rPr lang="en-US" altLang="ko-KR" sz="1000" dirty="0" smtClean="0"/>
+              <a:t>  delete </a:t>
+            </a:r>
+            <a:r>
+              <a:rPr lang="en-US" altLang="ko-KR" sz="1000" dirty="0" err="1" smtClean="0"/>
+              <a:t>tc</a:t>
+            </a:r>
+            <a:r>
+              <a:rPr lang="en-US" altLang="ko-KR" sz="1000" dirty="0" smtClean="0"/>
+              <a:t>;</a:t>
+            </a:r>
+          </a:p>
+          <a:p>
+            <a:r>
+              <a:rPr lang="en-US" altLang="ko-KR" sz="1000" dirty="0"/>
+              <a:t> </a:t>
+            </a:r>
+            <a:r>
+              <a:rPr lang="en-US" altLang="ko-KR" sz="1000" dirty="0" smtClean="0"/>
+              <a:t>  </a:t>
+            </a:r>
+            <a:r>
+              <a:rPr lang="en-US" altLang="ko-KR" sz="1000" dirty="0" smtClean="0"/>
+              <a:t>delete </a:t>
+            </a:r>
+            <a:r>
+              <a:rPr lang="en-US" altLang="ko-KR" sz="1000" dirty="0" err="1" smtClean="0"/>
+              <a:t>mp</a:t>
+            </a:r>
+            <a:r>
+              <a:rPr lang="en-US" altLang="ko-KR" sz="1000" dirty="0" smtClean="0"/>
+              <a:t>;</a:t>
+            </a:r>
+            <a:endParaRPr lang="en-US" altLang="ko-KR" sz="1000" dirty="0"/>
+          </a:p>
+          <a:p>
+            <a:r>
+              <a:rPr lang="en-US" altLang="ko-KR" sz="1000" dirty="0" smtClean="0"/>
+              <a:t>}</a:t>
+            </a:r>
+            <a:endParaRPr lang="en-US" altLang="ko-KR" sz="1000" dirty="0"/>
           </a:p>
         </p:txBody>
       </p:sp>
@@ -7491,8 +9609,8 @@
         </p:nvSpPr>
         <p:spPr>
           <a:xfrm>
-            <a:off x="337751" y="230658"/>
-            <a:ext cx="6293708" cy="1477328"/>
+            <a:off x="181232" y="123566"/>
+            <a:ext cx="6293708" cy="1631216"/>
           </a:xfrm>
           <a:prstGeom prst="rect">
             <a:avLst/>
@@ -7506,32 +9624,103 @@
           <a:lstStyle/>
           <a:p>
             <a:r>
-              <a:rPr lang="en-US" altLang="ko-KR" dirty="0" err="1" smtClean="0"/>
+              <a:rPr lang="en-US" altLang="ko-KR" sz="1000" dirty="0" err="1" smtClean="0"/>
               <a:t>Int</a:t>
             </a:r>
             <a:r>
-              <a:rPr lang="en-US" altLang="ko-KR" dirty="0" smtClean="0"/>
+              <a:rPr lang="en-US" altLang="ko-KR" sz="1000" dirty="0" smtClean="0"/>
               <a:t> main(void)</a:t>
             </a:r>
           </a:p>
           <a:p>
             <a:r>
-              <a:rPr lang="en-US" altLang="ko-KR" dirty="0" smtClean="0"/>
+              <a:rPr lang="en-US" altLang="ko-KR" sz="1000" dirty="0" smtClean="0"/>
               <a:t>{</a:t>
             </a:r>
           </a:p>
           <a:p>
-            <a:endParaRPr lang="en-US" altLang="ko-KR" dirty="0" smtClean="0"/>
-          </a:p>
-          <a:p>
-            <a:endParaRPr lang="en-US" altLang="ko-KR" dirty="0"/>
-          </a:p>
-          <a:p>
-            <a:r>
-              <a:rPr lang="en-US" altLang="ko-KR" dirty="0" smtClean="0"/>
+            <a:r>
+              <a:rPr lang="en-US" altLang="ko-KR" sz="1000" dirty="0" smtClean="0"/>
+              <a:t>   </a:t>
+            </a:r>
+            <a:r>
+              <a:rPr lang="en-US" altLang="ko-KR" sz="1000" dirty="0" err="1" smtClean="0"/>
+              <a:t>GameMain</a:t>
+            </a:r>
+            <a:r>
+              <a:rPr lang="en-US" altLang="ko-KR" sz="1000" dirty="0"/>
+              <a:t> </a:t>
+            </a:r>
+            <a:r>
+              <a:rPr lang="en-US" altLang="ko-KR" sz="1000" dirty="0" smtClean="0"/>
+              <a:t>gm = new </a:t>
+            </a:r>
+            <a:r>
+              <a:rPr lang="en-US" altLang="ko-KR" sz="1000" dirty="0" err="1" smtClean="0"/>
+              <a:t>GameMain</a:t>
+            </a:r>
+            <a:r>
+              <a:rPr lang="en-US" altLang="ko-KR" sz="1000" dirty="0" smtClean="0"/>
+              <a:t>();</a:t>
+            </a:r>
+          </a:p>
+          <a:p>
+            <a:r>
+              <a:rPr lang="en-US" altLang="ko-KR" sz="1000" dirty="0"/>
+              <a:t> </a:t>
+            </a:r>
+            <a:r>
+              <a:rPr lang="en-US" altLang="ko-KR" sz="1000" dirty="0" smtClean="0"/>
+              <a:t> </a:t>
+            </a:r>
+          </a:p>
+          <a:p>
+            <a:r>
+              <a:rPr lang="en-US" altLang="ko-KR" sz="1000" dirty="0"/>
+              <a:t> </a:t>
+            </a:r>
+            <a:r>
+              <a:rPr lang="en-US" altLang="ko-KR" sz="1000" dirty="0" smtClean="0"/>
+              <a:t>  gm-&gt;</a:t>
+            </a:r>
+            <a:r>
+              <a:rPr lang="en-US" altLang="ko-KR" sz="1000" dirty="0" err="1" smtClean="0"/>
+              <a:t>Init</a:t>
+            </a:r>
+            <a:r>
+              <a:rPr lang="en-US" altLang="ko-KR" sz="1000" dirty="0" smtClean="0"/>
+              <a:t>(); </a:t>
+            </a:r>
+          </a:p>
+          <a:p>
+            <a:r>
+              <a:rPr lang="en-US" altLang="ko-KR" sz="1000" dirty="0" smtClean="0"/>
+              <a:t>   gm-&gt;Update(); </a:t>
+            </a:r>
+            <a:endParaRPr lang="en-US" altLang="ko-KR" sz="1000" dirty="0"/>
+          </a:p>
+          <a:p>
+            <a:r>
+              <a:rPr lang="en-US" altLang="ko-KR" sz="1000" dirty="0" smtClean="0"/>
+              <a:t>   gm-&gt;Release(); </a:t>
+            </a:r>
+          </a:p>
+          <a:p>
+            <a:endParaRPr lang="en-US" altLang="ko-KR" sz="1000" dirty="0"/>
+          </a:p>
+          <a:p>
+            <a:r>
+              <a:rPr lang="en-US" altLang="ko-KR" sz="1000" dirty="0" smtClean="0"/>
+              <a:t>   return 0;</a:t>
+            </a:r>
+            <a:endParaRPr lang="en-US" altLang="ko-KR" sz="1000" dirty="0"/>
+          </a:p>
+          <a:p>
+            <a:r>
+              <a:rPr lang="en-US" altLang="ko-KR" sz="1000" dirty="0" smtClean="0"/>
               <a:t>}</a:t>
             </a:r>
-            <a:endParaRPr lang="ko-KR" altLang="en-US" dirty="0"/>
+            <a:endParaRPr lang="ko-KR" altLang="en-US" sz="1000" dirty="0"/>
           </a:p>
         </p:txBody>
       </p:sp>

--- a/Tetris.pptx
+++ b/Tetris.pptx
@@ -8,9 +8,10 @@
     <p:sldId id="256" r:id="rId2"/>
     <p:sldId id="262" r:id="rId3"/>
     <p:sldId id="257" r:id="rId4"/>
-    <p:sldId id="258" r:id="rId5"/>
-    <p:sldId id="259" r:id="rId6"/>
-    <p:sldId id="260" r:id="rId7"/>
+    <p:sldId id="263" r:id="rId5"/>
+    <p:sldId id="258" r:id="rId6"/>
+    <p:sldId id="259" r:id="rId7"/>
+    <p:sldId id="260" r:id="rId8"/>
   </p:sldIdLst>
   <p:sldSz cx="12192000" cy="6858000"/>
   <p:notesSz cx="6858000" cy="9144000"/>
@@ -3289,7 +3290,7 @@
         <p:spPr>
           <a:xfrm>
             <a:off x="2251892" y="411480"/>
-            <a:ext cx="6293708" cy="4708981"/>
+            <a:ext cx="6293708" cy="4555093"/>
           </a:xfrm>
           <a:prstGeom prst="rect">
             <a:avLst/>
@@ -3470,6 +3471,7 @@
               <a:rPr lang="en-US" altLang="ko-KR" sz="1000" dirty="0" smtClean="0"/>
               <a:t>};</a:t>
             </a:r>
+            <a:endParaRPr lang="en-US" altLang="ko-KR" sz="1000" dirty="0" smtClean="0"/>
           </a:p>
           <a:p>
             <a:r>
@@ -3480,28 +3482,9 @@
               <a:rPr lang="en-US" altLang="ko-KR" sz="1000" dirty="0" smtClean="0"/>
               <a:t>  </a:t>
             </a:r>
-            <a:r>
-              <a:rPr lang="en-US" altLang="ko-KR" sz="1000" dirty="0" err="1" smtClean="0"/>
-              <a:t>int</a:t>
-            </a:r>
-            <a:r>
-              <a:rPr lang="en-US" altLang="ko-KR" sz="1000" dirty="0" smtClean="0"/>
-              <a:t> (*</a:t>
-            </a:r>
-            <a:r>
-              <a:rPr lang="en-US" altLang="ko-KR" sz="1000" dirty="0" err="1" smtClean="0"/>
-              <a:t>iMap</a:t>
-            </a:r>
-            <a:r>
-              <a:rPr lang="en-US" altLang="ko-KR" sz="1000" dirty="0" smtClean="0"/>
-              <a:t>)[40][20];</a:t>
-            </a:r>
             <a:endParaRPr lang="en-US" altLang="ko-KR" sz="1000" dirty="0"/>
           </a:p>
           <a:p>
-            <a:endParaRPr lang="en-US" altLang="ko-KR" sz="1000" dirty="0"/>
-          </a:p>
-          <a:p>
             <a:r>
               <a:rPr lang="en-US" altLang="ko-KR" sz="1000" dirty="0" smtClean="0"/>
               <a:t>Public:</a:t>
@@ -3514,45 +3497,18 @@
             </a:r>
             <a:r>
               <a:rPr lang="en-US" altLang="ko-KR" sz="1000" dirty="0" smtClean="0"/>
-              <a:t>  Tetris();</a:t>
-            </a:r>
-          </a:p>
-          <a:p>
-            <a:r>
-              <a:rPr lang="en-US" altLang="ko-KR" sz="1000" dirty="0" smtClean="0"/>
-              <a:t>   Tetris(</a:t>
-            </a:r>
-            <a:r>
-              <a:rPr lang="en-US" altLang="ko-KR" sz="1000" dirty="0" err="1" smtClean="0"/>
-              <a:t>int</a:t>
-            </a:r>
-            <a:r>
-              <a:rPr lang="en-US" altLang="ko-KR" sz="1000" dirty="0" smtClean="0"/>
-              <a:t> (*map)[40][20]);</a:t>
-            </a:r>
+              <a:t>  Tetris</a:t>
+            </a:r>
+            <a:r>
+              <a:rPr lang="en-US" altLang="ko-KR" sz="1000" dirty="0" smtClean="0"/>
+              <a:t>();;</a:t>
+            </a:r>
+            <a:endParaRPr lang="en-US" altLang="ko-KR" sz="1000" dirty="0" smtClean="0"/>
           </a:p>
           <a:p>
             <a:r>
               <a:rPr lang="en-US" altLang="ko-KR" sz="1000" dirty="0" smtClean="0"/>
               <a:t>   void </a:t>
-            </a:r>
-            <a:r>
-              <a:rPr lang="en-US" altLang="ko-KR" sz="1000" dirty="0" err="1"/>
-              <a:t>DrawTetris</a:t>
-            </a:r>
-            <a:r>
-              <a:rPr lang="en-US" altLang="ko-KR" sz="1000" dirty="0"/>
-              <a:t>();</a:t>
-            </a:r>
-          </a:p>
-          <a:p>
-            <a:r>
-              <a:rPr lang="en-US" altLang="ko-KR" sz="1000" dirty="0"/>
-              <a:t>   </a:t>
-            </a:r>
-            <a:r>
-              <a:rPr lang="en-US" altLang="ko-KR" sz="1000" dirty="0" smtClean="0"/>
-              <a:t>void </a:t>
             </a:r>
             <a:r>
               <a:rPr lang="en-US" altLang="ko-KR" sz="1000" dirty="0" err="1"/>
@@ -3583,30 +3539,8 @@
           </a:p>
           <a:p>
             <a:r>
-              <a:rPr lang="en-US" altLang="ko-KR" sz="1000" dirty="0"/>
-              <a:t>   </a:t>
-            </a:r>
-            <a:r>
-              <a:rPr lang="en-US" altLang="ko-KR" sz="1000" dirty="0" smtClean="0"/>
-              <a:t>void </a:t>
-            </a:r>
-            <a:r>
-              <a:rPr lang="en-US" altLang="ko-KR" sz="1000" dirty="0" err="1"/>
-              <a:t>CheckTetris</a:t>
-            </a:r>
-            <a:r>
-              <a:rPr lang="en-US" altLang="ko-KR" sz="1000" dirty="0"/>
-              <a:t>();</a:t>
-            </a:r>
-          </a:p>
-          <a:p>
-            <a:r>
-              <a:rPr lang="en-US" altLang="ko-KR" sz="1000" dirty="0"/>
-              <a:t>   </a:t>
-            </a:r>
-            <a:r>
-              <a:rPr lang="en-US" altLang="ko-KR" sz="1000" dirty="0" smtClean="0"/>
-              <a:t>void </a:t>
+              <a:rPr lang="en-US" altLang="ko-KR" sz="1000" dirty="0" smtClean="0"/>
+              <a:t>   void </a:t>
             </a:r>
             <a:r>
               <a:rPr lang="en-US" altLang="ko-KR" sz="1000" dirty="0" err="1"/>
@@ -3652,6 +3586,81 @@
               <a:rPr lang="en-US" altLang="ko-KR" sz="1000" dirty="0" smtClean="0"/>
               <a:t>();</a:t>
             </a:r>
+          </a:p>
+          <a:p>
+            <a:r>
+              <a:rPr lang="en-US" altLang="ko-KR" sz="1000" dirty="0"/>
+              <a:t> </a:t>
+            </a:r>
+            <a:r>
+              <a:rPr lang="en-US" altLang="ko-KR" sz="1000" dirty="0" smtClean="0"/>
+              <a:t>  </a:t>
+            </a:r>
+            <a:r>
+              <a:rPr lang="en-US" altLang="ko-KR" sz="1000" dirty="0" err="1" smtClean="0"/>
+              <a:t>int</a:t>
+            </a:r>
+            <a:r>
+              <a:rPr lang="en-US" altLang="ko-KR" sz="1000" dirty="0" smtClean="0"/>
+              <a:t> </a:t>
+            </a:r>
+            <a:r>
+              <a:rPr lang="en-US" altLang="ko-KR" sz="1000" dirty="0" err="1" smtClean="0"/>
+              <a:t>GetTetrisY</a:t>
+            </a:r>
+            <a:r>
+              <a:rPr lang="en-US" altLang="ko-KR" sz="1000" dirty="0" smtClean="0"/>
+              <a:t>();</a:t>
+            </a:r>
+          </a:p>
+          <a:p>
+            <a:r>
+              <a:rPr lang="en-US" altLang="ko-KR" sz="1000" dirty="0" smtClean="0"/>
+              <a:t>   </a:t>
+            </a:r>
+            <a:r>
+              <a:rPr lang="en-US" altLang="ko-KR" sz="1000" dirty="0" err="1" smtClean="0"/>
+              <a:t>int</a:t>
+            </a:r>
+            <a:r>
+              <a:rPr lang="en-US" altLang="ko-KR" sz="1000" dirty="0" smtClean="0"/>
+              <a:t> </a:t>
+            </a:r>
+            <a:r>
+              <a:rPr lang="en-US" altLang="ko-KR" sz="1000" dirty="0" err="1" smtClean="0"/>
+              <a:t>GetTetrisX</a:t>
+            </a:r>
+            <a:r>
+              <a:rPr lang="en-US" altLang="ko-KR" sz="1000" dirty="0" smtClean="0"/>
+              <a:t>();</a:t>
+            </a:r>
+          </a:p>
+          <a:p>
+            <a:r>
+              <a:rPr lang="en-US" altLang="ko-KR" sz="1000" dirty="0"/>
+              <a:t> </a:t>
+            </a:r>
+            <a:r>
+              <a:rPr lang="en-US" altLang="ko-KR" sz="1000" dirty="0" smtClean="0"/>
+              <a:t>  </a:t>
+            </a:r>
+            <a:r>
+              <a:rPr lang="en-US" altLang="ko-KR" sz="1000" dirty="0" err="1" smtClean="0"/>
+              <a:t>int</a:t>
+            </a:r>
+            <a:r>
+              <a:rPr lang="en-US" altLang="ko-KR" sz="1000" dirty="0" smtClean="0"/>
+              <a:t> </a:t>
+            </a:r>
+            <a:r>
+              <a:rPr lang="en-US" altLang="ko-KR" sz="1000" dirty="0" err="1" smtClean="0"/>
+              <a:t>GetTetrisMember</a:t>
+            </a:r>
+            <a:r>
+              <a:rPr lang="en-US" altLang="ko-KR" sz="1000" dirty="0" smtClean="0"/>
+              <a:t>();</a:t>
+            </a:r>
+            <a:endParaRPr lang="en-US" altLang="ko-KR" sz="1000" dirty="0" smtClean="0"/>
           </a:p>
           <a:p>
             <a:r>
@@ -3695,7 +3704,7 @@
         <p:spPr>
           <a:xfrm>
             <a:off x="4272800" y="205534"/>
-            <a:ext cx="6293708" cy="6247864"/>
+            <a:ext cx="6293708" cy="2400657"/>
           </a:xfrm>
           <a:prstGeom prst="rect">
             <a:avLst/>
@@ -3714,20 +3723,13 @@
             </a:r>
             <a:r>
               <a:rPr lang="en-US" altLang="ko-KR" sz="1000" dirty="0"/>
-              <a:t>:: Tetris(</a:t>
-            </a:r>
-            <a:r>
-              <a:rPr lang="en-US" altLang="ko-KR" sz="1000" dirty="0" err="1"/>
-              <a:t>int</a:t>
-            </a:r>
-            <a:r>
-              <a:rPr lang="en-US" altLang="ko-KR" sz="1000" dirty="0"/>
-              <a:t> (*map)[40][20</a:t>
-            </a:r>
-            <a:r>
-              <a:rPr lang="en-US" altLang="ko-KR" sz="1000" dirty="0" smtClean="0"/>
-              <a:t>])</a:t>
-            </a:r>
+              <a:t>:: Tetris</a:t>
+            </a:r>
+            <a:r>
+              <a:rPr lang="en-US" altLang="ko-KR" sz="1000" dirty="0" smtClean="0"/>
+              <a:t>()</a:t>
+            </a:r>
+            <a:endParaRPr lang="en-US" altLang="ko-KR" sz="1000" dirty="0" smtClean="0"/>
           </a:p>
           <a:p>
             <a:r>
@@ -3746,29 +3748,15 @@
             </a:r>
             <a:r>
               <a:rPr lang="en-US" altLang="ko-KR" sz="1000" dirty="0" err="1" smtClean="0"/>
-              <a:t>iMap</a:t>
-            </a:r>
-            <a:r>
-              <a:rPr lang="en-US" altLang="ko-KR" sz="1000" dirty="0" smtClean="0"/>
-              <a:t> = map;</a:t>
-            </a:r>
-          </a:p>
-          <a:p>
-            <a:r>
-              <a:rPr lang="en-US" altLang="ko-KR" sz="1000" dirty="0"/>
-              <a:t> </a:t>
-            </a:r>
-            <a:r>
-              <a:rPr lang="en-US" altLang="ko-KR" sz="1000" dirty="0" smtClean="0"/>
-              <a:t>  </a:t>
-            </a:r>
-            <a:r>
-              <a:rPr lang="en-US" altLang="ko-KR" sz="1000" dirty="0" err="1" smtClean="0"/>
               <a:t>srand</a:t>
             </a:r>
             <a:r>
               <a:rPr lang="en-US" altLang="ko-KR" sz="1000" dirty="0" smtClean="0"/>
-              <a:t>(time(NULL));</a:t>
+              <a:t>(time(NULL</a:t>
+            </a:r>
+            <a:r>
+              <a:rPr lang="en-US" altLang="ko-KR" sz="1000" dirty="0" smtClean="0"/>
+              <a:t>));</a:t>
             </a:r>
           </a:p>
           <a:p>
@@ -3884,277 +3872,6 @@
           </a:p>
           <a:p>
             <a:endParaRPr lang="en-US" altLang="ko-KR" sz="1000" dirty="0"/>
-          </a:p>
-          <a:p>
-            <a:r>
-              <a:rPr lang="en-US" altLang="ko-KR" sz="1000" dirty="0"/>
-              <a:t>Void </a:t>
-            </a:r>
-            <a:r>
-              <a:rPr lang="en-US" altLang="ko-KR" sz="1000" dirty="0" err="1"/>
-              <a:t>DrawTetris</a:t>
-            </a:r>
-            <a:r>
-              <a:rPr lang="en-US" altLang="ko-KR" sz="1000" dirty="0"/>
-              <a:t>()</a:t>
-            </a:r>
-          </a:p>
-          <a:p>
-            <a:r>
-              <a:rPr lang="en-US" altLang="ko-KR" sz="1000" dirty="0"/>
-              <a:t>{</a:t>
-            </a:r>
-          </a:p>
-          <a:p>
-            <a:r>
-              <a:rPr lang="en-US" altLang="ko-KR" sz="1000" dirty="0"/>
-              <a:t>   </a:t>
-            </a:r>
-            <a:r>
-              <a:rPr lang="en-US" altLang="ko-KR" sz="1000" dirty="0" err="1"/>
-              <a:t>int</a:t>
-            </a:r>
-            <a:r>
-              <a:rPr lang="en-US" altLang="ko-KR" sz="1000" dirty="0"/>
-              <a:t> </a:t>
-            </a:r>
-            <a:r>
-              <a:rPr lang="en-US" altLang="ko-KR" sz="1000" dirty="0" err="1"/>
-              <a:t>saveY</a:t>
-            </a:r>
-            <a:r>
-              <a:rPr lang="en-US" altLang="ko-KR" sz="1000" dirty="0"/>
-              <a:t> = </a:t>
-            </a:r>
-            <a:r>
-              <a:rPr lang="en-US" altLang="ko-KR" sz="1000" dirty="0" err="1"/>
-              <a:t>tesY</a:t>
-            </a:r>
-            <a:r>
-              <a:rPr lang="en-US" altLang="ko-KR" sz="1000" dirty="0"/>
-              <a:t>;</a:t>
-            </a:r>
-          </a:p>
-          <a:p>
-            <a:r>
-              <a:rPr lang="en-US" altLang="ko-KR" sz="1000" dirty="0"/>
-              <a:t>   </a:t>
-            </a:r>
-            <a:r>
-              <a:rPr lang="en-US" altLang="ko-KR" sz="1000" dirty="0" err="1"/>
-              <a:t>int</a:t>
-            </a:r>
-            <a:r>
-              <a:rPr lang="en-US" altLang="ko-KR" sz="1000" dirty="0"/>
-              <a:t> </a:t>
-            </a:r>
-            <a:r>
-              <a:rPr lang="en-US" altLang="ko-KR" sz="1000" dirty="0" err="1"/>
-              <a:t>saveX</a:t>
-            </a:r>
-            <a:r>
-              <a:rPr lang="en-US" altLang="ko-KR" sz="1000" dirty="0"/>
-              <a:t> = </a:t>
-            </a:r>
-            <a:r>
-              <a:rPr lang="en-US" altLang="ko-KR" sz="1000" dirty="0" err="1"/>
-              <a:t>tesX</a:t>
-            </a:r>
-            <a:r>
-              <a:rPr lang="en-US" altLang="ko-KR" sz="1000" dirty="0"/>
-              <a:t>;</a:t>
-            </a:r>
-          </a:p>
-          <a:p>
-            <a:endParaRPr lang="en-US" altLang="ko-KR" sz="1000" dirty="0"/>
-          </a:p>
-          <a:p>
-            <a:r>
-              <a:rPr lang="en-US" altLang="ko-KR" sz="1000" dirty="0"/>
-              <a:t>   for(</a:t>
-            </a:r>
-            <a:r>
-              <a:rPr lang="en-US" altLang="ko-KR" sz="1000" dirty="0" err="1"/>
-              <a:t>int</a:t>
-            </a:r>
-            <a:r>
-              <a:rPr lang="en-US" altLang="ko-KR" sz="1000" dirty="0"/>
-              <a:t> y=0; y&lt;4; y++)</a:t>
-            </a:r>
-          </a:p>
-          <a:p>
-            <a:r>
-              <a:rPr lang="en-US" altLang="ko-KR" sz="1000" dirty="0"/>
-              <a:t>   {</a:t>
-            </a:r>
-          </a:p>
-          <a:p>
-            <a:r>
-              <a:rPr lang="en-US" altLang="ko-KR" sz="1000" dirty="0"/>
-              <a:t>       if(</a:t>
-            </a:r>
-            <a:r>
-              <a:rPr lang="en-US" altLang="ko-KR" sz="1000" dirty="0" err="1"/>
-              <a:t>tesY+y</a:t>
-            </a:r>
-            <a:r>
-              <a:rPr lang="en-US" altLang="ko-KR" sz="1000" dirty="0"/>
-              <a:t> &lt; 0)</a:t>
-            </a:r>
-          </a:p>
-          <a:p>
-            <a:r>
-              <a:rPr lang="en-US" altLang="ko-KR" sz="1000" dirty="0"/>
-              <a:t>       {</a:t>
-            </a:r>
-          </a:p>
-          <a:p>
-            <a:r>
-              <a:rPr lang="en-US" altLang="ko-KR" sz="1000" dirty="0"/>
-              <a:t>           continue;</a:t>
-            </a:r>
-          </a:p>
-          <a:p>
-            <a:r>
-              <a:rPr lang="en-US" altLang="ko-KR" sz="1000" dirty="0"/>
-              <a:t>       }</a:t>
-            </a:r>
-          </a:p>
-          <a:p>
-            <a:r>
-              <a:rPr lang="en-US" altLang="ko-KR" sz="1000" dirty="0"/>
-              <a:t>       for(</a:t>
-            </a:r>
-            <a:r>
-              <a:rPr lang="en-US" altLang="ko-KR" sz="1000" dirty="0" err="1"/>
-              <a:t>int</a:t>
-            </a:r>
-            <a:r>
-              <a:rPr lang="en-US" altLang="ko-KR" sz="1000" dirty="0"/>
-              <a:t> x = 0; x&lt;4; x++)</a:t>
-            </a:r>
-          </a:p>
-          <a:p>
-            <a:r>
-              <a:rPr lang="en-US" altLang="ko-KR" sz="1000" dirty="0"/>
-              <a:t>       {</a:t>
-            </a:r>
-          </a:p>
-          <a:p>
-            <a:r>
-              <a:rPr lang="en-US" altLang="ko-KR" sz="1000" dirty="0"/>
-              <a:t>           if(Member[y][x] == 1)</a:t>
-            </a:r>
-          </a:p>
-          <a:p>
-            <a:r>
-              <a:rPr lang="en-US" altLang="ko-KR" sz="1000" dirty="0"/>
-              <a:t>           {</a:t>
-            </a:r>
-          </a:p>
-          <a:p>
-            <a:r>
-              <a:rPr lang="en-US" altLang="ko-KR" sz="1000" dirty="0"/>
-              <a:t>               (*</a:t>
-            </a:r>
-            <a:r>
-              <a:rPr lang="en-US" altLang="ko-KR" sz="1000" dirty="0" err="1"/>
-              <a:t>iMap</a:t>
-            </a:r>
-            <a:r>
-              <a:rPr lang="en-US" altLang="ko-KR" sz="1000" dirty="0"/>
-              <a:t>)[</a:t>
-            </a:r>
-            <a:r>
-              <a:rPr lang="en-US" altLang="ko-KR" sz="1000" dirty="0" err="1"/>
-              <a:t>saveY</a:t>
-            </a:r>
-            <a:r>
-              <a:rPr lang="en-US" altLang="ko-KR" sz="1000" dirty="0"/>
-              <a:t>][</a:t>
-            </a:r>
-            <a:r>
-              <a:rPr lang="en-US" altLang="ko-KR" sz="1000" dirty="0" err="1"/>
-              <a:t>saveX</a:t>
-            </a:r>
-            <a:r>
-              <a:rPr lang="en-US" altLang="ko-KR" sz="1000" dirty="0"/>
-              <a:t>] += Member[y][x];</a:t>
-            </a:r>
-          </a:p>
-          <a:p>
-            <a:r>
-              <a:rPr lang="en-US" altLang="ko-KR" sz="1000" dirty="0"/>
-              <a:t>           }</a:t>
-            </a:r>
-          </a:p>
-          <a:p>
-            <a:r>
-              <a:rPr lang="en-US" altLang="ko-KR" sz="1000" dirty="0"/>
-              <a:t>           </a:t>
-            </a:r>
-            <a:r>
-              <a:rPr lang="en-US" altLang="ko-KR" sz="1000" dirty="0" err="1"/>
-              <a:t>saveX</a:t>
-            </a:r>
-            <a:r>
-              <a:rPr lang="en-US" altLang="ko-KR" sz="1000" dirty="0"/>
-              <a:t>++;</a:t>
-            </a:r>
-          </a:p>
-          <a:p>
-            <a:r>
-              <a:rPr lang="en-US" altLang="ko-KR" sz="1000" dirty="0"/>
-              <a:t>       }</a:t>
-            </a:r>
-          </a:p>
-          <a:p>
-            <a:r>
-              <a:rPr lang="en-US" altLang="ko-KR" sz="1000" dirty="0"/>
-              <a:t>       </a:t>
-            </a:r>
-            <a:r>
-              <a:rPr lang="en-US" altLang="ko-KR" sz="1000" dirty="0" err="1"/>
-              <a:t>saveX</a:t>
-            </a:r>
-            <a:r>
-              <a:rPr lang="en-US" altLang="ko-KR" sz="1000" dirty="0"/>
-              <a:t> = </a:t>
-            </a:r>
-            <a:r>
-              <a:rPr lang="en-US" altLang="ko-KR" sz="1000" dirty="0" err="1"/>
-              <a:t>tesX</a:t>
-            </a:r>
-            <a:r>
-              <a:rPr lang="en-US" altLang="ko-KR" sz="1000" dirty="0"/>
-              <a:t>;</a:t>
-            </a:r>
-          </a:p>
-          <a:p>
-            <a:r>
-              <a:rPr lang="en-US" altLang="ko-KR" sz="1000" dirty="0"/>
-              <a:t>       </a:t>
-            </a:r>
-            <a:r>
-              <a:rPr lang="en-US" altLang="ko-KR" sz="1000" dirty="0" err="1"/>
-              <a:t>saveY</a:t>
-            </a:r>
-            <a:r>
-              <a:rPr lang="en-US" altLang="ko-KR" sz="1000" dirty="0"/>
-              <a:t>++;</a:t>
-            </a:r>
-          </a:p>
-          <a:p>
-            <a:r>
-              <a:rPr lang="en-US" altLang="ko-KR" sz="1000" dirty="0"/>
-              <a:t>   }</a:t>
-            </a:r>
-          </a:p>
-          <a:p>
-            <a:r>
-              <a:rPr lang="en-US" altLang="ko-KR" sz="1000" dirty="0"/>
-              <a:t>}</a:t>
-            </a:r>
           </a:p>
           <a:p>
             <a:endParaRPr lang="en-US" altLang="ko-KR" sz="1000" dirty="0" smtClean="0"/>
@@ -4669,14 +4386,14 @@
       </p:grpSpPr>
       <p:sp>
         <p:nvSpPr>
-          <p:cNvPr id="7" name="TextBox 6"/>
+          <p:cNvPr id="9" name="TextBox 8"/>
           <p:cNvSpPr txBox="1"/>
           <p:nvPr/>
         </p:nvSpPr>
         <p:spPr>
           <a:xfrm>
-            <a:off x="68580" y="55398"/>
-            <a:ext cx="6293708" cy="6555641"/>
+            <a:off x="160719" y="-25052"/>
+            <a:ext cx="6293708" cy="4093428"/>
           </a:xfrm>
           <a:prstGeom prst="rect">
             <a:avLst/>
@@ -4689,13 +4406,16 @@
           </a:bodyPr>
           <a:lstStyle/>
           <a:p>
+            <a:endParaRPr lang="en-US" altLang="ko-KR" sz="1000" dirty="0"/>
+          </a:p>
+          <a:p>
             <a:r>
               <a:rPr lang="en-US" altLang="ko-KR" sz="1000" dirty="0" smtClean="0"/>
               <a:t>Void </a:t>
             </a:r>
             <a:r>
               <a:rPr lang="en-US" altLang="ko-KR" sz="1000" dirty="0" err="1" smtClean="0"/>
-              <a:t>CheckTetris</a:t>
+              <a:t>RotateTetris</a:t>
             </a:r>
             <a:r>
               <a:rPr lang="en-US" altLang="ko-KR" sz="1000" dirty="0" smtClean="0"/>
@@ -4723,11 +4443,21 @@
             </a:r>
             <a:r>
               <a:rPr lang="en-US" altLang="ko-KR" sz="1000" dirty="0" err="1" smtClean="0"/>
-              <a:t>num</a:t>
-            </a:r>
-            <a:r>
-              <a:rPr lang="en-US" altLang="ko-KR" sz="1000" dirty="0" smtClean="0"/>
-              <a:t>= 0;</a:t>
+              <a:t>saveTetris</a:t>
+            </a:r>
+            <a:r>
+              <a:rPr lang="en-US" altLang="ko-KR" sz="1000" dirty="0" smtClean="0"/>
+              <a:t>[4][4];</a:t>
+            </a:r>
+          </a:p>
+          <a:p>
+            <a:r>
+              <a:rPr lang="en-US" altLang="ko-KR" sz="1000" dirty="0"/>
+              <a:t> </a:t>
+            </a:r>
+            <a:r>
+              <a:rPr lang="en-US" altLang="ko-KR" sz="1000" dirty="0" smtClean="0"/>
+              <a:t>  </a:t>
             </a:r>
           </a:p>
           <a:p>
@@ -4737,25 +4467,113 @@
             </a:r>
             <a:r>
               <a:rPr lang="en-US" altLang="ko-KR" sz="1000" dirty="0" err="1" smtClean="0"/>
+              <a:t>MoveDeleteTetris</a:t>
+            </a:r>
+            <a:r>
+              <a:rPr lang="en-US" altLang="ko-KR" sz="1000" dirty="0" smtClean="0"/>
+              <a:t>();</a:t>
+            </a:r>
+          </a:p>
+          <a:p>
+            <a:endParaRPr lang="en-US" altLang="ko-KR" sz="1000" dirty="0" smtClean="0"/>
+          </a:p>
+          <a:p>
+            <a:r>
+              <a:rPr lang="en-US" altLang="ko-KR" sz="1000" dirty="0"/>
+              <a:t> </a:t>
+            </a:r>
+            <a:r>
+              <a:rPr lang="en-US" altLang="ko-KR" sz="1000" dirty="0" smtClean="0"/>
+              <a:t>  for(</a:t>
+            </a:r>
+            <a:r>
+              <a:rPr lang="en-US" altLang="ko-KR" sz="1000" dirty="0" err="1" smtClean="0"/>
               <a:t>int</a:t>
             </a:r>
             <a:r>
               <a:rPr lang="en-US" altLang="ko-KR" sz="1000" dirty="0" smtClean="0"/>
-              <a:t> </a:t>
-            </a:r>
-            <a:r>
-              <a:rPr lang="en-US" altLang="ko-KR" sz="1000" dirty="0" err="1" smtClean="0"/>
-              <a:t>chkTetrisY</a:t>
-            </a:r>
-            <a:r>
-              <a:rPr lang="en-US" altLang="ko-KR" sz="1000" dirty="0" smtClean="0"/>
-              <a:t>[4] = { 0 };</a:t>
-            </a:r>
-          </a:p>
-          <a:p>
-            <a:r>
-              <a:rPr lang="en-US" altLang="ko-KR" sz="1000" dirty="0"/>
-              <a:t>   </a:t>
+              <a:t> y=3; y&gt;=0; y--)</a:t>
+            </a:r>
+          </a:p>
+          <a:p>
+            <a:r>
+              <a:rPr lang="en-US" altLang="ko-KR" sz="1000" dirty="0" smtClean="0"/>
+              <a:t>   {</a:t>
+            </a:r>
+          </a:p>
+          <a:p>
+            <a:r>
+              <a:rPr lang="en-US" altLang="ko-KR" sz="1000" dirty="0"/>
+              <a:t> </a:t>
+            </a:r>
+            <a:r>
+              <a:rPr lang="en-US" altLang="ko-KR" sz="1000" dirty="0" smtClean="0"/>
+              <a:t>     for(</a:t>
+            </a:r>
+            <a:r>
+              <a:rPr lang="en-US" altLang="ko-KR" sz="1000" dirty="0" err="1" smtClean="0"/>
+              <a:t>int</a:t>
+            </a:r>
+            <a:r>
+              <a:rPr lang="en-US" altLang="ko-KR" sz="1000" dirty="0" smtClean="0"/>
+              <a:t> x=0; x&lt;4; x++)</a:t>
+            </a:r>
+          </a:p>
+          <a:p>
+            <a:r>
+              <a:rPr lang="en-US" altLang="ko-KR" sz="1000" dirty="0"/>
+              <a:t> </a:t>
+            </a:r>
+            <a:r>
+              <a:rPr lang="en-US" altLang="ko-KR" sz="1000" dirty="0" smtClean="0"/>
+              <a:t>     {</a:t>
+            </a:r>
+          </a:p>
+          <a:p>
+            <a:r>
+              <a:rPr lang="en-US" altLang="ko-KR" sz="1000" dirty="0"/>
+              <a:t> </a:t>
+            </a:r>
+            <a:r>
+              <a:rPr lang="en-US" altLang="ko-KR" sz="1000" dirty="0" smtClean="0"/>
+              <a:t>         </a:t>
+            </a:r>
+            <a:r>
+              <a:rPr lang="en-US" altLang="ko-KR" sz="1000" dirty="0" err="1" smtClean="0"/>
+              <a:t>saveTetris</a:t>
+            </a:r>
+            <a:r>
+              <a:rPr lang="en-US" altLang="ko-KR" sz="1000" dirty="0" smtClean="0"/>
+              <a:t>[3-y][x] = Member[y][x];</a:t>
+            </a:r>
+          </a:p>
+          <a:p>
+            <a:r>
+              <a:rPr lang="en-US" altLang="ko-KR" sz="1000" dirty="0"/>
+              <a:t> </a:t>
+            </a:r>
+            <a:r>
+              <a:rPr lang="en-US" altLang="ko-KR" sz="1000" dirty="0" smtClean="0"/>
+              <a:t>     }</a:t>
+            </a:r>
+          </a:p>
+          <a:p>
+            <a:r>
+              <a:rPr lang="en-US" altLang="ko-KR" sz="1000" dirty="0"/>
+              <a:t> </a:t>
+            </a:r>
+            <a:r>
+              <a:rPr lang="en-US" altLang="ko-KR" sz="1000" dirty="0" smtClean="0"/>
+              <a:t>  }</a:t>
+            </a:r>
+          </a:p>
+          <a:p>
+            <a:endParaRPr lang="en-US" altLang="ko-KR" sz="1000" dirty="0"/>
+          </a:p>
+          <a:p>
+            <a:r>
+              <a:rPr lang="en-US" altLang="ko-KR" sz="1000" dirty="0"/>
+              <a:t> for(</a:t>
             </a:r>
             <a:r>
               <a:rPr lang="en-US" altLang="ko-KR" sz="1000" dirty="0" err="1"/>
@@ -4766,51 +4584,86 @@
               <a:t> </a:t>
             </a:r>
             <a:r>
-              <a:rPr lang="en-US" altLang="ko-KR" sz="1000" dirty="0" err="1" smtClean="0"/>
-              <a:t>chkTetrisX</a:t>
-            </a:r>
-            <a:r>
-              <a:rPr lang="en-US" altLang="ko-KR" sz="1000" dirty="0" smtClean="0"/>
-              <a:t>[4</a:t>
-            </a:r>
-            <a:r>
-              <a:rPr lang="en-US" altLang="ko-KR" sz="1000" dirty="0"/>
-              <a:t>] = { 0 </a:t>
-            </a:r>
-            <a:r>
-              <a:rPr lang="en-US" altLang="ko-KR" sz="1000" dirty="0" smtClean="0"/>
-              <a:t>};</a:t>
-            </a:r>
-          </a:p>
-          <a:p>
-            <a:r>
-              <a:rPr lang="en-US" altLang="ko-KR" sz="1000" dirty="0" smtClean="0"/>
+              <a:rPr lang="en-US" altLang="ko-KR" sz="1000" dirty="0" smtClean="0"/>
+              <a:t>y=0; y&lt;4; y++)</a:t>
+            </a:r>
+            <a:endParaRPr lang="en-US" altLang="ko-KR" sz="1000" dirty="0"/>
+          </a:p>
+          <a:p>
+            <a:r>
+              <a:rPr lang="en-US" altLang="ko-KR" sz="1000" dirty="0"/>
+              <a:t>   {</a:t>
+            </a:r>
+          </a:p>
+          <a:p>
+            <a:r>
+              <a:rPr lang="en-US" altLang="ko-KR" sz="1000" dirty="0"/>
+              <a:t>      for(</a:t>
+            </a:r>
+            <a:r>
+              <a:rPr lang="en-US" altLang="ko-KR" sz="1000" dirty="0" err="1"/>
+              <a:t>int</a:t>
+            </a:r>
+            <a:r>
+              <a:rPr lang="en-US" altLang="ko-KR" sz="1000" dirty="0"/>
+              <a:t> x=0; x&lt;4; x++)</a:t>
+            </a:r>
+          </a:p>
+          <a:p>
+            <a:r>
+              <a:rPr lang="en-US" altLang="ko-KR" sz="1000" dirty="0"/>
+              <a:t>      {</a:t>
+            </a:r>
+          </a:p>
+          <a:p>
+            <a:r>
+              <a:rPr lang="en-US" altLang="ko-KR" sz="1000" dirty="0"/>
+              <a:t> </a:t>
+            </a:r>
+            <a:r>
+              <a:rPr lang="en-US" altLang="ko-KR" sz="1000" dirty="0" smtClean="0"/>
+              <a:t>         Member[y][</a:t>
+            </a:r>
+            <a:r>
+              <a:rPr lang="en-US" altLang="ko-KR" sz="1000" dirty="0"/>
+              <a:t>x] = </a:t>
+            </a:r>
+            <a:r>
+              <a:rPr lang="en-US" altLang="ko-KR" sz="1000" dirty="0" err="1" smtClean="0"/>
+              <a:t>saveTetris</a:t>
+            </a:r>
+            <a:r>
+              <a:rPr lang="en-US" altLang="ko-KR" sz="1000" dirty="0" smtClean="0"/>
+              <a:t>[y</a:t>
+            </a:r>
+            <a:r>
+              <a:rPr lang="en-US" altLang="ko-KR" sz="1000" dirty="0"/>
+              <a:t>][x</a:t>
+            </a:r>
+            <a:r>
+              <a:rPr lang="en-US" altLang="ko-KR" sz="1000" dirty="0" smtClean="0"/>
+              <a:t>];</a:t>
+            </a:r>
+            <a:endParaRPr lang="en-US" altLang="ko-KR" sz="1000" dirty="0"/>
+          </a:p>
+          <a:p>
+            <a:r>
+              <a:rPr lang="en-US" altLang="ko-KR" sz="1000" dirty="0"/>
+              <a:t>      }</a:t>
+            </a:r>
+          </a:p>
+          <a:p>
+            <a:r>
+              <a:rPr lang="en-US" altLang="ko-KR" sz="1000" dirty="0"/>
               <a:t>   </a:t>
             </a:r>
             <a:r>
-              <a:rPr lang="en-US" altLang="ko-KR" sz="1000" dirty="0" err="1" smtClean="0"/>
-              <a:t>int</a:t>
-            </a:r>
-            <a:r>
-              <a:rPr lang="en-US" altLang="ko-KR" sz="1000" dirty="0" smtClean="0"/>
-              <a:t> </a:t>
-            </a:r>
-            <a:r>
-              <a:rPr lang="en-US" altLang="ko-KR" sz="1000" dirty="0" err="1" smtClean="0"/>
-              <a:t>saveY</a:t>
-            </a:r>
-            <a:r>
-              <a:rPr lang="en-US" altLang="ko-KR" sz="1000" dirty="0" smtClean="0"/>
-              <a:t> = </a:t>
-            </a:r>
-            <a:r>
-              <a:rPr lang="en-US" altLang="ko-KR" sz="1000" dirty="0" err="1" smtClean="0"/>
-              <a:t>tesY</a:t>
-            </a:r>
-            <a:r>
-              <a:rPr lang="en-US" altLang="ko-KR" sz="1000" dirty="0" smtClean="0"/>
-              <a:t>;</a:t>
-            </a:r>
+              <a:rPr lang="en-US" altLang="ko-KR" sz="1000" dirty="0" smtClean="0"/>
+              <a:t>}</a:t>
+            </a:r>
+          </a:p>
+          <a:p>
+            <a:endParaRPr lang="en-US" altLang="ko-KR" sz="1000" dirty="0"/>
           </a:p>
           <a:p>
             <a:r>
@@ -4819,674 +4672,34 @@
             </a:r>
             <a:r>
               <a:rPr lang="en-US" altLang="ko-KR" sz="1000" dirty="0" err="1" smtClean="0"/>
-              <a:t>int</a:t>
-            </a:r>
-            <a:r>
-              <a:rPr lang="en-US" altLang="ko-KR" sz="1000" dirty="0" smtClean="0"/>
-              <a:t> </a:t>
-            </a:r>
-            <a:r>
-              <a:rPr lang="en-US" altLang="ko-KR" sz="1000" dirty="0" err="1" smtClean="0"/>
-              <a:t>saveX</a:t>
-            </a:r>
-            <a:r>
-              <a:rPr lang="en-US" altLang="ko-KR" sz="1000" dirty="0" smtClean="0"/>
-              <a:t> = </a:t>
-            </a:r>
-            <a:r>
-              <a:rPr lang="en-US" altLang="ko-KR" sz="1000" dirty="0" err="1" smtClean="0"/>
-              <a:t>tesX</a:t>
-            </a:r>
-            <a:r>
-              <a:rPr lang="en-US" altLang="ko-KR" sz="1000" dirty="0" smtClean="0"/>
-              <a:t>;</a:t>
-            </a:r>
-          </a:p>
-          <a:p>
-            <a:endParaRPr lang="en-US" altLang="ko-KR" sz="1000" dirty="0" smtClean="0"/>
-          </a:p>
-          <a:p>
-            <a:r>
-              <a:rPr lang="en-US" altLang="ko-KR" sz="1000" dirty="0" smtClean="0"/>
-              <a:t>   for(</a:t>
-            </a:r>
-            <a:r>
-              <a:rPr lang="en-US" altLang="ko-KR" sz="1000" dirty="0" err="1" smtClean="0"/>
-              <a:t>int</a:t>
-            </a:r>
-            <a:r>
-              <a:rPr lang="en-US" altLang="ko-KR" sz="1000" dirty="0" smtClean="0"/>
-              <a:t> y=0; y&lt;4; y++)</a:t>
-            </a:r>
-          </a:p>
-          <a:p>
-            <a:r>
-              <a:rPr lang="en-US" altLang="ko-KR" sz="1000" dirty="0" smtClean="0"/>
-              <a:t>   {</a:t>
-            </a:r>
-          </a:p>
-          <a:p>
-            <a:r>
-              <a:rPr lang="en-US" altLang="ko-KR" sz="1000" dirty="0"/>
-              <a:t> </a:t>
-            </a:r>
-            <a:r>
-              <a:rPr lang="en-US" altLang="ko-KR" sz="1000" dirty="0" smtClean="0"/>
-              <a:t>      for(</a:t>
-            </a:r>
-            <a:r>
-              <a:rPr lang="en-US" altLang="ko-KR" sz="1000" dirty="0" err="1" smtClean="0"/>
-              <a:t>int</a:t>
-            </a:r>
-            <a:r>
-              <a:rPr lang="en-US" altLang="ko-KR" sz="1000" dirty="0" smtClean="0"/>
-              <a:t> x = 0; x&lt;4; x++)</a:t>
-            </a:r>
-          </a:p>
-          <a:p>
-            <a:r>
-              <a:rPr lang="en-US" altLang="ko-KR" sz="1000" dirty="0" smtClean="0"/>
-              <a:t>       {</a:t>
-            </a:r>
-          </a:p>
-          <a:p>
-            <a:r>
-              <a:rPr lang="en-US" altLang="ko-KR" sz="1000" dirty="0" smtClean="0"/>
-              <a:t>           if((*</a:t>
-            </a:r>
-            <a:r>
-              <a:rPr lang="en-US" altLang="ko-KR" sz="1000" dirty="0" err="1" smtClean="0"/>
-              <a:t>iMap</a:t>
-            </a:r>
-            <a:r>
-              <a:rPr lang="en-US" altLang="ko-KR" sz="1000" dirty="0" smtClean="0"/>
-              <a:t>)[</a:t>
-            </a:r>
-            <a:r>
-              <a:rPr lang="en-US" altLang="ko-KR" sz="1000" dirty="0" err="1" smtClean="0"/>
-              <a:t>saveY</a:t>
-            </a:r>
-            <a:r>
-              <a:rPr lang="en-US" altLang="ko-KR" sz="1000" dirty="0" smtClean="0"/>
-              <a:t>][</a:t>
-            </a:r>
-            <a:r>
-              <a:rPr lang="en-US" altLang="ko-KR" sz="1000" dirty="0" err="1" smtClean="0"/>
-              <a:t>saveX</a:t>
-            </a:r>
-            <a:r>
-              <a:rPr lang="en-US" altLang="ko-KR" sz="1000" dirty="0" smtClean="0"/>
-              <a:t>] == 1 &amp;&amp; Member[y][x] == 1)</a:t>
-            </a:r>
-          </a:p>
-          <a:p>
-            <a:r>
-              <a:rPr lang="en-US" altLang="ko-KR" sz="1000" dirty="0" smtClean="0"/>
-              <a:t>           {</a:t>
-            </a:r>
-          </a:p>
-          <a:p>
-            <a:r>
-              <a:rPr lang="en-US" altLang="ko-KR" sz="1000" dirty="0" smtClean="0"/>
-              <a:t>               </a:t>
-            </a:r>
-            <a:r>
-              <a:rPr lang="en-US" altLang="ko-KR" sz="1000" dirty="0" err="1" smtClean="0"/>
-              <a:t>posTetrisY</a:t>
-            </a:r>
-            <a:r>
-              <a:rPr lang="en-US" altLang="ko-KR" sz="1000" dirty="0" smtClean="0"/>
-              <a:t>[</a:t>
-            </a:r>
-            <a:r>
-              <a:rPr lang="en-US" altLang="ko-KR" sz="1000" dirty="0" err="1" smtClean="0"/>
-              <a:t>num</a:t>
-            </a:r>
-            <a:r>
-              <a:rPr lang="en-US" altLang="ko-KR" sz="1000" dirty="0" smtClean="0"/>
-              <a:t>] = </a:t>
-            </a:r>
-            <a:r>
-              <a:rPr lang="en-US" altLang="ko-KR" sz="1000" dirty="0" err="1" smtClean="0"/>
-              <a:t>saveY</a:t>
-            </a:r>
-            <a:r>
-              <a:rPr lang="en-US" altLang="ko-KR" sz="1000" dirty="0" smtClean="0"/>
-              <a:t>;</a:t>
-            </a:r>
-          </a:p>
-          <a:p>
-            <a:r>
-              <a:rPr lang="en-US" altLang="ko-KR" sz="1000" dirty="0"/>
-              <a:t> </a:t>
-            </a:r>
-            <a:r>
-              <a:rPr lang="en-US" altLang="ko-KR" sz="1000" dirty="0" smtClean="0"/>
-              <a:t>              </a:t>
-            </a:r>
-            <a:r>
-              <a:rPr lang="en-US" altLang="ko-KR" sz="1000" dirty="0" err="1" smtClean="0"/>
-              <a:t>posTetrisX</a:t>
-            </a:r>
-            <a:r>
-              <a:rPr lang="en-US" altLang="ko-KR" sz="1000" dirty="0" smtClean="0"/>
-              <a:t>[</a:t>
-            </a:r>
-            <a:r>
-              <a:rPr lang="en-US" altLang="ko-KR" sz="1000" dirty="0" err="1" smtClean="0"/>
-              <a:t>num</a:t>
-            </a:r>
-            <a:r>
-              <a:rPr lang="en-US" altLang="ko-KR" sz="1000" dirty="0" smtClean="0"/>
-              <a:t>] = </a:t>
-            </a:r>
-            <a:r>
-              <a:rPr lang="en-US" altLang="ko-KR" sz="1000" dirty="0" err="1" smtClean="0"/>
-              <a:t>saveX</a:t>
-            </a:r>
-            <a:r>
-              <a:rPr lang="en-US" altLang="ko-KR" sz="1000" dirty="0" smtClean="0"/>
-              <a:t>;</a:t>
-            </a:r>
-          </a:p>
-          <a:p>
-            <a:r>
-              <a:rPr lang="en-US" altLang="ko-KR" sz="1000" dirty="0" smtClean="0"/>
-              <a:t>               </a:t>
-            </a:r>
-            <a:r>
-              <a:rPr lang="en-US" altLang="ko-KR" sz="1000" dirty="0" err="1" smtClean="0"/>
-              <a:t>num</a:t>
-            </a:r>
-            <a:r>
-              <a:rPr lang="en-US" altLang="ko-KR" sz="1000" dirty="0" smtClean="0"/>
-              <a:t>++;</a:t>
-            </a:r>
-          </a:p>
-          <a:p>
-            <a:r>
-              <a:rPr lang="en-US" altLang="ko-KR" sz="1000" dirty="0" smtClean="0"/>
-              <a:t>           }</a:t>
-            </a:r>
-          </a:p>
-          <a:p>
-            <a:r>
-              <a:rPr lang="en-US" altLang="ko-KR" sz="1000" dirty="0" smtClean="0"/>
-              <a:t>           </a:t>
-            </a:r>
-            <a:r>
-              <a:rPr lang="en-US" altLang="ko-KR" sz="1000" dirty="0" err="1" smtClean="0"/>
-              <a:t>saveX</a:t>
-            </a:r>
-            <a:r>
-              <a:rPr lang="en-US" altLang="ko-KR" sz="1000" dirty="0" smtClean="0"/>
-              <a:t>++;</a:t>
-            </a:r>
-          </a:p>
-          <a:p>
-            <a:r>
-              <a:rPr lang="en-US" altLang="ko-KR" sz="1000" dirty="0" smtClean="0"/>
-              <a:t>       }</a:t>
-            </a:r>
-          </a:p>
-          <a:p>
-            <a:r>
-              <a:rPr lang="en-US" altLang="ko-KR" sz="1000" dirty="0" smtClean="0"/>
-              <a:t>       </a:t>
-            </a:r>
-            <a:r>
-              <a:rPr lang="en-US" altLang="ko-KR" sz="1000" dirty="0" err="1" smtClean="0"/>
-              <a:t>saveX</a:t>
-            </a:r>
-            <a:r>
-              <a:rPr lang="en-US" altLang="ko-KR" sz="1000" dirty="0" smtClean="0"/>
-              <a:t> = </a:t>
-            </a:r>
-            <a:r>
-              <a:rPr lang="en-US" altLang="ko-KR" sz="1000" dirty="0" err="1" smtClean="0"/>
-              <a:t>tesX</a:t>
-            </a:r>
-            <a:r>
-              <a:rPr lang="en-US" altLang="ko-KR" sz="1000" dirty="0" smtClean="0"/>
-              <a:t>;</a:t>
-            </a:r>
-          </a:p>
-          <a:p>
-            <a:r>
-              <a:rPr lang="en-US" altLang="ko-KR" sz="1000" dirty="0" smtClean="0"/>
-              <a:t>       </a:t>
-            </a:r>
-            <a:r>
-              <a:rPr lang="en-US" altLang="ko-KR" sz="1000" dirty="0" err="1" smtClean="0"/>
-              <a:t>saveY</a:t>
-            </a:r>
-            <a:r>
-              <a:rPr lang="en-US" altLang="ko-KR" sz="1000" dirty="0" smtClean="0"/>
-              <a:t>++;</a:t>
-            </a:r>
-          </a:p>
-          <a:p>
-            <a:r>
-              <a:rPr lang="en-US" altLang="ko-KR" sz="1000" dirty="0" smtClean="0"/>
-              <a:t>   }</a:t>
-            </a:r>
-          </a:p>
-          <a:p>
+              <a:t>DrawTetris</a:t>
+            </a:r>
+            <a:r>
+              <a:rPr lang="en-US" altLang="ko-KR" sz="1000" dirty="0" smtClean="0"/>
+              <a:t>();</a:t>
+            </a:r>
             <a:endParaRPr lang="en-US" altLang="ko-KR" sz="1000" dirty="0"/>
           </a:p>
           <a:p>
             <a:r>
               <a:rPr lang="en-US" altLang="ko-KR" sz="1000" dirty="0" smtClean="0"/>
-              <a:t>   for(</a:t>
-            </a:r>
-            <a:r>
-              <a:rPr lang="en-US" altLang="ko-KR" sz="1000" dirty="0" err="1" smtClean="0"/>
-              <a:t>int</a:t>
-            </a:r>
-            <a:r>
-              <a:rPr lang="en-US" altLang="ko-KR" sz="1000" dirty="0" smtClean="0"/>
-              <a:t> </a:t>
-            </a:r>
-            <a:r>
-              <a:rPr lang="en-US" altLang="ko-KR" sz="1000" dirty="0" err="1" smtClean="0"/>
-              <a:t>i</a:t>
-            </a:r>
-            <a:r>
-              <a:rPr lang="en-US" altLang="ko-KR" sz="1000" dirty="0" smtClean="0"/>
-              <a:t>=0; </a:t>
-            </a:r>
-            <a:r>
-              <a:rPr lang="en-US" altLang="ko-KR" sz="1000" dirty="0" err="1" smtClean="0"/>
-              <a:t>i</a:t>
-            </a:r>
-            <a:r>
-              <a:rPr lang="en-US" altLang="ko-KR" sz="1000" dirty="0" smtClean="0"/>
-              <a:t>&lt;3; </a:t>
-            </a:r>
-            <a:r>
-              <a:rPr lang="en-US" altLang="ko-KR" sz="1000" dirty="0" err="1" smtClean="0"/>
-              <a:t>i</a:t>
-            </a:r>
-            <a:r>
-              <a:rPr lang="en-US" altLang="ko-KR" sz="1000" dirty="0" smtClean="0"/>
-              <a:t>++)</a:t>
-            </a:r>
-          </a:p>
-          <a:p>
-            <a:r>
-              <a:rPr lang="en-US" altLang="ko-KR" sz="1000" dirty="0"/>
-              <a:t> </a:t>
-            </a:r>
-            <a:r>
-              <a:rPr lang="en-US" altLang="ko-KR" sz="1000" dirty="0" smtClean="0"/>
-              <a:t>  {</a:t>
-            </a:r>
-          </a:p>
-          <a:p>
-            <a:r>
-              <a:rPr lang="en-US" altLang="ko-KR" sz="1000" dirty="0"/>
-              <a:t> </a:t>
-            </a:r>
-            <a:r>
-              <a:rPr lang="en-US" altLang="ko-KR" sz="1000" dirty="0" smtClean="0"/>
-              <a:t>     if(</a:t>
-            </a:r>
-            <a:r>
-              <a:rPr lang="en-US" altLang="ko-KR" sz="1000" dirty="0" err="1" smtClean="0"/>
-              <a:t>posTetrisY</a:t>
-            </a:r>
-            <a:r>
-              <a:rPr lang="en-US" altLang="ko-KR" sz="1000" dirty="0" smtClean="0"/>
-              <a:t>[</a:t>
-            </a:r>
-            <a:r>
-              <a:rPr lang="en-US" altLang="ko-KR" sz="1000" dirty="0" err="1" smtClean="0"/>
-              <a:t>i</a:t>
-            </a:r>
-            <a:r>
-              <a:rPr lang="en-US" altLang="ko-KR" sz="1000" dirty="0" smtClean="0"/>
-              <a:t>] &gt; </a:t>
-            </a:r>
-            <a:r>
-              <a:rPr lang="en-US" altLang="ko-KR" sz="1000" dirty="0" err="1" smtClean="0"/>
-              <a:t>posTetrisY</a:t>
-            </a:r>
-            <a:r>
-              <a:rPr lang="en-US" altLang="ko-KR" sz="1000" dirty="0" smtClean="0"/>
-              <a:t>[i+1]</a:t>
-            </a:r>
-          </a:p>
-          <a:p>
-            <a:r>
-              <a:rPr lang="en-US" altLang="ko-KR" sz="1000" dirty="0"/>
-              <a:t> </a:t>
-            </a:r>
-            <a:r>
-              <a:rPr lang="en-US" altLang="ko-KR" sz="1000" dirty="0" smtClean="0"/>
-              <a:t>     {</a:t>
-            </a:r>
-          </a:p>
-          <a:p>
-            <a:r>
-              <a:rPr lang="en-US" altLang="ko-KR" sz="1000" dirty="0"/>
-              <a:t> </a:t>
-            </a:r>
-            <a:r>
-              <a:rPr lang="en-US" altLang="ko-KR" sz="1000" dirty="0" smtClean="0"/>
-              <a:t>        </a:t>
-            </a:r>
-            <a:r>
-              <a:rPr lang="en-US" altLang="ko-KR" sz="1000" dirty="0" err="1" smtClean="0"/>
-              <a:t>chkTetrisY</a:t>
-            </a:r>
-            <a:r>
-              <a:rPr lang="en-US" altLang="ko-KR" sz="1000" dirty="0" smtClean="0"/>
-              <a:t>[</a:t>
-            </a:r>
-            <a:r>
-              <a:rPr lang="en-US" altLang="ko-KR" sz="1000" dirty="0" err="1" smtClean="0"/>
-              <a:t>i</a:t>
-            </a:r>
-            <a:r>
-              <a:rPr lang="en-US" altLang="ko-KR" sz="1000" dirty="0" smtClean="0"/>
-              <a:t>] = </a:t>
-            </a:r>
-            <a:r>
-              <a:rPr lang="en-US" altLang="ko-KR" sz="1000" dirty="0" err="1"/>
-              <a:t>posTetrisY</a:t>
-            </a:r>
-            <a:r>
-              <a:rPr lang="en-US" altLang="ko-KR" sz="1000" dirty="0"/>
-              <a:t>[</a:t>
-            </a:r>
-            <a:r>
-              <a:rPr lang="en-US" altLang="ko-KR" sz="1000" dirty="0" err="1"/>
-              <a:t>i</a:t>
-            </a:r>
-            <a:r>
-              <a:rPr lang="en-US" altLang="ko-KR" sz="1000" dirty="0"/>
-              <a:t>]</a:t>
-            </a:r>
-            <a:r>
-              <a:rPr lang="en-US" altLang="ko-KR" sz="1000" dirty="0" smtClean="0"/>
-              <a:t>;</a:t>
-            </a:r>
-          </a:p>
-          <a:p>
-            <a:r>
-              <a:rPr lang="en-US" altLang="ko-KR" sz="1000" dirty="0"/>
-              <a:t>         </a:t>
-            </a:r>
-            <a:r>
-              <a:rPr lang="en-US" altLang="ko-KR" sz="1000" dirty="0" err="1"/>
-              <a:t>chkTetrisX</a:t>
-            </a:r>
-            <a:r>
-              <a:rPr lang="en-US" altLang="ko-KR" sz="1000" dirty="0"/>
-              <a:t>[</a:t>
-            </a:r>
-            <a:r>
-              <a:rPr lang="en-US" altLang="ko-KR" sz="1000" dirty="0" err="1"/>
-              <a:t>i</a:t>
-            </a:r>
-            <a:r>
-              <a:rPr lang="en-US" altLang="ko-KR" sz="1000" dirty="0" smtClean="0"/>
-              <a:t>] = </a:t>
-            </a:r>
-            <a:r>
-              <a:rPr lang="en-US" altLang="ko-KR" sz="1000" dirty="0" err="1" smtClean="0"/>
-              <a:t>posTetrisX</a:t>
-            </a:r>
-            <a:r>
-              <a:rPr lang="en-US" altLang="ko-KR" sz="1000" dirty="0" smtClean="0"/>
-              <a:t>[</a:t>
-            </a:r>
-            <a:r>
-              <a:rPr lang="en-US" altLang="ko-KR" sz="1000" dirty="0" err="1" smtClean="0"/>
-              <a:t>i</a:t>
-            </a:r>
-            <a:r>
-              <a:rPr lang="en-US" altLang="ko-KR" sz="1000" dirty="0" smtClean="0"/>
-              <a:t>];</a:t>
-            </a:r>
-          </a:p>
-          <a:p>
-            <a:r>
-              <a:rPr lang="en-US" altLang="ko-KR" sz="1000" dirty="0" smtClean="0"/>
-              <a:t>      }</a:t>
-            </a:r>
-          </a:p>
-          <a:p>
-            <a:r>
-              <a:rPr lang="en-US" altLang="ko-KR" sz="1000" dirty="0"/>
-              <a:t> </a:t>
-            </a:r>
-            <a:r>
-              <a:rPr lang="en-US" altLang="ko-KR" sz="1000" dirty="0" smtClean="0"/>
-              <a:t>     </a:t>
-            </a:r>
-            <a:r>
-              <a:rPr lang="en-US" altLang="ko-KR" sz="1000" dirty="0"/>
-              <a:t>else </a:t>
-            </a:r>
-            <a:r>
-              <a:rPr lang="en-US" altLang="ko-KR" sz="1000" dirty="0" smtClean="0"/>
-              <a:t>if(</a:t>
-            </a:r>
-            <a:r>
-              <a:rPr lang="en-US" altLang="ko-KR" sz="1000" dirty="0" err="1"/>
-              <a:t>pos</a:t>
-            </a:r>
-            <a:r>
-              <a:rPr lang="en-US" altLang="ko-KR" sz="1000" dirty="0" err="1" smtClean="0"/>
-              <a:t>TetrisY</a:t>
-            </a:r>
-            <a:r>
-              <a:rPr lang="en-US" altLang="ko-KR" sz="1000" dirty="0" smtClean="0"/>
-              <a:t>[</a:t>
-            </a:r>
-            <a:r>
-              <a:rPr lang="en-US" altLang="ko-KR" sz="1000" dirty="0" err="1" smtClean="0"/>
-              <a:t>i</a:t>
-            </a:r>
-            <a:r>
-              <a:rPr lang="en-US" altLang="ko-KR" sz="1000" dirty="0"/>
-              <a:t>] </a:t>
-            </a:r>
-            <a:r>
-              <a:rPr lang="en-US" altLang="ko-KR" sz="1000" dirty="0" smtClean="0"/>
-              <a:t>&lt; </a:t>
-            </a:r>
-            <a:r>
-              <a:rPr lang="en-US" altLang="ko-KR" sz="1000" dirty="0" err="1"/>
-              <a:t>pos</a:t>
-            </a:r>
-            <a:r>
-              <a:rPr lang="en-US" altLang="ko-KR" sz="1000" dirty="0" err="1" smtClean="0"/>
-              <a:t>TetrisY</a:t>
-            </a:r>
-            <a:r>
-              <a:rPr lang="en-US" altLang="ko-KR" sz="1000" dirty="0" smtClean="0"/>
-              <a:t>[i+1])</a:t>
-            </a:r>
-          </a:p>
-          <a:p>
-            <a:r>
-              <a:rPr lang="en-US" altLang="ko-KR" sz="1000" dirty="0" smtClean="0"/>
-              <a:t>      {</a:t>
-            </a:r>
-          </a:p>
-          <a:p>
-            <a:r>
-              <a:rPr lang="en-US" altLang="ko-KR" sz="1000" dirty="0" smtClean="0"/>
-              <a:t>         </a:t>
-            </a:r>
-            <a:r>
-              <a:rPr lang="en-US" altLang="ko-KR" sz="1000" dirty="0" err="1" smtClean="0"/>
-              <a:t>chkTetrisY</a:t>
-            </a:r>
-            <a:r>
-              <a:rPr lang="en-US" altLang="ko-KR" sz="1000" dirty="0" smtClean="0"/>
-              <a:t>[</a:t>
-            </a:r>
-            <a:r>
-              <a:rPr lang="en-US" altLang="ko-KR" sz="1000" dirty="0" err="1" smtClean="0"/>
-              <a:t>i</a:t>
-            </a:r>
-            <a:r>
-              <a:rPr lang="en-US" altLang="ko-KR" sz="1000" dirty="0" smtClean="0"/>
-              <a:t>] = </a:t>
-            </a:r>
-            <a:r>
-              <a:rPr lang="en-US" altLang="ko-KR" sz="1000" dirty="0" err="1" smtClean="0"/>
-              <a:t>posTetrisY</a:t>
-            </a:r>
-            <a:r>
-              <a:rPr lang="en-US" altLang="ko-KR" sz="1000" dirty="0" smtClean="0"/>
-              <a:t>[i+1];</a:t>
-            </a:r>
-          </a:p>
-          <a:p>
-            <a:r>
-              <a:rPr lang="en-US" altLang="ko-KR" sz="1000" dirty="0" smtClean="0"/>
-              <a:t>         </a:t>
-            </a:r>
-            <a:r>
-              <a:rPr lang="en-US" altLang="ko-KR" sz="1000" dirty="0" err="1" smtClean="0"/>
-              <a:t>chkTetrisX</a:t>
-            </a:r>
-            <a:r>
-              <a:rPr lang="en-US" altLang="ko-KR" sz="1000" dirty="0" smtClean="0"/>
-              <a:t>[</a:t>
-            </a:r>
-            <a:r>
-              <a:rPr lang="en-US" altLang="ko-KR" sz="1000" dirty="0" err="1" smtClean="0"/>
-              <a:t>i</a:t>
-            </a:r>
-            <a:r>
-              <a:rPr lang="en-US" altLang="ko-KR" sz="1000" dirty="0" smtClean="0"/>
-              <a:t>] = </a:t>
-            </a:r>
-            <a:r>
-              <a:rPr lang="en-US" altLang="ko-KR" sz="1000" dirty="0" err="1" smtClean="0"/>
-              <a:t>posTetrisX</a:t>
-            </a:r>
-            <a:r>
-              <a:rPr lang="en-US" altLang="ko-KR" sz="1000" dirty="0" smtClean="0"/>
-              <a:t>[i+1];</a:t>
-            </a:r>
-          </a:p>
-          <a:p>
-            <a:r>
-              <a:rPr lang="en-US" altLang="ko-KR" sz="1000" dirty="0"/>
-              <a:t> </a:t>
-            </a:r>
-            <a:r>
-              <a:rPr lang="en-US" altLang="ko-KR" sz="1000" dirty="0" smtClean="0"/>
-              <a:t>        for(</a:t>
-            </a:r>
-            <a:r>
-              <a:rPr lang="en-US" altLang="ko-KR" sz="1000" dirty="0" err="1" smtClean="0"/>
-              <a:t>int</a:t>
-            </a:r>
-            <a:r>
-              <a:rPr lang="en-US" altLang="ko-KR" sz="1000" dirty="0" smtClean="0"/>
-              <a:t> k = 0; k&lt;</a:t>
-            </a:r>
-            <a:r>
-              <a:rPr lang="en-US" altLang="ko-KR" sz="1000" dirty="0" err="1" smtClean="0"/>
-              <a:t>i</a:t>
-            </a:r>
-            <a:r>
-              <a:rPr lang="en-US" altLang="ko-KR" sz="1000" dirty="0" smtClean="0"/>
-              <a:t>; k++)</a:t>
-            </a:r>
-          </a:p>
-          <a:p>
-            <a:r>
-              <a:rPr lang="en-US" altLang="ko-KR" sz="1000" dirty="0"/>
-              <a:t> </a:t>
-            </a:r>
-            <a:r>
-              <a:rPr lang="en-US" altLang="ko-KR" sz="1000" dirty="0" smtClean="0"/>
-              <a:t>        {</a:t>
-            </a:r>
-          </a:p>
-          <a:p>
-            <a:r>
-              <a:rPr lang="en-US" altLang="ko-KR" sz="1000" dirty="0"/>
-              <a:t> </a:t>
-            </a:r>
-            <a:r>
-              <a:rPr lang="en-US" altLang="ko-KR" sz="1000" dirty="0" smtClean="0"/>
-              <a:t>            </a:t>
-            </a:r>
-            <a:r>
-              <a:rPr lang="en-US" altLang="ko-KR" sz="1000" dirty="0" err="1" smtClean="0"/>
-              <a:t>chkTetrisY</a:t>
-            </a:r>
-            <a:r>
-              <a:rPr lang="en-US" altLang="ko-KR" sz="1000" dirty="0" smtClean="0"/>
-              <a:t>[k] = 0;</a:t>
-            </a:r>
-          </a:p>
-          <a:p>
-            <a:r>
-              <a:rPr lang="en-US" altLang="ko-KR" sz="1000" dirty="0"/>
-              <a:t> </a:t>
-            </a:r>
-            <a:r>
-              <a:rPr lang="en-US" altLang="ko-KR" sz="1000" dirty="0" smtClean="0"/>
-              <a:t>            </a:t>
-            </a:r>
-            <a:r>
-              <a:rPr lang="en-US" altLang="ko-KR" sz="1000" dirty="0" err="1" smtClean="0"/>
-              <a:t>chkTetrisX</a:t>
-            </a:r>
-            <a:r>
-              <a:rPr lang="en-US" altLang="ko-KR" sz="1000" dirty="0" smtClean="0"/>
-              <a:t>[k</a:t>
-            </a:r>
-            <a:r>
-              <a:rPr lang="en-US" altLang="ko-KR" sz="1000" dirty="0"/>
-              <a:t>] = 0</a:t>
-            </a:r>
-            <a:r>
-              <a:rPr lang="en-US" altLang="ko-KR" sz="1000" dirty="0" smtClean="0"/>
-              <a:t>;</a:t>
-            </a:r>
-          </a:p>
-          <a:p>
-            <a:r>
-              <a:rPr lang="en-US" altLang="ko-KR" sz="1000" dirty="0"/>
-              <a:t> </a:t>
-            </a:r>
-            <a:r>
-              <a:rPr lang="en-US" altLang="ko-KR" sz="1000" dirty="0" smtClean="0"/>
-              <a:t>        } </a:t>
-            </a:r>
-          </a:p>
-          <a:p>
-            <a:r>
-              <a:rPr lang="en-US" altLang="ko-KR" sz="1000" dirty="0"/>
-              <a:t> </a:t>
-            </a:r>
-            <a:r>
-              <a:rPr lang="en-US" altLang="ko-KR" sz="1000" dirty="0" smtClean="0"/>
-              <a:t>     }</a:t>
-            </a:r>
+              <a:t>}</a:t>
+            </a:r>
+          </a:p>
+          <a:p>
+            <a:endParaRPr lang="en-US" altLang="ko-KR" sz="1000" dirty="0"/>
           </a:p>
         </p:txBody>
       </p:sp>
       <p:sp>
         <p:nvSpPr>
-          <p:cNvPr id="9" name="TextBox 8"/>
+          <p:cNvPr id="10" name="TextBox 9"/>
           <p:cNvSpPr txBox="1"/>
           <p:nvPr/>
         </p:nvSpPr>
         <p:spPr>
           <a:xfrm>
-            <a:off x="3705585" y="55398"/>
+            <a:off x="3126287" y="0"/>
             <a:ext cx="6293708" cy="6247864"/>
           </a:xfrm>
           <a:prstGeom prst="rect">
@@ -5502,7 +4715,129 @@
           <a:p>
             <a:r>
               <a:rPr lang="en-US" altLang="ko-KR" sz="1000" dirty="0" smtClean="0"/>
-              <a:t>else</a:t>
+              <a:t>Void </a:t>
+            </a:r>
+            <a:r>
+              <a:rPr lang="en-US" altLang="ko-KR" sz="1000" dirty="0" err="1" smtClean="0"/>
+              <a:t>MoveLeftTetris</a:t>
+            </a:r>
+            <a:r>
+              <a:rPr lang="en-US" altLang="ko-KR" sz="1000" dirty="0" smtClean="0"/>
+              <a:t>()</a:t>
+            </a:r>
+          </a:p>
+          <a:p>
+            <a:r>
+              <a:rPr lang="en-US" altLang="ko-KR" sz="1000" dirty="0" smtClean="0"/>
+              <a:t>{</a:t>
+            </a:r>
+          </a:p>
+          <a:p>
+            <a:r>
+              <a:rPr lang="en-US" altLang="ko-KR" sz="1000" dirty="0"/>
+              <a:t> </a:t>
+            </a:r>
+            <a:r>
+              <a:rPr lang="en-US" altLang="ko-KR" sz="1000" dirty="0" smtClean="0"/>
+              <a:t>  bool </a:t>
+            </a:r>
+            <a:r>
+              <a:rPr lang="en-US" altLang="ko-KR" sz="1000" dirty="0" err="1" smtClean="0"/>
+              <a:t>goleft</a:t>
+            </a:r>
+            <a:r>
+              <a:rPr lang="en-US" altLang="ko-KR" sz="1000" dirty="0" smtClean="0"/>
+              <a:t> = true;</a:t>
+            </a:r>
+          </a:p>
+          <a:p>
+            <a:r>
+              <a:rPr lang="en-US" altLang="ko-KR" sz="1000" dirty="0"/>
+              <a:t> </a:t>
+            </a:r>
+            <a:r>
+              <a:rPr lang="en-US" altLang="ko-KR" sz="1000" dirty="0" smtClean="0"/>
+              <a:t>  for(</a:t>
+            </a:r>
+            <a:r>
+              <a:rPr lang="en-US" altLang="ko-KR" sz="1000" dirty="0" err="1" smtClean="0"/>
+              <a:t>int</a:t>
+            </a:r>
+            <a:r>
+              <a:rPr lang="en-US" altLang="ko-KR" sz="1000" dirty="0" smtClean="0"/>
+              <a:t> </a:t>
+            </a:r>
+            <a:r>
+              <a:rPr lang="en-US" altLang="ko-KR" sz="1000" dirty="0" err="1" smtClean="0"/>
+              <a:t>i</a:t>
+            </a:r>
+            <a:r>
+              <a:rPr lang="en-US" altLang="ko-KR" sz="1000" dirty="0" smtClean="0"/>
+              <a:t>=0 </a:t>
+            </a:r>
+            <a:r>
+              <a:rPr lang="en-US" altLang="ko-KR" sz="1000" dirty="0" err="1" smtClean="0"/>
+              <a:t>i</a:t>
+            </a:r>
+            <a:r>
+              <a:rPr lang="en-US" altLang="ko-KR" sz="1000" dirty="0" smtClean="0"/>
+              <a:t>&lt;4; </a:t>
+            </a:r>
+            <a:r>
+              <a:rPr lang="en-US" altLang="ko-KR" sz="1000" dirty="0" err="1" smtClean="0"/>
+              <a:t>i</a:t>
+            </a:r>
+            <a:r>
+              <a:rPr lang="en-US" altLang="ko-KR" sz="1000" dirty="0" smtClean="0"/>
+              <a:t>++)</a:t>
+            </a:r>
+          </a:p>
+          <a:p>
+            <a:r>
+              <a:rPr lang="en-US" altLang="ko-KR" sz="1000" dirty="0" smtClean="0"/>
+              <a:t>   {</a:t>
+            </a:r>
+          </a:p>
+          <a:p>
+            <a:r>
+              <a:rPr lang="en-US" altLang="ko-KR" sz="1000" dirty="0"/>
+              <a:t> </a:t>
+            </a:r>
+            <a:r>
+              <a:rPr lang="en-US" altLang="ko-KR" sz="1000" dirty="0" smtClean="0"/>
+              <a:t>     if(</a:t>
+            </a:r>
+            <a:r>
+              <a:rPr lang="en-US" altLang="ko-KR" sz="1000" dirty="0" err="1" smtClean="0"/>
+              <a:t>posTetrisX</a:t>
+            </a:r>
+            <a:r>
+              <a:rPr lang="en-US" altLang="ko-KR" sz="1000" dirty="0" smtClean="0"/>
+              <a:t>[</a:t>
+            </a:r>
+            <a:r>
+              <a:rPr lang="en-US" altLang="ko-KR" sz="1000" dirty="0" err="1" smtClean="0"/>
+              <a:t>i</a:t>
+            </a:r>
+            <a:r>
+              <a:rPr lang="en-US" altLang="ko-KR" sz="1000" dirty="0" smtClean="0"/>
+              <a:t>] != 0 &amp;&amp; </a:t>
+            </a:r>
+            <a:r>
+              <a:rPr lang="en-US" altLang="ko-KR" sz="1000" dirty="0" err="1" smtClean="0"/>
+              <a:t>posTetrisX</a:t>
+            </a:r>
+            <a:r>
+              <a:rPr lang="en-US" altLang="ko-KR" sz="1000" dirty="0" smtClean="0"/>
+              <a:t>[</a:t>
+            </a:r>
+            <a:r>
+              <a:rPr lang="en-US" altLang="ko-KR" sz="1000" dirty="0" err="1" smtClean="0"/>
+              <a:t>i</a:t>
+            </a:r>
+            <a:r>
+              <a:rPr lang="en-US" altLang="ko-KR" sz="1000" dirty="0" smtClean="0"/>
+              <a:t>]-1 &lt;= 0)</a:t>
             </a:r>
           </a:p>
           <a:p>
@@ -5522,7 +4857,25 @@
             </a:r>
             <a:r>
               <a:rPr lang="en-US" altLang="ko-KR" sz="1000" dirty="0" smtClean="0"/>
-              <a:t>        continue;</a:t>
+              <a:t>         </a:t>
+            </a:r>
+            <a:r>
+              <a:rPr lang="en-US" altLang="ko-KR" sz="1000" dirty="0" err="1" smtClean="0"/>
+              <a:t>goleft</a:t>
+            </a:r>
+            <a:r>
+              <a:rPr lang="en-US" altLang="ko-KR" sz="1000" dirty="0" smtClean="0"/>
+              <a:t> = false;</a:t>
+            </a:r>
+          </a:p>
+          <a:p>
+            <a:r>
+              <a:rPr lang="en-US" altLang="ko-KR" sz="1000" dirty="0"/>
+              <a:t> </a:t>
+            </a:r>
+            <a:r>
+              <a:rPr lang="en-US" altLang="ko-KR" sz="1000" dirty="0" smtClean="0"/>
+              <a:t>         break;</a:t>
             </a:r>
           </a:p>
           <a:p>
@@ -5534,12 +4887,101 @@
               <a:rPr lang="en-US" altLang="ko-KR" sz="1000" dirty="0" smtClean="0"/>
               <a:t>     }</a:t>
             </a:r>
+          </a:p>
+          <a:p>
+            <a:r>
+              <a:rPr lang="en-US" altLang="ko-KR" sz="1000" dirty="0" smtClean="0"/>
+              <a:t>}</a:t>
+            </a:r>
+          </a:p>
+          <a:p>
+            <a:endParaRPr lang="en-US" altLang="ko-KR" sz="1000" dirty="0" smtClean="0"/>
+          </a:p>
+          <a:p>
+            <a:r>
+              <a:rPr lang="en-US" altLang="ko-KR" sz="1000" dirty="0"/>
+              <a:t> </a:t>
+            </a:r>
+            <a:r>
+              <a:rPr lang="en-US" altLang="ko-KR" sz="1000" dirty="0" smtClean="0"/>
+              <a:t>  if(</a:t>
+            </a:r>
+            <a:r>
+              <a:rPr lang="en-US" altLang="ko-KR" sz="1000" dirty="0" err="1" smtClean="0"/>
+              <a:t>goleft</a:t>
+            </a:r>
+            <a:r>
+              <a:rPr lang="en-US" altLang="ko-KR" sz="1000" dirty="0" smtClean="0"/>
+              <a:t>)</a:t>
+            </a:r>
+          </a:p>
+          <a:p>
+            <a:r>
+              <a:rPr lang="en-US" altLang="ko-KR" sz="1000" dirty="0" smtClean="0"/>
+              <a:t>   {</a:t>
+            </a:r>
+          </a:p>
+          <a:p>
+            <a:r>
+              <a:rPr lang="en-US" altLang="ko-KR" sz="1000" dirty="0" smtClean="0"/>
+              <a:t>      </a:t>
+            </a:r>
+            <a:r>
+              <a:rPr lang="en-US" altLang="ko-KR" sz="1000" dirty="0" err="1" smtClean="0"/>
+              <a:t>MoveDeleteTetris</a:t>
+            </a:r>
+            <a:r>
+              <a:rPr lang="en-US" altLang="ko-KR" sz="1000" dirty="0" smtClean="0"/>
+              <a:t>();</a:t>
+            </a:r>
+          </a:p>
+          <a:p>
+            <a:r>
+              <a:rPr lang="en-US" altLang="ko-KR" sz="1000" dirty="0"/>
+              <a:t> </a:t>
+            </a:r>
+            <a:r>
+              <a:rPr lang="en-US" altLang="ko-KR" sz="1000" dirty="0" smtClean="0"/>
+              <a:t>     </a:t>
+            </a:r>
+            <a:r>
+              <a:rPr lang="en-US" altLang="ko-KR" sz="1000" dirty="0" err="1" smtClean="0"/>
+              <a:t>TesX</a:t>
+            </a:r>
+            <a:r>
+              <a:rPr lang="en-US" altLang="ko-KR" sz="1000" dirty="0" smtClean="0"/>
+              <a:t>--;</a:t>
+            </a:r>
+          </a:p>
+          <a:p>
+            <a:r>
+              <a:rPr lang="en-US" altLang="ko-KR" sz="1000" dirty="0"/>
+              <a:t> </a:t>
+            </a:r>
+            <a:r>
+              <a:rPr lang="en-US" altLang="ko-KR" sz="1000" dirty="0" smtClean="0"/>
+              <a:t>     </a:t>
+            </a:r>
+            <a:r>
+              <a:rPr lang="en-US" altLang="ko-KR" sz="1000" dirty="0" err="1" smtClean="0"/>
+              <a:t>DrawTetris</a:t>
+            </a:r>
+            <a:r>
+              <a:rPr lang="en-US" altLang="ko-KR" sz="1000" dirty="0" smtClean="0"/>
+              <a:t>();</a:t>
+            </a:r>
+          </a:p>
+          <a:p>
+            <a:r>
+              <a:rPr lang="en-US" altLang="ko-KR" sz="1000" dirty="0" smtClean="0"/>
+              <a:t>   }</a:t>
+            </a:r>
             <a:endParaRPr lang="en-US" altLang="ko-KR" sz="1000" dirty="0"/>
           </a:p>
           <a:p>
             <a:r>
               <a:rPr lang="en-US" altLang="ko-KR" sz="1000" dirty="0" smtClean="0"/>
-              <a:t>   }</a:t>
+              <a:t>}</a:t>
             </a:r>
           </a:p>
           <a:p>
@@ -5548,329 +4990,42 @@
           <a:p>
             <a:r>
               <a:rPr lang="en-US" altLang="ko-KR" sz="1000" dirty="0"/>
-              <a:t> </a:t>
-            </a:r>
-            <a:r>
-              <a:rPr lang="en-US" altLang="ko-KR" sz="1000" dirty="0" smtClean="0"/>
-              <a:t>  for(</a:t>
-            </a:r>
-            <a:r>
-              <a:rPr lang="en-US" altLang="ko-KR" sz="1000" dirty="0" err="1" smtClean="0"/>
-              <a:t>int</a:t>
-            </a:r>
-            <a:r>
-              <a:rPr lang="en-US" altLang="ko-KR" sz="1000" dirty="0" smtClean="0"/>
-              <a:t> </a:t>
-            </a:r>
-            <a:r>
-              <a:rPr lang="en-US" altLang="ko-KR" sz="1000" dirty="0" err="1" smtClean="0"/>
-              <a:t>i</a:t>
-            </a:r>
-            <a:r>
-              <a:rPr lang="en-US" altLang="ko-KR" sz="1000" dirty="0" smtClean="0"/>
-              <a:t>=0; </a:t>
-            </a:r>
-            <a:r>
-              <a:rPr lang="en-US" altLang="ko-KR" sz="1000" dirty="0" err="1" smtClean="0"/>
-              <a:t>i</a:t>
-            </a:r>
-            <a:r>
-              <a:rPr lang="en-US" altLang="ko-KR" sz="1000" dirty="0" smtClean="0"/>
-              <a:t>&lt;4; </a:t>
-            </a:r>
-            <a:r>
-              <a:rPr lang="en-US" altLang="ko-KR" sz="1000" dirty="0" err="1" smtClean="0"/>
-              <a:t>i</a:t>
-            </a:r>
-            <a:r>
-              <a:rPr lang="en-US" altLang="ko-KR" sz="1000" dirty="0" smtClean="0"/>
-              <a:t>++)</a:t>
-            </a:r>
-          </a:p>
-          <a:p>
-            <a:r>
-              <a:rPr lang="en-US" altLang="ko-KR" sz="1000" dirty="0"/>
-              <a:t> </a:t>
-            </a:r>
-            <a:r>
-              <a:rPr lang="en-US" altLang="ko-KR" sz="1000" dirty="0" smtClean="0"/>
-              <a:t>  {</a:t>
-            </a:r>
-          </a:p>
-          <a:p>
-            <a:r>
-              <a:rPr lang="en-US" altLang="ko-KR" sz="1000" dirty="0"/>
-              <a:t> </a:t>
-            </a:r>
-            <a:r>
-              <a:rPr lang="en-US" altLang="ko-KR" sz="1000" dirty="0" smtClean="0"/>
-              <a:t>      if((*</a:t>
-            </a:r>
-            <a:r>
-              <a:rPr lang="en-US" altLang="ko-KR" sz="1000" dirty="0" err="1" smtClean="0"/>
-              <a:t>iMap</a:t>
-            </a:r>
-            <a:r>
-              <a:rPr lang="en-US" altLang="ko-KR" sz="1000" dirty="0" smtClean="0"/>
-              <a:t>)[</a:t>
-            </a:r>
-            <a:r>
-              <a:rPr lang="en-US" altLang="ko-KR" sz="1000" dirty="0" err="1" smtClean="0"/>
-              <a:t>chkTetrisY</a:t>
-            </a:r>
-            <a:r>
-              <a:rPr lang="en-US" altLang="ko-KR" sz="1000" dirty="0" smtClean="0"/>
-              <a:t>[</a:t>
-            </a:r>
-            <a:r>
-              <a:rPr lang="en-US" altLang="ko-KR" sz="1000" dirty="0" err="1" smtClean="0"/>
-              <a:t>i</a:t>
-            </a:r>
-            <a:r>
-              <a:rPr lang="en-US" altLang="ko-KR" sz="1000" dirty="0" smtClean="0"/>
-              <a:t>]+1][</a:t>
-            </a:r>
-            <a:r>
-              <a:rPr lang="en-US" altLang="ko-KR" sz="1000" dirty="0" err="1" smtClean="0"/>
-              <a:t>chkTetrisX</a:t>
-            </a:r>
-            <a:r>
-              <a:rPr lang="en-US" altLang="ko-KR" sz="1000" dirty="0" smtClean="0"/>
-              <a:t>[</a:t>
-            </a:r>
-            <a:r>
-              <a:rPr lang="en-US" altLang="ko-KR" sz="1000" dirty="0" err="1" smtClean="0"/>
-              <a:t>i</a:t>
-            </a:r>
-            <a:r>
-              <a:rPr lang="en-US" altLang="ko-KR" sz="1000" dirty="0" smtClean="0"/>
-              <a:t>]] == 1)</a:t>
-            </a:r>
-          </a:p>
-          <a:p>
-            <a:r>
-              <a:rPr lang="en-US" altLang="ko-KR" sz="1000" dirty="0"/>
-              <a:t> </a:t>
-            </a:r>
-            <a:r>
-              <a:rPr lang="en-US" altLang="ko-KR" sz="1000" dirty="0" smtClean="0"/>
-              <a:t>      {</a:t>
-            </a:r>
-          </a:p>
-          <a:p>
-            <a:r>
-              <a:rPr lang="en-US" altLang="ko-KR" sz="1000" dirty="0"/>
-              <a:t> </a:t>
-            </a:r>
-            <a:r>
-              <a:rPr lang="en-US" altLang="ko-KR" sz="1000" dirty="0" smtClean="0"/>
-              <a:t>          </a:t>
-            </a:r>
-            <a:r>
-              <a:rPr lang="en-US" altLang="ko-KR" sz="1000" dirty="0" err="1" smtClean="0"/>
-              <a:t>isChecked</a:t>
+              <a:t>Void </a:t>
+            </a:r>
+            <a:r>
+              <a:rPr lang="en-US" altLang="ko-KR" sz="1000" dirty="0" err="1" smtClean="0"/>
+              <a:t>MoveRightTetris</a:t>
+            </a:r>
+            <a:r>
+              <a:rPr lang="en-US" altLang="ko-KR" sz="1000" dirty="0"/>
+              <a:t>()</a:t>
+            </a:r>
+          </a:p>
+          <a:p>
+            <a:r>
+              <a:rPr lang="en-US" altLang="ko-KR" sz="1000" dirty="0"/>
+              <a:t>{</a:t>
+            </a:r>
+          </a:p>
+          <a:p>
+            <a:r>
+              <a:rPr lang="en-US" altLang="ko-KR" sz="1000" dirty="0"/>
+              <a:t>   bool </a:t>
+            </a:r>
+            <a:r>
+              <a:rPr lang="en-US" altLang="ko-KR" sz="1000" dirty="0" err="1" smtClean="0"/>
+              <a:t>goright</a:t>
             </a:r>
             <a:r>
               <a:rPr lang="en-US" altLang="ko-KR" sz="1000" dirty="0" smtClean="0"/>
               <a:t> = true;</a:t>
             </a:r>
-          </a:p>
-          <a:p>
-            <a:r>
-              <a:rPr lang="en-US" altLang="ko-KR" sz="1000" dirty="0"/>
-              <a:t> </a:t>
-            </a:r>
-            <a:r>
-              <a:rPr lang="en-US" altLang="ko-KR" sz="1000" dirty="0" smtClean="0"/>
-              <a:t>      }</a:t>
-            </a:r>
-          </a:p>
-          <a:p>
-            <a:r>
-              <a:rPr lang="en-US" altLang="ko-KR" sz="1000" dirty="0"/>
-              <a:t> </a:t>
-            </a:r>
-            <a:r>
-              <a:rPr lang="en-US" altLang="ko-KR" sz="1000" dirty="0" smtClean="0"/>
-              <a:t>  }</a:t>
-            </a:r>
             <a:endParaRPr lang="en-US" altLang="ko-KR" sz="1000" dirty="0"/>
           </a:p>
           <a:p>
             <a:r>
-              <a:rPr lang="en-US" altLang="ko-KR" sz="1000" dirty="0" smtClean="0"/>
-              <a:t>}</a:t>
-            </a:r>
-          </a:p>
-          <a:p>
-            <a:endParaRPr lang="en-US" altLang="ko-KR" sz="1000" dirty="0"/>
-          </a:p>
-          <a:p>
-            <a:r>
-              <a:rPr lang="en-US" altLang="ko-KR" sz="1000" dirty="0" smtClean="0"/>
-              <a:t>Void </a:t>
-            </a:r>
-            <a:r>
-              <a:rPr lang="en-US" altLang="ko-KR" sz="1000" dirty="0" err="1" smtClean="0"/>
-              <a:t>RotateTetris</a:t>
-            </a:r>
-            <a:r>
-              <a:rPr lang="en-US" altLang="ko-KR" sz="1000" dirty="0" smtClean="0"/>
-              <a:t>()</a:t>
-            </a:r>
-          </a:p>
-          <a:p>
-            <a:r>
-              <a:rPr lang="en-US" altLang="ko-KR" sz="1000" dirty="0" smtClean="0"/>
-              <a:t>{</a:t>
-            </a:r>
-          </a:p>
-          <a:p>
-            <a:r>
-              <a:rPr lang="en-US" altLang="ko-KR" sz="1000" dirty="0" smtClean="0"/>
-              <a:t>   </a:t>
-            </a:r>
-            <a:r>
-              <a:rPr lang="en-US" altLang="ko-KR" sz="1000" dirty="0" err="1" smtClean="0"/>
-              <a:t>int</a:t>
-            </a:r>
-            <a:r>
-              <a:rPr lang="en-US" altLang="ko-KR" sz="1000" dirty="0" smtClean="0"/>
-              <a:t> </a:t>
-            </a:r>
-            <a:r>
-              <a:rPr lang="en-US" altLang="ko-KR" sz="1000" dirty="0" err="1" smtClean="0"/>
-              <a:t>saveTetris</a:t>
-            </a:r>
-            <a:r>
-              <a:rPr lang="en-US" altLang="ko-KR" sz="1000" dirty="0" smtClean="0"/>
-              <a:t>[4][4];</a:t>
-            </a:r>
-          </a:p>
-          <a:p>
-            <a:r>
-              <a:rPr lang="en-US" altLang="ko-KR" sz="1000" dirty="0"/>
-              <a:t> </a:t>
-            </a:r>
-            <a:r>
-              <a:rPr lang="en-US" altLang="ko-KR" sz="1000" dirty="0" smtClean="0"/>
-              <a:t>  </a:t>
-            </a:r>
-          </a:p>
-          <a:p>
-            <a:r>
-              <a:rPr lang="en-US" altLang="ko-KR" sz="1000" dirty="0" smtClean="0"/>
-              <a:t>   </a:t>
-            </a:r>
-            <a:r>
-              <a:rPr lang="en-US" altLang="ko-KR" sz="1000" dirty="0" err="1" smtClean="0"/>
-              <a:t>MoveDeleteTetris</a:t>
-            </a:r>
-            <a:r>
-              <a:rPr lang="en-US" altLang="ko-KR" sz="1000" dirty="0" smtClean="0"/>
-              <a:t>();</a:t>
-            </a:r>
-          </a:p>
-          <a:p>
-            <a:endParaRPr lang="en-US" altLang="ko-KR" sz="1000" dirty="0" smtClean="0"/>
-          </a:p>
-          <a:p>
-            <a:r>
-              <a:rPr lang="en-US" altLang="ko-KR" sz="1000" dirty="0"/>
-              <a:t> </a:t>
-            </a:r>
-            <a:r>
-              <a:rPr lang="en-US" altLang="ko-KR" sz="1000" dirty="0" smtClean="0"/>
-              <a:t>  for(</a:t>
-            </a:r>
-            <a:r>
-              <a:rPr lang="en-US" altLang="ko-KR" sz="1000" dirty="0" err="1" smtClean="0"/>
-              <a:t>int</a:t>
-            </a:r>
-            <a:r>
-              <a:rPr lang="en-US" altLang="ko-KR" sz="1000" dirty="0" smtClean="0"/>
-              <a:t> y=3; y&gt;=0; y--)</a:t>
-            </a:r>
-          </a:p>
-          <a:p>
-            <a:r>
-              <a:rPr lang="en-US" altLang="ko-KR" sz="1000" dirty="0" smtClean="0"/>
-              <a:t>   {</a:t>
-            </a:r>
-          </a:p>
-          <a:p>
-            <a:r>
-              <a:rPr lang="en-US" altLang="ko-KR" sz="1000" dirty="0"/>
-              <a:t> </a:t>
-            </a:r>
-            <a:r>
-              <a:rPr lang="en-US" altLang="ko-KR" sz="1000" dirty="0" smtClean="0"/>
-              <a:t>     for(</a:t>
-            </a:r>
-            <a:r>
-              <a:rPr lang="en-US" altLang="ko-KR" sz="1000" dirty="0" err="1" smtClean="0"/>
-              <a:t>int</a:t>
-            </a:r>
-            <a:r>
-              <a:rPr lang="en-US" altLang="ko-KR" sz="1000" dirty="0" smtClean="0"/>
-              <a:t> x=0; x&lt;4; x++)</a:t>
-            </a:r>
-          </a:p>
-          <a:p>
-            <a:r>
-              <a:rPr lang="en-US" altLang="ko-KR" sz="1000" dirty="0"/>
-              <a:t> </a:t>
-            </a:r>
-            <a:r>
-              <a:rPr lang="en-US" altLang="ko-KR" sz="1000" dirty="0" smtClean="0"/>
-              <a:t>     {</a:t>
-            </a:r>
-          </a:p>
-          <a:p>
-            <a:r>
-              <a:rPr lang="en-US" altLang="ko-KR" sz="1000" dirty="0"/>
-              <a:t> </a:t>
-            </a:r>
-            <a:r>
-              <a:rPr lang="en-US" altLang="ko-KR" sz="1000" dirty="0" smtClean="0"/>
-              <a:t>         </a:t>
-            </a:r>
-            <a:r>
-              <a:rPr lang="en-US" altLang="ko-KR" sz="1000" dirty="0" err="1" smtClean="0"/>
-              <a:t>saveTetris</a:t>
-            </a:r>
-            <a:r>
-              <a:rPr lang="en-US" altLang="ko-KR" sz="1000" dirty="0" smtClean="0"/>
-              <a:t>[3-y][x] = Member[y][x];</a:t>
-            </a:r>
-          </a:p>
-          <a:p>
-            <a:r>
-              <a:rPr lang="en-US" altLang="ko-KR" sz="1000" dirty="0"/>
-              <a:t> </a:t>
-            </a:r>
-            <a:r>
-              <a:rPr lang="en-US" altLang="ko-KR" sz="1000" dirty="0" smtClean="0"/>
-              <a:t>     }</a:t>
-            </a:r>
-          </a:p>
-          <a:p>
-            <a:r>
-              <a:rPr lang="en-US" altLang="ko-KR" sz="1000" dirty="0"/>
-              <a:t> </a:t>
-            </a:r>
-            <a:r>
-              <a:rPr lang="en-US" altLang="ko-KR" sz="1000" dirty="0" smtClean="0"/>
-              <a:t>  }</a:t>
-            </a:r>
-          </a:p>
-          <a:p>
-            <a:endParaRPr lang="en-US" altLang="ko-KR" sz="1000" dirty="0"/>
-          </a:p>
-          <a:p>
-            <a:r>
-              <a:rPr lang="en-US" altLang="ko-KR" sz="1000" dirty="0"/>
-              <a:t> for(</a:t>
+              <a:rPr lang="en-US" altLang="ko-KR" sz="1000" dirty="0"/>
+              <a:t>   for(</a:t>
             </a:r>
             <a:r>
               <a:rPr lang="en-US" altLang="ko-KR" sz="1000" dirty="0" err="1"/>
@@ -5881,105 +5036,199 @@
               <a:t> </a:t>
             </a:r>
             <a:r>
-              <a:rPr lang="en-US" altLang="ko-KR" sz="1000" dirty="0" smtClean="0"/>
-              <a:t>y=0; y&lt;4; y++)</a:t>
+              <a:rPr lang="en-US" altLang="ko-KR" sz="1000" dirty="0" err="1"/>
+              <a:t>i</a:t>
+            </a:r>
+            <a:r>
+              <a:rPr lang="en-US" altLang="ko-KR" sz="1000" dirty="0"/>
+              <a:t>=0 </a:t>
+            </a:r>
+            <a:r>
+              <a:rPr lang="en-US" altLang="ko-KR" sz="1000" dirty="0" err="1"/>
+              <a:t>i</a:t>
+            </a:r>
+            <a:r>
+              <a:rPr lang="en-US" altLang="ko-KR" sz="1000" dirty="0"/>
+              <a:t>&lt;4; </a:t>
+            </a:r>
+            <a:r>
+              <a:rPr lang="en-US" altLang="ko-KR" sz="1000" dirty="0" err="1"/>
+              <a:t>i</a:t>
+            </a:r>
+            <a:r>
+              <a:rPr lang="en-US" altLang="ko-KR" sz="1000" dirty="0"/>
+              <a:t>++)</a:t>
+            </a:r>
+          </a:p>
+          <a:p>
+            <a:r>
+              <a:rPr lang="en-US" altLang="ko-KR" sz="1000" dirty="0"/>
+              <a:t>   {</a:t>
+            </a:r>
+          </a:p>
+          <a:p>
+            <a:r>
+              <a:rPr lang="en-US" altLang="ko-KR" sz="1000" dirty="0"/>
+              <a:t>      if(</a:t>
+            </a:r>
+            <a:r>
+              <a:rPr lang="en-US" altLang="ko-KR" sz="1000" dirty="0" err="1"/>
+              <a:t>posTetrisX</a:t>
+            </a:r>
+            <a:r>
+              <a:rPr lang="en-US" altLang="ko-KR" sz="1000" dirty="0"/>
+              <a:t>[</a:t>
+            </a:r>
+            <a:r>
+              <a:rPr lang="en-US" altLang="ko-KR" sz="1000" dirty="0" err="1"/>
+              <a:t>i</a:t>
+            </a:r>
+            <a:r>
+              <a:rPr lang="en-US" altLang="ko-KR" sz="1000" dirty="0"/>
+              <a:t>] != 0 &amp;&amp; </a:t>
+            </a:r>
+            <a:r>
+              <a:rPr lang="en-US" altLang="ko-KR" sz="1000" dirty="0" err="1" smtClean="0"/>
+              <a:t>posTetrisX</a:t>
+            </a:r>
+            <a:r>
+              <a:rPr lang="en-US" altLang="ko-KR" sz="1000" dirty="0" smtClean="0"/>
+              <a:t>[</a:t>
+            </a:r>
+            <a:r>
+              <a:rPr lang="en-US" altLang="ko-KR" sz="1000" dirty="0" err="1" smtClean="0"/>
+              <a:t>i</a:t>
+            </a:r>
+            <a:r>
+              <a:rPr lang="en-US" altLang="ko-KR" sz="1000" dirty="0" smtClean="0"/>
+              <a:t>]+1 &gt;= 19)</a:t>
             </a:r>
             <a:endParaRPr lang="en-US" altLang="ko-KR" sz="1000" dirty="0"/>
           </a:p>
           <a:p>
             <a:r>
               <a:rPr lang="en-US" altLang="ko-KR" sz="1000" dirty="0"/>
+              <a:t>      {</a:t>
+            </a:r>
+          </a:p>
+          <a:p>
+            <a:r>
+              <a:rPr lang="en-US" altLang="ko-KR" sz="1000" dirty="0"/>
+              <a:t> </a:t>
+            </a:r>
+            <a:r>
+              <a:rPr lang="en-US" altLang="ko-KR" sz="1000" dirty="0" smtClean="0"/>
+              <a:t>         </a:t>
+            </a:r>
+            <a:r>
+              <a:rPr lang="en-US" altLang="ko-KR" sz="1000" dirty="0" err="1" smtClean="0"/>
+              <a:t>goright</a:t>
+            </a:r>
+            <a:r>
+              <a:rPr lang="en-US" altLang="ko-KR" sz="1000" dirty="0" smtClean="0"/>
+              <a:t> = false;</a:t>
+            </a:r>
+          </a:p>
+          <a:p>
+            <a:r>
+              <a:rPr lang="en-US" altLang="ko-KR" sz="1000" dirty="0" smtClean="0"/>
+              <a:t>          break;</a:t>
+            </a:r>
+            <a:endParaRPr lang="en-US" altLang="ko-KR" sz="1000" dirty="0"/>
+          </a:p>
+          <a:p>
+            <a:r>
+              <a:rPr lang="en-US" altLang="ko-KR" sz="1000" dirty="0"/>
+              <a:t>      }</a:t>
+            </a:r>
+          </a:p>
+          <a:p>
+            <a:r>
+              <a:rPr lang="en-US" altLang="ko-KR" sz="1000" dirty="0" smtClean="0"/>
+              <a:t>}</a:t>
+            </a:r>
+            <a:endParaRPr lang="en-US" altLang="ko-KR" sz="1000" dirty="0"/>
+          </a:p>
+          <a:p>
+            <a:endParaRPr lang="en-US" altLang="ko-KR" sz="1000" dirty="0"/>
+          </a:p>
+          <a:p>
+            <a:r>
+              <a:rPr lang="en-US" altLang="ko-KR" sz="1000" dirty="0"/>
+              <a:t>   </a:t>
+            </a:r>
+            <a:r>
+              <a:rPr lang="en-US" altLang="ko-KR" sz="1000" dirty="0" smtClean="0"/>
+              <a:t>if(</a:t>
+            </a:r>
+            <a:r>
+              <a:rPr lang="en-US" altLang="ko-KR" sz="1000" dirty="0" err="1"/>
+              <a:t>goright</a:t>
+            </a:r>
+            <a:r>
+              <a:rPr lang="en-US" altLang="ko-KR" sz="1000" dirty="0" smtClean="0"/>
+              <a:t>)</a:t>
+            </a:r>
+            <a:endParaRPr lang="en-US" altLang="ko-KR" sz="1000" dirty="0"/>
+          </a:p>
+          <a:p>
+            <a:r>
+              <a:rPr lang="en-US" altLang="ko-KR" sz="1000" dirty="0"/>
               <a:t>   {</a:t>
             </a:r>
           </a:p>
           <a:p>
             <a:r>
               <a:rPr lang="en-US" altLang="ko-KR" sz="1000" dirty="0"/>
-              <a:t>      for(</a:t>
+              <a:t>      </a:t>
             </a:r>
             <a:r>
               <a:rPr lang="en-US" altLang="ko-KR" sz="1000" dirty="0" err="1"/>
-              <a:t>int</a:t>
-            </a:r>
-            <a:r>
-              <a:rPr lang="en-US" altLang="ko-KR" sz="1000" dirty="0"/>
-              <a:t> x=0; x&lt;4; x++)</a:t>
-            </a:r>
-          </a:p>
-          <a:p>
-            <a:r>
-              <a:rPr lang="en-US" altLang="ko-KR" sz="1000" dirty="0"/>
-              <a:t>      {</a:t>
-            </a:r>
-          </a:p>
-          <a:p>
-            <a:r>
-              <a:rPr lang="en-US" altLang="ko-KR" sz="1000" dirty="0"/>
-              <a:t> </a:t>
-            </a:r>
-            <a:r>
-              <a:rPr lang="en-US" altLang="ko-KR" sz="1000" dirty="0" smtClean="0"/>
-              <a:t>         Member[y][</a:t>
-            </a:r>
-            <a:r>
-              <a:rPr lang="en-US" altLang="ko-KR" sz="1000" dirty="0"/>
-              <a:t>x] = </a:t>
-            </a:r>
-            <a:r>
-              <a:rPr lang="en-US" altLang="ko-KR" sz="1000" dirty="0" err="1" smtClean="0"/>
-              <a:t>saveTetris</a:t>
-            </a:r>
-            <a:r>
-              <a:rPr lang="en-US" altLang="ko-KR" sz="1000" dirty="0" smtClean="0"/>
-              <a:t>[y</a:t>
-            </a:r>
-            <a:r>
-              <a:rPr lang="en-US" altLang="ko-KR" sz="1000" dirty="0"/>
-              <a:t>][x</a:t>
-            </a:r>
-            <a:r>
-              <a:rPr lang="en-US" altLang="ko-KR" sz="1000" dirty="0" smtClean="0"/>
-              <a:t>];</a:t>
+              <a:t>MoveDeleteTetris</a:t>
+            </a:r>
+            <a:r>
+              <a:rPr lang="en-US" altLang="ko-KR" sz="1000" dirty="0"/>
+              <a:t>();</a:t>
+            </a:r>
+          </a:p>
+          <a:p>
+            <a:r>
+              <a:rPr lang="en-US" altLang="ko-KR" sz="1000" dirty="0"/>
+              <a:t>      </a:t>
+            </a:r>
+            <a:r>
+              <a:rPr lang="en-US" altLang="ko-KR" sz="1000" dirty="0" err="1" smtClean="0"/>
+              <a:t>TesX</a:t>
+            </a:r>
+            <a:r>
+              <a:rPr lang="en-US" altLang="ko-KR" sz="1000" dirty="0" smtClean="0"/>
+              <a:t>++;</a:t>
             </a:r>
             <a:endParaRPr lang="en-US" altLang="ko-KR" sz="1000" dirty="0"/>
           </a:p>
           <a:p>
             <a:r>
               <a:rPr lang="en-US" altLang="ko-KR" sz="1000" dirty="0"/>
-              <a:t>      }</a:t>
-            </a:r>
-          </a:p>
-          <a:p>
-            <a:r>
-              <a:rPr lang="en-US" altLang="ko-KR" sz="1000" dirty="0"/>
-              <a:t>   </a:t>
-            </a:r>
-            <a:r>
-              <a:rPr lang="en-US" altLang="ko-KR" sz="1000" dirty="0" smtClean="0"/>
-              <a:t>}</a:t>
-            </a:r>
-          </a:p>
-          <a:p>
-            <a:endParaRPr lang="en-US" altLang="ko-KR" sz="1000" dirty="0"/>
-          </a:p>
-          <a:p>
-            <a:r>
-              <a:rPr lang="en-US" altLang="ko-KR" sz="1000" dirty="0" smtClean="0"/>
-              <a:t>   </a:t>
-            </a:r>
-            <a:r>
-              <a:rPr lang="en-US" altLang="ko-KR" sz="1000" dirty="0" err="1" smtClean="0"/>
+              <a:t>      </a:t>
+            </a:r>
+            <a:r>
+              <a:rPr lang="en-US" altLang="ko-KR" sz="1000" dirty="0" err="1"/>
               <a:t>DrawTetris</a:t>
             </a:r>
             <a:r>
-              <a:rPr lang="en-US" altLang="ko-KR" sz="1000" dirty="0" smtClean="0"/>
+              <a:rPr lang="en-US" altLang="ko-KR" sz="1000" dirty="0"/>
               <a:t>();</a:t>
             </a:r>
-            <a:endParaRPr lang="en-US" altLang="ko-KR" sz="1000" dirty="0"/>
-          </a:p>
-          <a:p>
-            <a:r>
-              <a:rPr lang="en-US" altLang="ko-KR" sz="1000" dirty="0" smtClean="0"/>
+          </a:p>
+          <a:p>
+            <a:r>
+              <a:rPr lang="en-US" altLang="ko-KR" sz="1000" dirty="0"/>
+              <a:t>   }</a:t>
+            </a:r>
+          </a:p>
+          <a:p>
+            <a:r>
+              <a:rPr lang="en-US" altLang="ko-KR" sz="1000" dirty="0"/>
               <a:t>}</a:t>
             </a:r>
           </a:p>
@@ -5990,14 +5239,14 @@
       </p:sp>
       <p:sp>
         <p:nvSpPr>
-          <p:cNvPr id="10" name="TextBox 9"/>
+          <p:cNvPr id="5" name="TextBox 4"/>
           <p:cNvSpPr txBox="1"/>
           <p:nvPr/>
         </p:nvSpPr>
         <p:spPr>
           <a:xfrm>
-            <a:off x="6708731" y="55398"/>
-            <a:ext cx="6293708" cy="6247864"/>
+            <a:off x="6273141" y="25052"/>
+            <a:ext cx="6293708" cy="2554545"/>
           </a:xfrm>
           <a:prstGeom prst="rect">
             <a:avLst/>
@@ -6011,12 +5260,16 @@
           <a:lstStyle/>
           <a:p>
             <a:r>
-              <a:rPr lang="en-US" altLang="ko-KR" sz="1000" dirty="0" smtClean="0"/>
-              <a:t>Void </a:t>
-            </a:r>
-            <a:r>
-              <a:rPr lang="en-US" altLang="ko-KR" sz="1000" dirty="0" err="1" smtClean="0"/>
-              <a:t>MoveLeftTetris</a:t>
+              <a:rPr lang="en-US" altLang="ko-KR" sz="1000" dirty="0" err="1" smtClean="0"/>
+              <a:t>int</a:t>
+            </a:r>
+            <a:r>
+              <a:rPr lang="en-US" altLang="ko-KR" sz="1000" dirty="0" smtClean="0"/>
+              <a:t> </a:t>
+            </a:r>
+            <a:r>
+              <a:rPr lang="en-US" altLang="ko-KR" sz="1000" dirty="0" err="1" smtClean="0"/>
+              <a:t>GetTetrisX</a:t>
             </a:r>
             <a:r>
               <a:rPr lang="en-US" altLang="ko-KR" sz="1000" dirty="0" smtClean="0"/>
@@ -6031,159 +5284,18 @@
           </a:p>
           <a:p>
             <a:r>
-              <a:rPr lang="en-US" altLang="ko-KR" sz="1000" dirty="0"/>
-              <a:t> </a:t>
-            </a:r>
-            <a:r>
-              <a:rPr lang="en-US" altLang="ko-KR" sz="1000" dirty="0" smtClean="0"/>
-              <a:t>  bool </a:t>
-            </a:r>
-            <a:r>
-              <a:rPr lang="en-US" altLang="ko-KR" sz="1000" dirty="0" err="1" smtClean="0"/>
-              <a:t>goleft</a:t>
-            </a:r>
-            <a:r>
-              <a:rPr lang="en-US" altLang="ko-KR" sz="1000" dirty="0" smtClean="0"/>
-              <a:t> = true;</a:t>
-            </a:r>
-          </a:p>
-          <a:p>
-            <a:r>
-              <a:rPr lang="en-US" altLang="ko-KR" sz="1000" dirty="0"/>
-              <a:t> </a:t>
-            </a:r>
-            <a:r>
-              <a:rPr lang="en-US" altLang="ko-KR" sz="1000" dirty="0" smtClean="0"/>
-              <a:t>  for(</a:t>
-            </a:r>
-            <a:r>
-              <a:rPr lang="en-US" altLang="ko-KR" sz="1000" dirty="0" err="1" smtClean="0"/>
-              <a:t>int</a:t>
-            </a:r>
-            <a:r>
-              <a:rPr lang="en-US" altLang="ko-KR" sz="1000" dirty="0" smtClean="0"/>
-              <a:t> </a:t>
-            </a:r>
-            <a:r>
-              <a:rPr lang="en-US" altLang="ko-KR" sz="1000" dirty="0" err="1" smtClean="0"/>
-              <a:t>i</a:t>
-            </a:r>
-            <a:r>
-              <a:rPr lang="en-US" altLang="ko-KR" sz="1000" dirty="0" smtClean="0"/>
-              <a:t>=0 </a:t>
-            </a:r>
-            <a:r>
-              <a:rPr lang="en-US" altLang="ko-KR" sz="1000" dirty="0" err="1" smtClean="0"/>
-              <a:t>i</a:t>
-            </a:r>
-            <a:r>
-              <a:rPr lang="en-US" altLang="ko-KR" sz="1000" dirty="0" smtClean="0"/>
-              <a:t>&lt;4; </a:t>
-            </a:r>
-            <a:r>
-              <a:rPr lang="en-US" altLang="ko-KR" sz="1000" dirty="0" err="1" smtClean="0"/>
-              <a:t>i</a:t>
-            </a:r>
-            <a:r>
-              <a:rPr lang="en-US" altLang="ko-KR" sz="1000" dirty="0" smtClean="0"/>
-              <a:t>++)</a:t>
-            </a:r>
-          </a:p>
-          <a:p>
-            <a:r>
-              <a:rPr lang="en-US" altLang="ko-KR" sz="1000" dirty="0" smtClean="0"/>
-              <a:t>   {</a:t>
-            </a:r>
-          </a:p>
-          <a:p>
-            <a:r>
-              <a:rPr lang="en-US" altLang="ko-KR" sz="1000" dirty="0"/>
-              <a:t> </a:t>
-            </a:r>
-            <a:r>
-              <a:rPr lang="en-US" altLang="ko-KR" sz="1000" dirty="0" smtClean="0"/>
-              <a:t>     if(</a:t>
-            </a:r>
-            <a:r>
-              <a:rPr lang="en-US" altLang="ko-KR" sz="1000" dirty="0" err="1" smtClean="0"/>
-              <a:t>posTetrisX</a:t>
-            </a:r>
-            <a:r>
-              <a:rPr lang="en-US" altLang="ko-KR" sz="1000" dirty="0" smtClean="0"/>
-              <a:t>[</a:t>
-            </a:r>
-            <a:r>
-              <a:rPr lang="en-US" altLang="ko-KR" sz="1000" dirty="0" err="1" smtClean="0"/>
-              <a:t>i</a:t>
-            </a:r>
-            <a:r>
-              <a:rPr lang="en-US" altLang="ko-KR" sz="1000" dirty="0" smtClean="0"/>
-              <a:t>] != 0 &amp;&amp; </a:t>
-            </a:r>
-            <a:r>
-              <a:rPr lang="en-US" altLang="ko-KR" sz="1000" dirty="0" err="1" smtClean="0"/>
-              <a:t>posTetrisX</a:t>
-            </a:r>
-            <a:r>
-              <a:rPr lang="en-US" altLang="ko-KR" sz="1000" dirty="0" smtClean="0"/>
-              <a:t>[</a:t>
-            </a:r>
-            <a:r>
-              <a:rPr lang="en-US" altLang="ko-KR" sz="1000" dirty="0" err="1" smtClean="0"/>
-              <a:t>i</a:t>
-            </a:r>
-            <a:r>
-              <a:rPr lang="en-US" altLang="ko-KR" sz="1000" dirty="0" smtClean="0"/>
-              <a:t>]-1 &lt;= 0)</a:t>
-            </a:r>
-          </a:p>
-          <a:p>
-            <a:r>
-              <a:rPr lang="en-US" altLang="ko-KR" sz="1000" dirty="0"/>
-              <a:t> </a:t>
-            </a:r>
-            <a:r>
-              <a:rPr lang="en-US" altLang="ko-KR" sz="1000" dirty="0" smtClean="0"/>
-              <a:t>     {</a:t>
-            </a:r>
-          </a:p>
-          <a:p>
-            <a:r>
-              <a:rPr lang="en-US" altLang="ko-KR" sz="1000" dirty="0"/>
-              <a:t> </a:t>
-            </a:r>
-            <a:r>
-              <a:rPr lang="en-US" altLang="ko-KR" sz="1000" dirty="0" smtClean="0"/>
-              <a:t>         </a:t>
-            </a:r>
-            <a:r>
-              <a:rPr lang="en-US" altLang="ko-KR" sz="1000" dirty="0" err="1" smtClean="0"/>
-              <a:t>goleft</a:t>
-            </a:r>
-            <a:r>
-              <a:rPr lang="en-US" altLang="ko-KR" sz="1000" dirty="0" smtClean="0"/>
-              <a:t> = false;</a:t>
-            </a:r>
-          </a:p>
-          <a:p>
-            <a:r>
-              <a:rPr lang="en-US" altLang="ko-KR" sz="1000" dirty="0"/>
-              <a:t> </a:t>
-            </a:r>
-            <a:r>
-              <a:rPr lang="en-US" altLang="ko-KR" sz="1000" dirty="0" smtClean="0"/>
-              <a:t>         break;</a:t>
-            </a:r>
-          </a:p>
-          <a:p>
-            <a:r>
-              <a:rPr lang="en-US" altLang="ko-KR" sz="1000" dirty="0"/>
-              <a:t> </a:t>
-            </a:r>
-            <a:r>
-              <a:rPr lang="en-US" altLang="ko-KR" sz="1000" dirty="0" smtClean="0"/>
-              <a:t>     }</a:t>
-            </a:r>
+              <a:rPr lang="en-US" altLang="ko-KR" sz="1000" dirty="0" smtClean="0"/>
+              <a:t>   return </a:t>
+            </a:r>
+            <a:r>
+              <a:rPr lang="en-US" altLang="ko-KR" sz="1000" dirty="0" err="1" smtClean="0"/>
+              <a:t>tesX</a:t>
+            </a:r>
+            <a:r>
+              <a:rPr lang="en-US" altLang="ko-KR" sz="1000" dirty="0" smtClean="0"/>
+              <a:t>;</a:t>
+            </a:r>
+            <a:endParaRPr lang="en-US" altLang="ko-KR" sz="1000" dirty="0"/>
           </a:p>
           <a:p>
             <a:r>
@@ -6192,138 +5304,9 @@
             </a:r>
           </a:p>
           <a:p>
-            <a:endParaRPr lang="en-US" altLang="ko-KR" sz="1000" dirty="0" smtClean="0"/>
-          </a:p>
-          <a:p>
-            <a:r>
-              <a:rPr lang="en-US" altLang="ko-KR" sz="1000" dirty="0"/>
-              <a:t> </a:t>
-            </a:r>
-            <a:r>
-              <a:rPr lang="en-US" altLang="ko-KR" sz="1000" dirty="0" smtClean="0"/>
-              <a:t>  if(</a:t>
-            </a:r>
-            <a:r>
-              <a:rPr lang="en-US" altLang="ko-KR" sz="1000" dirty="0" err="1" smtClean="0"/>
-              <a:t>goleft</a:t>
-            </a:r>
-            <a:r>
-              <a:rPr lang="en-US" altLang="ko-KR" sz="1000" dirty="0" smtClean="0"/>
-              <a:t>)</a:t>
-            </a:r>
-          </a:p>
-          <a:p>
-            <a:r>
-              <a:rPr lang="en-US" altLang="ko-KR" sz="1000" dirty="0" smtClean="0"/>
-              <a:t>   {</a:t>
-            </a:r>
-          </a:p>
-          <a:p>
-            <a:r>
-              <a:rPr lang="en-US" altLang="ko-KR" sz="1000" dirty="0" smtClean="0"/>
-              <a:t>      </a:t>
-            </a:r>
-            <a:r>
-              <a:rPr lang="en-US" altLang="ko-KR" sz="1000" dirty="0" err="1" smtClean="0"/>
-              <a:t>MoveDeleteTetris</a:t>
-            </a:r>
-            <a:r>
-              <a:rPr lang="en-US" altLang="ko-KR" sz="1000" dirty="0" smtClean="0"/>
-              <a:t>();</a:t>
-            </a:r>
-          </a:p>
-          <a:p>
-            <a:r>
-              <a:rPr lang="en-US" altLang="ko-KR" sz="1000" dirty="0"/>
-              <a:t> </a:t>
-            </a:r>
-            <a:r>
-              <a:rPr lang="en-US" altLang="ko-KR" sz="1000" dirty="0" smtClean="0"/>
-              <a:t>     </a:t>
-            </a:r>
-            <a:r>
-              <a:rPr lang="en-US" altLang="ko-KR" sz="1000" dirty="0" err="1" smtClean="0"/>
-              <a:t>TesX</a:t>
-            </a:r>
-            <a:r>
-              <a:rPr lang="en-US" altLang="ko-KR" sz="1000" dirty="0" smtClean="0"/>
-              <a:t>--;</a:t>
-            </a:r>
-          </a:p>
-          <a:p>
-            <a:r>
-              <a:rPr lang="en-US" altLang="ko-KR" sz="1000" dirty="0"/>
-              <a:t> </a:t>
-            </a:r>
-            <a:r>
-              <a:rPr lang="en-US" altLang="ko-KR" sz="1000" dirty="0" smtClean="0"/>
-              <a:t>     </a:t>
-            </a:r>
-            <a:r>
-              <a:rPr lang="en-US" altLang="ko-KR" sz="1000" dirty="0" err="1" smtClean="0"/>
-              <a:t>DrawTetris</a:t>
-            </a:r>
-            <a:r>
-              <a:rPr lang="en-US" altLang="ko-KR" sz="1000" dirty="0" smtClean="0"/>
-              <a:t>();</a:t>
-            </a:r>
-          </a:p>
-          <a:p>
-            <a:r>
-              <a:rPr lang="en-US" altLang="ko-KR" sz="1000" dirty="0" smtClean="0"/>
-              <a:t>   }</a:t>
-            </a:r>
             <a:endParaRPr lang="en-US" altLang="ko-KR" sz="1000" dirty="0"/>
           </a:p>
           <a:p>
-            <a:r>
-              <a:rPr lang="en-US" altLang="ko-KR" sz="1000" dirty="0" smtClean="0"/>
-              <a:t>}</a:t>
-            </a:r>
-          </a:p>
-          <a:p>
-            <a:endParaRPr lang="en-US" altLang="ko-KR" sz="1000" dirty="0" smtClean="0"/>
-          </a:p>
-          <a:p>
-            <a:r>
-              <a:rPr lang="en-US" altLang="ko-KR" sz="1000" dirty="0"/>
-              <a:t>Void </a:t>
-            </a:r>
-            <a:r>
-              <a:rPr lang="en-US" altLang="ko-KR" sz="1000" dirty="0" err="1" smtClean="0"/>
-              <a:t>MoveRightTetris</a:t>
-            </a:r>
-            <a:r>
-              <a:rPr lang="en-US" altLang="ko-KR" sz="1000" dirty="0"/>
-              <a:t>()</a:t>
-            </a:r>
-          </a:p>
-          <a:p>
-            <a:r>
-              <a:rPr lang="en-US" altLang="ko-KR" sz="1000" dirty="0"/>
-              <a:t>{</a:t>
-            </a:r>
-          </a:p>
-          <a:p>
-            <a:r>
-              <a:rPr lang="en-US" altLang="ko-KR" sz="1000" dirty="0"/>
-              <a:t>   bool </a:t>
-            </a:r>
-            <a:r>
-              <a:rPr lang="en-US" altLang="ko-KR" sz="1000" dirty="0" err="1" smtClean="0"/>
-              <a:t>goright</a:t>
-            </a:r>
-            <a:r>
-              <a:rPr lang="en-US" altLang="ko-KR" sz="1000" dirty="0" smtClean="0"/>
-              <a:t> = true;</a:t>
-            </a:r>
-            <a:endParaRPr lang="en-US" altLang="ko-KR" sz="1000" dirty="0"/>
-          </a:p>
-          <a:p>
-            <a:r>
-              <a:rPr lang="en-US" altLang="ko-KR" sz="1000" dirty="0"/>
-              <a:t>   for(</a:t>
-            </a:r>
             <a:r>
               <a:rPr lang="en-US" altLang="ko-KR" sz="1000" dirty="0" err="1"/>
               <a:t>int</a:t>
@@ -6333,195 +5316,83 @@
               <a:t> </a:t>
             </a:r>
             <a:r>
+              <a:rPr lang="en-US" altLang="ko-KR" sz="1000" dirty="0" err="1" smtClean="0"/>
+              <a:t>GetTetrisY</a:t>
+            </a:r>
+            <a:r>
+              <a:rPr lang="en-US" altLang="ko-KR" sz="1000" dirty="0" smtClean="0"/>
+              <a:t>()</a:t>
+            </a:r>
+            <a:endParaRPr lang="en-US" altLang="ko-KR" sz="1000" dirty="0"/>
+          </a:p>
+          <a:p>
+            <a:r>
+              <a:rPr lang="en-US" altLang="ko-KR" sz="1000" dirty="0"/>
+              <a:t>{</a:t>
+            </a:r>
+          </a:p>
+          <a:p>
+            <a:r>
+              <a:rPr lang="en-US" altLang="ko-KR" sz="1000" dirty="0"/>
+              <a:t>   return </a:t>
+            </a:r>
+            <a:r>
+              <a:rPr lang="en-US" altLang="ko-KR" sz="1000" dirty="0" err="1" smtClean="0"/>
+              <a:t>tesY</a:t>
+            </a:r>
+            <a:r>
+              <a:rPr lang="en-US" altLang="ko-KR" sz="1000" dirty="0" smtClean="0"/>
+              <a:t>;</a:t>
+            </a:r>
+            <a:endParaRPr lang="en-US" altLang="ko-KR" sz="1000" dirty="0"/>
+          </a:p>
+          <a:p>
+            <a:r>
+              <a:rPr lang="en-US" altLang="ko-KR" sz="1000" dirty="0"/>
+              <a:t>}</a:t>
+            </a:r>
+          </a:p>
+          <a:p>
+            <a:endParaRPr lang="en-US" altLang="ko-KR" sz="1000" dirty="0" smtClean="0"/>
+          </a:p>
+          <a:p>
+            <a:endParaRPr lang="en-US" altLang="ko-KR" sz="1000" dirty="0"/>
+          </a:p>
+          <a:p>
+            <a:r>
               <a:rPr lang="en-US" altLang="ko-KR" sz="1000" dirty="0" err="1"/>
-              <a:t>i</a:t>
-            </a:r>
-            <a:r>
-              <a:rPr lang="en-US" altLang="ko-KR" sz="1000" dirty="0"/>
-              <a:t>=0 </a:t>
-            </a:r>
-            <a:r>
-              <a:rPr lang="en-US" altLang="ko-KR" sz="1000" dirty="0" err="1"/>
-              <a:t>i</a:t>
-            </a:r>
-            <a:r>
-              <a:rPr lang="en-US" altLang="ko-KR" sz="1000" dirty="0"/>
-              <a:t>&lt;4; </a:t>
-            </a:r>
-            <a:r>
-              <a:rPr lang="en-US" altLang="ko-KR" sz="1000" dirty="0" err="1"/>
-              <a:t>i</a:t>
-            </a:r>
-            <a:r>
-              <a:rPr lang="en-US" altLang="ko-KR" sz="1000" dirty="0"/>
-              <a:t>++)</a:t>
-            </a:r>
-          </a:p>
-          <a:p>
-            <a:r>
-              <a:rPr lang="en-US" altLang="ko-KR" sz="1000" dirty="0"/>
-              <a:t>   {</a:t>
-            </a:r>
-          </a:p>
-          <a:p>
-            <a:r>
-              <a:rPr lang="en-US" altLang="ko-KR" sz="1000" dirty="0"/>
-              <a:t>      if(</a:t>
-            </a:r>
-            <a:r>
-              <a:rPr lang="en-US" altLang="ko-KR" sz="1000" dirty="0" err="1"/>
-              <a:t>posTetrisX</a:t>
-            </a:r>
-            <a:r>
-              <a:rPr lang="en-US" altLang="ko-KR" sz="1000" dirty="0"/>
-              <a:t>[</a:t>
-            </a:r>
-            <a:r>
-              <a:rPr lang="en-US" altLang="ko-KR" sz="1000" dirty="0" err="1"/>
-              <a:t>i</a:t>
-            </a:r>
-            <a:r>
-              <a:rPr lang="en-US" altLang="ko-KR" sz="1000" dirty="0"/>
-              <a:t>] != 0 &amp;&amp; </a:t>
-            </a:r>
-            <a:r>
-              <a:rPr lang="en-US" altLang="ko-KR" sz="1000" dirty="0" err="1" smtClean="0"/>
-              <a:t>posTetrisX</a:t>
-            </a:r>
-            <a:r>
-              <a:rPr lang="en-US" altLang="ko-KR" sz="1000" dirty="0" smtClean="0"/>
-              <a:t>[</a:t>
-            </a:r>
-            <a:r>
-              <a:rPr lang="en-US" altLang="ko-KR" sz="1000" dirty="0" err="1" smtClean="0"/>
-              <a:t>i</a:t>
-            </a:r>
-            <a:r>
-              <a:rPr lang="en-US" altLang="ko-KR" sz="1000" dirty="0" smtClean="0"/>
-              <a:t>]+1 &gt;= 19)</a:t>
+              <a:t>int</a:t>
+            </a:r>
+            <a:r>
+              <a:rPr lang="en-US" altLang="ko-KR" sz="1000" dirty="0"/>
+              <a:t> </a:t>
+            </a:r>
+            <a:r>
+              <a:rPr lang="en-US" altLang="ko-KR" sz="1000" dirty="0" err="1" smtClean="0"/>
+              <a:t>GetTetrisMember</a:t>
+            </a:r>
+            <a:r>
+              <a:rPr lang="en-US" altLang="ko-KR" sz="1000" dirty="0" smtClean="0"/>
+              <a:t>()</a:t>
             </a:r>
             <a:endParaRPr lang="en-US" altLang="ko-KR" sz="1000" dirty="0"/>
           </a:p>
           <a:p>
             <a:r>
               <a:rPr lang="en-US" altLang="ko-KR" sz="1000" dirty="0"/>
-              <a:t>      {</a:t>
-            </a:r>
-          </a:p>
-          <a:p>
-            <a:r>
-              <a:rPr lang="en-US" altLang="ko-KR" sz="1000" dirty="0"/>
-              <a:t> </a:t>
-            </a:r>
-            <a:r>
-              <a:rPr lang="en-US" altLang="ko-KR" sz="1000" dirty="0" smtClean="0"/>
-              <a:t>         </a:t>
-            </a:r>
-            <a:r>
-              <a:rPr lang="en-US" altLang="ko-KR" sz="1000" dirty="0" err="1" smtClean="0"/>
-              <a:t>goright</a:t>
-            </a:r>
-            <a:r>
-              <a:rPr lang="en-US" altLang="ko-KR" sz="1000" dirty="0" smtClean="0"/>
-              <a:t> = false;</a:t>
-            </a:r>
-          </a:p>
-          <a:p>
-            <a:r>
-              <a:rPr lang="en-US" altLang="ko-KR" sz="1000" dirty="0" smtClean="0"/>
-              <a:t>          break;</a:t>
+              <a:t>{</a:t>
+            </a:r>
+          </a:p>
+          <a:p>
+            <a:r>
+              <a:rPr lang="en-US" altLang="ko-KR" sz="1000" dirty="0"/>
+              <a:t>   return </a:t>
+            </a:r>
+            <a:r>
+              <a:rPr lang="en-US" altLang="ko-KR" sz="1000" dirty="0" smtClean="0"/>
+              <a:t>Member;</a:t>
             </a:r>
             <a:endParaRPr lang="en-US" altLang="ko-KR" sz="1000" dirty="0"/>
-          </a:p>
-          <a:p>
-            <a:r>
-              <a:rPr lang="en-US" altLang="ko-KR" sz="1000" dirty="0"/>
-              <a:t>      }</a:t>
-            </a:r>
-          </a:p>
-          <a:p>
-            <a:r>
-              <a:rPr lang="en-US" altLang="ko-KR" sz="1000" dirty="0" smtClean="0"/>
-              <a:t>}</a:t>
-            </a:r>
-            <a:endParaRPr lang="en-US" altLang="ko-KR" sz="1000" dirty="0"/>
-          </a:p>
-          <a:p>
-            <a:endParaRPr lang="en-US" altLang="ko-KR" sz="1000" dirty="0"/>
-          </a:p>
-          <a:p>
-            <a:r>
-              <a:rPr lang="en-US" altLang="ko-KR" sz="1000" dirty="0"/>
-              <a:t>   </a:t>
-            </a:r>
-            <a:r>
-              <a:rPr lang="en-US" altLang="ko-KR" sz="1000" dirty="0" smtClean="0"/>
-              <a:t>if(</a:t>
-            </a:r>
-            <a:r>
-              <a:rPr lang="en-US" altLang="ko-KR" sz="1000" dirty="0" err="1"/>
-              <a:t>goright</a:t>
-            </a:r>
-            <a:r>
-              <a:rPr lang="en-US" altLang="ko-KR" sz="1000" dirty="0" smtClean="0"/>
-              <a:t>)</a:t>
-            </a:r>
-            <a:endParaRPr lang="en-US" altLang="ko-KR" sz="1000" dirty="0"/>
-          </a:p>
-          <a:p>
-            <a:r>
-              <a:rPr lang="en-US" altLang="ko-KR" sz="1000" dirty="0"/>
-              <a:t>   {</a:t>
-            </a:r>
-          </a:p>
-          <a:p>
-            <a:r>
-              <a:rPr lang="en-US" altLang="ko-KR" sz="1000" dirty="0"/>
-              <a:t>      </a:t>
-            </a:r>
-            <a:r>
-              <a:rPr lang="en-US" altLang="ko-KR" sz="1000" dirty="0" err="1"/>
-              <a:t>MoveDeleteTetris</a:t>
-            </a:r>
-            <a:r>
-              <a:rPr lang="en-US" altLang="ko-KR" sz="1000" dirty="0"/>
-              <a:t>();</a:t>
-            </a:r>
-          </a:p>
-          <a:p>
-            <a:r>
-              <a:rPr lang="en-US" altLang="ko-KR" sz="1000" dirty="0"/>
-              <a:t>      </a:t>
-            </a:r>
-            <a:r>
-              <a:rPr lang="en-US" altLang="ko-KR" sz="1000" dirty="0" err="1" smtClean="0"/>
-              <a:t>TesX</a:t>
-            </a:r>
-            <a:r>
-              <a:rPr lang="en-US" altLang="ko-KR" sz="1000" dirty="0" smtClean="0"/>
-              <a:t>++;</a:t>
-            </a:r>
-            <a:endParaRPr lang="en-US" altLang="ko-KR" sz="1000" dirty="0"/>
-          </a:p>
-          <a:p>
-            <a:r>
-              <a:rPr lang="en-US" altLang="ko-KR" sz="1000" dirty="0"/>
-              <a:t>      </a:t>
-            </a:r>
-            <a:r>
-              <a:rPr lang="en-US" altLang="ko-KR" sz="1000" dirty="0" err="1"/>
-              <a:t>DrawTetris</a:t>
-            </a:r>
-            <a:r>
-              <a:rPr lang="en-US" altLang="ko-KR" sz="1000" dirty="0"/>
-              <a:t>();</a:t>
-            </a:r>
-          </a:p>
-          <a:p>
-            <a:r>
-              <a:rPr lang="en-US" altLang="ko-KR" sz="1000" dirty="0"/>
-              <a:t>   }</a:t>
-            </a:r>
           </a:p>
           <a:p>
             <a:r>
@@ -6580,7 +5451,7 @@
         <p:spPr>
           <a:xfrm>
             <a:off x="0" y="55398"/>
-            <a:ext cx="2553730" cy="4555093"/>
+            <a:ext cx="2553730" cy="5016758"/>
           </a:xfrm>
           <a:prstGeom prst="rect">
             <a:avLst/>
@@ -6616,8 +5487,31 @@
             </a:r>
             <a:r>
               <a:rPr lang="en-US" altLang="ko-KR" sz="1000" dirty="0" smtClean="0"/>
-              <a:t>  private:</a:t>
-            </a:r>
+              <a:t>  private</a:t>
+            </a:r>
+            <a:r>
+              <a:rPr lang="en-US" altLang="ko-KR" sz="1000" dirty="0" smtClean="0"/>
+              <a:t>:</a:t>
+            </a:r>
+          </a:p>
+          <a:p>
+            <a:r>
+              <a:rPr lang="en-US" altLang="ko-KR" sz="1000" dirty="0"/>
+              <a:t> </a:t>
+            </a:r>
+            <a:r>
+              <a:rPr lang="en-US" altLang="ko-KR" sz="1000" dirty="0" smtClean="0"/>
+              <a:t>     Tetris </a:t>
+            </a:r>
+            <a:r>
+              <a:rPr lang="en-US" altLang="ko-KR" sz="1000" dirty="0" err="1" smtClean="0"/>
+              <a:t>tr</a:t>
+            </a:r>
+            <a:r>
+              <a:rPr lang="en-US" altLang="ko-KR" sz="1000" dirty="0" smtClean="0"/>
+              <a:t>;</a:t>
+            </a:r>
+            <a:endParaRPr lang="en-US" altLang="ko-KR" sz="1000" dirty="0" smtClean="0"/>
           </a:p>
           <a:p>
             <a:r>
@@ -6634,16 +5528,59 @@
             </a:r>
             <a:r>
               <a:rPr lang="en-US" altLang="ko-KR" sz="1000" dirty="0" smtClean="0"/>
+              <a:t> </a:t>
+            </a:r>
+            <a:r>
+              <a:rPr lang="en-US" altLang="ko-KR" sz="1000" dirty="0" smtClean="0"/>
+              <a:t>(*</a:t>
+            </a:r>
+            <a:r>
+              <a:rPr lang="en-US" altLang="ko-KR" sz="1000" dirty="0" err="1"/>
+              <a:t>p</a:t>
+            </a:r>
+            <a:r>
+              <a:rPr lang="en-US" altLang="ko-KR" sz="1000" dirty="0" err="1" smtClean="0"/>
+              <a:t>Map</a:t>
+            </a:r>
+            <a:r>
+              <a:rPr lang="en-US" altLang="ko-KR" sz="1000" dirty="0" smtClean="0"/>
+              <a:t>)[</a:t>
+            </a:r>
+            <a:r>
+              <a:rPr lang="en-US" altLang="ko-KR" sz="1000" dirty="0" smtClean="0"/>
+              <a:t>20</a:t>
+            </a:r>
+            <a:r>
+              <a:rPr lang="en-US" altLang="ko-KR" sz="1000" dirty="0" smtClean="0"/>
+              <a:t>];</a:t>
+            </a:r>
+          </a:p>
+          <a:p>
+            <a:r>
+              <a:rPr lang="en-US" altLang="ko-KR" sz="1000" dirty="0"/>
+              <a:t> </a:t>
+            </a:r>
+            <a:r>
+              <a:rPr lang="en-US" altLang="ko-KR" sz="1000" dirty="0" smtClean="0"/>
+              <a:t>     </a:t>
+            </a:r>
+            <a:r>
+              <a:rPr lang="en-US" altLang="ko-KR" sz="1000" dirty="0" err="1" smtClean="0"/>
+              <a:t>int</a:t>
+            </a:r>
+            <a:r>
+              <a:rPr lang="en-US" altLang="ko-KR" sz="1000" dirty="0" smtClean="0"/>
               <a:t> (*</a:t>
             </a:r>
             <a:r>
               <a:rPr lang="en-US" altLang="ko-KR" sz="1000" dirty="0" err="1" smtClean="0"/>
-              <a:t>iMap</a:t>
-            </a:r>
-            <a:r>
-              <a:rPr lang="en-US" altLang="ko-KR" sz="1000" dirty="0" smtClean="0"/>
-              <a:t>)[40][20];</a:t>
-            </a:r>
+              <a:t>pMem</a:t>
+            </a:r>
+            <a:r>
+              <a:rPr lang="en-US" altLang="ko-KR" sz="1000" dirty="0" smtClean="0"/>
+              <a:t>)[4];</a:t>
+            </a:r>
+            <a:endParaRPr lang="en-US" altLang="ko-KR" sz="1000" dirty="0" smtClean="0"/>
           </a:p>
           <a:p>
             <a:r>
@@ -6725,7 +5662,11 @@
             </a:r>
             <a:r>
               <a:rPr lang="en-US" altLang="ko-KR" sz="1000" dirty="0" smtClean="0"/>
-              <a:t> (*map)[40][20]);</a:t>
+              <a:t> (*map)[40][20</a:t>
+            </a:r>
+            <a:r>
+              <a:rPr lang="en-US" altLang="ko-KR" sz="1000" dirty="0" smtClean="0"/>
+              <a:t>]);</a:t>
             </a:r>
           </a:p>
           <a:p>
@@ -6742,7 +5683,7 @@
             </a:r>
             <a:r>
               <a:rPr lang="en-US" altLang="ko-KR" sz="1000" dirty="0" err="1" smtClean="0"/>
-              <a:t>CheckLine</a:t>
+              <a:t>TetrisInit</a:t>
             </a:r>
             <a:r>
               <a:rPr lang="en-US" altLang="ko-KR" sz="1000" dirty="0" smtClean="0"/>
@@ -6760,7 +5701,7 @@
             </a:r>
             <a:r>
               <a:rPr lang="en-US" altLang="ko-KR" sz="1000" dirty="0" err="1" smtClean="0"/>
-              <a:t>MoveLineDown</a:t>
+              <a:t>TetrisCheck</a:t>
             </a:r>
             <a:r>
               <a:rPr lang="en-US" altLang="ko-KR" sz="1000" dirty="0" smtClean="0"/>
@@ -6769,53 +5710,31 @@
           </a:p>
           <a:p>
             <a:r>
-              <a:rPr lang="en-US" altLang="ko-KR" sz="1000" dirty="0" smtClean="0"/>
-              <a:t>      void </a:t>
-            </a:r>
-            <a:r>
-              <a:rPr lang="en-US" altLang="ko-KR" sz="1000" dirty="0" err="1" smtClean="0"/>
-              <a:t>MoveLineUp</a:t>
+              <a:rPr lang="en-US" altLang="ko-KR" sz="1000" dirty="0"/>
+              <a:t> </a:t>
+            </a:r>
+            <a:r>
+              <a:rPr lang="en-US" altLang="ko-KR" sz="1000" dirty="0" smtClean="0"/>
+              <a:t>     void </a:t>
+            </a:r>
+            <a:r>
+              <a:rPr lang="en-US" altLang="ko-KR" sz="1000" dirty="0" err="1" smtClean="0"/>
+              <a:t>UpdateTetris</a:t>
             </a:r>
             <a:r>
               <a:rPr lang="en-US" altLang="ko-KR" sz="1000" dirty="0" smtClean="0"/>
               <a:t>();</a:t>
             </a:r>
-          </a:p>
-          <a:p>
-            <a:r>
-              <a:rPr lang="en-US" altLang="ko-KR" sz="1000" dirty="0"/>
-              <a:t> </a:t>
-            </a:r>
-            <a:r>
-              <a:rPr lang="en-US" altLang="ko-KR" sz="1000" dirty="0" smtClean="0"/>
-              <a:t>     void </a:t>
-            </a:r>
-            <a:r>
-              <a:rPr lang="en-US" altLang="ko-KR" sz="1000" dirty="0" err="1" smtClean="0"/>
-              <a:t>DeleteLine</a:t>
-            </a:r>
-            <a:r>
-              <a:rPr lang="en-US" altLang="ko-KR" sz="1000" dirty="0" smtClean="0"/>
-              <a:t>();</a:t>
-            </a:r>
-          </a:p>
-          <a:p>
-            <a:r>
-              <a:rPr lang="en-US" altLang="ko-KR" sz="1000" dirty="0"/>
-              <a:t> </a:t>
-            </a:r>
-            <a:r>
-              <a:rPr lang="en-US" altLang="ko-KR" sz="1000" dirty="0" smtClean="0"/>
-              <a:t>     void </a:t>
-            </a:r>
-            <a:r>
-              <a:rPr lang="en-US" altLang="ko-KR" sz="1000" dirty="0" err="1" smtClean="0"/>
-              <a:t>CreateLine</a:t>
-            </a:r>
-            <a:r>
-              <a:rPr lang="en-US" altLang="ko-KR" sz="1000" dirty="0" smtClean="0"/>
-              <a:t>();</a:t>
-            </a:r>
+            <a:endParaRPr lang="en-US" altLang="ko-KR" sz="1000" dirty="0" smtClean="0"/>
+          </a:p>
+          <a:p>
+            <a:endParaRPr lang="en-US" altLang="ko-KR" sz="1000" dirty="0" smtClean="0"/>
+          </a:p>
+          <a:p>
+            <a:endParaRPr lang="en-US" altLang="ko-KR" sz="1000" dirty="0"/>
+          </a:p>
+          <a:p>
+            <a:endParaRPr lang="en-US" altLang="ko-KR" sz="1000" dirty="0" smtClean="0"/>
           </a:p>
           <a:p>
             <a:endParaRPr lang="en-US" altLang="ko-KR" sz="1000" dirty="0"/>
@@ -6910,11 +5829,19 @@
             </a:r>
             <a:r>
               <a:rPr lang="en-US" altLang="ko-KR" sz="1000" dirty="0" err="1"/>
-              <a:t>iMap</a:t>
-            </a:r>
-            <a:r>
-              <a:rPr lang="en-US" altLang="ko-KR" sz="1000" dirty="0"/>
-              <a:t> = map;</a:t>
+              <a:t>p</a:t>
+            </a:r>
+            <a:r>
+              <a:rPr lang="en-US" altLang="ko-KR" sz="1000" dirty="0" err="1" smtClean="0"/>
+              <a:t>Map</a:t>
+            </a:r>
+            <a:r>
+              <a:rPr lang="en-US" altLang="ko-KR" sz="1000" dirty="0" smtClean="0"/>
+              <a:t> </a:t>
+            </a:r>
+            <a:r>
+              <a:rPr lang="en-US" altLang="ko-KR" sz="1000" dirty="0"/>
+              <a:t>= map;</a:t>
             </a:r>
           </a:p>
           <a:p>
@@ -6930,14 +5857,14 @@
       </p:sp>
       <p:sp>
         <p:nvSpPr>
-          <p:cNvPr id="3" name="TextBox 2"/>
+          <p:cNvPr id="7" name="TextBox 6"/>
           <p:cNvSpPr txBox="1"/>
           <p:nvPr/>
         </p:nvSpPr>
         <p:spPr>
           <a:xfrm>
-            <a:off x="2734963" y="178964"/>
-            <a:ext cx="3215640" cy="7017306"/>
+            <a:off x="3375451" y="143080"/>
+            <a:ext cx="6293708" cy="6555641"/>
           </a:xfrm>
           <a:prstGeom prst="rect">
             <a:avLst/>
@@ -6956,7 +5883,7 @@
             </a:r>
             <a:r>
               <a:rPr lang="en-US" altLang="ko-KR" sz="1000" dirty="0" err="1" smtClean="0"/>
-              <a:t>CheckLine</a:t>
+              <a:t>CheckTetris</a:t>
             </a:r>
             <a:r>
               <a:rPr lang="en-US" altLang="ko-KR" sz="1000" dirty="0" smtClean="0"/>
@@ -6971,20 +5898,128 @@
           </a:p>
           <a:p>
             <a:r>
-              <a:rPr lang="en-US" altLang="ko-KR" sz="1000" dirty="0"/>
-              <a:t> </a:t>
-            </a:r>
-            <a:r>
-              <a:rPr lang="en-US" altLang="ko-KR" sz="1000" dirty="0" smtClean="0"/>
-              <a:t>  bool </a:t>
-            </a:r>
-            <a:r>
-              <a:rPr lang="en-US" altLang="ko-KR" sz="1000" dirty="0" err="1" smtClean="0"/>
-              <a:t>isFull</a:t>
-            </a:r>
-            <a:r>
-              <a:rPr lang="en-US" altLang="ko-KR" sz="1000" dirty="0" smtClean="0"/>
-              <a:t> = true;</a:t>
+              <a:rPr lang="en-US" altLang="ko-KR" sz="1000" dirty="0" smtClean="0"/>
+              <a:t>   </a:t>
+            </a:r>
+            <a:r>
+              <a:rPr lang="en-US" altLang="ko-KR" sz="1000" dirty="0" err="1" smtClean="0"/>
+              <a:t>int</a:t>
+            </a:r>
+            <a:r>
+              <a:rPr lang="en-US" altLang="ko-KR" sz="1000" dirty="0" smtClean="0"/>
+              <a:t> </a:t>
+            </a:r>
+            <a:r>
+              <a:rPr lang="en-US" altLang="ko-KR" sz="1000" dirty="0" err="1" smtClean="0"/>
+              <a:t>num</a:t>
+            </a:r>
+            <a:r>
+              <a:rPr lang="en-US" altLang="ko-KR" sz="1000" dirty="0" smtClean="0"/>
+              <a:t>= 0;</a:t>
+            </a:r>
+          </a:p>
+          <a:p>
+            <a:r>
+              <a:rPr lang="en-US" altLang="ko-KR" sz="1000" dirty="0" smtClean="0"/>
+              <a:t>   </a:t>
+            </a:r>
+            <a:r>
+              <a:rPr lang="en-US" altLang="ko-KR" sz="1000" dirty="0" err="1" smtClean="0"/>
+              <a:t>int</a:t>
+            </a:r>
+            <a:r>
+              <a:rPr lang="en-US" altLang="ko-KR" sz="1000" dirty="0" smtClean="0"/>
+              <a:t> </a:t>
+            </a:r>
+            <a:r>
+              <a:rPr lang="en-US" altLang="ko-KR" sz="1000" dirty="0" err="1" smtClean="0"/>
+              <a:t>chkTetrisY</a:t>
+            </a:r>
+            <a:r>
+              <a:rPr lang="en-US" altLang="ko-KR" sz="1000" dirty="0" smtClean="0"/>
+              <a:t>[4] = { 0 };</a:t>
+            </a:r>
+          </a:p>
+          <a:p>
+            <a:r>
+              <a:rPr lang="en-US" altLang="ko-KR" sz="1000" dirty="0" smtClean="0"/>
+              <a:t>   </a:t>
+            </a:r>
+            <a:r>
+              <a:rPr lang="en-US" altLang="ko-KR" sz="1000" dirty="0" err="1" smtClean="0"/>
+              <a:t>int</a:t>
+            </a:r>
+            <a:r>
+              <a:rPr lang="en-US" altLang="ko-KR" sz="1000" dirty="0" smtClean="0"/>
+              <a:t> </a:t>
+            </a:r>
+            <a:r>
+              <a:rPr lang="en-US" altLang="ko-KR" sz="1000" dirty="0" err="1" smtClean="0"/>
+              <a:t>chkTetrisX</a:t>
+            </a:r>
+            <a:r>
+              <a:rPr lang="en-US" altLang="ko-KR" sz="1000" dirty="0" smtClean="0"/>
+              <a:t>[4] = { 0 };</a:t>
+            </a:r>
+          </a:p>
+          <a:p>
+            <a:r>
+              <a:rPr lang="en-US" altLang="ko-KR" sz="1000" dirty="0" smtClean="0"/>
+              <a:t>   </a:t>
+            </a:r>
+            <a:r>
+              <a:rPr lang="en-US" altLang="ko-KR" sz="1000" dirty="0" err="1" smtClean="0"/>
+              <a:t>int</a:t>
+            </a:r>
+            <a:r>
+              <a:rPr lang="en-US" altLang="ko-KR" sz="1000" dirty="0" smtClean="0"/>
+              <a:t> </a:t>
+            </a:r>
+            <a:r>
+              <a:rPr lang="en-US" altLang="ko-KR" sz="1000" dirty="0" err="1" smtClean="0"/>
+              <a:t>saveY</a:t>
+            </a:r>
+            <a:r>
+              <a:rPr lang="en-US" altLang="ko-KR" sz="1000" dirty="0" smtClean="0"/>
+              <a:t> = </a:t>
+            </a:r>
+            <a:r>
+              <a:rPr lang="en-US" altLang="ko-KR" sz="1000" dirty="0" err="1" smtClean="0"/>
+              <a:t>tesY</a:t>
+            </a:r>
+            <a:r>
+              <a:rPr lang="en-US" altLang="ko-KR" sz="1000" dirty="0" smtClean="0"/>
+              <a:t>;</a:t>
+            </a:r>
+          </a:p>
+          <a:p>
+            <a:r>
+              <a:rPr lang="en-US" altLang="ko-KR" sz="1000" dirty="0" smtClean="0"/>
+              <a:t>   </a:t>
+            </a:r>
+            <a:r>
+              <a:rPr lang="en-US" altLang="ko-KR" sz="1000" dirty="0" err="1" smtClean="0"/>
+              <a:t>int</a:t>
+            </a:r>
+            <a:r>
+              <a:rPr lang="en-US" altLang="ko-KR" sz="1000" dirty="0" smtClean="0"/>
+              <a:t> </a:t>
+            </a:r>
+            <a:r>
+              <a:rPr lang="en-US" altLang="ko-KR" sz="1000" dirty="0" err="1" smtClean="0"/>
+              <a:t>saveX</a:t>
+            </a:r>
+            <a:r>
+              <a:rPr lang="en-US" altLang="ko-KR" sz="1000" dirty="0" smtClean="0"/>
+              <a:t> = </a:t>
+            </a:r>
+            <a:r>
+              <a:rPr lang="en-US" altLang="ko-KR" sz="1000" dirty="0" err="1" smtClean="0"/>
+              <a:t>tesX</a:t>
+            </a:r>
+            <a:r>
+              <a:rPr lang="en-US" altLang="ko-KR" sz="1000" dirty="0" smtClean="0"/>
+              <a:t>;</a:t>
             </a:r>
           </a:p>
           <a:p>
@@ -6992,36 +6027,8 @@
           </a:p>
           <a:p>
             <a:r>
-              <a:rPr lang="en-US" altLang="ko-KR" sz="1000" dirty="0"/>
-              <a:t> </a:t>
-            </a:r>
-            <a:r>
-              <a:rPr lang="en-US" altLang="ko-KR" sz="1000" dirty="0" smtClean="0"/>
-              <a:t>  if(</a:t>
-            </a:r>
-            <a:r>
-              <a:rPr lang="en-US" altLang="ko-KR" sz="1000" dirty="0" err="1" smtClean="0"/>
-              <a:t>GetisChecked</a:t>
-            </a:r>
-            <a:r>
-              <a:rPr lang="en-US" altLang="ko-KR" sz="1000" dirty="0" smtClean="0"/>
-              <a:t>())</a:t>
-            </a:r>
-          </a:p>
-          <a:p>
-            <a:r>
-              <a:rPr lang="en-US" altLang="ko-KR" sz="1000" dirty="0"/>
-              <a:t> </a:t>
-            </a:r>
-            <a:r>
-              <a:rPr lang="en-US" altLang="ko-KR" sz="1000" dirty="0" smtClean="0"/>
-              <a:t>  {</a:t>
-            </a:r>
-          </a:p>
-          <a:p>
-            <a:r>
-              <a:rPr lang="en-US" altLang="ko-KR" sz="1000" dirty="0" smtClean="0"/>
-              <a:t>      for(</a:t>
+              <a:rPr lang="en-US" altLang="ko-KR" sz="1000" dirty="0" smtClean="0"/>
+              <a:t>   for(</a:t>
             </a:r>
             <a:r>
               <a:rPr lang="en-US" altLang="ko-KR" sz="1000" dirty="0" err="1" smtClean="0"/>
@@ -7029,27 +6036,19 @@
             </a:r>
             <a:r>
               <a:rPr lang="en-US" altLang="ko-KR" sz="1000" dirty="0" smtClean="0"/>
-              <a:t> y=38; y&gt;0 y--)</a:t>
-            </a:r>
-          </a:p>
-          <a:p>
-            <a:r>
-              <a:rPr lang="en-US" altLang="ko-KR" sz="1000" dirty="0"/>
-              <a:t> </a:t>
-            </a:r>
-            <a:r>
-              <a:rPr lang="en-US" altLang="ko-KR" sz="1000" dirty="0" smtClean="0"/>
-              <a:t>     {</a:t>
-            </a:r>
-          </a:p>
-          <a:p>
-            <a:r>
-              <a:rPr lang="en-US" altLang="ko-KR" sz="1000" dirty="0"/>
-              <a:t> </a:t>
-            </a:r>
-            <a:r>
-              <a:rPr lang="en-US" altLang="ko-KR" sz="1000" dirty="0" smtClean="0"/>
-              <a:t>        for(</a:t>
+              <a:t> y=0; y&lt;4; y++)</a:t>
+            </a:r>
+          </a:p>
+          <a:p>
+            <a:r>
+              <a:rPr lang="en-US" altLang="ko-KR" sz="1000" dirty="0" smtClean="0"/>
+              <a:t>   {</a:t>
+            </a:r>
+          </a:p>
+          <a:p>
+            <a:r>
+              <a:rPr lang="en-US" altLang="ko-KR" sz="1000" dirty="0" smtClean="0"/>
+              <a:t>       for(</a:t>
             </a:r>
             <a:r>
               <a:rPr lang="en-US" altLang="ko-KR" sz="1000" dirty="0" err="1" smtClean="0"/>
@@ -7057,24 +6056,16 @@
             </a:r>
             <a:r>
               <a:rPr lang="en-US" altLang="ko-KR" sz="1000" dirty="0" smtClean="0"/>
-              <a:t> x = 1; x&lt;18; x++)</a:t>
-            </a:r>
-          </a:p>
-          <a:p>
-            <a:r>
-              <a:rPr lang="en-US" altLang="ko-KR" sz="1000" dirty="0"/>
-              <a:t> </a:t>
-            </a:r>
-            <a:r>
-              <a:rPr lang="en-US" altLang="ko-KR" sz="1000" dirty="0" smtClean="0"/>
-              <a:t>        {</a:t>
-            </a:r>
-          </a:p>
-          <a:p>
-            <a:r>
-              <a:rPr lang="en-US" altLang="ko-KR" sz="1000" dirty="0"/>
-              <a:t> </a:t>
-            </a:r>
+              <a:t> x = 0; x&lt;4; x++)</a:t>
+            </a:r>
+          </a:p>
+          <a:p>
+            <a:r>
+              <a:rPr lang="en-US" altLang="ko-KR" sz="1000" dirty="0" smtClean="0"/>
+              <a:t>       {</a:t>
+            </a:r>
+          </a:p>
+          <a:p>
             <a:r>
               <a:rPr lang="en-US" altLang="ko-KR" sz="1000" dirty="0" smtClean="0"/>
               <a:t>           if((*</a:t>
@@ -7085,22 +6076,26 @@
             </a:r>
             <a:r>
               <a:rPr lang="en-US" altLang="ko-KR" sz="1000" dirty="0" smtClean="0"/>
-              <a:t>)[y][x] == </a:t>
-            </a:r>
-            <a:r>
-              <a:rPr lang="en-US" altLang="ko-KR" sz="1000" dirty="0"/>
-              <a:t>0</a:t>
-            </a:r>
-            <a:r>
-              <a:rPr lang="en-US" altLang="ko-KR" sz="1000" dirty="0" smtClean="0"/>
-              <a:t>)</a:t>
-            </a:r>
-          </a:p>
-          <a:p>
-            <a:r>
-              <a:rPr lang="en-US" altLang="ko-KR" sz="1000" dirty="0"/>
-              <a:t> </a:t>
-            </a:r>
+              <a:t>)[</a:t>
+            </a:r>
+            <a:r>
+              <a:rPr lang="en-US" altLang="ko-KR" sz="1000" dirty="0" err="1" smtClean="0"/>
+              <a:t>saveY</a:t>
+            </a:r>
+            <a:r>
+              <a:rPr lang="en-US" altLang="ko-KR" sz="1000" dirty="0" smtClean="0"/>
+              <a:t>][</a:t>
+            </a:r>
+            <a:r>
+              <a:rPr lang="en-US" altLang="ko-KR" sz="1000" dirty="0" err="1" smtClean="0"/>
+              <a:t>saveX</a:t>
+            </a:r>
+            <a:r>
+              <a:rPr lang="en-US" altLang="ko-KR" sz="1000" dirty="0" smtClean="0"/>
+              <a:t>] == 1 &amp;&amp; Member[y][x] == 1)</a:t>
+            </a:r>
+          </a:p>
+          <a:p>
             <a:r>
               <a:rPr lang="en-US" altLang="ko-KR" sz="1000" dirty="0" smtClean="0"/>
               <a:t>           {</a:t>
@@ -7108,27 +6103,79 @@
           </a:p>
           <a:p>
             <a:r>
-              <a:rPr lang="en-US" altLang="ko-KR" sz="1000" dirty="0"/>
-              <a:t> </a:t>
-            </a:r>
-            <a:r>
-              <a:rPr lang="en-US" altLang="ko-KR" sz="1000" dirty="0" smtClean="0"/>
-              <a:t>              </a:t>
-            </a:r>
-            <a:r>
-              <a:rPr lang="en-US" altLang="ko-KR" sz="1000" dirty="0" err="1" smtClean="0"/>
-              <a:t>isFull</a:t>
-            </a:r>
-            <a:r>
-              <a:rPr lang="en-US" altLang="ko-KR" sz="1000" dirty="0" smtClean="0"/>
-              <a:t> = false;</a:t>
-            </a:r>
-          </a:p>
-          <a:p>
-            <a:r>
-              <a:rPr lang="en-US" altLang="ko-KR" sz="1000" dirty="0"/>
-              <a:t> </a:t>
-            </a:r>
+              <a:rPr lang="en-US" altLang="ko-KR" sz="1000" dirty="0" smtClean="0"/>
+              <a:t>               </a:t>
+            </a:r>
+            <a:r>
+              <a:rPr lang="en-US" altLang="ko-KR" sz="1000" dirty="0" err="1" smtClean="0"/>
+              <a:t>posTetrisY</a:t>
+            </a:r>
+            <a:r>
+              <a:rPr lang="en-US" altLang="ko-KR" sz="1000" dirty="0" smtClean="0"/>
+              <a:t>[</a:t>
+            </a:r>
+            <a:r>
+              <a:rPr lang="en-US" altLang="ko-KR" sz="1000" dirty="0" err="1" smtClean="0"/>
+              <a:t>num</a:t>
+            </a:r>
+            <a:r>
+              <a:rPr lang="en-US" altLang="ko-KR" sz="1000" dirty="0" smtClean="0"/>
+              <a:t>] = </a:t>
+            </a:r>
+            <a:r>
+              <a:rPr lang="en-US" altLang="ko-KR" sz="1000" dirty="0" err="1" smtClean="0"/>
+              <a:t>saveY</a:t>
+            </a:r>
+            <a:r>
+              <a:rPr lang="en-US" altLang="ko-KR" sz="1000" dirty="0" smtClean="0"/>
+              <a:t>;</a:t>
+            </a:r>
+          </a:p>
+          <a:p>
+            <a:r>
+              <a:rPr lang="en-US" altLang="ko-KR" sz="1000" dirty="0" smtClean="0"/>
+              <a:t>               </a:t>
+            </a:r>
+            <a:r>
+              <a:rPr lang="en-US" altLang="ko-KR" sz="1000" dirty="0" err="1" smtClean="0"/>
+              <a:t>posTetrisX</a:t>
+            </a:r>
+            <a:r>
+              <a:rPr lang="en-US" altLang="ko-KR" sz="1000" dirty="0" smtClean="0"/>
+              <a:t>[</a:t>
+            </a:r>
+            <a:r>
+              <a:rPr lang="en-US" altLang="ko-KR" sz="1000" dirty="0" err="1" smtClean="0"/>
+              <a:t>num</a:t>
+            </a:r>
+            <a:r>
+              <a:rPr lang="en-US" altLang="ko-KR" sz="1000" dirty="0" smtClean="0"/>
+              <a:t>] = </a:t>
+            </a:r>
+            <a:r>
+              <a:rPr lang="en-US" altLang="ko-KR" sz="1000" dirty="0" err="1" smtClean="0"/>
+              <a:t>saveX</a:t>
+            </a:r>
+            <a:r>
+              <a:rPr lang="en-US" altLang="ko-KR" sz="1000" dirty="0" smtClean="0"/>
+              <a:t>;</a:t>
+            </a:r>
+          </a:p>
+          <a:p>
+            <a:r>
+              <a:rPr lang="en-US" altLang="ko-KR" sz="1000" dirty="0" smtClean="0"/>
+              <a:t>               </a:t>
+            </a:r>
+            <a:r>
+              <a:rPr lang="en-US" altLang="ko-KR" sz="1000" dirty="0" err="1" smtClean="0"/>
+              <a:t>num</a:t>
+            </a:r>
+            <a:r>
+              <a:rPr lang="en-US" altLang="ko-KR" sz="1000" dirty="0" smtClean="0"/>
+              <a:t>++;</a:t>
+            </a:r>
+          </a:p>
+          <a:p>
             <a:r>
               <a:rPr lang="en-US" altLang="ko-KR" sz="1000" dirty="0" smtClean="0"/>
               <a:t>           }</a:t>
@@ -7136,90 +6183,59 @@
           </a:p>
           <a:p>
             <a:r>
-              <a:rPr lang="en-US" altLang="ko-KR" sz="1000" dirty="0"/>
-              <a:t> </a:t>
-            </a:r>
-            <a:r>
-              <a:rPr lang="en-US" altLang="ko-KR" sz="1000" dirty="0" smtClean="0"/>
-              <a:t>        }</a:t>
-            </a:r>
-          </a:p>
-          <a:p>
-            <a:r>
-              <a:rPr lang="en-US" altLang="ko-KR" sz="1000" dirty="0"/>
-              <a:t> </a:t>
-            </a:r>
-            <a:r>
-              <a:rPr lang="en-US" altLang="ko-KR" sz="1000" dirty="0" smtClean="0"/>
-              <a:t>        if(</a:t>
-            </a:r>
-            <a:r>
-              <a:rPr lang="en-US" altLang="ko-KR" sz="1000" dirty="0" err="1" smtClean="0"/>
-              <a:t>isFull</a:t>
-            </a:r>
-            <a:r>
-              <a:rPr lang="en-US" altLang="ko-KR" sz="1000" dirty="0" smtClean="0"/>
-              <a:t> == true)</a:t>
-            </a:r>
-          </a:p>
-          <a:p>
-            <a:r>
-              <a:rPr lang="en-US" altLang="ko-KR" sz="1000" dirty="0"/>
-              <a:t> </a:t>
-            </a:r>
-            <a:r>
-              <a:rPr lang="en-US" altLang="ko-KR" sz="1000" dirty="0" smtClean="0"/>
-              <a:t>        {</a:t>
-            </a:r>
-          </a:p>
-          <a:p>
-            <a:r>
-              <a:rPr lang="en-US" altLang="ko-KR" sz="1000" dirty="0"/>
-              <a:t> </a:t>
-            </a:r>
-            <a:r>
               <a:rPr lang="en-US" altLang="ko-KR" sz="1000" dirty="0" smtClean="0"/>
               <a:t>           </a:t>
             </a:r>
             <a:r>
               <a:rPr lang="en-US" altLang="ko-KR" sz="1000" dirty="0" err="1" smtClean="0"/>
-              <a:t>lineNum</a:t>
-            </a:r>
-            <a:r>
-              <a:rPr lang="en-US" altLang="ko-KR" sz="1000" dirty="0" smtClean="0"/>
-              <a:t> = y;</a:t>
-            </a:r>
-          </a:p>
-          <a:p>
-            <a:r>
-              <a:rPr lang="en-US" altLang="ko-KR" sz="1000" dirty="0"/>
-              <a:t> </a:t>
-            </a:r>
-            <a:r>
-              <a:rPr lang="en-US" altLang="ko-KR" sz="1000" dirty="0" smtClean="0"/>
-              <a:t>           break;</a:t>
-            </a:r>
-          </a:p>
-          <a:p>
-            <a:r>
-              <a:rPr lang="en-US" altLang="ko-KR" sz="1000" dirty="0"/>
-              <a:t> </a:t>
-            </a:r>
-            <a:r>
-              <a:rPr lang="en-US" altLang="ko-KR" sz="1000" dirty="0" smtClean="0"/>
-              <a:t>        }</a:t>
-            </a:r>
-          </a:p>
-          <a:p>
-            <a:r>
-              <a:rPr lang="en-US" altLang="ko-KR" sz="1000" dirty="0"/>
-              <a:t> </a:t>
-            </a:r>
-            <a:r>
-              <a:rPr lang="en-US" altLang="ko-KR" sz="1000" dirty="0" smtClean="0"/>
-              <a:t>     }</a:t>
-            </a:r>
-            <a:endParaRPr lang="en-US" altLang="ko-KR" sz="1000" dirty="0"/>
+              <a:t>saveX</a:t>
+            </a:r>
+            <a:r>
+              <a:rPr lang="en-US" altLang="ko-KR" sz="1000" dirty="0" smtClean="0"/>
+              <a:t>++;</a:t>
+            </a:r>
+          </a:p>
+          <a:p>
+            <a:r>
+              <a:rPr lang="en-US" altLang="ko-KR" sz="1000" dirty="0" smtClean="0"/>
+              <a:t>       }</a:t>
+            </a:r>
+          </a:p>
+          <a:p>
+            <a:r>
+              <a:rPr lang="en-US" altLang="ko-KR" sz="1000" dirty="0" smtClean="0"/>
+              <a:t>       </a:t>
+            </a:r>
+            <a:r>
+              <a:rPr lang="en-US" altLang="ko-KR" sz="1000" dirty="0" err="1" smtClean="0"/>
+              <a:t>saveX</a:t>
+            </a:r>
+            <a:r>
+              <a:rPr lang="en-US" altLang="ko-KR" sz="1000" dirty="0" smtClean="0"/>
+              <a:t> = </a:t>
+            </a:r>
+            <a:r>
+              <a:rPr lang="en-US" altLang="ko-KR" sz="1000" dirty="0" err="1" smtClean="0"/>
+              <a:t>tesX</a:t>
+            </a:r>
+            <a:r>
+              <a:rPr lang="en-US" altLang="ko-KR" sz="1000" dirty="0" smtClean="0"/>
+              <a:t>;</a:t>
+            </a:r>
+          </a:p>
+          <a:p>
+            <a:r>
+              <a:rPr lang="en-US" altLang="ko-KR" sz="1000" dirty="0" smtClean="0"/>
+              <a:t>       </a:t>
+            </a:r>
+            <a:r>
+              <a:rPr lang="en-US" altLang="ko-KR" sz="1000" dirty="0" err="1" smtClean="0"/>
+              <a:t>saveY</a:t>
+            </a:r>
+            <a:r>
+              <a:rPr lang="en-US" altLang="ko-KR" sz="1000" dirty="0" smtClean="0"/>
+              <a:t>++;</a:t>
+            </a:r>
           </a:p>
           <a:p>
             <a:r>
@@ -7228,299 +6244,394 @@
             </a:r>
           </a:p>
           <a:p>
-            <a:r>
-              <a:rPr lang="en-US" altLang="ko-KR" sz="1000" dirty="0" smtClean="0"/>
-              <a:t>}</a:t>
-            </a:r>
-            <a:endParaRPr lang="en-US" altLang="ko-KR" sz="1000" dirty="0"/>
-          </a:p>
-          <a:p>
             <a:endParaRPr lang="en-US" altLang="ko-KR" sz="1000" dirty="0" smtClean="0"/>
           </a:p>
           <a:p>
             <a:r>
-              <a:rPr lang="en-US" altLang="ko-KR" sz="1000" dirty="0"/>
-              <a:t>Void </a:t>
-            </a:r>
-            <a:r>
-              <a:rPr lang="en-US" altLang="ko-KR" sz="1000" dirty="0" err="1"/>
-              <a:t>MoveLineDown</a:t>
-            </a:r>
-            <a:r>
-              <a:rPr lang="en-US" altLang="ko-KR" sz="1000" dirty="0"/>
-              <a:t>()</a:t>
-            </a:r>
-          </a:p>
-          <a:p>
-            <a:r>
-              <a:rPr lang="en-US" altLang="ko-KR" sz="1000" dirty="0"/>
-              <a:t>{</a:t>
-            </a:r>
-          </a:p>
-          <a:p>
-            <a:r>
-              <a:rPr lang="en-US" altLang="ko-KR" sz="1000" dirty="0"/>
-              <a:t>   </a:t>
-            </a:r>
-            <a:r>
-              <a:rPr lang="en-US" altLang="ko-KR" sz="1000" dirty="0" err="1"/>
+              <a:rPr lang="en-US" altLang="ko-KR" sz="1000" dirty="0" smtClean="0"/>
+              <a:t>   for(</a:t>
+            </a:r>
+            <a:r>
+              <a:rPr lang="en-US" altLang="ko-KR" sz="1000" dirty="0" err="1" smtClean="0"/>
               <a:t>int</a:t>
             </a:r>
             <a:r>
-              <a:rPr lang="en-US" altLang="ko-KR" sz="1000" dirty="0"/>
-              <a:t> </a:t>
-            </a:r>
-            <a:r>
-              <a:rPr lang="en-US" altLang="ko-KR" sz="1000" dirty="0" err="1"/>
-              <a:t>saveLine</a:t>
-            </a:r>
-            <a:r>
-              <a:rPr lang="en-US" altLang="ko-KR" sz="1000" dirty="0"/>
-              <a:t>[2][20];</a:t>
-            </a:r>
-          </a:p>
-          <a:p>
-            <a:endParaRPr lang="en-US" altLang="ko-KR" sz="1000" dirty="0"/>
-          </a:p>
-          <a:p>
-            <a:r>
-              <a:rPr lang="en-US" altLang="ko-KR" sz="1000" dirty="0"/>
-              <a:t>   for(</a:t>
-            </a:r>
-            <a:r>
-              <a:rPr lang="en-US" altLang="ko-KR" sz="1000" dirty="0" err="1"/>
+              <a:rPr lang="en-US" altLang="ko-KR" sz="1000" dirty="0" smtClean="0"/>
+              <a:t> </a:t>
+            </a:r>
+            <a:r>
+              <a:rPr lang="en-US" altLang="ko-KR" sz="1000" dirty="0" err="1" smtClean="0"/>
+              <a:t>i</a:t>
+            </a:r>
+            <a:r>
+              <a:rPr lang="en-US" altLang="ko-KR" sz="1000" dirty="0" smtClean="0"/>
+              <a:t>=0; </a:t>
+            </a:r>
+            <a:r>
+              <a:rPr lang="en-US" altLang="ko-KR" sz="1000" dirty="0" err="1" smtClean="0"/>
+              <a:t>i</a:t>
+            </a:r>
+            <a:r>
+              <a:rPr lang="en-US" altLang="ko-KR" sz="1000" dirty="0" smtClean="0"/>
+              <a:t>&lt;3; </a:t>
+            </a:r>
+            <a:r>
+              <a:rPr lang="en-US" altLang="ko-KR" sz="1000" dirty="0" err="1" smtClean="0"/>
+              <a:t>i</a:t>
+            </a:r>
+            <a:r>
+              <a:rPr lang="en-US" altLang="ko-KR" sz="1000" dirty="0" smtClean="0"/>
+              <a:t>++)</a:t>
+            </a:r>
+          </a:p>
+          <a:p>
+            <a:r>
+              <a:rPr lang="en-US" altLang="ko-KR" sz="1000" dirty="0" smtClean="0"/>
+              <a:t>   {</a:t>
+            </a:r>
+          </a:p>
+          <a:p>
+            <a:r>
+              <a:rPr lang="en-US" altLang="ko-KR" sz="1000" dirty="0" smtClean="0"/>
+              <a:t>      if(</a:t>
+            </a:r>
+            <a:r>
+              <a:rPr lang="en-US" altLang="ko-KR" sz="1000" dirty="0" err="1" smtClean="0"/>
+              <a:t>posTetrisY</a:t>
+            </a:r>
+            <a:r>
+              <a:rPr lang="en-US" altLang="ko-KR" sz="1000" dirty="0" smtClean="0"/>
+              <a:t>[</a:t>
+            </a:r>
+            <a:r>
+              <a:rPr lang="en-US" altLang="ko-KR" sz="1000" dirty="0" err="1" smtClean="0"/>
+              <a:t>i</a:t>
+            </a:r>
+            <a:r>
+              <a:rPr lang="en-US" altLang="ko-KR" sz="1000" dirty="0" smtClean="0"/>
+              <a:t>] &gt; </a:t>
+            </a:r>
+            <a:r>
+              <a:rPr lang="en-US" altLang="ko-KR" sz="1000" dirty="0" err="1" smtClean="0"/>
+              <a:t>posTetrisY</a:t>
+            </a:r>
+            <a:r>
+              <a:rPr lang="en-US" altLang="ko-KR" sz="1000" dirty="0" smtClean="0"/>
+              <a:t>[i+1]</a:t>
+            </a:r>
+          </a:p>
+          <a:p>
+            <a:r>
+              <a:rPr lang="en-US" altLang="ko-KR" sz="1000" dirty="0" smtClean="0"/>
+              <a:t>      {</a:t>
+            </a:r>
+          </a:p>
+          <a:p>
+            <a:r>
+              <a:rPr lang="en-US" altLang="ko-KR" sz="1000" dirty="0" smtClean="0"/>
+              <a:t>         </a:t>
+            </a:r>
+            <a:r>
+              <a:rPr lang="en-US" altLang="ko-KR" sz="1000" dirty="0" err="1" smtClean="0"/>
+              <a:t>chkTetrisY</a:t>
+            </a:r>
+            <a:r>
+              <a:rPr lang="en-US" altLang="ko-KR" sz="1000" dirty="0" smtClean="0"/>
+              <a:t>[</a:t>
+            </a:r>
+            <a:r>
+              <a:rPr lang="en-US" altLang="ko-KR" sz="1000" dirty="0" err="1" smtClean="0"/>
+              <a:t>i</a:t>
+            </a:r>
+            <a:r>
+              <a:rPr lang="en-US" altLang="ko-KR" sz="1000" dirty="0" smtClean="0"/>
+              <a:t>] = </a:t>
+            </a:r>
+            <a:r>
+              <a:rPr lang="en-US" altLang="ko-KR" sz="1000" dirty="0" err="1" smtClean="0"/>
+              <a:t>posTetrisY</a:t>
+            </a:r>
+            <a:r>
+              <a:rPr lang="en-US" altLang="ko-KR" sz="1000" dirty="0" smtClean="0"/>
+              <a:t>[</a:t>
+            </a:r>
+            <a:r>
+              <a:rPr lang="en-US" altLang="ko-KR" sz="1000" dirty="0" err="1" smtClean="0"/>
+              <a:t>i</a:t>
+            </a:r>
+            <a:r>
+              <a:rPr lang="en-US" altLang="ko-KR" sz="1000" dirty="0" smtClean="0"/>
+              <a:t>];</a:t>
+            </a:r>
+          </a:p>
+          <a:p>
+            <a:r>
+              <a:rPr lang="en-US" altLang="ko-KR" sz="1000" dirty="0" smtClean="0"/>
+              <a:t>         </a:t>
+            </a:r>
+            <a:r>
+              <a:rPr lang="en-US" altLang="ko-KR" sz="1000" dirty="0" err="1" smtClean="0"/>
+              <a:t>chkTetrisX</a:t>
+            </a:r>
+            <a:r>
+              <a:rPr lang="en-US" altLang="ko-KR" sz="1000" dirty="0" smtClean="0"/>
+              <a:t>[</a:t>
+            </a:r>
+            <a:r>
+              <a:rPr lang="en-US" altLang="ko-KR" sz="1000" dirty="0" err="1" smtClean="0"/>
+              <a:t>i</a:t>
+            </a:r>
+            <a:r>
+              <a:rPr lang="en-US" altLang="ko-KR" sz="1000" dirty="0" smtClean="0"/>
+              <a:t>] = </a:t>
+            </a:r>
+            <a:r>
+              <a:rPr lang="en-US" altLang="ko-KR" sz="1000" dirty="0" err="1" smtClean="0"/>
+              <a:t>posTetrisX</a:t>
+            </a:r>
+            <a:r>
+              <a:rPr lang="en-US" altLang="ko-KR" sz="1000" dirty="0" smtClean="0"/>
+              <a:t>[</a:t>
+            </a:r>
+            <a:r>
+              <a:rPr lang="en-US" altLang="ko-KR" sz="1000" dirty="0" err="1" smtClean="0"/>
+              <a:t>i</a:t>
+            </a:r>
+            <a:r>
+              <a:rPr lang="en-US" altLang="ko-KR" sz="1000" dirty="0" smtClean="0"/>
+              <a:t>];</a:t>
+            </a:r>
+          </a:p>
+          <a:p>
+            <a:r>
+              <a:rPr lang="en-US" altLang="ko-KR" sz="1000" dirty="0" smtClean="0"/>
+              <a:t>      }</a:t>
+            </a:r>
+          </a:p>
+          <a:p>
+            <a:r>
+              <a:rPr lang="en-US" altLang="ko-KR" sz="1000" dirty="0" smtClean="0"/>
+              <a:t>      else if(</a:t>
+            </a:r>
+            <a:r>
+              <a:rPr lang="en-US" altLang="ko-KR" sz="1000" dirty="0" err="1" smtClean="0"/>
+              <a:t>posTetrisY</a:t>
+            </a:r>
+            <a:r>
+              <a:rPr lang="en-US" altLang="ko-KR" sz="1000" dirty="0" smtClean="0"/>
+              <a:t>[</a:t>
+            </a:r>
+            <a:r>
+              <a:rPr lang="en-US" altLang="ko-KR" sz="1000" dirty="0" err="1" smtClean="0"/>
+              <a:t>i</a:t>
+            </a:r>
+            <a:r>
+              <a:rPr lang="en-US" altLang="ko-KR" sz="1000" dirty="0" smtClean="0"/>
+              <a:t>] &lt; </a:t>
+            </a:r>
+            <a:r>
+              <a:rPr lang="en-US" altLang="ko-KR" sz="1000" dirty="0" err="1" smtClean="0"/>
+              <a:t>posTetrisY</a:t>
+            </a:r>
+            <a:r>
+              <a:rPr lang="en-US" altLang="ko-KR" sz="1000" dirty="0" smtClean="0"/>
+              <a:t>[i+1])</a:t>
+            </a:r>
+          </a:p>
+          <a:p>
+            <a:r>
+              <a:rPr lang="en-US" altLang="ko-KR" sz="1000" dirty="0" smtClean="0"/>
+              <a:t>      {</a:t>
+            </a:r>
+          </a:p>
+          <a:p>
+            <a:r>
+              <a:rPr lang="en-US" altLang="ko-KR" sz="1000" dirty="0" smtClean="0"/>
+              <a:t>         </a:t>
+            </a:r>
+            <a:r>
+              <a:rPr lang="en-US" altLang="ko-KR" sz="1000" dirty="0" err="1" smtClean="0"/>
+              <a:t>chkTetrisY</a:t>
+            </a:r>
+            <a:r>
+              <a:rPr lang="en-US" altLang="ko-KR" sz="1000" dirty="0" smtClean="0"/>
+              <a:t>[</a:t>
+            </a:r>
+            <a:r>
+              <a:rPr lang="en-US" altLang="ko-KR" sz="1000" dirty="0" err="1" smtClean="0"/>
+              <a:t>i</a:t>
+            </a:r>
+            <a:r>
+              <a:rPr lang="en-US" altLang="ko-KR" sz="1000" dirty="0" smtClean="0"/>
+              <a:t>] = </a:t>
+            </a:r>
+            <a:r>
+              <a:rPr lang="en-US" altLang="ko-KR" sz="1000" dirty="0" err="1" smtClean="0"/>
+              <a:t>posTetrisY</a:t>
+            </a:r>
+            <a:r>
+              <a:rPr lang="en-US" altLang="ko-KR" sz="1000" dirty="0" smtClean="0"/>
+              <a:t>[i+1];</a:t>
+            </a:r>
+          </a:p>
+          <a:p>
+            <a:r>
+              <a:rPr lang="en-US" altLang="ko-KR" sz="1000" dirty="0" smtClean="0"/>
+              <a:t>         </a:t>
+            </a:r>
+            <a:r>
+              <a:rPr lang="en-US" altLang="ko-KR" sz="1000" dirty="0" err="1" smtClean="0"/>
+              <a:t>chkTetrisX</a:t>
+            </a:r>
+            <a:r>
+              <a:rPr lang="en-US" altLang="ko-KR" sz="1000" dirty="0" smtClean="0"/>
+              <a:t>[</a:t>
+            </a:r>
+            <a:r>
+              <a:rPr lang="en-US" altLang="ko-KR" sz="1000" dirty="0" err="1" smtClean="0"/>
+              <a:t>i</a:t>
+            </a:r>
+            <a:r>
+              <a:rPr lang="en-US" altLang="ko-KR" sz="1000" dirty="0" smtClean="0"/>
+              <a:t>] = </a:t>
+            </a:r>
+            <a:r>
+              <a:rPr lang="en-US" altLang="ko-KR" sz="1000" dirty="0" err="1" smtClean="0"/>
+              <a:t>posTetrisX</a:t>
+            </a:r>
+            <a:r>
+              <a:rPr lang="en-US" altLang="ko-KR" sz="1000" dirty="0" smtClean="0"/>
+              <a:t>[i+1];</a:t>
+            </a:r>
+          </a:p>
+          <a:p>
+            <a:r>
+              <a:rPr lang="en-US" altLang="ko-KR" sz="1000" dirty="0" smtClean="0"/>
+              <a:t>         for(</a:t>
+            </a:r>
+            <a:r>
+              <a:rPr lang="en-US" altLang="ko-KR" sz="1000" dirty="0" err="1" smtClean="0"/>
               <a:t>int</a:t>
             </a:r>
             <a:r>
-              <a:rPr lang="en-US" altLang="ko-KR" sz="1000" dirty="0"/>
-              <a:t> y=1; y&lt;=</a:t>
-            </a:r>
-            <a:r>
-              <a:rPr lang="en-US" altLang="ko-KR" sz="1000" dirty="0" err="1"/>
-              <a:t>lineNum</a:t>
-            </a:r>
-            <a:r>
-              <a:rPr lang="en-US" altLang="ko-KR" sz="1000" dirty="0"/>
-              <a:t>; y++)</a:t>
-            </a:r>
-          </a:p>
-          <a:p>
-            <a:r>
-              <a:rPr lang="en-US" altLang="ko-KR" sz="1000" dirty="0"/>
-              <a:t>   {</a:t>
-            </a:r>
-          </a:p>
-          <a:p>
-            <a:r>
-              <a:rPr lang="en-US" altLang="ko-KR" sz="1000" dirty="0"/>
-              <a:t>      for(</a:t>
-            </a:r>
-            <a:r>
-              <a:rPr lang="en-US" altLang="ko-KR" sz="1000" dirty="0" err="1"/>
-              <a:t>int</a:t>
-            </a:r>
-            <a:r>
-              <a:rPr lang="en-US" altLang="ko-KR" sz="1000" dirty="0"/>
-              <a:t> x=1; x&lt;19; x++)</a:t>
-            </a:r>
-          </a:p>
-          <a:p>
-            <a:r>
-              <a:rPr lang="en-US" altLang="ko-KR" sz="1000" dirty="0"/>
-              <a:t>      {</a:t>
-            </a:r>
-          </a:p>
-          <a:p>
-            <a:r>
-              <a:rPr lang="en-US" altLang="ko-KR" sz="1000" dirty="0"/>
-              <a:t>         if(y==1)</a:t>
-            </a:r>
-          </a:p>
-          <a:p>
-            <a:r>
-              <a:rPr lang="en-US" altLang="ko-KR" sz="1000" dirty="0"/>
+              <a:rPr lang="en-US" altLang="ko-KR" sz="1000" dirty="0" smtClean="0"/>
+              <a:t> k = 0; k&lt;</a:t>
+            </a:r>
+            <a:r>
+              <a:rPr lang="en-US" altLang="ko-KR" sz="1000" dirty="0" err="1" smtClean="0"/>
+              <a:t>i</a:t>
+            </a:r>
+            <a:r>
+              <a:rPr lang="en-US" altLang="ko-KR" sz="1000" dirty="0" smtClean="0"/>
+              <a:t>; k++)</a:t>
+            </a:r>
+          </a:p>
+          <a:p>
+            <a:r>
+              <a:rPr lang="en-US" altLang="ko-KR" sz="1000" dirty="0" smtClean="0"/>
               <a:t>         {</a:t>
             </a:r>
           </a:p>
           <a:p>
             <a:r>
-              <a:rPr lang="en-US" altLang="ko-KR" sz="1000" dirty="0"/>
+              <a:rPr lang="en-US" altLang="ko-KR" sz="1000" dirty="0" smtClean="0"/>
               <a:t>             </a:t>
             </a:r>
             <a:r>
-              <a:rPr lang="en-US" altLang="ko-KR" sz="1000" dirty="0" err="1"/>
-              <a:t>saveLine</a:t>
-            </a:r>
-            <a:r>
-              <a:rPr lang="en-US" altLang="ko-KR" sz="1000" dirty="0"/>
-              <a:t>[0][x] = (*</a:t>
-            </a:r>
-            <a:r>
-              <a:rPr lang="en-US" altLang="ko-KR" sz="1000" dirty="0" err="1"/>
-              <a:t>iMap</a:t>
-            </a:r>
-            <a:r>
-              <a:rPr lang="en-US" altLang="ko-KR" sz="1000" dirty="0"/>
-              <a:t>)[y][x];</a:t>
-            </a:r>
-          </a:p>
-          <a:p>
-            <a:r>
-              <a:rPr lang="en-US" altLang="ko-KR" sz="1000" dirty="0"/>
-              <a:t>             (*</a:t>
-            </a:r>
-            <a:r>
-              <a:rPr lang="en-US" altLang="ko-KR" sz="1000" dirty="0" err="1"/>
-              <a:t>iMap</a:t>
-            </a:r>
-            <a:r>
-              <a:rPr lang="en-US" altLang="ko-KR" sz="1000" dirty="0"/>
-              <a:t>)[y][x] = 0;</a:t>
-            </a:r>
-          </a:p>
-          <a:p>
-            <a:r>
-              <a:rPr lang="en-US" altLang="ko-KR" sz="1000" dirty="0"/>
-              <a:t>         }</a:t>
-            </a:r>
-          </a:p>
-          <a:p>
-            <a:r>
-              <a:rPr lang="en-US" altLang="ko-KR" sz="1000" dirty="0"/>
-              <a:t>         </a:t>
-            </a:r>
-            <a:r>
-              <a:rPr lang="en-US" altLang="ko-KR" sz="1000" dirty="0" err="1"/>
-              <a:t>saveLine</a:t>
-            </a:r>
-            <a:r>
-              <a:rPr lang="en-US" altLang="ko-KR" sz="1000" dirty="0"/>
-              <a:t>[1][x] = (*</a:t>
-            </a:r>
-            <a:r>
-              <a:rPr lang="en-US" altLang="ko-KR" sz="1000" dirty="0" err="1"/>
-              <a:t>iMap</a:t>
-            </a:r>
-            <a:r>
-              <a:rPr lang="en-US" altLang="ko-KR" sz="1000" dirty="0"/>
-              <a:t>)[y][x];</a:t>
-            </a:r>
-          </a:p>
-          <a:p>
-            <a:r>
-              <a:rPr lang="en-US" altLang="ko-KR" sz="1000" dirty="0"/>
-              <a:t>         (*</a:t>
-            </a:r>
-            <a:r>
-              <a:rPr lang="en-US" altLang="ko-KR" sz="1000" dirty="0" err="1"/>
-              <a:t>iMap</a:t>
-            </a:r>
-            <a:r>
-              <a:rPr lang="en-US" altLang="ko-KR" sz="1000" dirty="0"/>
-              <a:t>)[y][x] = </a:t>
-            </a:r>
-            <a:r>
-              <a:rPr lang="en-US" altLang="ko-KR" sz="1000" dirty="0" err="1"/>
-              <a:t>saveLine</a:t>
-            </a:r>
-            <a:r>
-              <a:rPr lang="en-US" altLang="ko-KR" sz="1000" dirty="0"/>
-              <a:t>[0][x];</a:t>
-            </a:r>
-          </a:p>
-          <a:p>
-            <a:r>
-              <a:rPr lang="en-US" altLang="ko-KR" sz="1000" dirty="0"/>
-              <a:t>         </a:t>
-            </a:r>
-            <a:r>
-              <a:rPr lang="en-US" altLang="ko-KR" sz="1000" dirty="0" err="1"/>
-              <a:t>saveLine</a:t>
-            </a:r>
-            <a:r>
-              <a:rPr lang="en-US" altLang="ko-KR" sz="1000" dirty="0"/>
-              <a:t>[0][x] = </a:t>
-            </a:r>
-            <a:r>
-              <a:rPr lang="en-US" altLang="ko-KR" sz="1000" dirty="0" err="1"/>
-              <a:t>saveLine</a:t>
-            </a:r>
-            <a:r>
-              <a:rPr lang="en-US" altLang="ko-KR" sz="1000" dirty="0"/>
-              <a:t>[1][x];</a:t>
-            </a:r>
-          </a:p>
-          <a:p>
-            <a:r>
-              <a:rPr lang="en-US" altLang="ko-KR" sz="1000" dirty="0"/>
+              <a:rPr lang="en-US" altLang="ko-KR" sz="1000" dirty="0" err="1" smtClean="0"/>
+              <a:t>chkTetrisY</a:t>
+            </a:r>
+            <a:r>
+              <a:rPr lang="en-US" altLang="ko-KR" sz="1000" dirty="0" smtClean="0"/>
+              <a:t>[k] = 0;</a:t>
+            </a:r>
+          </a:p>
+          <a:p>
+            <a:r>
+              <a:rPr lang="en-US" altLang="ko-KR" sz="1000" dirty="0" smtClean="0"/>
+              <a:t>             </a:t>
+            </a:r>
+            <a:r>
+              <a:rPr lang="en-US" altLang="ko-KR" sz="1000" dirty="0" err="1" smtClean="0"/>
+              <a:t>chkTetrisX</a:t>
+            </a:r>
+            <a:r>
+              <a:rPr lang="en-US" altLang="ko-KR" sz="1000" dirty="0" smtClean="0"/>
+              <a:t>[k] = 0;</a:t>
+            </a:r>
+          </a:p>
+          <a:p>
+            <a:r>
+              <a:rPr lang="en-US" altLang="ko-KR" sz="1000" dirty="0" smtClean="0"/>
+              <a:t>         } </a:t>
+            </a:r>
+          </a:p>
+          <a:p>
+            <a:r>
+              <a:rPr lang="en-US" altLang="ko-KR" sz="1000" dirty="0" smtClean="0"/>
               <a:t>      }</a:t>
             </a:r>
-          </a:p>
-          <a:p>
-            <a:r>
-              <a:rPr lang="en-US" altLang="ko-KR" sz="1000" dirty="0"/>
-              <a:t>   }</a:t>
-            </a:r>
-          </a:p>
-          <a:p>
-            <a:r>
-              <a:rPr lang="en-US" altLang="ko-KR" sz="1000" dirty="0" smtClean="0"/>
-              <a:t>}</a:t>
-            </a:r>
-          </a:p>
-          <a:p>
             <a:endParaRPr lang="en-US" altLang="ko-KR" sz="1000" dirty="0" smtClean="0"/>
-          </a:p>
-          <a:p>
-            <a:endParaRPr lang="en-US" altLang="ko-KR" sz="1000" dirty="0"/>
           </a:p>
         </p:txBody>
       </p:sp>
       <p:sp>
         <p:nvSpPr>
-          <p:cNvPr id="6" name="TextBox 5"/>
-          <p:cNvSpPr txBox="1"/>
+          <p:cNvPr id="2" name="직사각형 1"/>
+          <p:cNvSpPr/>
           <p:nvPr/>
         </p:nvSpPr>
         <p:spPr>
           <a:xfrm>
-            <a:off x="5066682" y="55397"/>
-            <a:ext cx="3215640" cy="4555093"/>
+            <a:off x="7319376" y="143080"/>
+            <a:ext cx="6096000" cy="2246769"/>
           </a:xfrm>
           <a:prstGeom prst="rect">
             <a:avLst/>
           </a:prstGeom>
-          <a:noFill/>
         </p:spPr>
         <p:txBody>
-          <a:bodyPr wrap="square" rtlCol="0">
+          <a:bodyPr>
             <a:spAutoFit/>
           </a:bodyPr>
           <a:lstStyle/>
           <a:p>
             <a:r>
-              <a:rPr lang="en-US" altLang="ko-KR" sz="1000" dirty="0" smtClean="0"/>
-              <a:t>Void </a:t>
-            </a:r>
-            <a:r>
-              <a:rPr lang="en-US" altLang="ko-KR" sz="1000" dirty="0" err="1" smtClean="0"/>
-              <a:t>MoveLineUp</a:t>
-            </a:r>
-            <a:r>
-              <a:rPr lang="en-US" altLang="ko-KR" sz="1000" dirty="0" smtClean="0"/>
-              <a:t>()</a:t>
-            </a:r>
-          </a:p>
-          <a:p>
-            <a:r>
-              <a:rPr lang="en-US" altLang="ko-KR" sz="1000" dirty="0" smtClean="0"/>
-              <a:t>{</a:t>
-            </a:r>
-          </a:p>
-          <a:p>
-            <a:r>
-              <a:rPr lang="en-US" altLang="ko-KR" sz="1000" dirty="0"/>
-              <a:t>    </a:t>
+              <a:rPr lang="en-US" altLang="ko-KR" sz="1000" dirty="0"/>
+              <a:t>else</a:t>
+            </a:r>
+          </a:p>
+          <a:p>
+            <a:r>
+              <a:rPr lang="en-US" altLang="ko-KR" sz="1000" dirty="0"/>
+              <a:t>      {</a:t>
+            </a:r>
+          </a:p>
+          <a:p>
+            <a:r>
+              <a:rPr lang="en-US" altLang="ko-KR" sz="1000" dirty="0"/>
+              <a:t>         continue;</a:t>
+            </a:r>
+          </a:p>
+          <a:p>
+            <a:r>
+              <a:rPr lang="en-US" altLang="ko-KR" sz="1000" dirty="0"/>
+              <a:t>      }</a:t>
+            </a:r>
+          </a:p>
+          <a:p>
+            <a:r>
+              <a:rPr lang="en-US" altLang="ko-KR" sz="1000" dirty="0"/>
+              <a:t>   }</a:t>
+            </a:r>
+          </a:p>
+          <a:p>
+            <a:endParaRPr lang="en-US" altLang="ko-KR" sz="1000" dirty="0"/>
+          </a:p>
+          <a:p>
+            <a:r>
+              <a:rPr lang="en-US" altLang="ko-KR" sz="1000" dirty="0"/>
+              <a:t>   for(</a:t>
             </a:r>
             <a:r>
               <a:rPr lang="en-US" altLang="ko-KR" sz="1000" dirty="0" err="1"/>
@@ -7532,34 +6643,28 @@
             </a:r>
             <a:r>
               <a:rPr lang="en-US" altLang="ko-KR" sz="1000" dirty="0" err="1"/>
-              <a:t>saveLine</a:t>
-            </a:r>
-            <a:r>
-              <a:rPr lang="en-US" altLang="ko-KR" sz="1000" dirty="0"/>
-              <a:t>[2][20];</a:t>
-            </a:r>
-          </a:p>
-          <a:p>
-            <a:endParaRPr lang="en-US" altLang="ko-KR" sz="1000" dirty="0"/>
-          </a:p>
-          <a:p>
-            <a:r>
-              <a:rPr lang="en-US" altLang="ko-KR" sz="1000" dirty="0"/>
-              <a:t>   for(</a:t>
+              <a:t>i</a:t>
+            </a:r>
+            <a:r>
+              <a:rPr lang="en-US" altLang="ko-KR" sz="1000" dirty="0"/>
+              <a:t>=0; </a:t>
             </a:r>
             <a:r>
               <a:rPr lang="en-US" altLang="ko-KR" sz="1000" dirty="0" err="1"/>
-              <a:t>int</a:t>
-            </a:r>
-            <a:r>
-              <a:rPr lang="en-US" altLang="ko-KR" sz="1000" dirty="0"/>
-              <a:t> </a:t>
-            </a:r>
-            <a:r>
-              <a:rPr lang="en-US" altLang="ko-KR" sz="1000" dirty="0" smtClean="0"/>
-              <a:t>y=38; y&gt;0; y--)</a:t>
-            </a:r>
-            <a:endParaRPr lang="en-US" altLang="ko-KR" sz="1000" dirty="0"/>
+              <a:t>i</a:t>
+            </a:r>
+            <a:r>
+              <a:rPr lang="en-US" altLang="ko-KR" sz="1000" dirty="0"/>
+              <a:t>&lt;4; </a:t>
+            </a:r>
+            <a:r>
+              <a:rPr lang="en-US" altLang="ko-KR" sz="1000" dirty="0" err="1"/>
+              <a:t>i</a:t>
+            </a:r>
+            <a:r>
+              <a:rPr lang="en-US" altLang="ko-KR" sz="1000" dirty="0"/>
+              <a:t>++)</a:t>
+            </a:r>
           </a:p>
           <a:p>
             <a:r>
@@ -7570,52 +6675,7 @@
           <a:p>
             <a:r>
               <a:rPr lang="en-US" altLang="ko-KR" sz="1000" dirty="0"/>
-              <a:t>      for(</a:t>
-            </a:r>
-            <a:r>
-              <a:rPr lang="en-US" altLang="ko-KR" sz="1000" dirty="0" err="1"/>
-              <a:t>int</a:t>
-            </a:r>
-            <a:r>
-              <a:rPr lang="en-US" altLang="ko-KR" sz="1000" dirty="0"/>
-              <a:t> x=1; x&lt;19; x++)</a:t>
-            </a:r>
-          </a:p>
-          <a:p>
-            <a:r>
-              <a:rPr lang="en-US" altLang="ko-KR" sz="1000" dirty="0"/>
-              <a:t>      {</a:t>
-            </a:r>
-          </a:p>
-          <a:p>
-            <a:r>
-              <a:rPr lang="en-US" altLang="ko-KR" sz="1000" dirty="0"/>
-              <a:t>         if(y</a:t>
-            </a:r>
-            <a:r>
-              <a:rPr lang="en-US" altLang="ko-KR" sz="1000" dirty="0" smtClean="0"/>
-              <a:t>==38)</a:t>
-            </a:r>
-            <a:endParaRPr lang="en-US" altLang="ko-KR" sz="1000" dirty="0"/>
-          </a:p>
-          <a:p>
-            <a:r>
-              <a:rPr lang="en-US" altLang="ko-KR" sz="1000" dirty="0"/>
-              <a:t>         {</a:t>
-            </a:r>
-          </a:p>
-          <a:p>
-            <a:r>
-              <a:rPr lang="en-US" altLang="ko-KR" sz="1000" dirty="0"/>
-              <a:t>             </a:t>
-            </a:r>
-            <a:r>
-              <a:rPr lang="en-US" altLang="ko-KR" sz="1000" dirty="0" err="1"/>
-              <a:t>saveLine</a:t>
-            </a:r>
-            <a:r>
-              <a:rPr lang="en-US" altLang="ko-KR" sz="1000" dirty="0"/>
-              <a:t>[0][x] = (*</a:t>
+              <a:t>       if((*</a:t>
             </a:r>
             <a:r>
               <a:rPr lang="en-US" altLang="ko-KR" sz="1000" dirty="0" err="1"/>
@@ -7623,99 +6683,65 @@
             </a:r>
             <a:r>
               <a:rPr lang="en-US" altLang="ko-KR" sz="1000" dirty="0"/>
-              <a:t>)[y][x];</a:t>
-            </a:r>
-          </a:p>
-          <a:p>
-            <a:r>
-              <a:rPr lang="en-US" altLang="ko-KR" sz="1000" dirty="0"/>
-              <a:t>             (*</a:t>
+              <a:t>)[</a:t>
             </a:r>
             <a:r>
               <a:rPr lang="en-US" altLang="ko-KR" sz="1000" dirty="0" err="1"/>
-              <a:t>iMap</a:t>
-            </a:r>
-            <a:r>
-              <a:rPr lang="en-US" altLang="ko-KR" sz="1000" dirty="0"/>
-              <a:t>)[y][x] = 0;</a:t>
-            </a:r>
-          </a:p>
-          <a:p>
-            <a:r>
-              <a:rPr lang="en-US" altLang="ko-KR" sz="1000" dirty="0"/>
-              <a:t>         }</a:t>
-            </a:r>
-          </a:p>
-          <a:p>
-            <a:r>
-              <a:rPr lang="en-US" altLang="ko-KR" sz="1000" dirty="0"/>
-              <a:t>         </a:t>
+              <a:t>chkTetrisY</a:t>
+            </a:r>
+            <a:r>
+              <a:rPr lang="en-US" altLang="ko-KR" sz="1000" dirty="0"/>
+              <a:t>[</a:t>
             </a:r>
             <a:r>
               <a:rPr lang="en-US" altLang="ko-KR" sz="1000" dirty="0" err="1"/>
-              <a:t>saveLine</a:t>
-            </a:r>
-            <a:r>
-              <a:rPr lang="en-US" altLang="ko-KR" sz="1000" dirty="0"/>
-              <a:t>[1][x] = (*</a:t>
+              <a:t>i</a:t>
+            </a:r>
+            <a:r>
+              <a:rPr lang="en-US" altLang="ko-KR" sz="1000" dirty="0"/>
+              <a:t>]+1][</a:t>
             </a:r>
             <a:r>
               <a:rPr lang="en-US" altLang="ko-KR" sz="1000" dirty="0" err="1"/>
-              <a:t>iMap</a:t>
-            </a:r>
-            <a:r>
-              <a:rPr lang="en-US" altLang="ko-KR" sz="1000" dirty="0"/>
-              <a:t>)[y][x];</a:t>
-            </a:r>
-          </a:p>
-          <a:p>
-            <a:r>
-              <a:rPr lang="en-US" altLang="ko-KR" sz="1000" dirty="0"/>
-              <a:t>         (*</a:t>
+              <a:t>chkTetrisX</a:t>
+            </a:r>
+            <a:r>
+              <a:rPr lang="en-US" altLang="ko-KR" sz="1000" dirty="0"/>
+              <a:t>[</a:t>
             </a:r>
             <a:r>
               <a:rPr lang="en-US" altLang="ko-KR" sz="1000" dirty="0" err="1"/>
-              <a:t>iMap</a:t>
-            </a:r>
-            <a:r>
-              <a:rPr lang="en-US" altLang="ko-KR" sz="1000" dirty="0"/>
-              <a:t>)[y][x] = </a:t>
+              <a:t>i</a:t>
+            </a:r>
+            <a:r>
+              <a:rPr lang="en-US" altLang="ko-KR" sz="1000" dirty="0"/>
+              <a:t>]] == 1)</a:t>
+            </a:r>
+          </a:p>
+          <a:p>
+            <a:r>
+              <a:rPr lang="en-US" altLang="ko-KR" sz="1000" dirty="0"/>
+              <a:t>       {</a:t>
+            </a:r>
+          </a:p>
+          <a:p>
+            <a:r>
+              <a:rPr lang="en-US" altLang="ko-KR" sz="1000" dirty="0"/>
+              <a:t>           </a:t>
             </a:r>
             <a:r>
               <a:rPr lang="en-US" altLang="ko-KR" sz="1000" dirty="0" err="1"/>
-              <a:t>saveLine</a:t>
-            </a:r>
-            <a:r>
-              <a:rPr lang="en-US" altLang="ko-KR" sz="1000" dirty="0"/>
-              <a:t>[0][x];</a:t>
-            </a:r>
-          </a:p>
-          <a:p>
-            <a:r>
-              <a:rPr lang="en-US" altLang="ko-KR" sz="1000" dirty="0"/>
-              <a:t>         </a:t>
-            </a:r>
-            <a:r>
-              <a:rPr lang="en-US" altLang="ko-KR" sz="1000" dirty="0" err="1"/>
-              <a:t>saveLine</a:t>
-            </a:r>
-            <a:r>
-              <a:rPr lang="en-US" altLang="ko-KR" sz="1000" dirty="0"/>
-              <a:t>[0][x] = </a:t>
-            </a:r>
-            <a:r>
-              <a:rPr lang="en-US" altLang="ko-KR" sz="1000" dirty="0" err="1"/>
-              <a:t>saveLine</a:t>
-            </a:r>
-            <a:r>
-              <a:rPr lang="en-US" altLang="ko-KR" sz="1000" dirty="0"/>
-              <a:t>[1][x];</a:t>
-            </a:r>
-          </a:p>
-          <a:p>
-            <a:r>
-              <a:rPr lang="en-US" altLang="ko-KR" sz="1000" dirty="0"/>
-              <a:t>      }</a:t>
+              <a:t>isChecked</a:t>
+            </a:r>
+            <a:r>
+              <a:rPr lang="en-US" altLang="ko-KR" sz="1000" dirty="0"/>
+              <a:t> = true;</a:t>
+            </a:r>
+          </a:p>
+          <a:p>
+            <a:r>
+              <a:rPr lang="en-US" altLang="ko-KR" sz="1000" dirty="0"/>
+              <a:t>       }</a:t>
             </a:r>
           </a:p>
           <a:p>
@@ -7726,448 +6752,221 @@
           </a:p>
           <a:p>
             <a:r>
-              <a:rPr lang="en-US" altLang="ko-KR" sz="1000" dirty="0" smtClean="0"/>
+              <a:rPr lang="en-US" altLang="ko-KR" sz="1000" dirty="0"/>
               <a:t>}</a:t>
             </a:r>
-          </a:p>
-          <a:p>
-            <a:endParaRPr lang="en-US" altLang="ko-KR" sz="1000" dirty="0" smtClean="0"/>
-          </a:p>
-          <a:p>
-            <a:r>
-              <a:rPr lang="en-US" altLang="ko-KR" sz="1000" dirty="0"/>
-              <a:t>Void </a:t>
-            </a:r>
-            <a:r>
-              <a:rPr lang="en-US" altLang="ko-KR" sz="1000" dirty="0" err="1"/>
-              <a:t>DeleteLine</a:t>
-            </a:r>
-            <a:r>
-              <a:rPr lang="en-US" altLang="ko-KR" sz="1000" dirty="0"/>
-              <a:t>()</a:t>
-            </a:r>
-          </a:p>
-          <a:p>
-            <a:r>
-              <a:rPr lang="en-US" altLang="ko-KR" sz="1000" dirty="0"/>
-              <a:t>{</a:t>
-            </a:r>
-          </a:p>
-          <a:p>
-            <a:r>
-              <a:rPr lang="en-US" altLang="ko-KR" sz="1000" dirty="0"/>
-              <a:t>   for(</a:t>
-            </a:r>
-            <a:r>
-              <a:rPr lang="en-US" altLang="ko-KR" sz="1000" dirty="0" err="1"/>
-              <a:t>int</a:t>
-            </a:r>
-            <a:r>
-              <a:rPr lang="en-US" altLang="ko-KR" sz="1000" dirty="0"/>
-              <a:t> x=1; x&lt;19; x++)</a:t>
-            </a:r>
-          </a:p>
-          <a:p>
-            <a:r>
-              <a:rPr lang="en-US" altLang="ko-KR" sz="1000" dirty="0"/>
-              <a:t>   {</a:t>
-            </a:r>
-          </a:p>
-          <a:p>
-            <a:r>
-              <a:rPr lang="en-US" altLang="ko-KR" sz="1000" dirty="0"/>
-              <a:t>       (*</a:t>
-            </a:r>
-            <a:r>
-              <a:rPr lang="en-US" altLang="ko-KR" sz="1000" dirty="0" err="1"/>
-              <a:t>iMap</a:t>
-            </a:r>
-            <a:r>
-              <a:rPr lang="en-US" altLang="ko-KR" sz="1000" dirty="0"/>
-              <a:t>)[</a:t>
-            </a:r>
-            <a:r>
-              <a:rPr lang="en-US" altLang="ko-KR" sz="1000" dirty="0" err="1"/>
-              <a:t>lineNum</a:t>
-            </a:r>
-            <a:r>
-              <a:rPr lang="en-US" altLang="ko-KR" sz="1000" dirty="0"/>
-              <a:t>][x] = 0;</a:t>
-            </a:r>
-          </a:p>
-          <a:p>
-            <a:r>
-              <a:rPr lang="en-US" altLang="ko-KR" sz="1000" dirty="0"/>
-              <a:t>   }</a:t>
-            </a:r>
-          </a:p>
-          <a:p>
-            <a:r>
-              <a:rPr lang="en-US" altLang="ko-KR" sz="1000" dirty="0"/>
-              <a:t>}</a:t>
-            </a:r>
-          </a:p>
-          <a:p>
-            <a:endParaRPr lang="en-US" altLang="ko-KR" sz="1000" dirty="0"/>
           </a:p>
         </p:txBody>
       </p:sp>
       <p:sp>
         <p:nvSpPr>
-          <p:cNvPr id="5" name="TextBox 4"/>
-          <p:cNvSpPr txBox="1"/>
+          <p:cNvPr id="9" name="직사각형 8"/>
+          <p:cNvSpPr/>
           <p:nvPr/>
         </p:nvSpPr>
         <p:spPr>
           <a:xfrm>
-            <a:off x="8010474" y="-98854"/>
-            <a:ext cx="3215640" cy="6863417"/>
+            <a:off x="7319376" y="2486833"/>
+            <a:ext cx="6096000" cy="3631763"/>
           </a:xfrm>
           <a:prstGeom prst="rect">
             <a:avLst/>
           </a:prstGeom>
-          <a:noFill/>
         </p:spPr>
         <p:txBody>
-          <a:bodyPr wrap="square" rtlCol="0">
+          <a:bodyPr>
             <a:spAutoFit/>
           </a:bodyPr>
           <a:lstStyle/>
           <a:p>
-            <a:endParaRPr lang="en-US" altLang="ko-KR" sz="1000" dirty="0" smtClean="0"/>
-          </a:p>
-          <a:p>
-            <a:r>
-              <a:rPr lang="en-US" altLang="ko-KR" sz="1000" dirty="0" smtClean="0"/>
+            <a:r>
+              <a:rPr lang="en-US" altLang="ko-KR" sz="1000" dirty="0"/>
               <a:t>Void </a:t>
             </a:r>
             <a:r>
               <a:rPr lang="en-US" altLang="ko-KR" sz="1000" dirty="0" err="1" smtClean="0"/>
-              <a:t>CreateLine</a:t>
-            </a:r>
-            <a:r>
-              <a:rPr lang="en-US" altLang="ko-KR" sz="1000" dirty="0" smtClean="0"/>
+              <a:t>UpdateTetris</a:t>
+            </a:r>
+            <a:r>
+              <a:rPr lang="en-US" altLang="ko-KR" sz="1000" dirty="0"/>
               <a:t>()</a:t>
             </a:r>
           </a:p>
           <a:p>
             <a:r>
-              <a:rPr lang="en-US" altLang="ko-KR" sz="1000" dirty="0" smtClean="0"/>
+              <a:rPr lang="en-US" altLang="ko-KR" sz="1000" dirty="0"/>
               <a:t>{</a:t>
             </a:r>
           </a:p>
           <a:p>
             <a:r>
               <a:rPr lang="en-US" altLang="ko-KR" sz="1000" dirty="0"/>
-              <a:t> </a:t>
-            </a:r>
-            <a:r>
-              <a:rPr lang="en-US" altLang="ko-KR" sz="1000" dirty="0" smtClean="0"/>
-              <a:t>  </a:t>
-            </a:r>
-            <a:r>
-              <a:rPr lang="en-US" altLang="ko-KR" sz="1000" dirty="0" err="1" smtClean="0"/>
-              <a:t>srand</a:t>
-            </a:r>
-            <a:r>
-              <a:rPr lang="en-US" altLang="ko-KR" sz="1000" dirty="0" smtClean="0"/>
-              <a:t>(time(NULL</a:t>
-            </a:r>
-            <a:r>
-              <a:rPr lang="en-US" altLang="ko-KR" sz="1000" dirty="0"/>
-              <a:t>));</a:t>
-            </a:r>
-            <a:endParaRPr lang="en-US" altLang="ko-KR" sz="1000" dirty="0" smtClean="0"/>
-          </a:p>
-          <a:p>
-            <a:r>
-              <a:rPr lang="en-US" altLang="ko-KR" sz="1000" dirty="0"/>
-              <a:t> </a:t>
-            </a:r>
-            <a:r>
-              <a:rPr lang="en-US" altLang="ko-KR" sz="1000" dirty="0" smtClean="0"/>
-              <a:t>  </a:t>
-            </a:r>
-            <a:r>
-              <a:rPr lang="en-US" altLang="ko-KR" sz="1000" dirty="0" err="1" smtClean="0"/>
+              <a:t>   </a:t>
+            </a:r>
+            <a:r>
+              <a:rPr lang="en-US" altLang="ko-KR" sz="1000" dirty="0" err="1"/>
               <a:t>int</a:t>
             </a:r>
             <a:r>
-              <a:rPr lang="en-US" altLang="ko-KR" sz="1000" dirty="0" smtClean="0"/>
-              <a:t> </a:t>
-            </a:r>
-            <a:r>
-              <a:rPr lang="en-US" altLang="ko-KR" sz="1000" dirty="0" err="1" smtClean="0"/>
-              <a:t>checkRand</a:t>
-            </a:r>
-            <a:r>
-              <a:rPr lang="en-US" altLang="ko-KR" sz="1000" dirty="0" smtClean="0"/>
-              <a:t> = rand()%2;</a:t>
-            </a:r>
-          </a:p>
-          <a:p>
-            <a:endParaRPr lang="en-US" altLang="ko-KR" sz="1000" dirty="0" smtClean="0"/>
-          </a:p>
-          <a:p>
-            <a:r>
-              <a:rPr lang="en-US" altLang="ko-KR" sz="1000" dirty="0"/>
-              <a:t> </a:t>
-            </a:r>
-            <a:r>
-              <a:rPr lang="en-US" altLang="ko-KR" sz="1000" dirty="0" smtClean="0"/>
-              <a:t>  </a:t>
-            </a:r>
-            <a:r>
-              <a:rPr lang="en-US" altLang="ko-KR" sz="1000" dirty="0" err="1" smtClean="0"/>
-              <a:t>srand</a:t>
-            </a:r>
-            <a:r>
-              <a:rPr lang="en-US" altLang="ko-KR" sz="1000" dirty="0" smtClean="0"/>
-              <a:t>(time(NULL</a:t>
-            </a:r>
-            <a:r>
-              <a:rPr lang="en-US" altLang="ko-KR" sz="1000" dirty="0"/>
-              <a:t>));</a:t>
-            </a:r>
-            <a:endParaRPr lang="en-US" altLang="ko-KR" sz="1000" dirty="0" smtClean="0"/>
-          </a:p>
-          <a:p>
-            <a:r>
-              <a:rPr lang="en-US" altLang="ko-KR" sz="1000" dirty="0"/>
-              <a:t> </a:t>
-            </a:r>
-            <a:r>
-              <a:rPr lang="en-US" altLang="ko-KR" sz="1000" dirty="0" smtClean="0"/>
-              <a:t>  </a:t>
-            </a:r>
-            <a:r>
-              <a:rPr lang="en-US" altLang="ko-KR" sz="1000" dirty="0" err="1" smtClean="0"/>
+              <a:rPr lang="en-US" altLang="ko-KR" sz="1000" dirty="0"/>
+              <a:t> </a:t>
+            </a:r>
+            <a:r>
+              <a:rPr lang="en-US" altLang="ko-KR" sz="1000" dirty="0" err="1"/>
+              <a:t>saveY</a:t>
+            </a:r>
+            <a:r>
+              <a:rPr lang="en-US" altLang="ko-KR" sz="1000" dirty="0"/>
+              <a:t> = </a:t>
+            </a:r>
+            <a:r>
+              <a:rPr lang="en-US" altLang="ko-KR" sz="1000" dirty="0" err="1" smtClean="0"/>
+              <a:t>tr</a:t>
+            </a:r>
+            <a:r>
+              <a:rPr lang="en-US" altLang="ko-KR" sz="1000" dirty="0" smtClean="0"/>
+              <a:t>-&gt;</a:t>
+            </a:r>
+            <a:r>
+              <a:rPr lang="en-US" altLang="ko-KR" sz="1000" dirty="0" err="1" smtClean="0"/>
+              <a:t>GetTetrisY</a:t>
+            </a:r>
+            <a:r>
+              <a:rPr lang="en-US" altLang="ko-KR" sz="1000" dirty="0" smtClean="0"/>
+              <a:t>();</a:t>
+            </a:r>
+            <a:endParaRPr lang="en-US" altLang="ko-KR" sz="1000" dirty="0"/>
+          </a:p>
+          <a:p>
+            <a:r>
+              <a:rPr lang="en-US" altLang="ko-KR" sz="1000" dirty="0"/>
+              <a:t>   </a:t>
+            </a:r>
+            <a:r>
+              <a:rPr lang="en-US" altLang="ko-KR" sz="1000" dirty="0" err="1"/>
               <a:t>int</a:t>
             </a:r>
             <a:r>
-              <a:rPr lang="en-US" altLang="ko-KR" sz="1000" dirty="0" smtClean="0"/>
-              <a:t> </a:t>
-            </a:r>
-            <a:r>
-              <a:rPr lang="en-US" altLang="ko-KR" sz="1000" dirty="0" err="1" smtClean="0"/>
-              <a:t>firstRand</a:t>
-            </a:r>
-            <a:r>
-              <a:rPr lang="en-US" altLang="ko-KR" sz="1000" dirty="0" smtClean="0"/>
-              <a:t> = rand()%18;</a:t>
-            </a:r>
-          </a:p>
-          <a:p>
-            <a:endParaRPr lang="en-US" altLang="ko-KR" sz="1000" dirty="0" smtClean="0"/>
-          </a:p>
-          <a:p>
-            <a:r>
-              <a:rPr lang="en-US" altLang="ko-KR" sz="1000" dirty="0" smtClean="0"/>
-              <a:t>   </a:t>
-            </a:r>
-            <a:r>
-              <a:rPr lang="en-US" altLang="ko-KR" sz="1000" dirty="0" err="1" smtClean="0"/>
-              <a:t>srand</a:t>
-            </a:r>
-            <a:r>
-              <a:rPr lang="en-US" altLang="ko-KR" sz="1000" dirty="0" smtClean="0"/>
-              <a:t>(time(NULL));</a:t>
+              <a:rPr lang="en-US" altLang="ko-KR" sz="1000" dirty="0"/>
+              <a:t> </a:t>
+            </a:r>
+            <a:r>
+              <a:rPr lang="en-US" altLang="ko-KR" sz="1000" dirty="0" err="1"/>
+              <a:t>saveX</a:t>
+            </a:r>
+            <a:r>
+              <a:rPr lang="en-US" altLang="ko-KR" sz="1000" dirty="0"/>
+              <a:t> = </a:t>
+            </a:r>
+            <a:r>
+              <a:rPr lang="en-US" altLang="ko-KR" sz="1000" dirty="0" err="1" smtClean="0"/>
+              <a:t>tr</a:t>
+            </a:r>
+            <a:r>
+              <a:rPr lang="en-US" altLang="ko-KR" sz="1000" dirty="0" smtClean="0"/>
+              <a:t>-&gt;</a:t>
+            </a:r>
+            <a:r>
+              <a:rPr lang="en-US" altLang="ko-KR" sz="1000" dirty="0" err="1" smtClean="0"/>
+              <a:t>GetTetrisX</a:t>
+            </a:r>
+            <a:r>
+              <a:rPr lang="en-US" altLang="ko-KR" sz="1000" dirty="0" smtClean="0"/>
+              <a:t>();</a:t>
             </a:r>
             <a:endParaRPr lang="en-US" altLang="ko-KR" sz="1000" dirty="0"/>
           </a:p>
           <a:p>
-            <a:r>
-              <a:rPr lang="en-US" altLang="ko-KR" sz="1000" dirty="0"/>
-              <a:t> </a:t>
-            </a:r>
-            <a:r>
-              <a:rPr lang="en-US" altLang="ko-KR" sz="1000" dirty="0" smtClean="0"/>
-              <a:t>  </a:t>
-            </a:r>
-            <a:r>
-              <a:rPr lang="en-US" altLang="ko-KR" sz="1000" dirty="0" err="1" smtClean="0"/>
+            <a:endParaRPr lang="en-US" altLang="ko-KR" sz="1000" dirty="0"/>
+          </a:p>
+          <a:p>
+            <a:r>
+              <a:rPr lang="en-US" altLang="ko-KR" sz="1000" dirty="0"/>
+              <a:t>   for(</a:t>
+            </a:r>
+            <a:r>
+              <a:rPr lang="en-US" altLang="ko-KR" sz="1000" dirty="0" err="1"/>
               <a:t>int</a:t>
             </a:r>
             <a:r>
-              <a:rPr lang="en-US" altLang="ko-KR" sz="1000" dirty="0" smtClean="0"/>
-              <a:t> </a:t>
-            </a:r>
-            <a:r>
-              <a:rPr lang="en-US" altLang="ko-KR" sz="1000" dirty="0" err="1" smtClean="0"/>
-              <a:t>secondRand</a:t>
-            </a:r>
-            <a:r>
-              <a:rPr lang="en-US" altLang="ko-KR" sz="1000" dirty="0" smtClean="0"/>
-              <a:t> </a:t>
-            </a:r>
-            <a:r>
-              <a:rPr lang="en-US" altLang="ko-KR" sz="1000" dirty="0"/>
-              <a:t>= rand()%18;</a:t>
-            </a:r>
-          </a:p>
-          <a:p>
-            <a:endParaRPr lang="en-US" altLang="ko-KR" sz="1000" dirty="0" smtClean="0"/>
-          </a:p>
-          <a:p>
-            <a:r>
-              <a:rPr lang="en-US" altLang="ko-KR" sz="1000" dirty="0" smtClean="0"/>
-              <a:t>   </a:t>
-            </a:r>
-            <a:r>
-              <a:rPr lang="en-US" altLang="ko-KR" sz="1000" dirty="0" err="1" smtClean="0"/>
-              <a:t>MoveLineUp</a:t>
-            </a:r>
-            <a:r>
-              <a:rPr lang="en-US" altLang="ko-KR" sz="1000" dirty="0" smtClean="0"/>
-              <a:t>();</a:t>
-            </a:r>
-          </a:p>
-          <a:p>
-            <a:r>
-              <a:rPr lang="en-US" altLang="ko-KR" sz="1000" dirty="0"/>
-              <a:t> </a:t>
-            </a:r>
-            <a:r>
-              <a:rPr lang="en-US" altLang="ko-KR" sz="1000" dirty="0" smtClean="0"/>
-              <a:t>  </a:t>
-            </a:r>
-          </a:p>
-          <a:p>
-            <a:r>
-              <a:rPr lang="en-US" altLang="ko-KR" sz="1000" dirty="0"/>
-              <a:t> </a:t>
-            </a:r>
-            <a:r>
-              <a:rPr lang="en-US" altLang="ko-KR" sz="1000" dirty="0" smtClean="0"/>
-              <a:t>  for(</a:t>
-            </a:r>
-            <a:r>
-              <a:rPr lang="en-US" altLang="ko-KR" sz="1000" dirty="0" err="1" smtClean="0"/>
+              <a:rPr lang="en-US" altLang="ko-KR" sz="1000" dirty="0"/>
+              <a:t> y=0; y&lt;4; y++)</a:t>
+            </a:r>
+          </a:p>
+          <a:p>
+            <a:r>
+              <a:rPr lang="en-US" altLang="ko-KR" sz="1000" dirty="0"/>
+              <a:t>   {</a:t>
+            </a:r>
+          </a:p>
+          <a:p>
+            <a:r>
+              <a:rPr lang="en-US" altLang="ko-KR" sz="1000" dirty="0"/>
+              <a:t>       if(</a:t>
+            </a:r>
+            <a:r>
+              <a:rPr lang="en-US" altLang="ko-KR" sz="1000" dirty="0" err="1"/>
+              <a:t>tesY+y</a:t>
+            </a:r>
+            <a:r>
+              <a:rPr lang="en-US" altLang="ko-KR" sz="1000" dirty="0"/>
+              <a:t> &lt; 0)</a:t>
+            </a:r>
+          </a:p>
+          <a:p>
+            <a:r>
+              <a:rPr lang="en-US" altLang="ko-KR" sz="1000" dirty="0"/>
+              <a:t>       {</a:t>
+            </a:r>
+          </a:p>
+          <a:p>
+            <a:r>
+              <a:rPr lang="en-US" altLang="ko-KR" sz="1000" dirty="0"/>
+              <a:t>           continue;</a:t>
+            </a:r>
+          </a:p>
+          <a:p>
+            <a:r>
+              <a:rPr lang="en-US" altLang="ko-KR" sz="1000" dirty="0"/>
+              <a:t>       }</a:t>
+            </a:r>
+          </a:p>
+          <a:p>
+            <a:r>
+              <a:rPr lang="en-US" altLang="ko-KR" sz="1000" dirty="0"/>
+              <a:t>       for(</a:t>
+            </a:r>
+            <a:r>
+              <a:rPr lang="en-US" altLang="ko-KR" sz="1000" dirty="0" err="1"/>
               <a:t>int</a:t>
             </a:r>
             <a:r>
-              <a:rPr lang="en-US" altLang="ko-KR" sz="1000" dirty="0" smtClean="0"/>
-              <a:t> x=1 x&lt;19; x++)</a:t>
-            </a:r>
-          </a:p>
-          <a:p>
-            <a:r>
-              <a:rPr lang="en-US" altLang="ko-KR" sz="1000" dirty="0"/>
-              <a:t> </a:t>
-            </a:r>
-            <a:r>
-              <a:rPr lang="en-US" altLang="ko-KR" sz="1000" dirty="0" smtClean="0"/>
-              <a:t>  {</a:t>
-            </a:r>
-          </a:p>
-          <a:p>
-            <a:r>
-              <a:rPr lang="en-US" altLang="ko-KR" sz="1000" dirty="0"/>
-              <a:t> </a:t>
-            </a:r>
-            <a:r>
-              <a:rPr lang="en-US" altLang="ko-KR" sz="1000" dirty="0" smtClean="0"/>
-              <a:t>     if(</a:t>
-            </a:r>
-            <a:r>
-              <a:rPr lang="en-US" altLang="ko-KR" sz="1000" dirty="0" err="1" smtClean="0"/>
-              <a:t>checkRand</a:t>
-            </a:r>
-            <a:r>
-              <a:rPr lang="en-US" altLang="ko-KR" sz="1000" dirty="0" smtClean="0"/>
-              <a:t> == 0)</a:t>
-            </a:r>
-          </a:p>
-          <a:p>
-            <a:r>
-              <a:rPr lang="en-US" altLang="ko-KR" sz="1000" dirty="0"/>
-              <a:t> </a:t>
-            </a:r>
-            <a:r>
-              <a:rPr lang="en-US" altLang="ko-KR" sz="1000" dirty="0" smtClean="0"/>
-              <a:t>     {</a:t>
-            </a:r>
-          </a:p>
-          <a:p>
-            <a:r>
-              <a:rPr lang="en-US" altLang="ko-KR" sz="1000" dirty="0"/>
-              <a:t> </a:t>
-            </a:r>
-            <a:r>
-              <a:rPr lang="en-US" altLang="ko-KR" sz="1000" dirty="0" smtClean="0"/>
-              <a:t>        if(x == </a:t>
-            </a:r>
-            <a:r>
-              <a:rPr lang="en-US" altLang="ko-KR" sz="1000" dirty="0" err="1" smtClean="0"/>
-              <a:t>firstRand</a:t>
-            </a:r>
-            <a:r>
-              <a:rPr lang="en-US" altLang="ko-KR" sz="1000" dirty="0" smtClean="0"/>
-              <a:t>)</a:t>
-            </a:r>
-          </a:p>
-          <a:p>
-            <a:r>
-              <a:rPr lang="en-US" altLang="ko-KR" sz="1000" dirty="0"/>
-              <a:t> </a:t>
-            </a:r>
-            <a:r>
-              <a:rPr lang="en-US" altLang="ko-KR" sz="1000" dirty="0" smtClean="0"/>
-              <a:t>        {</a:t>
-            </a:r>
-          </a:p>
-          <a:p>
-            <a:r>
-              <a:rPr lang="en-US" altLang="ko-KR" sz="1000" dirty="0" smtClean="0"/>
-              <a:t>            (*</a:t>
-            </a:r>
-            <a:r>
-              <a:rPr lang="en-US" altLang="ko-KR" sz="1000" dirty="0" err="1" smtClean="0"/>
-              <a:t>iMap</a:t>
-            </a:r>
-            <a:r>
-              <a:rPr lang="en-US" altLang="ko-KR" sz="1000" dirty="0" smtClean="0"/>
-              <a:t>)[38][x] = 0;</a:t>
-            </a:r>
-          </a:p>
-          <a:p>
-            <a:r>
-              <a:rPr lang="en-US" altLang="ko-KR" sz="1000" dirty="0"/>
-              <a:t> </a:t>
-            </a:r>
-            <a:r>
-              <a:rPr lang="en-US" altLang="ko-KR" sz="1000" dirty="0" smtClean="0"/>
-              <a:t>        }</a:t>
-            </a:r>
-          </a:p>
-          <a:p>
-            <a:r>
-              <a:rPr lang="en-US" altLang="ko-KR" sz="1000" dirty="0"/>
-              <a:t> </a:t>
-            </a:r>
-            <a:r>
-              <a:rPr lang="en-US" altLang="ko-KR" sz="1000" dirty="0" smtClean="0"/>
-              <a:t>        else</a:t>
-            </a:r>
-          </a:p>
-          <a:p>
-            <a:r>
-              <a:rPr lang="en-US" altLang="ko-KR" sz="1000" dirty="0"/>
-              <a:t> </a:t>
-            </a:r>
-            <a:r>
-              <a:rPr lang="en-US" altLang="ko-KR" sz="1000" dirty="0" smtClean="0"/>
-              <a:t>        {</a:t>
-            </a:r>
-          </a:p>
-          <a:p>
-            <a:r>
-              <a:rPr lang="en-US" altLang="ko-KR" sz="1000" dirty="0"/>
-              <a:t>  </a:t>
-            </a:r>
-            <a:r>
-              <a:rPr lang="en-US" altLang="ko-KR" sz="1000" dirty="0" smtClean="0"/>
-              <a:t>          (*</a:t>
+              <a:rPr lang="en-US" altLang="ko-KR" sz="1000" dirty="0"/>
+              <a:t> x = 0; x&lt;4; x++)</a:t>
+            </a:r>
+          </a:p>
+          <a:p>
+            <a:r>
+              <a:rPr lang="en-US" altLang="ko-KR" sz="1000" dirty="0"/>
+              <a:t>       {</a:t>
+            </a:r>
+          </a:p>
+          <a:p>
+            <a:r>
+              <a:rPr lang="en-US" altLang="ko-KR" sz="1000" dirty="0"/>
+              <a:t>           if(Member[y][x] == 1)</a:t>
+            </a:r>
+          </a:p>
+          <a:p>
+            <a:r>
+              <a:rPr lang="en-US" altLang="ko-KR" sz="1000" dirty="0"/>
+              <a:t>           {</a:t>
+            </a:r>
+          </a:p>
+          <a:p>
+            <a:r>
+              <a:rPr lang="en-US" altLang="ko-KR" sz="1000" dirty="0"/>
+              <a:t>               (*</a:t>
             </a:r>
             <a:r>
               <a:rPr lang="en-US" altLang="ko-KR" sz="1000" dirty="0" err="1"/>
@@ -8175,222 +6974,98 @@
             </a:r>
             <a:r>
               <a:rPr lang="en-US" altLang="ko-KR" sz="1000" dirty="0"/>
-              <a:t>)[38</a:t>
-            </a:r>
-            <a:r>
-              <a:rPr lang="en-US" altLang="ko-KR" sz="1000" dirty="0" smtClean="0"/>
-              <a:t>][x] </a:t>
-            </a:r>
-            <a:r>
-              <a:rPr lang="en-US" altLang="ko-KR" sz="1000" dirty="0"/>
-              <a:t>= </a:t>
-            </a:r>
-            <a:r>
-              <a:rPr lang="en-US" altLang="ko-KR" sz="1000" dirty="0" smtClean="0"/>
-              <a:t>1;         </a:t>
-            </a:r>
-          </a:p>
-          <a:p>
-            <a:r>
-              <a:rPr lang="en-US" altLang="ko-KR" sz="1000" dirty="0"/>
-              <a:t> </a:t>
-            </a:r>
-            <a:r>
-              <a:rPr lang="en-US" altLang="ko-KR" sz="1000" dirty="0" smtClean="0"/>
-              <a:t>        }</a:t>
-            </a:r>
-          </a:p>
-          <a:p>
-            <a:r>
-              <a:rPr lang="en-US" altLang="ko-KR" sz="1000" dirty="0"/>
-              <a:t> </a:t>
-            </a:r>
-            <a:r>
-              <a:rPr lang="en-US" altLang="ko-KR" sz="1000" dirty="0" smtClean="0"/>
-              <a:t>     }</a:t>
-            </a:r>
-          </a:p>
-          <a:p>
-            <a:r>
-              <a:rPr lang="en-US" altLang="ko-KR" sz="1000" dirty="0"/>
-              <a:t> </a:t>
-            </a:r>
-            <a:r>
-              <a:rPr lang="en-US" altLang="ko-KR" sz="1000" dirty="0" smtClean="0"/>
-              <a:t>     else if(</a:t>
-            </a:r>
-            <a:r>
-              <a:rPr lang="en-US" altLang="ko-KR" sz="1000" dirty="0" err="1" smtClean="0"/>
-              <a:t>checkRand</a:t>
-            </a:r>
-            <a:r>
-              <a:rPr lang="en-US" altLang="ko-KR" sz="1000" dirty="0" smtClean="0"/>
-              <a:t> == 1)</a:t>
-            </a:r>
-          </a:p>
-          <a:p>
-            <a:r>
-              <a:rPr lang="en-US" altLang="ko-KR" sz="1000" dirty="0"/>
-              <a:t> </a:t>
-            </a:r>
-            <a:r>
-              <a:rPr lang="en-US" altLang="ko-KR" sz="1000" dirty="0" smtClean="0"/>
-              <a:t>     {</a:t>
-            </a:r>
-          </a:p>
-          <a:p>
-            <a:r>
-              <a:rPr lang="en-US" altLang="ko-KR" sz="1000" dirty="0" smtClean="0"/>
-              <a:t>         </a:t>
-            </a:r>
-            <a:r>
-              <a:rPr lang="en-US" altLang="ko-KR" sz="1000" dirty="0"/>
-              <a:t>if(x == </a:t>
+              <a:t>)[</a:t>
             </a:r>
             <a:r>
               <a:rPr lang="en-US" altLang="ko-KR" sz="1000" dirty="0" err="1"/>
-              <a:t>firstRand</a:t>
-            </a:r>
-            <a:r>
-              <a:rPr lang="en-US" altLang="ko-KR" sz="1000" dirty="0"/>
-              <a:t>)</a:t>
-            </a:r>
-          </a:p>
-          <a:p>
-            <a:r>
-              <a:rPr lang="en-US" altLang="ko-KR" sz="1000" dirty="0"/>
-              <a:t>         {</a:t>
-            </a:r>
-          </a:p>
-          <a:p>
-            <a:r>
-              <a:rPr lang="en-US" altLang="ko-KR" sz="1000" dirty="0"/>
-              <a:t>            (*</a:t>
+              <a:t>saveY</a:t>
+            </a:r>
+            <a:r>
+              <a:rPr lang="en-US" altLang="ko-KR" sz="1000" dirty="0"/>
+              <a:t>][</a:t>
             </a:r>
             <a:r>
               <a:rPr lang="en-US" altLang="ko-KR" sz="1000" dirty="0" err="1"/>
-              <a:t>iMap</a:t>
-            </a:r>
-            <a:r>
-              <a:rPr lang="en-US" altLang="ko-KR" sz="1000" dirty="0"/>
-              <a:t>)[38][x] = 0;</a:t>
-            </a:r>
-          </a:p>
-          <a:p>
-            <a:r>
-              <a:rPr lang="en-US" altLang="ko-KR" sz="1000" dirty="0"/>
-              <a:t>         </a:t>
-            </a:r>
-            <a:r>
-              <a:rPr lang="en-US" altLang="ko-KR" sz="1000" dirty="0" smtClean="0"/>
+              <a:t>saveX</a:t>
+            </a:r>
+            <a:r>
+              <a:rPr lang="en-US" altLang="ko-KR" sz="1000" dirty="0"/>
+              <a:t>] += Member[y][x];</a:t>
+            </a:r>
+          </a:p>
+          <a:p>
+            <a:r>
+              <a:rPr lang="en-US" altLang="ko-KR" sz="1000" dirty="0"/>
+              <a:t>           }</a:t>
+            </a:r>
+          </a:p>
+          <a:p>
+            <a:r>
+              <a:rPr lang="en-US" altLang="ko-KR" sz="1000" dirty="0"/>
+              <a:t>           </a:t>
+            </a:r>
+            <a:r>
+              <a:rPr lang="en-US" altLang="ko-KR" sz="1000" dirty="0" err="1"/>
+              <a:t>saveX</a:t>
+            </a:r>
+            <a:r>
+              <a:rPr lang="en-US" altLang="ko-KR" sz="1000" dirty="0"/>
+              <a:t>++;</a:t>
+            </a:r>
+          </a:p>
+          <a:p>
+            <a:r>
+              <a:rPr lang="en-US" altLang="ko-KR" sz="1000" dirty="0"/>
+              <a:t>       }</a:t>
+            </a:r>
+          </a:p>
+          <a:p>
+            <a:r>
+              <a:rPr lang="en-US" altLang="ko-KR" sz="1000" dirty="0"/>
+              <a:t>       </a:t>
+            </a:r>
+            <a:r>
+              <a:rPr lang="en-US" altLang="ko-KR" sz="1000" dirty="0" err="1"/>
+              <a:t>saveX</a:t>
+            </a:r>
+            <a:r>
+              <a:rPr lang="en-US" altLang="ko-KR" sz="1000" dirty="0"/>
+              <a:t> = </a:t>
+            </a:r>
+            <a:r>
+              <a:rPr lang="en-US" altLang="ko-KR" sz="1000" dirty="0" err="1"/>
+              <a:t>tesX</a:t>
+            </a:r>
+            <a:r>
+              <a:rPr lang="en-US" altLang="ko-KR" sz="1000" dirty="0"/>
+              <a:t>;</a:t>
+            </a:r>
+          </a:p>
+          <a:p>
+            <a:r>
+              <a:rPr lang="en-US" altLang="ko-KR" sz="1000" dirty="0"/>
+              <a:t>       </a:t>
+            </a:r>
+            <a:r>
+              <a:rPr lang="en-US" altLang="ko-KR" sz="1000" dirty="0" err="1"/>
+              <a:t>saveY</a:t>
+            </a:r>
+            <a:r>
+              <a:rPr lang="en-US" altLang="ko-KR" sz="1000" dirty="0"/>
+              <a:t>++;</a:t>
+            </a:r>
+          </a:p>
+          <a:p>
+            <a:r>
+              <a:rPr lang="en-US" altLang="ko-KR" sz="1000" dirty="0"/>
+              <a:t>   }</a:t>
+            </a:r>
+          </a:p>
+          <a:p>
+            <a:r>
+              <a:rPr lang="en-US" altLang="ko-KR" sz="1000" dirty="0"/>
               <a:t>}</a:t>
             </a:r>
-          </a:p>
-          <a:p>
-            <a:r>
-              <a:rPr lang="en-US" altLang="ko-KR" sz="1000" dirty="0" smtClean="0"/>
-              <a:t>         else if(x </a:t>
-            </a:r>
-            <a:r>
-              <a:rPr lang="en-US" altLang="ko-KR" sz="1000" dirty="0"/>
-              <a:t>== </a:t>
-            </a:r>
-            <a:r>
-              <a:rPr lang="en-US" altLang="ko-KR" sz="1000" dirty="0" err="1" smtClean="0"/>
-              <a:t>secondRand</a:t>
-            </a:r>
-            <a:r>
-              <a:rPr lang="en-US" altLang="ko-KR" sz="1000" dirty="0" smtClean="0"/>
-              <a:t>)</a:t>
-            </a:r>
-            <a:endParaRPr lang="en-US" altLang="ko-KR" sz="1000" dirty="0"/>
-          </a:p>
-          <a:p>
-            <a:r>
-              <a:rPr lang="en-US" altLang="ko-KR" sz="1000" dirty="0"/>
-              <a:t>         {</a:t>
-            </a:r>
-          </a:p>
-          <a:p>
-            <a:r>
-              <a:rPr lang="en-US" altLang="ko-KR" sz="1000" dirty="0"/>
-              <a:t>            (*</a:t>
-            </a:r>
-            <a:r>
-              <a:rPr lang="en-US" altLang="ko-KR" sz="1000" dirty="0" err="1"/>
-              <a:t>iMap</a:t>
-            </a:r>
-            <a:r>
-              <a:rPr lang="en-US" altLang="ko-KR" sz="1000" dirty="0"/>
-              <a:t>)[38][x] = 0;</a:t>
-            </a:r>
-          </a:p>
-          <a:p>
-            <a:r>
-              <a:rPr lang="en-US" altLang="ko-KR" sz="1000" dirty="0"/>
-              <a:t>         }</a:t>
-            </a:r>
-          </a:p>
-          <a:p>
-            <a:r>
-              <a:rPr lang="en-US" altLang="ko-KR" sz="1000" dirty="0"/>
-              <a:t>         else</a:t>
-            </a:r>
-          </a:p>
-          <a:p>
-            <a:r>
-              <a:rPr lang="en-US" altLang="ko-KR" sz="1000" dirty="0"/>
-              <a:t>         {</a:t>
-            </a:r>
-          </a:p>
-          <a:p>
-            <a:r>
-              <a:rPr lang="en-US" altLang="ko-KR" sz="1000" dirty="0"/>
-              <a:t>            (*</a:t>
-            </a:r>
-            <a:r>
-              <a:rPr lang="en-US" altLang="ko-KR" sz="1000" dirty="0" err="1"/>
-              <a:t>iMap</a:t>
-            </a:r>
-            <a:r>
-              <a:rPr lang="en-US" altLang="ko-KR" sz="1000" dirty="0"/>
-              <a:t>)[38][x] = 1;         </a:t>
-            </a:r>
-          </a:p>
-          <a:p>
-            <a:r>
-              <a:rPr lang="en-US" altLang="ko-KR" sz="1000" dirty="0"/>
-              <a:t>         }</a:t>
-            </a:r>
-            <a:endParaRPr lang="en-US" altLang="ko-KR" sz="1000" dirty="0" smtClean="0"/>
-          </a:p>
-          <a:p>
-            <a:r>
-              <a:rPr lang="en-US" altLang="ko-KR" sz="1000" dirty="0"/>
-              <a:t> </a:t>
-            </a:r>
-            <a:r>
-              <a:rPr lang="en-US" altLang="ko-KR" sz="1000" dirty="0" smtClean="0"/>
-              <a:t>     }</a:t>
-            </a:r>
-          </a:p>
-          <a:p>
-            <a:r>
-              <a:rPr lang="en-US" altLang="ko-KR" sz="1000" dirty="0"/>
-              <a:t> </a:t>
-            </a:r>
-            <a:r>
-              <a:rPr lang="en-US" altLang="ko-KR" sz="1000" dirty="0" smtClean="0"/>
-              <a:t>  }</a:t>
-            </a:r>
-            <a:endParaRPr lang="en-US" altLang="ko-KR" sz="1000" dirty="0"/>
-          </a:p>
-          <a:p>
-            <a:r>
-              <a:rPr lang="en-US" altLang="ko-KR" sz="1000" dirty="0" smtClean="0"/>
-              <a:t>}</a:t>
-            </a:r>
-            <a:endParaRPr lang="en-US" altLang="ko-KR" sz="1000" dirty="0"/>
           </a:p>
         </p:txBody>
       </p:sp>
@@ -8433,6 +7108,1917 @@
       </p:grpSpPr>
       <p:sp>
         <p:nvSpPr>
+          <p:cNvPr id="7" name="TextBox 6"/>
+          <p:cNvSpPr txBox="1"/>
+          <p:nvPr/>
+        </p:nvSpPr>
+        <p:spPr>
+          <a:xfrm>
+            <a:off x="68580" y="55398"/>
+            <a:ext cx="6293708" cy="2400657"/>
+          </a:xfrm>
+          <a:prstGeom prst="rect">
+            <a:avLst/>
+          </a:prstGeom>
+          <a:noFill/>
+        </p:spPr>
+        <p:txBody>
+          <a:bodyPr wrap="square" rtlCol="0">
+            <a:spAutoFit/>
+          </a:bodyPr>
+          <a:lstStyle/>
+          <a:p>
+            <a:r>
+              <a:rPr lang="en-US" altLang="ko-KR" sz="1000" dirty="0" smtClean="0"/>
+              <a:t>Class </a:t>
+            </a:r>
+            <a:r>
+              <a:rPr lang="en-US" altLang="ko-KR" sz="1000" dirty="0" err="1" smtClean="0"/>
+              <a:t>LineChief</a:t>
+            </a:r>
+            <a:endParaRPr lang="en-US" altLang="ko-KR" sz="1000" dirty="0" smtClean="0"/>
+          </a:p>
+          <a:p>
+            <a:r>
+              <a:rPr lang="en-US" altLang="ko-KR" sz="1000" dirty="0" smtClean="0"/>
+              <a:t>{</a:t>
+            </a:r>
+          </a:p>
+          <a:p>
+            <a:r>
+              <a:rPr lang="en-US" altLang="ko-KR" sz="1000" dirty="0" smtClean="0"/>
+              <a:t>   private:</a:t>
+            </a:r>
+          </a:p>
+          <a:p>
+            <a:r>
+              <a:rPr lang="en-US" altLang="ko-KR" sz="1000" dirty="0"/>
+              <a:t> </a:t>
+            </a:r>
+            <a:r>
+              <a:rPr lang="en-US" altLang="ko-KR" sz="1000" dirty="0" smtClean="0"/>
+              <a:t>      </a:t>
+            </a:r>
+            <a:r>
+              <a:rPr lang="en-US" altLang="ko-KR" sz="1000" dirty="0" err="1" smtClean="0"/>
+              <a:t>int</a:t>
+            </a:r>
+            <a:r>
+              <a:rPr lang="en-US" altLang="ko-KR" sz="1000" dirty="0" smtClean="0"/>
+              <a:t> (*</a:t>
+            </a:r>
+            <a:r>
+              <a:rPr lang="en-US" altLang="ko-KR" sz="1000" dirty="0" err="1" smtClean="0"/>
+              <a:t>pMap</a:t>
+            </a:r>
+            <a:r>
+              <a:rPr lang="en-US" altLang="ko-KR" sz="1000" dirty="0" smtClean="0"/>
+              <a:t>)[20];</a:t>
+            </a:r>
+            <a:endParaRPr lang="en-US" altLang="ko-KR" sz="1000" dirty="0" smtClean="0"/>
+          </a:p>
+          <a:p>
+            <a:r>
+              <a:rPr lang="en-US" altLang="ko-KR" sz="1000" dirty="0" smtClean="0"/>
+              <a:t>      bool </a:t>
+            </a:r>
+            <a:r>
+              <a:rPr lang="en-US" altLang="ko-KR" sz="1000" dirty="0" err="1" smtClean="0"/>
+              <a:t>isTerStop</a:t>
+            </a:r>
+            <a:r>
+              <a:rPr lang="en-US" altLang="ko-KR" sz="1000" dirty="0" smtClean="0"/>
+              <a:t> = false;</a:t>
+            </a:r>
+          </a:p>
+          <a:p>
+            <a:r>
+              <a:rPr lang="en-US" altLang="ko-KR" sz="1000" dirty="0" smtClean="0"/>
+              <a:t>   public:</a:t>
+            </a:r>
+          </a:p>
+          <a:p>
+            <a:r>
+              <a:rPr lang="en-US" altLang="ko-KR" sz="1000" dirty="0"/>
+              <a:t> </a:t>
+            </a:r>
+            <a:r>
+              <a:rPr lang="en-US" altLang="ko-KR" sz="1000" dirty="0" smtClean="0"/>
+              <a:t>      </a:t>
+            </a:r>
+            <a:r>
+              <a:rPr lang="en-US" altLang="ko-KR" sz="1000" dirty="0" err="1" smtClean="0"/>
+              <a:t>LineChief</a:t>
+            </a:r>
+            <a:r>
+              <a:rPr lang="en-US" altLang="ko-KR" sz="1000" dirty="0" smtClean="0"/>
+              <a:t>();</a:t>
+            </a:r>
+          </a:p>
+          <a:p>
+            <a:r>
+              <a:rPr lang="en-US" altLang="ko-KR" sz="1000" dirty="0" smtClean="0"/>
+              <a:t>       </a:t>
+            </a:r>
+            <a:r>
+              <a:rPr lang="en-US" altLang="ko-KR" sz="1000" dirty="0" err="1" smtClean="0"/>
+              <a:t>LineChief</a:t>
+            </a:r>
+            <a:r>
+              <a:rPr lang="en-US" altLang="ko-KR" sz="1000" dirty="0" smtClean="0"/>
+              <a:t>(</a:t>
+            </a:r>
+            <a:r>
+              <a:rPr lang="en-US" altLang="ko-KR" sz="1000" dirty="0" err="1" smtClean="0"/>
+              <a:t>int</a:t>
+            </a:r>
+            <a:r>
+              <a:rPr lang="en-US" altLang="ko-KR" sz="1000" dirty="0" smtClean="0"/>
+              <a:t> map[40][20]);</a:t>
+            </a:r>
+          </a:p>
+          <a:p>
+            <a:r>
+              <a:rPr lang="en-US" altLang="ko-KR" sz="1000" dirty="0"/>
+              <a:t> </a:t>
+            </a:r>
+            <a:r>
+              <a:rPr lang="en-US" altLang="ko-KR" sz="1000" dirty="0" smtClean="0"/>
+              <a:t>     void </a:t>
+            </a:r>
+            <a:r>
+              <a:rPr lang="en-US" altLang="ko-KR" sz="1000" dirty="0" err="1" smtClean="0"/>
+              <a:t>ChkTetrMove</a:t>
+            </a:r>
+            <a:r>
+              <a:rPr lang="en-US" altLang="ko-KR" sz="1000" dirty="0" smtClean="0"/>
+              <a:t>();</a:t>
+            </a:r>
+          </a:p>
+          <a:p>
+            <a:r>
+              <a:rPr lang="en-US" altLang="ko-KR" sz="1000" dirty="0"/>
+              <a:t> </a:t>
+            </a:r>
+            <a:r>
+              <a:rPr lang="en-US" altLang="ko-KR" sz="1000" dirty="0" smtClean="0"/>
+              <a:t>     void </a:t>
+            </a:r>
+            <a:r>
+              <a:rPr lang="en-US" altLang="ko-KR" sz="1000" dirty="0" err="1"/>
+              <a:t>CheckLine</a:t>
+            </a:r>
+            <a:r>
+              <a:rPr lang="en-US" altLang="ko-KR" sz="1000" dirty="0"/>
+              <a:t>();</a:t>
+            </a:r>
+          </a:p>
+          <a:p>
+            <a:r>
+              <a:rPr lang="en-US" altLang="ko-KR" sz="1000" dirty="0"/>
+              <a:t>      void </a:t>
+            </a:r>
+            <a:r>
+              <a:rPr lang="en-US" altLang="ko-KR" sz="1000" dirty="0" err="1"/>
+              <a:t>MoveLineDown</a:t>
+            </a:r>
+            <a:r>
+              <a:rPr lang="en-US" altLang="ko-KR" sz="1000" dirty="0"/>
+              <a:t>();</a:t>
+            </a:r>
+          </a:p>
+          <a:p>
+            <a:r>
+              <a:rPr lang="en-US" altLang="ko-KR" sz="1000" dirty="0"/>
+              <a:t>      void </a:t>
+            </a:r>
+            <a:r>
+              <a:rPr lang="en-US" altLang="ko-KR" sz="1000" dirty="0" err="1"/>
+              <a:t>MoveLineUp</a:t>
+            </a:r>
+            <a:r>
+              <a:rPr lang="en-US" altLang="ko-KR" sz="1000" dirty="0"/>
+              <a:t>();</a:t>
+            </a:r>
+          </a:p>
+          <a:p>
+            <a:r>
+              <a:rPr lang="en-US" altLang="ko-KR" sz="1000" dirty="0"/>
+              <a:t>      void </a:t>
+            </a:r>
+            <a:r>
+              <a:rPr lang="en-US" altLang="ko-KR" sz="1000" dirty="0" err="1"/>
+              <a:t>DeleteLine</a:t>
+            </a:r>
+            <a:r>
+              <a:rPr lang="en-US" altLang="ko-KR" sz="1000" dirty="0"/>
+              <a:t>();</a:t>
+            </a:r>
+          </a:p>
+          <a:p>
+            <a:r>
+              <a:rPr lang="en-US" altLang="ko-KR" sz="1000" dirty="0"/>
+              <a:t>      void </a:t>
+            </a:r>
+            <a:r>
+              <a:rPr lang="en-US" altLang="ko-KR" sz="1000" dirty="0" err="1"/>
+              <a:t>CreateLine</a:t>
+            </a:r>
+            <a:r>
+              <a:rPr lang="en-US" altLang="ko-KR" sz="1000" dirty="0"/>
+              <a:t>();</a:t>
+            </a:r>
+          </a:p>
+          <a:p>
+            <a:r>
+              <a:rPr lang="en-US" altLang="ko-KR" sz="1000" dirty="0" smtClean="0"/>
+              <a:t>}</a:t>
+            </a:r>
+            <a:endParaRPr lang="en-US" altLang="ko-KR" sz="1000" dirty="0" smtClean="0"/>
+          </a:p>
+        </p:txBody>
+      </p:sp>
+      <p:sp>
+        <p:nvSpPr>
+          <p:cNvPr id="5" name="TextBox 4"/>
+          <p:cNvSpPr txBox="1"/>
+          <p:nvPr/>
+        </p:nvSpPr>
+        <p:spPr>
+          <a:xfrm>
+            <a:off x="4754468" y="178964"/>
+            <a:ext cx="3215640" cy="7017306"/>
+          </a:xfrm>
+          <a:prstGeom prst="rect">
+            <a:avLst/>
+          </a:prstGeom>
+          <a:noFill/>
+        </p:spPr>
+        <p:txBody>
+          <a:bodyPr wrap="square" rtlCol="0">
+            <a:spAutoFit/>
+          </a:bodyPr>
+          <a:lstStyle/>
+          <a:p>
+            <a:r>
+              <a:rPr lang="en-US" altLang="ko-KR" sz="1000" dirty="0" smtClean="0"/>
+              <a:t>Void </a:t>
+            </a:r>
+            <a:r>
+              <a:rPr lang="en-US" altLang="ko-KR" sz="1000" dirty="0" err="1" smtClean="0"/>
+              <a:t>CheckLine</a:t>
+            </a:r>
+            <a:r>
+              <a:rPr lang="en-US" altLang="ko-KR" sz="1000" dirty="0" smtClean="0"/>
+              <a:t>()</a:t>
+            </a:r>
+          </a:p>
+          <a:p>
+            <a:r>
+              <a:rPr lang="en-US" altLang="ko-KR" sz="1000" dirty="0" smtClean="0"/>
+              <a:t>{</a:t>
+            </a:r>
+          </a:p>
+          <a:p>
+            <a:r>
+              <a:rPr lang="en-US" altLang="ko-KR" sz="1000" dirty="0"/>
+              <a:t> </a:t>
+            </a:r>
+            <a:r>
+              <a:rPr lang="en-US" altLang="ko-KR" sz="1000" dirty="0" smtClean="0"/>
+              <a:t>  bool </a:t>
+            </a:r>
+            <a:r>
+              <a:rPr lang="en-US" altLang="ko-KR" sz="1000" dirty="0" err="1" smtClean="0"/>
+              <a:t>isFull</a:t>
+            </a:r>
+            <a:r>
+              <a:rPr lang="en-US" altLang="ko-KR" sz="1000" dirty="0" smtClean="0"/>
+              <a:t> = true;</a:t>
+            </a:r>
+          </a:p>
+          <a:p>
+            <a:endParaRPr lang="en-US" altLang="ko-KR" sz="1000" dirty="0" smtClean="0"/>
+          </a:p>
+          <a:p>
+            <a:r>
+              <a:rPr lang="en-US" altLang="ko-KR" sz="1000" dirty="0"/>
+              <a:t> </a:t>
+            </a:r>
+            <a:r>
+              <a:rPr lang="en-US" altLang="ko-KR" sz="1000" dirty="0" smtClean="0"/>
+              <a:t>  if(</a:t>
+            </a:r>
+            <a:r>
+              <a:rPr lang="en-US" altLang="ko-KR" sz="1000" dirty="0" err="1" smtClean="0"/>
+              <a:t>GetisChecked</a:t>
+            </a:r>
+            <a:r>
+              <a:rPr lang="en-US" altLang="ko-KR" sz="1000" dirty="0" smtClean="0"/>
+              <a:t>())</a:t>
+            </a:r>
+          </a:p>
+          <a:p>
+            <a:r>
+              <a:rPr lang="en-US" altLang="ko-KR" sz="1000" dirty="0"/>
+              <a:t> </a:t>
+            </a:r>
+            <a:r>
+              <a:rPr lang="en-US" altLang="ko-KR" sz="1000" dirty="0" smtClean="0"/>
+              <a:t>  {</a:t>
+            </a:r>
+          </a:p>
+          <a:p>
+            <a:r>
+              <a:rPr lang="en-US" altLang="ko-KR" sz="1000" dirty="0" smtClean="0"/>
+              <a:t>      for(</a:t>
+            </a:r>
+            <a:r>
+              <a:rPr lang="en-US" altLang="ko-KR" sz="1000" dirty="0" err="1" smtClean="0"/>
+              <a:t>int</a:t>
+            </a:r>
+            <a:r>
+              <a:rPr lang="en-US" altLang="ko-KR" sz="1000" dirty="0" smtClean="0"/>
+              <a:t> y=38; y&gt;0 y--)</a:t>
+            </a:r>
+          </a:p>
+          <a:p>
+            <a:r>
+              <a:rPr lang="en-US" altLang="ko-KR" sz="1000" dirty="0"/>
+              <a:t> </a:t>
+            </a:r>
+            <a:r>
+              <a:rPr lang="en-US" altLang="ko-KR" sz="1000" dirty="0" smtClean="0"/>
+              <a:t>     {</a:t>
+            </a:r>
+          </a:p>
+          <a:p>
+            <a:r>
+              <a:rPr lang="en-US" altLang="ko-KR" sz="1000" dirty="0"/>
+              <a:t> </a:t>
+            </a:r>
+            <a:r>
+              <a:rPr lang="en-US" altLang="ko-KR" sz="1000" dirty="0" smtClean="0"/>
+              <a:t>        for(</a:t>
+            </a:r>
+            <a:r>
+              <a:rPr lang="en-US" altLang="ko-KR" sz="1000" dirty="0" err="1" smtClean="0"/>
+              <a:t>int</a:t>
+            </a:r>
+            <a:r>
+              <a:rPr lang="en-US" altLang="ko-KR" sz="1000" dirty="0" smtClean="0"/>
+              <a:t> x = 1; x&lt;18; x++)</a:t>
+            </a:r>
+          </a:p>
+          <a:p>
+            <a:r>
+              <a:rPr lang="en-US" altLang="ko-KR" sz="1000" dirty="0"/>
+              <a:t> </a:t>
+            </a:r>
+            <a:r>
+              <a:rPr lang="en-US" altLang="ko-KR" sz="1000" dirty="0" smtClean="0"/>
+              <a:t>        {</a:t>
+            </a:r>
+          </a:p>
+          <a:p>
+            <a:r>
+              <a:rPr lang="en-US" altLang="ko-KR" sz="1000" dirty="0"/>
+              <a:t> </a:t>
+            </a:r>
+            <a:r>
+              <a:rPr lang="en-US" altLang="ko-KR" sz="1000" dirty="0" smtClean="0"/>
+              <a:t>           if((*</a:t>
+            </a:r>
+            <a:r>
+              <a:rPr lang="en-US" altLang="ko-KR" sz="1000" dirty="0" err="1" smtClean="0"/>
+              <a:t>iMap</a:t>
+            </a:r>
+            <a:r>
+              <a:rPr lang="en-US" altLang="ko-KR" sz="1000" dirty="0" smtClean="0"/>
+              <a:t>)[y][x] == </a:t>
+            </a:r>
+            <a:r>
+              <a:rPr lang="en-US" altLang="ko-KR" sz="1000" dirty="0"/>
+              <a:t>0</a:t>
+            </a:r>
+            <a:r>
+              <a:rPr lang="en-US" altLang="ko-KR" sz="1000" dirty="0" smtClean="0"/>
+              <a:t>)</a:t>
+            </a:r>
+          </a:p>
+          <a:p>
+            <a:r>
+              <a:rPr lang="en-US" altLang="ko-KR" sz="1000" dirty="0"/>
+              <a:t> </a:t>
+            </a:r>
+            <a:r>
+              <a:rPr lang="en-US" altLang="ko-KR" sz="1000" dirty="0" smtClean="0"/>
+              <a:t>           {</a:t>
+            </a:r>
+          </a:p>
+          <a:p>
+            <a:r>
+              <a:rPr lang="en-US" altLang="ko-KR" sz="1000" dirty="0"/>
+              <a:t> </a:t>
+            </a:r>
+            <a:r>
+              <a:rPr lang="en-US" altLang="ko-KR" sz="1000" dirty="0" smtClean="0"/>
+              <a:t>              </a:t>
+            </a:r>
+            <a:r>
+              <a:rPr lang="en-US" altLang="ko-KR" sz="1000" dirty="0" err="1" smtClean="0"/>
+              <a:t>isFull</a:t>
+            </a:r>
+            <a:r>
+              <a:rPr lang="en-US" altLang="ko-KR" sz="1000" dirty="0" smtClean="0"/>
+              <a:t> = false;</a:t>
+            </a:r>
+          </a:p>
+          <a:p>
+            <a:r>
+              <a:rPr lang="en-US" altLang="ko-KR" sz="1000" dirty="0"/>
+              <a:t> </a:t>
+            </a:r>
+            <a:r>
+              <a:rPr lang="en-US" altLang="ko-KR" sz="1000" dirty="0" smtClean="0"/>
+              <a:t>           }</a:t>
+            </a:r>
+          </a:p>
+          <a:p>
+            <a:r>
+              <a:rPr lang="en-US" altLang="ko-KR" sz="1000" dirty="0"/>
+              <a:t> </a:t>
+            </a:r>
+            <a:r>
+              <a:rPr lang="en-US" altLang="ko-KR" sz="1000" dirty="0" smtClean="0"/>
+              <a:t>        }</a:t>
+            </a:r>
+          </a:p>
+          <a:p>
+            <a:r>
+              <a:rPr lang="en-US" altLang="ko-KR" sz="1000" dirty="0"/>
+              <a:t> </a:t>
+            </a:r>
+            <a:r>
+              <a:rPr lang="en-US" altLang="ko-KR" sz="1000" dirty="0" smtClean="0"/>
+              <a:t>        if(</a:t>
+            </a:r>
+            <a:r>
+              <a:rPr lang="en-US" altLang="ko-KR" sz="1000" dirty="0" err="1" smtClean="0"/>
+              <a:t>isFull</a:t>
+            </a:r>
+            <a:r>
+              <a:rPr lang="en-US" altLang="ko-KR" sz="1000" dirty="0" smtClean="0"/>
+              <a:t> == true)</a:t>
+            </a:r>
+          </a:p>
+          <a:p>
+            <a:r>
+              <a:rPr lang="en-US" altLang="ko-KR" sz="1000" dirty="0"/>
+              <a:t> </a:t>
+            </a:r>
+            <a:r>
+              <a:rPr lang="en-US" altLang="ko-KR" sz="1000" dirty="0" smtClean="0"/>
+              <a:t>        {</a:t>
+            </a:r>
+          </a:p>
+          <a:p>
+            <a:r>
+              <a:rPr lang="en-US" altLang="ko-KR" sz="1000" dirty="0"/>
+              <a:t> </a:t>
+            </a:r>
+            <a:r>
+              <a:rPr lang="en-US" altLang="ko-KR" sz="1000" dirty="0" smtClean="0"/>
+              <a:t>           </a:t>
+            </a:r>
+            <a:r>
+              <a:rPr lang="en-US" altLang="ko-KR" sz="1000" dirty="0" err="1" smtClean="0"/>
+              <a:t>lineNum</a:t>
+            </a:r>
+            <a:r>
+              <a:rPr lang="en-US" altLang="ko-KR" sz="1000" dirty="0" smtClean="0"/>
+              <a:t> = y;</a:t>
+            </a:r>
+          </a:p>
+          <a:p>
+            <a:r>
+              <a:rPr lang="en-US" altLang="ko-KR" sz="1000" dirty="0"/>
+              <a:t> </a:t>
+            </a:r>
+            <a:r>
+              <a:rPr lang="en-US" altLang="ko-KR" sz="1000" dirty="0" smtClean="0"/>
+              <a:t>           break;</a:t>
+            </a:r>
+          </a:p>
+          <a:p>
+            <a:r>
+              <a:rPr lang="en-US" altLang="ko-KR" sz="1000" dirty="0"/>
+              <a:t> </a:t>
+            </a:r>
+            <a:r>
+              <a:rPr lang="en-US" altLang="ko-KR" sz="1000" dirty="0" smtClean="0"/>
+              <a:t>        }</a:t>
+            </a:r>
+          </a:p>
+          <a:p>
+            <a:r>
+              <a:rPr lang="en-US" altLang="ko-KR" sz="1000" dirty="0"/>
+              <a:t> </a:t>
+            </a:r>
+            <a:r>
+              <a:rPr lang="en-US" altLang="ko-KR" sz="1000" dirty="0" smtClean="0"/>
+              <a:t>     }</a:t>
+            </a:r>
+            <a:endParaRPr lang="en-US" altLang="ko-KR" sz="1000" dirty="0"/>
+          </a:p>
+          <a:p>
+            <a:r>
+              <a:rPr lang="en-US" altLang="ko-KR" sz="1000" dirty="0" smtClean="0"/>
+              <a:t>   }</a:t>
+            </a:r>
+          </a:p>
+          <a:p>
+            <a:r>
+              <a:rPr lang="en-US" altLang="ko-KR" sz="1000" dirty="0" smtClean="0"/>
+              <a:t>}</a:t>
+            </a:r>
+            <a:endParaRPr lang="en-US" altLang="ko-KR" sz="1000" dirty="0"/>
+          </a:p>
+          <a:p>
+            <a:endParaRPr lang="en-US" altLang="ko-KR" sz="1000" dirty="0" smtClean="0"/>
+          </a:p>
+          <a:p>
+            <a:r>
+              <a:rPr lang="en-US" altLang="ko-KR" sz="1000" dirty="0"/>
+              <a:t>Void </a:t>
+            </a:r>
+            <a:r>
+              <a:rPr lang="en-US" altLang="ko-KR" sz="1000" dirty="0" err="1"/>
+              <a:t>MoveLineDown</a:t>
+            </a:r>
+            <a:r>
+              <a:rPr lang="en-US" altLang="ko-KR" sz="1000" dirty="0"/>
+              <a:t>()</a:t>
+            </a:r>
+          </a:p>
+          <a:p>
+            <a:r>
+              <a:rPr lang="en-US" altLang="ko-KR" sz="1000" dirty="0"/>
+              <a:t>{</a:t>
+            </a:r>
+          </a:p>
+          <a:p>
+            <a:r>
+              <a:rPr lang="en-US" altLang="ko-KR" sz="1000" dirty="0"/>
+              <a:t>   </a:t>
+            </a:r>
+            <a:r>
+              <a:rPr lang="en-US" altLang="ko-KR" sz="1000" dirty="0" err="1"/>
+              <a:t>int</a:t>
+            </a:r>
+            <a:r>
+              <a:rPr lang="en-US" altLang="ko-KR" sz="1000" dirty="0"/>
+              <a:t> </a:t>
+            </a:r>
+            <a:r>
+              <a:rPr lang="en-US" altLang="ko-KR" sz="1000" dirty="0" err="1"/>
+              <a:t>saveLine</a:t>
+            </a:r>
+            <a:r>
+              <a:rPr lang="en-US" altLang="ko-KR" sz="1000" dirty="0"/>
+              <a:t>[2][20];</a:t>
+            </a:r>
+          </a:p>
+          <a:p>
+            <a:endParaRPr lang="en-US" altLang="ko-KR" sz="1000" dirty="0"/>
+          </a:p>
+          <a:p>
+            <a:r>
+              <a:rPr lang="en-US" altLang="ko-KR" sz="1000" dirty="0"/>
+              <a:t>   for(</a:t>
+            </a:r>
+            <a:r>
+              <a:rPr lang="en-US" altLang="ko-KR" sz="1000" dirty="0" err="1"/>
+              <a:t>int</a:t>
+            </a:r>
+            <a:r>
+              <a:rPr lang="en-US" altLang="ko-KR" sz="1000" dirty="0"/>
+              <a:t> y=1; y&lt;=</a:t>
+            </a:r>
+            <a:r>
+              <a:rPr lang="en-US" altLang="ko-KR" sz="1000" dirty="0" err="1"/>
+              <a:t>lineNum</a:t>
+            </a:r>
+            <a:r>
+              <a:rPr lang="en-US" altLang="ko-KR" sz="1000" dirty="0"/>
+              <a:t>; y++)</a:t>
+            </a:r>
+          </a:p>
+          <a:p>
+            <a:r>
+              <a:rPr lang="en-US" altLang="ko-KR" sz="1000" dirty="0"/>
+              <a:t>   {</a:t>
+            </a:r>
+          </a:p>
+          <a:p>
+            <a:r>
+              <a:rPr lang="en-US" altLang="ko-KR" sz="1000" dirty="0"/>
+              <a:t>      for(</a:t>
+            </a:r>
+            <a:r>
+              <a:rPr lang="en-US" altLang="ko-KR" sz="1000" dirty="0" err="1"/>
+              <a:t>int</a:t>
+            </a:r>
+            <a:r>
+              <a:rPr lang="en-US" altLang="ko-KR" sz="1000" dirty="0"/>
+              <a:t> x=1; x&lt;19; x++)</a:t>
+            </a:r>
+          </a:p>
+          <a:p>
+            <a:r>
+              <a:rPr lang="en-US" altLang="ko-KR" sz="1000" dirty="0"/>
+              <a:t>      {</a:t>
+            </a:r>
+          </a:p>
+          <a:p>
+            <a:r>
+              <a:rPr lang="en-US" altLang="ko-KR" sz="1000" dirty="0"/>
+              <a:t>         if(y==1)</a:t>
+            </a:r>
+          </a:p>
+          <a:p>
+            <a:r>
+              <a:rPr lang="en-US" altLang="ko-KR" sz="1000" dirty="0"/>
+              <a:t>         {</a:t>
+            </a:r>
+          </a:p>
+          <a:p>
+            <a:r>
+              <a:rPr lang="en-US" altLang="ko-KR" sz="1000" dirty="0"/>
+              <a:t>             </a:t>
+            </a:r>
+            <a:r>
+              <a:rPr lang="en-US" altLang="ko-KR" sz="1000" dirty="0" err="1"/>
+              <a:t>saveLine</a:t>
+            </a:r>
+            <a:r>
+              <a:rPr lang="en-US" altLang="ko-KR" sz="1000" dirty="0"/>
+              <a:t>[0][x] = (*</a:t>
+            </a:r>
+            <a:r>
+              <a:rPr lang="en-US" altLang="ko-KR" sz="1000" dirty="0" err="1"/>
+              <a:t>iMap</a:t>
+            </a:r>
+            <a:r>
+              <a:rPr lang="en-US" altLang="ko-KR" sz="1000" dirty="0"/>
+              <a:t>)[y][x];</a:t>
+            </a:r>
+          </a:p>
+          <a:p>
+            <a:r>
+              <a:rPr lang="en-US" altLang="ko-KR" sz="1000" dirty="0"/>
+              <a:t>             (*</a:t>
+            </a:r>
+            <a:r>
+              <a:rPr lang="en-US" altLang="ko-KR" sz="1000" dirty="0" err="1"/>
+              <a:t>iMap</a:t>
+            </a:r>
+            <a:r>
+              <a:rPr lang="en-US" altLang="ko-KR" sz="1000" dirty="0"/>
+              <a:t>)[y][x] = 0;</a:t>
+            </a:r>
+          </a:p>
+          <a:p>
+            <a:r>
+              <a:rPr lang="en-US" altLang="ko-KR" sz="1000" dirty="0"/>
+              <a:t>         }</a:t>
+            </a:r>
+          </a:p>
+          <a:p>
+            <a:r>
+              <a:rPr lang="en-US" altLang="ko-KR" sz="1000" dirty="0"/>
+              <a:t>         </a:t>
+            </a:r>
+            <a:r>
+              <a:rPr lang="en-US" altLang="ko-KR" sz="1000" dirty="0" err="1"/>
+              <a:t>saveLine</a:t>
+            </a:r>
+            <a:r>
+              <a:rPr lang="en-US" altLang="ko-KR" sz="1000" dirty="0"/>
+              <a:t>[1][x] = (*</a:t>
+            </a:r>
+            <a:r>
+              <a:rPr lang="en-US" altLang="ko-KR" sz="1000" dirty="0" err="1"/>
+              <a:t>iMap</a:t>
+            </a:r>
+            <a:r>
+              <a:rPr lang="en-US" altLang="ko-KR" sz="1000" dirty="0"/>
+              <a:t>)[y][x];</a:t>
+            </a:r>
+          </a:p>
+          <a:p>
+            <a:r>
+              <a:rPr lang="en-US" altLang="ko-KR" sz="1000" dirty="0"/>
+              <a:t>         (*</a:t>
+            </a:r>
+            <a:r>
+              <a:rPr lang="en-US" altLang="ko-KR" sz="1000" dirty="0" err="1"/>
+              <a:t>iMap</a:t>
+            </a:r>
+            <a:r>
+              <a:rPr lang="en-US" altLang="ko-KR" sz="1000" dirty="0"/>
+              <a:t>)[y][x] = </a:t>
+            </a:r>
+            <a:r>
+              <a:rPr lang="en-US" altLang="ko-KR" sz="1000" dirty="0" err="1"/>
+              <a:t>saveLine</a:t>
+            </a:r>
+            <a:r>
+              <a:rPr lang="en-US" altLang="ko-KR" sz="1000" dirty="0"/>
+              <a:t>[0][x];</a:t>
+            </a:r>
+          </a:p>
+          <a:p>
+            <a:r>
+              <a:rPr lang="en-US" altLang="ko-KR" sz="1000" dirty="0"/>
+              <a:t>         </a:t>
+            </a:r>
+            <a:r>
+              <a:rPr lang="en-US" altLang="ko-KR" sz="1000" dirty="0" err="1"/>
+              <a:t>saveLine</a:t>
+            </a:r>
+            <a:r>
+              <a:rPr lang="en-US" altLang="ko-KR" sz="1000" dirty="0"/>
+              <a:t>[0][x] = </a:t>
+            </a:r>
+            <a:r>
+              <a:rPr lang="en-US" altLang="ko-KR" sz="1000" dirty="0" err="1"/>
+              <a:t>saveLine</a:t>
+            </a:r>
+            <a:r>
+              <a:rPr lang="en-US" altLang="ko-KR" sz="1000" dirty="0"/>
+              <a:t>[1][x];</a:t>
+            </a:r>
+          </a:p>
+          <a:p>
+            <a:r>
+              <a:rPr lang="en-US" altLang="ko-KR" sz="1000" dirty="0"/>
+              <a:t>      }</a:t>
+            </a:r>
+          </a:p>
+          <a:p>
+            <a:r>
+              <a:rPr lang="en-US" altLang="ko-KR" sz="1000" dirty="0"/>
+              <a:t>   }</a:t>
+            </a:r>
+          </a:p>
+          <a:p>
+            <a:r>
+              <a:rPr lang="en-US" altLang="ko-KR" sz="1000" dirty="0" smtClean="0"/>
+              <a:t>}</a:t>
+            </a:r>
+          </a:p>
+          <a:p>
+            <a:endParaRPr lang="en-US" altLang="ko-KR" sz="1000" dirty="0" smtClean="0"/>
+          </a:p>
+          <a:p>
+            <a:endParaRPr lang="en-US" altLang="ko-KR" sz="1000" dirty="0"/>
+          </a:p>
+        </p:txBody>
+      </p:sp>
+      <p:sp>
+        <p:nvSpPr>
+          <p:cNvPr id="6" name="TextBox 5"/>
+          <p:cNvSpPr txBox="1"/>
+          <p:nvPr/>
+        </p:nvSpPr>
+        <p:spPr>
+          <a:xfrm>
+            <a:off x="7086187" y="55397"/>
+            <a:ext cx="3215640" cy="4555093"/>
+          </a:xfrm>
+          <a:prstGeom prst="rect">
+            <a:avLst/>
+          </a:prstGeom>
+          <a:noFill/>
+        </p:spPr>
+        <p:txBody>
+          <a:bodyPr wrap="square" rtlCol="0">
+            <a:spAutoFit/>
+          </a:bodyPr>
+          <a:lstStyle/>
+          <a:p>
+            <a:r>
+              <a:rPr lang="en-US" altLang="ko-KR" sz="1000" dirty="0" smtClean="0"/>
+              <a:t>Void </a:t>
+            </a:r>
+            <a:r>
+              <a:rPr lang="en-US" altLang="ko-KR" sz="1000" dirty="0" err="1" smtClean="0"/>
+              <a:t>MoveLineUp</a:t>
+            </a:r>
+            <a:r>
+              <a:rPr lang="en-US" altLang="ko-KR" sz="1000" dirty="0" smtClean="0"/>
+              <a:t>()</a:t>
+            </a:r>
+          </a:p>
+          <a:p>
+            <a:r>
+              <a:rPr lang="en-US" altLang="ko-KR" sz="1000" dirty="0" smtClean="0"/>
+              <a:t>{</a:t>
+            </a:r>
+          </a:p>
+          <a:p>
+            <a:r>
+              <a:rPr lang="en-US" altLang="ko-KR" sz="1000" dirty="0"/>
+              <a:t>    </a:t>
+            </a:r>
+            <a:r>
+              <a:rPr lang="en-US" altLang="ko-KR" sz="1000" dirty="0" err="1"/>
+              <a:t>int</a:t>
+            </a:r>
+            <a:r>
+              <a:rPr lang="en-US" altLang="ko-KR" sz="1000" dirty="0"/>
+              <a:t> </a:t>
+            </a:r>
+            <a:r>
+              <a:rPr lang="en-US" altLang="ko-KR" sz="1000" dirty="0" err="1"/>
+              <a:t>saveLine</a:t>
+            </a:r>
+            <a:r>
+              <a:rPr lang="en-US" altLang="ko-KR" sz="1000" dirty="0"/>
+              <a:t>[2][20];</a:t>
+            </a:r>
+          </a:p>
+          <a:p>
+            <a:endParaRPr lang="en-US" altLang="ko-KR" sz="1000" dirty="0"/>
+          </a:p>
+          <a:p>
+            <a:r>
+              <a:rPr lang="en-US" altLang="ko-KR" sz="1000" dirty="0"/>
+              <a:t>   for(</a:t>
+            </a:r>
+            <a:r>
+              <a:rPr lang="en-US" altLang="ko-KR" sz="1000" dirty="0" err="1"/>
+              <a:t>int</a:t>
+            </a:r>
+            <a:r>
+              <a:rPr lang="en-US" altLang="ko-KR" sz="1000" dirty="0"/>
+              <a:t> </a:t>
+            </a:r>
+            <a:r>
+              <a:rPr lang="en-US" altLang="ko-KR" sz="1000" dirty="0" smtClean="0"/>
+              <a:t>y=38; y&gt;0; y--)</a:t>
+            </a:r>
+            <a:endParaRPr lang="en-US" altLang="ko-KR" sz="1000" dirty="0"/>
+          </a:p>
+          <a:p>
+            <a:r>
+              <a:rPr lang="en-US" altLang="ko-KR" sz="1000" dirty="0"/>
+              <a:t>   {</a:t>
+            </a:r>
+          </a:p>
+          <a:p>
+            <a:r>
+              <a:rPr lang="en-US" altLang="ko-KR" sz="1000" dirty="0"/>
+              <a:t>      for(</a:t>
+            </a:r>
+            <a:r>
+              <a:rPr lang="en-US" altLang="ko-KR" sz="1000" dirty="0" err="1"/>
+              <a:t>int</a:t>
+            </a:r>
+            <a:r>
+              <a:rPr lang="en-US" altLang="ko-KR" sz="1000" dirty="0"/>
+              <a:t> x=1; x&lt;19; x++)</a:t>
+            </a:r>
+          </a:p>
+          <a:p>
+            <a:r>
+              <a:rPr lang="en-US" altLang="ko-KR" sz="1000" dirty="0"/>
+              <a:t>      {</a:t>
+            </a:r>
+          </a:p>
+          <a:p>
+            <a:r>
+              <a:rPr lang="en-US" altLang="ko-KR" sz="1000" dirty="0"/>
+              <a:t>         if(y</a:t>
+            </a:r>
+            <a:r>
+              <a:rPr lang="en-US" altLang="ko-KR" sz="1000" dirty="0" smtClean="0"/>
+              <a:t>==38)</a:t>
+            </a:r>
+            <a:endParaRPr lang="en-US" altLang="ko-KR" sz="1000" dirty="0"/>
+          </a:p>
+          <a:p>
+            <a:r>
+              <a:rPr lang="en-US" altLang="ko-KR" sz="1000" dirty="0"/>
+              <a:t>         {</a:t>
+            </a:r>
+          </a:p>
+          <a:p>
+            <a:r>
+              <a:rPr lang="en-US" altLang="ko-KR" sz="1000" dirty="0"/>
+              <a:t>             </a:t>
+            </a:r>
+            <a:r>
+              <a:rPr lang="en-US" altLang="ko-KR" sz="1000" dirty="0" err="1"/>
+              <a:t>saveLine</a:t>
+            </a:r>
+            <a:r>
+              <a:rPr lang="en-US" altLang="ko-KR" sz="1000" dirty="0"/>
+              <a:t>[0][x] = (*</a:t>
+            </a:r>
+            <a:r>
+              <a:rPr lang="en-US" altLang="ko-KR" sz="1000" dirty="0" err="1"/>
+              <a:t>iMap</a:t>
+            </a:r>
+            <a:r>
+              <a:rPr lang="en-US" altLang="ko-KR" sz="1000" dirty="0"/>
+              <a:t>)[y][x];</a:t>
+            </a:r>
+          </a:p>
+          <a:p>
+            <a:r>
+              <a:rPr lang="en-US" altLang="ko-KR" sz="1000" dirty="0"/>
+              <a:t>             (*</a:t>
+            </a:r>
+            <a:r>
+              <a:rPr lang="en-US" altLang="ko-KR" sz="1000" dirty="0" err="1"/>
+              <a:t>iMap</a:t>
+            </a:r>
+            <a:r>
+              <a:rPr lang="en-US" altLang="ko-KR" sz="1000" dirty="0"/>
+              <a:t>)[y][x] = 0;</a:t>
+            </a:r>
+          </a:p>
+          <a:p>
+            <a:r>
+              <a:rPr lang="en-US" altLang="ko-KR" sz="1000" dirty="0"/>
+              <a:t>         }</a:t>
+            </a:r>
+          </a:p>
+          <a:p>
+            <a:r>
+              <a:rPr lang="en-US" altLang="ko-KR" sz="1000" dirty="0"/>
+              <a:t>         </a:t>
+            </a:r>
+            <a:r>
+              <a:rPr lang="en-US" altLang="ko-KR" sz="1000" dirty="0" err="1"/>
+              <a:t>saveLine</a:t>
+            </a:r>
+            <a:r>
+              <a:rPr lang="en-US" altLang="ko-KR" sz="1000" dirty="0"/>
+              <a:t>[1][x] = (*</a:t>
+            </a:r>
+            <a:r>
+              <a:rPr lang="en-US" altLang="ko-KR" sz="1000" dirty="0" err="1"/>
+              <a:t>iMap</a:t>
+            </a:r>
+            <a:r>
+              <a:rPr lang="en-US" altLang="ko-KR" sz="1000" dirty="0"/>
+              <a:t>)[y][x];</a:t>
+            </a:r>
+          </a:p>
+          <a:p>
+            <a:r>
+              <a:rPr lang="en-US" altLang="ko-KR" sz="1000" dirty="0"/>
+              <a:t>         (*</a:t>
+            </a:r>
+            <a:r>
+              <a:rPr lang="en-US" altLang="ko-KR" sz="1000" dirty="0" err="1"/>
+              <a:t>iMap</a:t>
+            </a:r>
+            <a:r>
+              <a:rPr lang="en-US" altLang="ko-KR" sz="1000" dirty="0"/>
+              <a:t>)[y][x] = </a:t>
+            </a:r>
+            <a:r>
+              <a:rPr lang="en-US" altLang="ko-KR" sz="1000" dirty="0" err="1"/>
+              <a:t>saveLine</a:t>
+            </a:r>
+            <a:r>
+              <a:rPr lang="en-US" altLang="ko-KR" sz="1000" dirty="0"/>
+              <a:t>[0][x];</a:t>
+            </a:r>
+          </a:p>
+          <a:p>
+            <a:r>
+              <a:rPr lang="en-US" altLang="ko-KR" sz="1000" dirty="0"/>
+              <a:t>         </a:t>
+            </a:r>
+            <a:r>
+              <a:rPr lang="en-US" altLang="ko-KR" sz="1000" dirty="0" err="1"/>
+              <a:t>saveLine</a:t>
+            </a:r>
+            <a:r>
+              <a:rPr lang="en-US" altLang="ko-KR" sz="1000" dirty="0"/>
+              <a:t>[0][x] = </a:t>
+            </a:r>
+            <a:r>
+              <a:rPr lang="en-US" altLang="ko-KR" sz="1000" dirty="0" err="1"/>
+              <a:t>saveLine</a:t>
+            </a:r>
+            <a:r>
+              <a:rPr lang="en-US" altLang="ko-KR" sz="1000" dirty="0"/>
+              <a:t>[1][x];</a:t>
+            </a:r>
+          </a:p>
+          <a:p>
+            <a:r>
+              <a:rPr lang="en-US" altLang="ko-KR" sz="1000" dirty="0"/>
+              <a:t>      }</a:t>
+            </a:r>
+          </a:p>
+          <a:p>
+            <a:r>
+              <a:rPr lang="en-US" altLang="ko-KR" sz="1000" dirty="0"/>
+              <a:t>   }</a:t>
+            </a:r>
+          </a:p>
+          <a:p>
+            <a:r>
+              <a:rPr lang="en-US" altLang="ko-KR" sz="1000" dirty="0" smtClean="0"/>
+              <a:t>}</a:t>
+            </a:r>
+          </a:p>
+          <a:p>
+            <a:endParaRPr lang="en-US" altLang="ko-KR" sz="1000" dirty="0" smtClean="0"/>
+          </a:p>
+          <a:p>
+            <a:r>
+              <a:rPr lang="en-US" altLang="ko-KR" sz="1000" dirty="0"/>
+              <a:t>Void </a:t>
+            </a:r>
+            <a:r>
+              <a:rPr lang="en-US" altLang="ko-KR" sz="1000" dirty="0" err="1"/>
+              <a:t>DeleteLine</a:t>
+            </a:r>
+            <a:r>
+              <a:rPr lang="en-US" altLang="ko-KR" sz="1000" dirty="0"/>
+              <a:t>()</a:t>
+            </a:r>
+          </a:p>
+          <a:p>
+            <a:r>
+              <a:rPr lang="en-US" altLang="ko-KR" sz="1000" dirty="0"/>
+              <a:t>{</a:t>
+            </a:r>
+          </a:p>
+          <a:p>
+            <a:r>
+              <a:rPr lang="en-US" altLang="ko-KR" sz="1000" dirty="0"/>
+              <a:t>   for(</a:t>
+            </a:r>
+            <a:r>
+              <a:rPr lang="en-US" altLang="ko-KR" sz="1000" dirty="0" err="1"/>
+              <a:t>int</a:t>
+            </a:r>
+            <a:r>
+              <a:rPr lang="en-US" altLang="ko-KR" sz="1000" dirty="0"/>
+              <a:t> x=1; x&lt;19; x++)</a:t>
+            </a:r>
+          </a:p>
+          <a:p>
+            <a:r>
+              <a:rPr lang="en-US" altLang="ko-KR" sz="1000" dirty="0"/>
+              <a:t>   {</a:t>
+            </a:r>
+          </a:p>
+          <a:p>
+            <a:r>
+              <a:rPr lang="en-US" altLang="ko-KR" sz="1000" dirty="0"/>
+              <a:t>       (*</a:t>
+            </a:r>
+            <a:r>
+              <a:rPr lang="en-US" altLang="ko-KR" sz="1000" dirty="0" err="1"/>
+              <a:t>iMap</a:t>
+            </a:r>
+            <a:r>
+              <a:rPr lang="en-US" altLang="ko-KR" sz="1000" dirty="0"/>
+              <a:t>)[</a:t>
+            </a:r>
+            <a:r>
+              <a:rPr lang="en-US" altLang="ko-KR" sz="1000" dirty="0" err="1"/>
+              <a:t>lineNum</a:t>
+            </a:r>
+            <a:r>
+              <a:rPr lang="en-US" altLang="ko-KR" sz="1000" dirty="0"/>
+              <a:t>][x] = 0;</a:t>
+            </a:r>
+          </a:p>
+          <a:p>
+            <a:r>
+              <a:rPr lang="en-US" altLang="ko-KR" sz="1000" dirty="0"/>
+              <a:t>   }</a:t>
+            </a:r>
+          </a:p>
+          <a:p>
+            <a:r>
+              <a:rPr lang="en-US" altLang="ko-KR" sz="1000" dirty="0"/>
+              <a:t>}</a:t>
+            </a:r>
+          </a:p>
+          <a:p>
+            <a:endParaRPr lang="en-US" altLang="ko-KR" sz="1000" dirty="0"/>
+          </a:p>
+        </p:txBody>
+      </p:sp>
+      <p:sp>
+        <p:nvSpPr>
+          <p:cNvPr id="8" name="TextBox 7"/>
+          <p:cNvSpPr txBox="1"/>
+          <p:nvPr/>
+        </p:nvSpPr>
+        <p:spPr>
+          <a:xfrm>
+            <a:off x="10029979" y="-98854"/>
+            <a:ext cx="3215640" cy="6863417"/>
+          </a:xfrm>
+          <a:prstGeom prst="rect">
+            <a:avLst/>
+          </a:prstGeom>
+          <a:noFill/>
+        </p:spPr>
+        <p:txBody>
+          <a:bodyPr wrap="square" rtlCol="0">
+            <a:spAutoFit/>
+          </a:bodyPr>
+          <a:lstStyle/>
+          <a:p>
+            <a:endParaRPr lang="en-US" altLang="ko-KR" sz="1000" dirty="0" smtClean="0"/>
+          </a:p>
+          <a:p>
+            <a:r>
+              <a:rPr lang="en-US" altLang="ko-KR" sz="1000" dirty="0" smtClean="0"/>
+              <a:t>Void </a:t>
+            </a:r>
+            <a:r>
+              <a:rPr lang="en-US" altLang="ko-KR" sz="1000" dirty="0" err="1" smtClean="0"/>
+              <a:t>CreateLine</a:t>
+            </a:r>
+            <a:r>
+              <a:rPr lang="en-US" altLang="ko-KR" sz="1000" dirty="0" smtClean="0"/>
+              <a:t>()</a:t>
+            </a:r>
+          </a:p>
+          <a:p>
+            <a:r>
+              <a:rPr lang="en-US" altLang="ko-KR" sz="1000" dirty="0" smtClean="0"/>
+              <a:t>{</a:t>
+            </a:r>
+          </a:p>
+          <a:p>
+            <a:r>
+              <a:rPr lang="en-US" altLang="ko-KR" sz="1000" dirty="0"/>
+              <a:t> </a:t>
+            </a:r>
+            <a:r>
+              <a:rPr lang="en-US" altLang="ko-KR" sz="1000" dirty="0" smtClean="0"/>
+              <a:t>  </a:t>
+            </a:r>
+            <a:r>
+              <a:rPr lang="en-US" altLang="ko-KR" sz="1000" dirty="0" err="1" smtClean="0"/>
+              <a:t>srand</a:t>
+            </a:r>
+            <a:r>
+              <a:rPr lang="en-US" altLang="ko-KR" sz="1000" dirty="0" smtClean="0"/>
+              <a:t>(time(NULL</a:t>
+            </a:r>
+            <a:r>
+              <a:rPr lang="en-US" altLang="ko-KR" sz="1000" dirty="0"/>
+              <a:t>));</a:t>
+            </a:r>
+            <a:endParaRPr lang="en-US" altLang="ko-KR" sz="1000" dirty="0" smtClean="0"/>
+          </a:p>
+          <a:p>
+            <a:r>
+              <a:rPr lang="en-US" altLang="ko-KR" sz="1000" dirty="0"/>
+              <a:t> </a:t>
+            </a:r>
+            <a:r>
+              <a:rPr lang="en-US" altLang="ko-KR" sz="1000" dirty="0" smtClean="0"/>
+              <a:t>  </a:t>
+            </a:r>
+            <a:r>
+              <a:rPr lang="en-US" altLang="ko-KR" sz="1000" dirty="0" err="1" smtClean="0"/>
+              <a:t>int</a:t>
+            </a:r>
+            <a:r>
+              <a:rPr lang="en-US" altLang="ko-KR" sz="1000" dirty="0" smtClean="0"/>
+              <a:t> </a:t>
+            </a:r>
+            <a:r>
+              <a:rPr lang="en-US" altLang="ko-KR" sz="1000" dirty="0" err="1" smtClean="0"/>
+              <a:t>checkRand</a:t>
+            </a:r>
+            <a:r>
+              <a:rPr lang="en-US" altLang="ko-KR" sz="1000" dirty="0" smtClean="0"/>
+              <a:t> = rand()%2;</a:t>
+            </a:r>
+          </a:p>
+          <a:p>
+            <a:endParaRPr lang="en-US" altLang="ko-KR" sz="1000" dirty="0" smtClean="0"/>
+          </a:p>
+          <a:p>
+            <a:r>
+              <a:rPr lang="en-US" altLang="ko-KR" sz="1000" dirty="0"/>
+              <a:t> </a:t>
+            </a:r>
+            <a:r>
+              <a:rPr lang="en-US" altLang="ko-KR" sz="1000" dirty="0" smtClean="0"/>
+              <a:t>  </a:t>
+            </a:r>
+            <a:r>
+              <a:rPr lang="en-US" altLang="ko-KR" sz="1000" dirty="0" err="1" smtClean="0"/>
+              <a:t>srand</a:t>
+            </a:r>
+            <a:r>
+              <a:rPr lang="en-US" altLang="ko-KR" sz="1000" dirty="0" smtClean="0"/>
+              <a:t>(time(NULL</a:t>
+            </a:r>
+            <a:r>
+              <a:rPr lang="en-US" altLang="ko-KR" sz="1000" dirty="0"/>
+              <a:t>));</a:t>
+            </a:r>
+            <a:endParaRPr lang="en-US" altLang="ko-KR" sz="1000" dirty="0" smtClean="0"/>
+          </a:p>
+          <a:p>
+            <a:r>
+              <a:rPr lang="en-US" altLang="ko-KR" sz="1000" dirty="0"/>
+              <a:t> </a:t>
+            </a:r>
+            <a:r>
+              <a:rPr lang="en-US" altLang="ko-KR" sz="1000" dirty="0" smtClean="0"/>
+              <a:t>  </a:t>
+            </a:r>
+            <a:r>
+              <a:rPr lang="en-US" altLang="ko-KR" sz="1000" dirty="0" err="1" smtClean="0"/>
+              <a:t>int</a:t>
+            </a:r>
+            <a:r>
+              <a:rPr lang="en-US" altLang="ko-KR" sz="1000" dirty="0" smtClean="0"/>
+              <a:t> </a:t>
+            </a:r>
+            <a:r>
+              <a:rPr lang="en-US" altLang="ko-KR" sz="1000" dirty="0" err="1" smtClean="0"/>
+              <a:t>firstRand</a:t>
+            </a:r>
+            <a:r>
+              <a:rPr lang="en-US" altLang="ko-KR" sz="1000" dirty="0" smtClean="0"/>
+              <a:t> = rand()%18;</a:t>
+            </a:r>
+          </a:p>
+          <a:p>
+            <a:endParaRPr lang="en-US" altLang="ko-KR" sz="1000" dirty="0" smtClean="0"/>
+          </a:p>
+          <a:p>
+            <a:r>
+              <a:rPr lang="en-US" altLang="ko-KR" sz="1000" dirty="0" smtClean="0"/>
+              <a:t>   </a:t>
+            </a:r>
+            <a:r>
+              <a:rPr lang="en-US" altLang="ko-KR" sz="1000" dirty="0" err="1" smtClean="0"/>
+              <a:t>srand</a:t>
+            </a:r>
+            <a:r>
+              <a:rPr lang="en-US" altLang="ko-KR" sz="1000" dirty="0" smtClean="0"/>
+              <a:t>(time(NULL));</a:t>
+            </a:r>
+            <a:endParaRPr lang="en-US" altLang="ko-KR" sz="1000" dirty="0"/>
+          </a:p>
+          <a:p>
+            <a:r>
+              <a:rPr lang="en-US" altLang="ko-KR" sz="1000" dirty="0"/>
+              <a:t> </a:t>
+            </a:r>
+            <a:r>
+              <a:rPr lang="en-US" altLang="ko-KR" sz="1000" dirty="0" smtClean="0"/>
+              <a:t>  </a:t>
+            </a:r>
+            <a:r>
+              <a:rPr lang="en-US" altLang="ko-KR" sz="1000" dirty="0" err="1" smtClean="0"/>
+              <a:t>int</a:t>
+            </a:r>
+            <a:r>
+              <a:rPr lang="en-US" altLang="ko-KR" sz="1000" dirty="0" smtClean="0"/>
+              <a:t> </a:t>
+            </a:r>
+            <a:r>
+              <a:rPr lang="en-US" altLang="ko-KR" sz="1000" dirty="0" err="1" smtClean="0"/>
+              <a:t>secondRand</a:t>
+            </a:r>
+            <a:r>
+              <a:rPr lang="en-US" altLang="ko-KR" sz="1000" dirty="0" smtClean="0"/>
+              <a:t> </a:t>
+            </a:r>
+            <a:r>
+              <a:rPr lang="en-US" altLang="ko-KR" sz="1000" dirty="0"/>
+              <a:t>= rand()%18;</a:t>
+            </a:r>
+          </a:p>
+          <a:p>
+            <a:endParaRPr lang="en-US" altLang="ko-KR" sz="1000" dirty="0" smtClean="0"/>
+          </a:p>
+          <a:p>
+            <a:r>
+              <a:rPr lang="en-US" altLang="ko-KR" sz="1000" dirty="0" smtClean="0"/>
+              <a:t>   </a:t>
+            </a:r>
+            <a:r>
+              <a:rPr lang="en-US" altLang="ko-KR" sz="1000" dirty="0" err="1" smtClean="0"/>
+              <a:t>MoveLineUp</a:t>
+            </a:r>
+            <a:r>
+              <a:rPr lang="en-US" altLang="ko-KR" sz="1000" dirty="0" smtClean="0"/>
+              <a:t>();</a:t>
+            </a:r>
+          </a:p>
+          <a:p>
+            <a:r>
+              <a:rPr lang="en-US" altLang="ko-KR" sz="1000" dirty="0"/>
+              <a:t> </a:t>
+            </a:r>
+            <a:r>
+              <a:rPr lang="en-US" altLang="ko-KR" sz="1000" dirty="0" smtClean="0"/>
+              <a:t>  </a:t>
+            </a:r>
+          </a:p>
+          <a:p>
+            <a:r>
+              <a:rPr lang="en-US" altLang="ko-KR" sz="1000" dirty="0"/>
+              <a:t> </a:t>
+            </a:r>
+            <a:r>
+              <a:rPr lang="en-US" altLang="ko-KR" sz="1000" dirty="0" smtClean="0"/>
+              <a:t>  for(</a:t>
+            </a:r>
+            <a:r>
+              <a:rPr lang="en-US" altLang="ko-KR" sz="1000" dirty="0" err="1" smtClean="0"/>
+              <a:t>int</a:t>
+            </a:r>
+            <a:r>
+              <a:rPr lang="en-US" altLang="ko-KR" sz="1000" dirty="0" smtClean="0"/>
+              <a:t> x=1 x&lt;19; x++)</a:t>
+            </a:r>
+          </a:p>
+          <a:p>
+            <a:r>
+              <a:rPr lang="en-US" altLang="ko-KR" sz="1000" dirty="0"/>
+              <a:t> </a:t>
+            </a:r>
+            <a:r>
+              <a:rPr lang="en-US" altLang="ko-KR" sz="1000" dirty="0" smtClean="0"/>
+              <a:t>  {</a:t>
+            </a:r>
+          </a:p>
+          <a:p>
+            <a:r>
+              <a:rPr lang="en-US" altLang="ko-KR" sz="1000" dirty="0"/>
+              <a:t> </a:t>
+            </a:r>
+            <a:r>
+              <a:rPr lang="en-US" altLang="ko-KR" sz="1000" dirty="0" smtClean="0"/>
+              <a:t>     if(</a:t>
+            </a:r>
+            <a:r>
+              <a:rPr lang="en-US" altLang="ko-KR" sz="1000" dirty="0" err="1" smtClean="0"/>
+              <a:t>checkRand</a:t>
+            </a:r>
+            <a:r>
+              <a:rPr lang="en-US" altLang="ko-KR" sz="1000" dirty="0" smtClean="0"/>
+              <a:t> == 0)</a:t>
+            </a:r>
+          </a:p>
+          <a:p>
+            <a:r>
+              <a:rPr lang="en-US" altLang="ko-KR" sz="1000" dirty="0"/>
+              <a:t> </a:t>
+            </a:r>
+            <a:r>
+              <a:rPr lang="en-US" altLang="ko-KR" sz="1000" dirty="0" smtClean="0"/>
+              <a:t>     {</a:t>
+            </a:r>
+          </a:p>
+          <a:p>
+            <a:r>
+              <a:rPr lang="en-US" altLang="ko-KR" sz="1000" dirty="0"/>
+              <a:t> </a:t>
+            </a:r>
+            <a:r>
+              <a:rPr lang="en-US" altLang="ko-KR" sz="1000" dirty="0" smtClean="0"/>
+              <a:t>        if(x == </a:t>
+            </a:r>
+            <a:r>
+              <a:rPr lang="en-US" altLang="ko-KR" sz="1000" dirty="0" err="1" smtClean="0"/>
+              <a:t>firstRand</a:t>
+            </a:r>
+            <a:r>
+              <a:rPr lang="en-US" altLang="ko-KR" sz="1000" dirty="0" smtClean="0"/>
+              <a:t>)</a:t>
+            </a:r>
+          </a:p>
+          <a:p>
+            <a:r>
+              <a:rPr lang="en-US" altLang="ko-KR" sz="1000" dirty="0"/>
+              <a:t> </a:t>
+            </a:r>
+            <a:r>
+              <a:rPr lang="en-US" altLang="ko-KR" sz="1000" dirty="0" smtClean="0"/>
+              <a:t>        {</a:t>
+            </a:r>
+          </a:p>
+          <a:p>
+            <a:r>
+              <a:rPr lang="en-US" altLang="ko-KR" sz="1000" dirty="0" smtClean="0"/>
+              <a:t>            (*</a:t>
+            </a:r>
+            <a:r>
+              <a:rPr lang="en-US" altLang="ko-KR" sz="1000" dirty="0" err="1" smtClean="0"/>
+              <a:t>iMap</a:t>
+            </a:r>
+            <a:r>
+              <a:rPr lang="en-US" altLang="ko-KR" sz="1000" dirty="0" smtClean="0"/>
+              <a:t>)[38][x] = 0;</a:t>
+            </a:r>
+          </a:p>
+          <a:p>
+            <a:r>
+              <a:rPr lang="en-US" altLang="ko-KR" sz="1000" dirty="0"/>
+              <a:t> </a:t>
+            </a:r>
+            <a:r>
+              <a:rPr lang="en-US" altLang="ko-KR" sz="1000" dirty="0" smtClean="0"/>
+              <a:t>        }</a:t>
+            </a:r>
+          </a:p>
+          <a:p>
+            <a:r>
+              <a:rPr lang="en-US" altLang="ko-KR" sz="1000" dirty="0"/>
+              <a:t> </a:t>
+            </a:r>
+            <a:r>
+              <a:rPr lang="en-US" altLang="ko-KR" sz="1000" dirty="0" smtClean="0"/>
+              <a:t>        else</a:t>
+            </a:r>
+          </a:p>
+          <a:p>
+            <a:r>
+              <a:rPr lang="en-US" altLang="ko-KR" sz="1000" dirty="0"/>
+              <a:t> </a:t>
+            </a:r>
+            <a:r>
+              <a:rPr lang="en-US" altLang="ko-KR" sz="1000" dirty="0" smtClean="0"/>
+              <a:t>        {</a:t>
+            </a:r>
+          </a:p>
+          <a:p>
+            <a:r>
+              <a:rPr lang="en-US" altLang="ko-KR" sz="1000" dirty="0"/>
+              <a:t>  </a:t>
+            </a:r>
+            <a:r>
+              <a:rPr lang="en-US" altLang="ko-KR" sz="1000" dirty="0" smtClean="0"/>
+              <a:t>          (*</a:t>
+            </a:r>
+            <a:r>
+              <a:rPr lang="en-US" altLang="ko-KR" sz="1000" dirty="0" err="1"/>
+              <a:t>iMap</a:t>
+            </a:r>
+            <a:r>
+              <a:rPr lang="en-US" altLang="ko-KR" sz="1000" dirty="0"/>
+              <a:t>)[38</a:t>
+            </a:r>
+            <a:r>
+              <a:rPr lang="en-US" altLang="ko-KR" sz="1000" dirty="0" smtClean="0"/>
+              <a:t>][x] </a:t>
+            </a:r>
+            <a:r>
+              <a:rPr lang="en-US" altLang="ko-KR" sz="1000" dirty="0"/>
+              <a:t>= </a:t>
+            </a:r>
+            <a:r>
+              <a:rPr lang="en-US" altLang="ko-KR" sz="1000" dirty="0" smtClean="0"/>
+              <a:t>1;         </a:t>
+            </a:r>
+          </a:p>
+          <a:p>
+            <a:r>
+              <a:rPr lang="en-US" altLang="ko-KR" sz="1000" dirty="0"/>
+              <a:t> </a:t>
+            </a:r>
+            <a:r>
+              <a:rPr lang="en-US" altLang="ko-KR" sz="1000" dirty="0" smtClean="0"/>
+              <a:t>        }</a:t>
+            </a:r>
+          </a:p>
+          <a:p>
+            <a:r>
+              <a:rPr lang="en-US" altLang="ko-KR" sz="1000" dirty="0"/>
+              <a:t> </a:t>
+            </a:r>
+            <a:r>
+              <a:rPr lang="en-US" altLang="ko-KR" sz="1000" dirty="0" smtClean="0"/>
+              <a:t>     }</a:t>
+            </a:r>
+          </a:p>
+          <a:p>
+            <a:r>
+              <a:rPr lang="en-US" altLang="ko-KR" sz="1000" dirty="0"/>
+              <a:t> </a:t>
+            </a:r>
+            <a:r>
+              <a:rPr lang="en-US" altLang="ko-KR" sz="1000" dirty="0" smtClean="0"/>
+              <a:t>     else if(</a:t>
+            </a:r>
+            <a:r>
+              <a:rPr lang="en-US" altLang="ko-KR" sz="1000" dirty="0" err="1" smtClean="0"/>
+              <a:t>checkRand</a:t>
+            </a:r>
+            <a:r>
+              <a:rPr lang="en-US" altLang="ko-KR" sz="1000" dirty="0" smtClean="0"/>
+              <a:t> == 1)</a:t>
+            </a:r>
+          </a:p>
+          <a:p>
+            <a:r>
+              <a:rPr lang="en-US" altLang="ko-KR" sz="1000" dirty="0"/>
+              <a:t> </a:t>
+            </a:r>
+            <a:r>
+              <a:rPr lang="en-US" altLang="ko-KR" sz="1000" dirty="0" smtClean="0"/>
+              <a:t>     {</a:t>
+            </a:r>
+          </a:p>
+          <a:p>
+            <a:r>
+              <a:rPr lang="en-US" altLang="ko-KR" sz="1000" dirty="0" smtClean="0"/>
+              <a:t>         </a:t>
+            </a:r>
+            <a:r>
+              <a:rPr lang="en-US" altLang="ko-KR" sz="1000" dirty="0"/>
+              <a:t>if(x == </a:t>
+            </a:r>
+            <a:r>
+              <a:rPr lang="en-US" altLang="ko-KR" sz="1000" dirty="0" err="1"/>
+              <a:t>firstRand</a:t>
+            </a:r>
+            <a:r>
+              <a:rPr lang="en-US" altLang="ko-KR" sz="1000" dirty="0"/>
+              <a:t>)</a:t>
+            </a:r>
+          </a:p>
+          <a:p>
+            <a:r>
+              <a:rPr lang="en-US" altLang="ko-KR" sz="1000" dirty="0"/>
+              <a:t>         {</a:t>
+            </a:r>
+          </a:p>
+          <a:p>
+            <a:r>
+              <a:rPr lang="en-US" altLang="ko-KR" sz="1000" dirty="0"/>
+              <a:t>            (*</a:t>
+            </a:r>
+            <a:r>
+              <a:rPr lang="en-US" altLang="ko-KR" sz="1000" dirty="0" err="1"/>
+              <a:t>iMap</a:t>
+            </a:r>
+            <a:r>
+              <a:rPr lang="en-US" altLang="ko-KR" sz="1000" dirty="0"/>
+              <a:t>)[38][x] = 0;</a:t>
+            </a:r>
+          </a:p>
+          <a:p>
+            <a:r>
+              <a:rPr lang="en-US" altLang="ko-KR" sz="1000" dirty="0"/>
+              <a:t>         </a:t>
+            </a:r>
+            <a:r>
+              <a:rPr lang="en-US" altLang="ko-KR" sz="1000" dirty="0" smtClean="0"/>
+              <a:t>}</a:t>
+            </a:r>
+          </a:p>
+          <a:p>
+            <a:r>
+              <a:rPr lang="en-US" altLang="ko-KR" sz="1000" dirty="0" smtClean="0"/>
+              <a:t>         else if(x </a:t>
+            </a:r>
+            <a:r>
+              <a:rPr lang="en-US" altLang="ko-KR" sz="1000" dirty="0"/>
+              <a:t>== </a:t>
+            </a:r>
+            <a:r>
+              <a:rPr lang="en-US" altLang="ko-KR" sz="1000" dirty="0" err="1" smtClean="0"/>
+              <a:t>secondRand</a:t>
+            </a:r>
+            <a:r>
+              <a:rPr lang="en-US" altLang="ko-KR" sz="1000" dirty="0" smtClean="0"/>
+              <a:t>)</a:t>
+            </a:r>
+            <a:endParaRPr lang="en-US" altLang="ko-KR" sz="1000" dirty="0"/>
+          </a:p>
+          <a:p>
+            <a:r>
+              <a:rPr lang="en-US" altLang="ko-KR" sz="1000" dirty="0"/>
+              <a:t>         {</a:t>
+            </a:r>
+          </a:p>
+          <a:p>
+            <a:r>
+              <a:rPr lang="en-US" altLang="ko-KR" sz="1000" dirty="0"/>
+              <a:t>            (*</a:t>
+            </a:r>
+            <a:r>
+              <a:rPr lang="en-US" altLang="ko-KR" sz="1000" dirty="0" err="1"/>
+              <a:t>iMap</a:t>
+            </a:r>
+            <a:r>
+              <a:rPr lang="en-US" altLang="ko-KR" sz="1000" dirty="0"/>
+              <a:t>)[38][x] = 0;</a:t>
+            </a:r>
+          </a:p>
+          <a:p>
+            <a:r>
+              <a:rPr lang="en-US" altLang="ko-KR" sz="1000" dirty="0"/>
+              <a:t>         }</a:t>
+            </a:r>
+          </a:p>
+          <a:p>
+            <a:r>
+              <a:rPr lang="en-US" altLang="ko-KR" sz="1000" dirty="0"/>
+              <a:t>         else</a:t>
+            </a:r>
+          </a:p>
+          <a:p>
+            <a:r>
+              <a:rPr lang="en-US" altLang="ko-KR" sz="1000" dirty="0"/>
+              <a:t>         {</a:t>
+            </a:r>
+          </a:p>
+          <a:p>
+            <a:r>
+              <a:rPr lang="en-US" altLang="ko-KR" sz="1000" dirty="0"/>
+              <a:t>            (*</a:t>
+            </a:r>
+            <a:r>
+              <a:rPr lang="en-US" altLang="ko-KR" sz="1000" dirty="0" err="1"/>
+              <a:t>iMap</a:t>
+            </a:r>
+            <a:r>
+              <a:rPr lang="en-US" altLang="ko-KR" sz="1000" dirty="0"/>
+              <a:t>)[38][x] = 1;         </a:t>
+            </a:r>
+          </a:p>
+          <a:p>
+            <a:r>
+              <a:rPr lang="en-US" altLang="ko-KR" sz="1000" dirty="0"/>
+              <a:t>         }</a:t>
+            </a:r>
+            <a:endParaRPr lang="en-US" altLang="ko-KR" sz="1000" dirty="0" smtClean="0"/>
+          </a:p>
+          <a:p>
+            <a:r>
+              <a:rPr lang="en-US" altLang="ko-KR" sz="1000" dirty="0"/>
+              <a:t> </a:t>
+            </a:r>
+            <a:r>
+              <a:rPr lang="en-US" altLang="ko-KR" sz="1000" dirty="0" smtClean="0"/>
+              <a:t>     }</a:t>
+            </a:r>
+          </a:p>
+          <a:p>
+            <a:r>
+              <a:rPr lang="en-US" altLang="ko-KR" sz="1000" dirty="0"/>
+              <a:t> </a:t>
+            </a:r>
+            <a:r>
+              <a:rPr lang="en-US" altLang="ko-KR" sz="1000" dirty="0" smtClean="0"/>
+              <a:t>  }</a:t>
+            </a:r>
+            <a:endParaRPr lang="en-US" altLang="ko-KR" sz="1000" dirty="0"/>
+          </a:p>
+          <a:p>
+            <a:r>
+              <a:rPr lang="en-US" altLang="ko-KR" sz="1000" dirty="0" smtClean="0"/>
+              <a:t>}</a:t>
+            </a:r>
+            <a:endParaRPr lang="en-US" altLang="ko-KR" sz="1000" dirty="0"/>
+          </a:p>
+        </p:txBody>
+      </p:sp>
+      <p:sp>
+        <p:nvSpPr>
+          <p:cNvPr id="11" name="TextBox 10"/>
+          <p:cNvSpPr txBox="1"/>
+          <p:nvPr/>
+        </p:nvSpPr>
+        <p:spPr>
+          <a:xfrm>
+            <a:off x="2285917" y="178964"/>
+            <a:ext cx="3215640" cy="2400657"/>
+          </a:xfrm>
+          <a:prstGeom prst="rect">
+            <a:avLst/>
+          </a:prstGeom>
+          <a:noFill/>
+        </p:spPr>
+        <p:txBody>
+          <a:bodyPr wrap="square" rtlCol="0">
+            <a:spAutoFit/>
+          </a:bodyPr>
+          <a:lstStyle/>
+          <a:p>
+            <a:r>
+              <a:rPr lang="en-US" altLang="ko-KR" sz="1000" dirty="0" err="1" smtClean="0"/>
+              <a:t>LineChief</a:t>
+            </a:r>
+            <a:r>
+              <a:rPr lang="en-US" altLang="ko-KR" sz="1000" dirty="0" smtClean="0"/>
+              <a:t>::</a:t>
+            </a:r>
+            <a:r>
+              <a:rPr lang="en-US" altLang="ko-KR" sz="1000" dirty="0" err="1" smtClean="0"/>
+              <a:t>LineChief</a:t>
+            </a:r>
+            <a:r>
+              <a:rPr lang="en-US" altLang="ko-KR" sz="1000" dirty="0" smtClean="0"/>
+              <a:t>()</a:t>
+            </a:r>
+          </a:p>
+          <a:p>
+            <a:r>
+              <a:rPr lang="en-US" altLang="ko-KR" sz="1000" dirty="0" smtClean="0"/>
+              <a:t>{</a:t>
+            </a:r>
+          </a:p>
+          <a:p>
+            <a:endParaRPr lang="en-US" altLang="ko-KR" sz="1000" dirty="0"/>
+          </a:p>
+          <a:p>
+            <a:r>
+              <a:rPr lang="en-US" altLang="ko-KR" sz="1000" dirty="0" smtClean="0"/>
+              <a:t>}</a:t>
+            </a:r>
+          </a:p>
+          <a:p>
+            <a:endParaRPr lang="en-US" altLang="ko-KR" sz="1000" dirty="0"/>
+          </a:p>
+          <a:p>
+            <a:r>
+              <a:rPr lang="en-US" altLang="ko-KR" sz="1000" dirty="0" err="1" smtClean="0"/>
+              <a:t>LineChief</a:t>
+            </a:r>
+            <a:r>
+              <a:rPr lang="en-US" altLang="ko-KR" sz="1000" dirty="0" smtClean="0"/>
+              <a:t>::</a:t>
+            </a:r>
+            <a:r>
+              <a:rPr lang="en-US" altLang="ko-KR" sz="1000" dirty="0" err="1" smtClean="0"/>
+              <a:t>LineChief</a:t>
+            </a:r>
+            <a:r>
+              <a:rPr lang="en-US" altLang="ko-KR" sz="1000" dirty="0" smtClean="0"/>
+              <a:t>(</a:t>
+            </a:r>
+            <a:r>
+              <a:rPr lang="en-US" altLang="ko-KR" sz="1000" dirty="0" err="1" smtClean="0"/>
+              <a:t>int</a:t>
+            </a:r>
+            <a:r>
+              <a:rPr lang="en-US" altLang="ko-KR" sz="1000" dirty="0" smtClean="0"/>
+              <a:t> map[40][20])</a:t>
+            </a:r>
+          </a:p>
+          <a:p>
+            <a:r>
+              <a:rPr lang="en-US" altLang="ko-KR" sz="1000" dirty="0" smtClean="0"/>
+              <a:t>{</a:t>
+            </a:r>
+          </a:p>
+          <a:p>
+            <a:r>
+              <a:rPr lang="en-US" altLang="ko-KR" sz="1000" dirty="0" smtClean="0"/>
+              <a:t>   </a:t>
+            </a:r>
+            <a:r>
+              <a:rPr lang="en-US" altLang="ko-KR" sz="1000" dirty="0" err="1" smtClean="0"/>
+              <a:t>pMap</a:t>
+            </a:r>
+            <a:r>
+              <a:rPr lang="en-US" altLang="ko-KR" sz="1000" dirty="0" smtClean="0"/>
+              <a:t> = map;</a:t>
+            </a:r>
+            <a:endParaRPr lang="en-US" altLang="ko-KR" sz="1000" dirty="0"/>
+          </a:p>
+          <a:p>
+            <a:r>
+              <a:rPr lang="en-US" altLang="ko-KR" sz="1000" dirty="0" smtClean="0"/>
+              <a:t>}</a:t>
+            </a:r>
+            <a:endParaRPr lang="en-US" altLang="ko-KR" sz="1000" dirty="0" smtClean="0"/>
+          </a:p>
+          <a:p>
+            <a:endParaRPr lang="en-US" altLang="ko-KR" sz="1000" dirty="0"/>
+          </a:p>
+          <a:p>
+            <a:endParaRPr lang="en-US" altLang="ko-KR" sz="1000" dirty="0" smtClean="0"/>
+          </a:p>
+          <a:p>
+            <a:r>
+              <a:rPr lang="en-US" altLang="ko-KR" sz="1000" dirty="0" smtClean="0"/>
+              <a:t>Void </a:t>
+            </a:r>
+            <a:r>
+              <a:rPr lang="en-US" altLang="ko-KR" sz="1000" dirty="0" err="1" smtClean="0"/>
+              <a:t>ChkTetrMove</a:t>
+            </a:r>
+            <a:r>
+              <a:rPr lang="en-US" altLang="ko-KR" sz="1000" dirty="0" smtClean="0"/>
+              <a:t>(bool </a:t>
+            </a:r>
+            <a:r>
+              <a:rPr lang="en-US" altLang="ko-KR" sz="1000" dirty="0" err="1" smtClean="0"/>
+              <a:t>isCheck</a:t>
+            </a:r>
+            <a:r>
+              <a:rPr lang="en-US" altLang="ko-KR" sz="1000" dirty="0" smtClean="0"/>
+              <a:t>)</a:t>
+            </a:r>
+          </a:p>
+          <a:p>
+            <a:r>
+              <a:rPr lang="en-US" altLang="ko-KR" sz="1000" dirty="0" smtClean="0"/>
+              <a:t>{</a:t>
+            </a:r>
+          </a:p>
+          <a:p>
+            <a:r>
+              <a:rPr lang="en-US" altLang="ko-KR" sz="1000" dirty="0" smtClean="0"/>
+              <a:t>   </a:t>
+            </a:r>
+            <a:r>
+              <a:rPr lang="en-US" altLang="ko-KR" sz="1000" dirty="0" err="1" smtClean="0"/>
+              <a:t>isTerStop</a:t>
+            </a:r>
+            <a:r>
+              <a:rPr lang="en-US" altLang="ko-KR" sz="1000" dirty="0" smtClean="0"/>
+              <a:t> = </a:t>
+            </a:r>
+            <a:r>
+              <a:rPr lang="en-US" altLang="ko-KR" sz="1000" dirty="0" err="1" smtClean="0"/>
+              <a:t>isCheck</a:t>
+            </a:r>
+            <a:r>
+              <a:rPr lang="en-US" altLang="ko-KR" sz="1000" dirty="0" smtClean="0"/>
+              <a:t>;</a:t>
+            </a:r>
+          </a:p>
+          <a:p>
+            <a:r>
+              <a:rPr lang="en-US" altLang="ko-KR" sz="1000" dirty="0" smtClean="0"/>
+              <a:t>}</a:t>
+            </a:r>
+            <a:endParaRPr lang="en-US" altLang="ko-KR" sz="1000" dirty="0" smtClean="0"/>
+          </a:p>
+        </p:txBody>
+      </p:sp>
+    </p:spTree>
+    <p:extLst>
+      <p:ext uri="{BB962C8B-B14F-4D97-AF65-F5344CB8AC3E}">
+        <p14:creationId xmlns:p14="http://schemas.microsoft.com/office/powerpoint/2010/main" val="2419479265"/>
+      </p:ext>
+    </p:extLst>
+  </p:cSld>
+  <p:clrMapOvr>
+    <a:masterClrMapping/>
+  </p:clrMapOvr>
+  <p:timing>
+    <p:tnLst>
+      <p:par>
+        <p:cTn id="1" dur="indefinite" restart="never" nodeType="tmRoot"/>
+      </p:par>
+    </p:tnLst>
+  </p:timing>
+</p:sld>
+</file>
+
+<file path=ppt/slides/slide5.xml><?xml version="1.0" encoding="utf-8"?>
+<p:sld xmlns:a="http://schemas.openxmlformats.org/drawingml/2006/main" xmlns:r="http://schemas.openxmlformats.org/officeDocument/2006/relationships" xmlns:p="http://schemas.openxmlformats.org/presentationml/2006/main">
+  <p:cSld>
+    <p:spTree>
+      <p:nvGrpSpPr>
+        <p:cNvPr id="1" name=""/>
+        <p:cNvGrpSpPr/>
+        <p:nvPr/>
+      </p:nvGrpSpPr>
+      <p:grpSpPr>
+        <a:xfrm>
+          <a:off x="0" y="0"/>
+          <a:ext cx="0" cy="0"/>
+          <a:chOff x="0" y="0"/>
+          <a:chExt cx="0" cy="0"/>
+        </a:xfrm>
+      </p:grpSpPr>
+      <p:sp>
+        <p:nvSpPr>
           <p:cNvPr id="4" name="TextBox 3"/>
           <p:cNvSpPr txBox="1"/>
           <p:nvPr/>
@@ -9146,7 +9732,7 @@
 </p:sld>
 </file>
 
-<file path=ppt/slides/slide5.xml><?xml version="1.0" encoding="utf-8"?>
+<file path=ppt/slides/slide6.xml><?xml version="1.0" encoding="utf-8"?>
 <p:sld xmlns:a="http://schemas.openxmlformats.org/drawingml/2006/main" xmlns:r="http://schemas.openxmlformats.org/officeDocument/2006/relationships" xmlns:p="http://schemas.openxmlformats.org/presentationml/2006/main">
   <p:cSld>
     <p:spTree>
@@ -9286,7 +9872,6 @@
               <a:rPr lang="en-US" altLang="ko-KR" sz="1000" dirty="0" smtClean="0"/>
               <a:t> key = 0;</a:t>
             </a:r>
-            <a:endParaRPr lang="en-US" altLang="ko-KR" sz="1000" dirty="0" smtClean="0"/>
           </a:p>
           <a:p>
             <a:r>
@@ -9546,11 +10131,7 @@
             </a:r>
             <a:r>
               <a:rPr lang="en-US" altLang="ko-KR" sz="1000" dirty="0" smtClean="0"/>
-              <a:t>  </a:t>
-            </a:r>
-            <a:r>
-              <a:rPr lang="en-US" altLang="ko-KR" sz="1000" dirty="0" smtClean="0"/>
-              <a:t>delete </a:t>
+              <a:t>  delete </a:t>
             </a:r>
             <a:r>
               <a:rPr lang="en-US" altLang="ko-KR" sz="1000" dirty="0" err="1" smtClean="0"/>
@@ -9584,7 +10165,7 @@
 </p:sld>
 </file>
 
-<file path=ppt/slides/slide6.xml><?xml version="1.0" encoding="utf-8"?>
+<file path=ppt/slides/slide7.xml><?xml version="1.0" encoding="utf-8"?>
 <p:sld xmlns:a="http://schemas.openxmlformats.org/drawingml/2006/main" xmlns:r="http://schemas.openxmlformats.org/officeDocument/2006/relationships" xmlns:p="http://schemas.openxmlformats.org/presentationml/2006/main">
   <p:cSld>
     <p:spTree>

--- a/Tetris.pptx
+++ b/Tetris.pptx
@@ -249,7 +249,7 @@
           <a:p>
             <a:fld id="{CCD74C96-3BD0-408D-9878-32E1E1448232}" type="datetimeFigureOut">
               <a:rPr lang="ko-KR" altLang="en-US" smtClean="0"/>
-              <a:t>2021-02-03</a:t>
+              <a:t>2021-02-04</a:t>
             </a:fld>
             <a:endParaRPr lang="ko-KR" altLang="en-US"/>
           </a:p>
@@ -419,7 +419,7 @@
           <a:p>
             <a:fld id="{CCD74C96-3BD0-408D-9878-32E1E1448232}" type="datetimeFigureOut">
               <a:rPr lang="ko-KR" altLang="en-US" smtClean="0"/>
-              <a:t>2021-02-03</a:t>
+              <a:t>2021-02-04</a:t>
             </a:fld>
             <a:endParaRPr lang="ko-KR" altLang="en-US"/>
           </a:p>
@@ -599,7 +599,7 @@
           <a:p>
             <a:fld id="{CCD74C96-3BD0-408D-9878-32E1E1448232}" type="datetimeFigureOut">
               <a:rPr lang="ko-KR" altLang="en-US" smtClean="0"/>
-              <a:t>2021-02-03</a:t>
+              <a:t>2021-02-04</a:t>
             </a:fld>
             <a:endParaRPr lang="ko-KR" altLang="en-US"/>
           </a:p>
@@ -769,7 +769,7 @@
           <a:p>
             <a:fld id="{CCD74C96-3BD0-408D-9878-32E1E1448232}" type="datetimeFigureOut">
               <a:rPr lang="ko-KR" altLang="en-US" smtClean="0"/>
-              <a:t>2021-02-03</a:t>
+              <a:t>2021-02-04</a:t>
             </a:fld>
             <a:endParaRPr lang="ko-KR" altLang="en-US"/>
           </a:p>
@@ -1015,7 +1015,7 @@
           <a:p>
             <a:fld id="{CCD74C96-3BD0-408D-9878-32E1E1448232}" type="datetimeFigureOut">
               <a:rPr lang="ko-KR" altLang="en-US" smtClean="0"/>
-              <a:t>2021-02-03</a:t>
+              <a:t>2021-02-04</a:t>
             </a:fld>
             <a:endParaRPr lang="ko-KR" altLang="en-US"/>
           </a:p>
@@ -1247,7 +1247,7 @@
           <a:p>
             <a:fld id="{CCD74C96-3BD0-408D-9878-32E1E1448232}" type="datetimeFigureOut">
               <a:rPr lang="ko-KR" altLang="en-US" smtClean="0"/>
-              <a:t>2021-02-03</a:t>
+              <a:t>2021-02-04</a:t>
             </a:fld>
             <a:endParaRPr lang="ko-KR" altLang="en-US"/>
           </a:p>
@@ -1614,7 +1614,7 @@
           <a:p>
             <a:fld id="{CCD74C96-3BD0-408D-9878-32E1E1448232}" type="datetimeFigureOut">
               <a:rPr lang="ko-KR" altLang="en-US" smtClean="0"/>
-              <a:t>2021-02-03</a:t>
+              <a:t>2021-02-04</a:t>
             </a:fld>
             <a:endParaRPr lang="ko-KR" altLang="en-US"/>
           </a:p>
@@ -1732,7 +1732,7 @@
           <a:p>
             <a:fld id="{CCD74C96-3BD0-408D-9878-32E1E1448232}" type="datetimeFigureOut">
               <a:rPr lang="ko-KR" altLang="en-US" smtClean="0"/>
-              <a:t>2021-02-03</a:t>
+              <a:t>2021-02-04</a:t>
             </a:fld>
             <a:endParaRPr lang="ko-KR" altLang="en-US"/>
           </a:p>
@@ -1827,7 +1827,7 @@
           <a:p>
             <a:fld id="{CCD74C96-3BD0-408D-9878-32E1E1448232}" type="datetimeFigureOut">
               <a:rPr lang="ko-KR" altLang="en-US" smtClean="0"/>
-              <a:t>2021-02-03</a:t>
+              <a:t>2021-02-04</a:t>
             </a:fld>
             <a:endParaRPr lang="ko-KR" altLang="en-US"/>
           </a:p>
@@ -2104,7 +2104,7 @@
           <a:p>
             <a:fld id="{CCD74C96-3BD0-408D-9878-32E1E1448232}" type="datetimeFigureOut">
               <a:rPr lang="ko-KR" altLang="en-US" smtClean="0"/>
-              <a:t>2021-02-03</a:t>
+              <a:t>2021-02-04</a:t>
             </a:fld>
             <a:endParaRPr lang="ko-KR" altLang="en-US"/>
           </a:p>
@@ -2357,7 +2357,7 @@
           <a:p>
             <a:fld id="{CCD74C96-3BD0-408D-9878-32E1E1448232}" type="datetimeFigureOut">
               <a:rPr lang="ko-KR" altLang="en-US" smtClean="0"/>
-              <a:t>2021-02-03</a:t>
+              <a:t>2021-02-04</a:t>
             </a:fld>
             <a:endParaRPr lang="ko-KR" altLang="en-US"/>
           </a:p>
@@ -2570,7 +2570,7 @@
           <a:p>
             <a:fld id="{CCD74C96-3BD0-408D-9878-32E1E1448232}" type="datetimeFigureOut">
               <a:rPr lang="ko-KR" altLang="en-US" smtClean="0"/>
-              <a:t>2021-02-03</a:t>
+              <a:t>2021-02-04</a:t>
             </a:fld>
             <a:endParaRPr lang="ko-KR" altLang="en-US"/>
           </a:p>
@@ -3290,7 +3290,7 @@
         <p:spPr>
           <a:xfrm>
             <a:off x="2251892" y="411480"/>
-            <a:ext cx="6293708" cy="4555093"/>
+            <a:ext cx="6293708" cy="4401205"/>
           </a:xfrm>
           <a:prstGeom prst="rect">
             <a:avLst/>
@@ -3425,67 +3425,13 @@
               <a:t>   </a:t>
             </a:r>
             <a:r>
-              <a:rPr lang="en-US" altLang="ko-KR" sz="1000" dirty="0" err="1" smtClean="0"/>
-              <a:t>int</a:t>
-            </a:r>
-            <a:r>
-              <a:rPr lang="en-US" altLang="ko-KR" sz="1000" dirty="0" smtClean="0"/>
-              <a:t> </a:t>
-            </a:r>
-            <a:r>
-              <a:rPr lang="en-US" altLang="ko-KR" sz="1000" dirty="0" err="1" smtClean="0"/>
-              <a:t>posTetrisY</a:t>
-            </a:r>
-            <a:r>
-              <a:rPr lang="en-US" altLang="ko-KR" sz="1000" dirty="0" smtClean="0"/>
-              <a:t>[4] = { 0 };</a:t>
+              <a:rPr lang="en-US" altLang="ko-KR" sz="1000" dirty="0" smtClean="0"/>
+              <a:t>   </a:t>
             </a:r>
             <a:endParaRPr lang="en-US" altLang="ko-KR" sz="1000" dirty="0"/>
           </a:p>
           <a:p>
             <a:r>
-              <a:rPr lang="en-US" altLang="ko-KR" sz="1000" dirty="0"/>
-              <a:t>   </a:t>
-            </a:r>
-            <a:r>
-              <a:rPr lang="en-US" altLang="ko-KR" sz="1000" dirty="0" err="1" smtClean="0"/>
-              <a:t>int</a:t>
-            </a:r>
-            <a:r>
-              <a:rPr lang="en-US" altLang="ko-KR" sz="1000" dirty="0" smtClean="0"/>
-              <a:t> </a:t>
-            </a:r>
-            <a:r>
-              <a:rPr lang="en-US" altLang="ko-KR" sz="1000" dirty="0" err="1" smtClean="0"/>
-              <a:t>posTetrisX</a:t>
-            </a:r>
-            <a:r>
-              <a:rPr lang="en-US" altLang="ko-KR" sz="1000" dirty="0" smtClean="0"/>
-              <a:t>[4] </a:t>
-            </a:r>
-            <a:r>
-              <a:rPr lang="en-US" altLang="ko-KR" sz="1000" dirty="0"/>
-              <a:t>= { 0 </a:t>
-            </a:r>
-            <a:r>
-              <a:rPr lang="en-US" altLang="ko-KR" sz="1000" dirty="0" smtClean="0"/>
-              <a:t>};</a:t>
-            </a:r>
-            <a:endParaRPr lang="en-US" altLang="ko-KR" sz="1000" dirty="0" smtClean="0"/>
-          </a:p>
-          <a:p>
-            <a:r>
-              <a:rPr lang="en-US" altLang="ko-KR" sz="1000" dirty="0"/>
-              <a:t> </a:t>
-            </a:r>
-            <a:r>
-              <a:rPr lang="en-US" altLang="ko-KR" sz="1000" dirty="0" smtClean="0"/>
-              <a:t>  </a:t>
-            </a:r>
-            <a:endParaRPr lang="en-US" altLang="ko-KR" sz="1000" dirty="0"/>
-          </a:p>
-          <a:p>
-            <a:r>
               <a:rPr lang="en-US" altLang="ko-KR" sz="1000" dirty="0" smtClean="0"/>
               <a:t>Public:</a:t>
             </a:r>
@@ -3497,13 +3443,8 @@
             </a:r>
             <a:r>
               <a:rPr lang="en-US" altLang="ko-KR" sz="1000" dirty="0" smtClean="0"/>
-              <a:t>  Tetris</a:t>
-            </a:r>
-            <a:r>
-              <a:rPr lang="en-US" altLang="ko-KR" sz="1000" dirty="0" smtClean="0"/>
-              <a:t>();;</a:t>
-            </a:r>
-            <a:endParaRPr lang="en-US" altLang="ko-KR" sz="1000" dirty="0" smtClean="0"/>
+              <a:t>  Tetris();;</a:t>
+            </a:r>
           </a:p>
           <a:p>
             <a:r>
@@ -3660,16 +3601,11 @@
               <a:rPr lang="en-US" altLang="ko-KR" sz="1000" dirty="0" smtClean="0"/>
               <a:t>();</a:t>
             </a:r>
-            <a:endParaRPr lang="en-US" altLang="ko-KR" sz="1000" dirty="0" smtClean="0"/>
-          </a:p>
-          <a:p>
-            <a:r>
-              <a:rPr lang="en-US" altLang="ko-KR" sz="1000" dirty="0"/>
-              <a:t> </a:t>
-            </a:r>
-            <a:r>
-              <a:rPr lang="en-US" altLang="ko-KR" sz="1000" dirty="0" smtClean="0"/>
-              <a:t>  bool </a:t>
+          </a:p>
+          <a:p>
+            <a:r>
+              <a:rPr lang="en-US" altLang="ko-KR" sz="1000" dirty="0" smtClean="0"/>
+              <a:t>   bool </a:t>
             </a:r>
             <a:r>
               <a:rPr lang="en-US" altLang="ko-KR" sz="1000" dirty="0" err="1" smtClean="0"/>
@@ -3729,7 +3665,6 @@
               <a:rPr lang="en-US" altLang="ko-KR" sz="1000" dirty="0" smtClean="0"/>
               <a:t>()</a:t>
             </a:r>
-            <a:endParaRPr lang="en-US" altLang="ko-KR" sz="1000" dirty="0" smtClean="0"/>
           </a:p>
           <a:p>
             <a:r>
@@ -3752,11 +3687,7 @@
             </a:r>
             <a:r>
               <a:rPr lang="en-US" altLang="ko-KR" sz="1000" dirty="0" smtClean="0"/>
-              <a:t>(time(NULL</a:t>
-            </a:r>
-            <a:r>
-              <a:rPr lang="en-US" altLang="ko-KR" sz="1000" dirty="0" smtClean="0"/>
-              <a:t>));</a:t>
+              <a:t>(time(NULL));</a:t>
             </a:r>
           </a:p>
           <a:p>
@@ -5246,7 +5177,7 @@
         <p:spPr>
           <a:xfrm>
             <a:off x="6273141" y="25052"/>
-            <a:ext cx="6293708" cy="2554545"/>
+            <a:ext cx="6293708" cy="2708434"/>
           </a:xfrm>
           <a:prstGeom prst="rect">
             <a:avLst/>
@@ -5396,9 +5327,12 @@
           </a:p>
           <a:p>
             <a:r>
-              <a:rPr lang="en-US" altLang="ko-KR" sz="1000" dirty="0"/>
+              <a:rPr lang="en-US" altLang="ko-KR" sz="1000" dirty="0" smtClean="0"/>
               <a:t>}</a:t>
             </a:r>
+          </a:p>
+          <a:p>
+            <a:endParaRPr lang="en-US" altLang="ko-KR" sz="1000" dirty="0"/>
           </a:p>
           <a:p>
             <a:endParaRPr lang="en-US" altLang="ko-KR" sz="1000" dirty="0"/>
@@ -5451,7 +5385,7 @@
         <p:spPr>
           <a:xfrm>
             <a:off x="0" y="55398"/>
-            <a:ext cx="2553730" cy="5016758"/>
+            <a:ext cx="2553730" cy="5632311"/>
           </a:xfrm>
           <a:prstGeom prst="rect">
             <a:avLst/>
@@ -5487,11 +5421,7 @@
             </a:r>
             <a:r>
               <a:rPr lang="en-US" altLang="ko-KR" sz="1000" dirty="0" smtClean="0"/>
-              <a:t>  private</a:t>
-            </a:r>
-            <a:r>
-              <a:rPr lang="en-US" altLang="ko-KR" sz="1000" dirty="0" smtClean="0"/>
-              <a:t>:</a:t>
+              <a:t>  private:</a:t>
             </a:r>
           </a:p>
           <a:p>
@@ -5511,7 +5441,6 @@
               <a:rPr lang="en-US" altLang="ko-KR" sz="1000" dirty="0" smtClean="0"/>
               <a:t>;</a:t>
             </a:r>
-            <a:endParaRPr lang="en-US" altLang="ko-KR" sz="1000" dirty="0" smtClean="0"/>
           </a:p>
           <a:p>
             <a:r>
@@ -5528,11 +5457,7 @@
             </a:r>
             <a:r>
               <a:rPr lang="en-US" altLang="ko-KR" sz="1000" dirty="0" smtClean="0"/>
-              <a:t> </a:t>
-            </a:r>
-            <a:r>
-              <a:rPr lang="en-US" altLang="ko-KR" sz="1000" dirty="0" smtClean="0"/>
-              <a:t>(*</a:t>
+              <a:t> (*</a:t>
             </a:r>
             <a:r>
               <a:rPr lang="en-US" altLang="ko-KR" sz="1000" dirty="0" err="1"/>
@@ -5544,15 +5469,7 @@
             </a:r>
             <a:r>
               <a:rPr lang="en-US" altLang="ko-KR" sz="1000" dirty="0" smtClean="0"/>
-              <a:t>)[</a:t>
-            </a:r>
-            <a:r>
-              <a:rPr lang="en-US" altLang="ko-KR" sz="1000" dirty="0" smtClean="0"/>
-              <a:t>20</a:t>
-            </a:r>
-            <a:r>
-              <a:rPr lang="en-US" altLang="ko-KR" sz="1000" dirty="0" smtClean="0"/>
-              <a:t>];</a:t>
+              <a:t>)[20];</a:t>
             </a:r>
           </a:p>
           <a:p>
@@ -5580,9 +5497,98 @@
               <a:rPr lang="en-US" altLang="ko-KR" sz="1000" dirty="0" smtClean="0"/>
               <a:t>)[4];</a:t>
             </a:r>
+          </a:p>
+          <a:p>
+            <a:r>
+              <a:rPr lang="en-US" altLang="ko-KR" sz="1000" dirty="0"/>
+              <a:t> </a:t>
+            </a:r>
+            <a:r>
+              <a:rPr lang="en-US" altLang="ko-KR" sz="1000" dirty="0" smtClean="0"/>
+              <a:t>     </a:t>
+            </a:r>
+            <a:r>
+              <a:rPr lang="en-US" altLang="ko-KR" sz="1000" dirty="0" err="1" smtClean="0"/>
+              <a:t>int</a:t>
+            </a:r>
+            <a:r>
+              <a:rPr lang="en-US" altLang="ko-KR" sz="1000" dirty="0" smtClean="0"/>
+              <a:t> </a:t>
+            </a:r>
+            <a:r>
+              <a:rPr lang="en-US" altLang="ko-KR" sz="1000" dirty="0" err="1" smtClean="0"/>
+              <a:t>lineNum</a:t>
+            </a:r>
+            <a:r>
+              <a:rPr lang="en-US" altLang="ko-KR" sz="1000" dirty="0" smtClean="0"/>
+              <a:t>;</a:t>
+            </a:r>
+          </a:p>
+          <a:p>
+            <a:r>
+              <a:rPr lang="en-US" altLang="ko-KR" sz="1000" dirty="0" smtClean="0"/>
+              <a:t>      </a:t>
+            </a:r>
+            <a:r>
+              <a:rPr lang="en-US" altLang="ko-KR" sz="1000" dirty="0" err="1" smtClean="0"/>
+              <a:t>int</a:t>
+            </a:r>
+            <a:r>
+              <a:rPr lang="en-US" altLang="ko-KR" sz="1000" dirty="0" smtClean="0"/>
+              <a:t> </a:t>
+            </a:r>
+            <a:r>
+              <a:rPr lang="en-US" altLang="ko-KR" sz="1000" dirty="0" err="1"/>
+              <a:t>posTetrisY</a:t>
+            </a:r>
+            <a:r>
+              <a:rPr lang="en-US" altLang="ko-KR" sz="1000" dirty="0"/>
+              <a:t>[4] = { 0 };</a:t>
+            </a:r>
+          </a:p>
+          <a:p>
+            <a:r>
+              <a:rPr lang="en-US" altLang="ko-KR" sz="1000" dirty="0"/>
+              <a:t>   </a:t>
+            </a:r>
+            <a:r>
+              <a:rPr lang="en-US" altLang="ko-KR" sz="1000" dirty="0" smtClean="0"/>
+              <a:t>   </a:t>
+            </a:r>
+            <a:r>
+              <a:rPr lang="en-US" altLang="ko-KR" sz="1000" dirty="0" err="1" smtClean="0"/>
+              <a:t>int</a:t>
+            </a:r>
+            <a:r>
+              <a:rPr lang="en-US" altLang="ko-KR" sz="1000" dirty="0" smtClean="0"/>
+              <a:t> </a:t>
+            </a:r>
+            <a:r>
+              <a:rPr lang="en-US" altLang="ko-KR" sz="1000" dirty="0" err="1"/>
+              <a:t>posTetrisX</a:t>
+            </a:r>
+            <a:r>
+              <a:rPr lang="en-US" altLang="ko-KR" sz="1000" dirty="0"/>
+              <a:t>[4] = { 0 };</a:t>
+            </a:r>
+          </a:p>
+          <a:p>
             <a:endParaRPr lang="en-US" altLang="ko-KR" sz="1000" dirty="0" smtClean="0"/>
           </a:p>
           <a:p>
+            <a:endParaRPr lang="en-US" altLang="ko-KR" sz="1000" dirty="0" smtClean="0"/>
+          </a:p>
+          <a:p>
+            <a:r>
+              <a:rPr lang="en-US" altLang="ko-KR" sz="1000" dirty="0"/>
+              <a:t> </a:t>
+            </a:r>
+            <a:r>
+              <a:rPr lang="en-US" altLang="ko-KR" sz="1000" dirty="0" smtClean="0"/>
+              <a:t>  public:</a:t>
+            </a:r>
+          </a:p>
+          <a:p>
             <a:r>
               <a:rPr lang="en-US" altLang="ko-KR" sz="1000" dirty="0"/>
               <a:t> </a:t>
@@ -5593,19 +5599,37 @@
             </a:r>
             <a:r>
               <a:rPr lang="en-US" altLang="ko-KR" sz="1000" dirty="0" err="1" smtClean="0"/>
+              <a:t>TetrisChief</a:t>
+            </a:r>
+            <a:r>
+              <a:rPr lang="en-US" altLang="ko-KR" sz="1000" dirty="0" smtClean="0"/>
+              <a:t>();</a:t>
+            </a:r>
+          </a:p>
+          <a:p>
+            <a:r>
+              <a:rPr lang="en-US" altLang="ko-KR" sz="1000" dirty="0"/>
+              <a:t> </a:t>
+            </a:r>
+            <a:r>
+              <a:rPr lang="en-US" altLang="ko-KR" sz="1000" dirty="0" smtClean="0"/>
+              <a:t>     </a:t>
+            </a:r>
+            <a:r>
+              <a:rPr lang="en-US" altLang="ko-KR" sz="1000" dirty="0" err="1" smtClean="0"/>
+              <a:t>TetrisChief</a:t>
+            </a:r>
+            <a:r>
+              <a:rPr lang="en-US" altLang="ko-KR" sz="1000" dirty="0" smtClean="0"/>
+              <a:t>(</a:t>
+            </a:r>
+            <a:r>
+              <a:rPr lang="en-US" altLang="ko-KR" sz="1000" dirty="0" err="1" smtClean="0"/>
               <a:t>int</a:t>
             </a:r>
             <a:r>
               <a:rPr lang="en-US" altLang="ko-KR" sz="1000" dirty="0" smtClean="0"/>
-              <a:t> </a:t>
-            </a:r>
-            <a:r>
-              <a:rPr lang="en-US" altLang="ko-KR" sz="1000" dirty="0" err="1" smtClean="0"/>
-              <a:t>lineNum</a:t>
-            </a:r>
-            <a:r>
-              <a:rPr lang="en-US" altLang="ko-KR" sz="1000" dirty="0" smtClean="0"/>
-              <a:t>;</a:t>
+              <a:t> (*map)[40][20]);</a:t>
             </a:r>
           </a:p>
           <a:p>
@@ -5618,21 +5642,11 @@
             </a:r>
             <a:r>
               <a:rPr lang="en-US" altLang="ko-KR" sz="1000" dirty="0" smtClean="0"/>
-              <a:t>  public:</a:t>
-            </a:r>
-          </a:p>
-          <a:p>
-            <a:r>
-              <a:rPr lang="en-US" altLang="ko-KR" sz="1000" dirty="0"/>
-              <a:t> </a:t>
-            </a:r>
-            <a:r>
-              <a:rPr lang="en-US" altLang="ko-KR" sz="1000" dirty="0" smtClean="0"/>
-              <a:t>     </a:t>
-            </a:r>
-            <a:r>
-              <a:rPr lang="en-US" altLang="ko-KR" sz="1000" dirty="0" err="1" smtClean="0"/>
-              <a:t>TetrisChief</a:t>
+              <a:t>     void </a:t>
+            </a:r>
+            <a:r>
+              <a:rPr lang="en-US" altLang="ko-KR" sz="1000" dirty="0" err="1" smtClean="0"/>
+              <a:t>TetrisInit</a:t>
             </a:r>
             <a:r>
               <a:rPr lang="en-US" altLang="ko-KR" sz="1000" dirty="0" smtClean="0"/>
@@ -5646,44 +5660,11 @@
             </a:r>
             <a:r>
               <a:rPr lang="en-US" altLang="ko-KR" sz="1000" dirty="0" smtClean="0"/>
-              <a:t>     </a:t>
-            </a:r>
-            <a:r>
-              <a:rPr lang="en-US" altLang="ko-KR" sz="1000" dirty="0" err="1" smtClean="0"/>
-              <a:t>TetrisChief</a:t>
-            </a:r>
-            <a:r>
-              <a:rPr lang="en-US" altLang="ko-KR" sz="1000" dirty="0" smtClean="0"/>
-              <a:t>(</a:t>
-            </a:r>
-            <a:r>
-              <a:rPr lang="en-US" altLang="ko-KR" sz="1000" dirty="0" err="1" smtClean="0"/>
-              <a:t>int</a:t>
-            </a:r>
-            <a:r>
-              <a:rPr lang="en-US" altLang="ko-KR" sz="1000" dirty="0" smtClean="0"/>
-              <a:t> (*map)[40][20</a:t>
-            </a:r>
-            <a:r>
-              <a:rPr lang="en-US" altLang="ko-KR" sz="1000" dirty="0" smtClean="0"/>
-              <a:t>]);</a:t>
-            </a:r>
-          </a:p>
-          <a:p>
-            <a:endParaRPr lang="en-US" altLang="ko-KR" sz="1000" dirty="0" smtClean="0"/>
-          </a:p>
-          <a:p>
-            <a:r>
-              <a:rPr lang="en-US" altLang="ko-KR" sz="1000" dirty="0"/>
-              <a:t> </a:t>
-            </a:r>
-            <a:r>
-              <a:rPr lang="en-US" altLang="ko-KR" sz="1000" dirty="0" smtClean="0"/>
               <a:t>     void </a:t>
             </a:r>
             <a:r>
               <a:rPr lang="en-US" altLang="ko-KR" sz="1000" dirty="0" err="1" smtClean="0"/>
-              <a:t>TetrisInit</a:t>
+              <a:t>TetrisCheck</a:t>
             </a:r>
             <a:r>
               <a:rPr lang="en-US" altLang="ko-KR" sz="1000" dirty="0" smtClean="0"/>
@@ -5701,31 +5682,12 @@
             </a:r>
             <a:r>
               <a:rPr lang="en-US" altLang="ko-KR" sz="1000" dirty="0" err="1" smtClean="0"/>
-              <a:t>TetrisCheck</a:t>
+              <a:t>UpdateTetris</a:t>
             </a:r>
             <a:r>
               <a:rPr lang="en-US" altLang="ko-KR" sz="1000" dirty="0" smtClean="0"/>
               <a:t>();</a:t>
             </a:r>
-          </a:p>
-          <a:p>
-            <a:r>
-              <a:rPr lang="en-US" altLang="ko-KR" sz="1000" dirty="0"/>
-              <a:t> </a:t>
-            </a:r>
-            <a:r>
-              <a:rPr lang="en-US" altLang="ko-KR" sz="1000" dirty="0" smtClean="0"/>
-              <a:t>     void </a:t>
-            </a:r>
-            <a:r>
-              <a:rPr lang="en-US" altLang="ko-KR" sz="1000" dirty="0" err="1" smtClean="0"/>
-              <a:t>UpdateTetris</a:t>
-            </a:r>
-            <a:r>
-              <a:rPr lang="en-US" altLang="ko-KR" sz="1000" dirty="0" smtClean="0"/>
-              <a:t>();</a:t>
-            </a:r>
-            <a:endParaRPr lang="en-US" altLang="ko-KR" sz="1000" dirty="0" smtClean="0"/>
           </a:p>
           <a:p>
             <a:endParaRPr lang="en-US" altLang="ko-KR" sz="1000" dirty="0" smtClean="0"/>
@@ -5780,6 +5742,49 @@
               <a:rPr lang="en-US" altLang="ko-KR" sz="1000" dirty="0"/>
               <a:t>   </a:t>
             </a:r>
+            <a:r>
+              <a:rPr lang="en-US" altLang="ko-KR" sz="1000" dirty="0" err="1" smtClean="0"/>
+              <a:t>tr</a:t>
+            </a:r>
+            <a:r>
+              <a:rPr lang="en-US" altLang="ko-KR" sz="1000" dirty="0" smtClean="0"/>
+              <a:t> = new Tetris();</a:t>
+            </a:r>
+          </a:p>
+          <a:p>
+            <a:r>
+              <a:rPr lang="en-US" altLang="ko-KR" sz="1000" dirty="0"/>
+              <a:t> </a:t>
+            </a:r>
+            <a:r>
+              <a:rPr lang="en-US" altLang="ko-KR" sz="1000" dirty="0" smtClean="0"/>
+              <a:t>  </a:t>
+            </a:r>
+            <a:r>
+              <a:rPr lang="en-US" altLang="ko-KR" sz="1000" dirty="0" err="1" smtClean="0"/>
+              <a:t>pMem</a:t>
+            </a:r>
+            <a:r>
+              <a:rPr lang="en-US" altLang="ko-KR" sz="1000" dirty="0" smtClean="0"/>
+              <a:t> = </a:t>
+            </a:r>
+            <a:r>
+              <a:rPr lang="en-US" altLang="ko-KR" sz="1000" dirty="0" err="1" smtClean="0"/>
+              <a:t>tr</a:t>
+            </a:r>
+            <a:r>
+              <a:rPr lang="en-US" altLang="ko-KR" sz="1000" dirty="0" smtClean="0"/>
+              <a:t>-&gt;</a:t>
+            </a:r>
+            <a:r>
+              <a:rPr lang="en-US" altLang="ko-KR" sz="1000" dirty="0" err="1" smtClean="0"/>
+              <a:t>GetTetrisMember</a:t>
+            </a:r>
+            <a:r>
+              <a:rPr lang="en-US" altLang="ko-KR" sz="1000" dirty="0" smtClean="0"/>
+              <a:t>();</a:t>
+            </a:r>
+            <a:endParaRPr lang="en-US" altLang="ko-KR" sz="1000" dirty="0"/>
           </a:p>
           <a:p>
             <a:r>
@@ -6571,7 +6576,6 @@
               <a:rPr lang="en-US" altLang="ko-KR" sz="1000" dirty="0" smtClean="0"/>
               <a:t>      }</a:t>
             </a:r>
-            <a:endParaRPr lang="en-US" altLang="ko-KR" sz="1000" dirty="0" smtClean="0"/>
           </a:p>
         </p:txBody>
       </p:sp>
@@ -6990,7 +6994,23 @@
             </a:r>
             <a:r>
               <a:rPr lang="en-US" altLang="ko-KR" sz="1000" dirty="0"/>
-              <a:t>] += Member[y][x];</a:t>
+              <a:t>] += </a:t>
+            </a:r>
+            <a:r>
+              <a:rPr lang="en-US" altLang="ko-KR" sz="1000" dirty="0" smtClean="0"/>
+              <a:t>(*</a:t>
+            </a:r>
+            <a:r>
+              <a:rPr lang="en-US" altLang="ko-KR" sz="1000" dirty="0" err="1" smtClean="0"/>
+              <a:t>pMem</a:t>
+            </a:r>
+            <a:r>
+              <a:rPr lang="en-US" altLang="ko-KR" sz="1000" dirty="0" smtClean="0"/>
+              <a:t>)[y</a:t>
+            </a:r>
+            <a:r>
+              <a:rPr lang="en-US" altLang="ko-KR" sz="1000" dirty="0"/>
+              <a:t>][x];</a:t>
             </a:r>
           </a:p>
           <a:p>
@@ -7175,7 +7195,6 @@
               <a:rPr lang="en-US" altLang="ko-KR" sz="1000" dirty="0" smtClean="0"/>
               <a:t>)[20];</a:t>
             </a:r>
-            <a:endParaRPr lang="en-US" altLang="ko-KR" sz="1000" dirty="0" smtClean="0"/>
           </a:p>
           <a:p>
             <a:r>
@@ -7334,7 +7353,6 @@
               <a:rPr lang="en-US" altLang="ko-KR" sz="1000" dirty="0" smtClean="0"/>
               <a:t>}</a:t>
             </a:r>
-            <a:endParaRPr lang="en-US" altLang="ko-KR" sz="1000" dirty="0" smtClean="0"/>
           </a:p>
         </p:txBody>
       </p:sp>
@@ -8913,15 +8931,14 @@
               <a:rPr lang="en-US" altLang="ko-KR" sz="1000" dirty="0" smtClean="0"/>
               <a:t>}</a:t>
             </a:r>
+          </a:p>
+          <a:p>
+            <a:endParaRPr lang="en-US" altLang="ko-KR" sz="1000" dirty="0"/>
+          </a:p>
+          <a:p>
             <a:endParaRPr lang="en-US" altLang="ko-KR" sz="1000" dirty="0" smtClean="0"/>
           </a:p>
           <a:p>
-            <a:endParaRPr lang="en-US" altLang="ko-KR" sz="1000" dirty="0"/>
-          </a:p>
-          <a:p>
-            <a:endParaRPr lang="en-US" altLang="ko-KR" sz="1000" dirty="0" smtClean="0"/>
-          </a:p>
-          <a:p>
             <a:r>
               <a:rPr lang="en-US" altLang="ko-KR" sz="1000" dirty="0" smtClean="0"/>
               <a:t>Void </a:t>
@@ -8976,7 +8993,6 @@
               <a:rPr lang="en-US" altLang="ko-KR" sz="1000" dirty="0" smtClean="0"/>
               <a:t>}</a:t>
             </a:r>
-            <a:endParaRPr lang="en-US" altLang="ko-KR" sz="1000" dirty="0" smtClean="0"/>
           </a:p>
         </p:txBody>
       </p:sp>
@@ -9758,7 +9774,7 @@
         <p:spPr>
           <a:xfrm>
             <a:off x="57665" y="82377"/>
-            <a:ext cx="6293708" cy="2400657"/>
+            <a:ext cx="6293708" cy="2554545"/>
           </a:xfrm>
           <a:prstGeom prst="rect">
             <a:avLst/>
@@ -9822,6 +9838,33 @@
             </a:r>
             <a:r>
               <a:rPr lang="en-US" altLang="ko-KR" sz="1000" dirty="0" err="1" smtClean="0"/>
+              <a:t>LineChief</a:t>
+            </a:r>
+            <a:r>
+              <a:rPr lang="en-US" altLang="ko-KR" sz="1000" dirty="0" smtClean="0"/>
+              <a:t> </a:t>
+            </a:r>
+            <a:r>
+              <a:rPr lang="en-US" altLang="ko-KR" sz="1000" dirty="0" err="1" smtClean="0"/>
+              <a:t>lc</a:t>
+            </a:r>
+            <a:r>
+              <a:rPr lang="en-US" altLang="ko-KR" sz="1000" dirty="0" smtClean="0"/>
+              <a:t>;</a:t>
+            </a:r>
+            <a:endParaRPr lang="en-US" altLang="ko-KR" sz="1000" dirty="0" smtClean="0"/>
+          </a:p>
+          <a:p>
+            <a:r>
+              <a:rPr lang="en-US" altLang="ko-KR" sz="1000" dirty="0"/>
+              <a:t> </a:t>
+            </a:r>
+            <a:r>
+              <a:rPr lang="en-US" altLang="ko-KR" sz="1000" dirty="0" smtClean="0"/>
+              <a:t>   </a:t>
+            </a:r>
+            <a:r>
+              <a:rPr lang="en-US" altLang="ko-KR" sz="1000" dirty="0" err="1" smtClean="0"/>
               <a:t>TetrisChief</a:t>
             </a:r>
             <a:r>
@@ -9944,7 +9987,7 @@
         <p:spPr>
           <a:xfrm>
             <a:off x="1717589" y="82376"/>
-            <a:ext cx="6293708" cy="2862322"/>
+            <a:ext cx="6293708" cy="3170099"/>
           </a:xfrm>
           <a:prstGeom prst="rect">
             <a:avLst/>
@@ -10017,7 +10060,15 @@
             </a:r>
             <a:r>
               <a:rPr lang="en-US" altLang="ko-KR" sz="1000" dirty="0" smtClean="0"/>
-              <a:t>(&amp;map);</a:t>
+              <a:t>(</a:t>
+            </a:r>
+            <a:r>
+              <a:rPr lang="en-US" altLang="ko-KR" sz="1000" dirty="0" err="1" smtClean="0"/>
+              <a:t>mp</a:t>
+            </a:r>
+            <a:r>
+              <a:rPr lang="en-US" altLang="ko-KR" sz="1000" dirty="0" smtClean="0"/>
+              <a:t>-&gt;map);</a:t>
             </a:r>
           </a:p>
           <a:p>
@@ -10027,6 +10078,37 @@
             </a:r>
             <a:r>
               <a:rPr lang="en-US" altLang="ko-KR" sz="1000" dirty="0" err="1" smtClean="0"/>
+              <a:t>lc</a:t>
+            </a:r>
+            <a:r>
+              <a:rPr lang="en-US" altLang="ko-KR" sz="1000" dirty="0" smtClean="0"/>
+              <a:t> = new </a:t>
+            </a:r>
+            <a:r>
+              <a:rPr lang="en-US" altLang="ko-KR" sz="1000" dirty="0" err="1" smtClean="0"/>
+              <a:t>LineChief</a:t>
+            </a:r>
+            <a:r>
+              <a:rPr lang="en-US" altLang="ko-KR" sz="1000" dirty="0" smtClean="0"/>
+              <a:t>(</a:t>
+            </a:r>
+            <a:r>
+              <a:rPr lang="en-US" altLang="ko-KR" sz="1000" dirty="0" err="1" smtClean="0"/>
+              <a:t>mp</a:t>
+            </a:r>
+            <a:r>
+              <a:rPr lang="en-US" altLang="ko-KR" sz="1000" dirty="0" smtClean="0"/>
+              <a:t>-&gt;map);</a:t>
+            </a:r>
+            <a:endParaRPr lang="en-US" altLang="ko-KR" sz="1000" dirty="0" smtClean="0"/>
+          </a:p>
+          <a:p>
+            <a:r>
+              <a:rPr lang="en-US" altLang="ko-KR" sz="1000" dirty="0" smtClean="0"/>
+              <a:t>   </a:t>
+            </a:r>
+            <a:r>
+              <a:rPr lang="en-US" altLang="ko-KR" sz="1000" dirty="0" err="1" smtClean="0"/>
               <a:t>tr</a:t>
             </a:r>
             <a:r>
@@ -10039,8 +10121,13 @@
             </a:r>
             <a:r>
               <a:rPr lang="en-US" altLang="ko-KR" sz="1000" dirty="0" smtClean="0"/>
-              <a:t>Tetris(&amp;map);</a:t>
-            </a:r>
+              <a:t>Tetris</a:t>
+            </a:r>
+            <a:r>
+              <a:rPr lang="en-US" altLang="ko-KR" sz="1000" dirty="0" smtClean="0"/>
+              <a:t>();</a:t>
+            </a:r>
+            <a:endParaRPr lang="en-US" altLang="ko-KR" sz="1000" dirty="0" smtClean="0"/>
           </a:p>
           <a:p>
             <a:r>
@@ -10105,6 +10192,25 @@
               <a:rPr lang="en-US" altLang="ko-KR" sz="1000" dirty="0" smtClean="0"/>
               <a:t>;</a:t>
             </a:r>
+          </a:p>
+          <a:p>
+            <a:r>
+              <a:rPr lang="en-US" altLang="ko-KR" sz="1000" dirty="0"/>
+              <a:t> </a:t>
+            </a:r>
+            <a:r>
+              <a:rPr lang="en-US" altLang="ko-KR" sz="1000" dirty="0" smtClean="0"/>
+              <a:t>  delete </a:t>
+            </a:r>
+            <a:r>
+              <a:rPr lang="en-US" altLang="ko-KR" sz="1000" dirty="0" err="1" smtClean="0"/>
+              <a:t>lc</a:t>
+            </a:r>
+            <a:r>
+              <a:rPr lang="en-US" altLang="ko-KR" sz="1000" dirty="0" smtClean="0"/>
+              <a:t>;</a:t>
+            </a:r>
+            <a:endParaRPr lang="en-US" altLang="ko-KR" sz="1000" dirty="0" smtClean="0"/>
           </a:p>
           <a:p>
             <a:r>
